--- a/2024/2024-10-18 NEWN IPR Updates/ERT-23-10_Steissberg_FY24EOYIPR_2024-10-18.pptx
+++ b/2024/2024-10-18 NEWN IPR Updates/ERT-23-10_Steissberg_FY24EOYIPR_2024-10-18.pptx
@@ -5,22 +5,21 @@
     <p:sldMasterId id="2147483966" r:id="rId4"/>
   </p:sldMasterIdLst>
   <p:notesMasterIdLst>
-    <p:notesMasterId r:id="rId15"/>
+    <p:notesMasterId r:id="rId14"/>
   </p:notesMasterIdLst>
   <p:handoutMasterIdLst>
-    <p:handoutMasterId r:id="rId16"/>
+    <p:handoutMasterId r:id="rId15"/>
   </p:handoutMasterIdLst>
   <p:sldIdLst>
-    <p:sldId id="300" r:id="rId5"/>
-    <p:sldId id="301" r:id="rId6"/>
-    <p:sldId id="303" r:id="rId7"/>
-    <p:sldId id="302" r:id="rId8"/>
-    <p:sldId id="305" r:id="rId9"/>
-    <p:sldId id="606" r:id="rId10"/>
-    <p:sldId id="607" r:id="rId11"/>
-    <p:sldId id="608" r:id="rId12"/>
-    <p:sldId id="605" r:id="rId13"/>
-    <p:sldId id="304" r:id="rId14"/>
+    <p:sldId id="301" r:id="rId5"/>
+    <p:sldId id="303" r:id="rId6"/>
+    <p:sldId id="302" r:id="rId7"/>
+    <p:sldId id="305" r:id="rId8"/>
+    <p:sldId id="606" r:id="rId9"/>
+    <p:sldId id="607" r:id="rId10"/>
+    <p:sldId id="608" r:id="rId11"/>
+    <p:sldId id="605" r:id="rId12"/>
+    <p:sldId id="304" r:id="rId13"/>
   </p:sldIdLst>
   <p:sldSz cx="12192000" cy="6858000"/>
   <p:notesSz cx="6858000" cy="9144000"/>
@@ -212,7 +211,7 @@
           <a:p>
             <a:fld id="{52CF3383-DF08-4C90-8557-22EF3027DD43}" type="datetimeFigureOut">
               <a:rPr lang="en-US" smtClean="0"/>
-              <a:t>9/15/2024</a:t>
+              <a:t>10/22/24</a:t>
             </a:fld>
             <a:endParaRPr lang="en-US"/>
           </a:p>
@@ -342,7 +341,7 @@
           <a:p>
             <a:fld id="{D7D16557-6E8E-4D95-8DF3-2DE1590C714A}" type="datetimeFigureOut">
               <a:rPr lang="en-US" smtClean="0"/>
-              <a:t>9/15/2024</a:t>
+              <a:t>10/22/24</a:t>
             </a:fld>
             <a:endParaRPr lang="en-US"/>
           </a:p>
@@ -697,7 +696,7 @@
           <a:p>
             <a:fld id="{BC3A86D8-1D95-4DFF-A26B-8F86AC3AC58E}" type="slidenum">
               <a:rPr lang="en-US" smtClean="0"/>
-              <a:t>3</a:t>
+              <a:t>2</a:t>
             </a:fld>
             <a:endParaRPr lang="en-US"/>
           </a:p>
@@ -804,7 +803,7 @@
           <a:p>
             <a:fld id="{BC3A86D8-1D95-4DFF-A26B-8F86AC3AC58E}" type="slidenum">
               <a:rPr lang="en-US" smtClean="0"/>
-              <a:t>5</a:t>
+              <a:t>4</a:t>
             </a:fld>
             <a:endParaRPr lang="en-US"/>
           </a:p>
@@ -900,7 +899,7 @@
           <a:p>
             <a:fld id="{BC3A86D8-1D95-4DFF-A26B-8F86AC3AC58E}" type="slidenum">
               <a:rPr lang="en-US" smtClean="0"/>
-              <a:t>6</a:t>
+              <a:t>5</a:t>
             </a:fld>
             <a:endParaRPr lang="en-US"/>
           </a:p>
@@ -996,7 +995,7 @@
           <a:p>
             <a:fld id="{BC3A86D8-1D95-4DFF-A26B-8F86AC3AC58E}" type="slidenum">
               <a:rPr lang="en-US" smtClean="0"/>
-              <a:t>7</a:t>
+              <a:t>6</a:t>
             </a:fld>
             <a:endParaRPr lang="en-US"/>
           </a:p>
@@ -1092,7 +1091,7 @@
           <a:p>
             <a:fld id="{BC3A86D8-1D95-4DFF-A26B-8F86AC3AC58E}" type="slidenum">
               <a:rPr lang="en-US" smtClean="0"/>
-              <a:t>8</a:t>
+              <a:t>7</a:t>
             </a:fld>
             <a:endParaRPr lang="en-US"/>
           </a:p>
@@ -1199,7 +1198,7 @@
           <a:p>
             <a:fld id="{BC3A86D8-1D95-4DFF-A26B-8F86AC3AC58E}" type="slidenum">
               <a:rPr lang="en-US" smtClean="0"/>
-              <a:t>9</a:t>
+              <a:t>8</a:t>
             </a:fld>
             <a:endParaRPr lang="en-US"/>
           </a:p>
@@ -1306,7 +1305,7 @@
           <a:p>
             <a:fld id="{BC3A86D8-1D95-4DFF-A26B-8F86AC3AC58E}" type="slidenum">
               <a:rPr lang="en-US" smtClean="0"/>
-              <a:t>10</a:t>
+              <a:t>9</a:t>
             </a:fld>
             <a:endParaRPr lang="en-US"/>
           </a:p>
@@ -10010,418 +10009,6 @@
       </p:grpSpPr>
       <p:sp>
         <p:nvSpPr>
-          <p:cNvPr id="8" name="Content Placeholder 7">
-            <a:extLst>
-              <a:ext uri="{FF2B5EF4-FFF2-40B4-BE49-F238E27FC236}">
-                <a16:creationId xmlns:a16="http://schemas.microsoft.com/office/drawing/2014/main" id="{98395AD3-01A2-113B-8C4F-725BCAD5294C}"/>
-              </a:ext>
-            </a:extLst>
-          </p:cNvPr>
-          <p:cNvSpPr>
-            <a:spLocks noGrp="1"/>
-          </p:cNvSpPr>
-          <p:nvPr>
-            <p:ph sz="quarter" idx="10"/>
-          </p:nvPr>
-        </p:nvSpPr>
-        <p:spPr>
-          <a:xfrm>
-            <a:off x="742950" y="1527928"/>
-            <a:ext cx="10706100" cy="5011152"/>
-          </a:xfrm>
-        </p:spPr>
-        <p:txBody>
-          <a:bodyPr/>
-          <a:lstStyle/>
-          <a:p>
-            <a:pPr marL="342900" indent="-342900">
-              <a:buFont typeface="Arial" panose="020B0604020202020204" pitchFamily="34" charset="0"/>
-              <a:buChar char="•"/>
-            </a:pPr>
-            <a:r>
-              <a:rPr lang="en-US" sz="2400" b="1" dirty="0">
-                <a:solidFill>
-                  <a:schemeClr val="tx1"/>
-                </a:solidFill>
-                <a:effectLst/>
-              </a:rPr>
-              <a:t>Please use this PowerPoint template for the EWN End of Year IPR.</a:t>
-            </a:r>
-          </a:p>
-          <a:p>
-            <a:pPr marL="342900" indent="-342900">
-              <a:buFont typeface="Arial" panose="020B0604020202020204" pitchFamily="34" charset="0"/>
-              <a:buChar char="•"/>
-            </a:pPr>
-            <a:endParaRPr lang="en-US" sz="1400" b="1" dirty="0">
-              <a:solidFill>
-                <a:schemeClr val="tx1"/>
-              </a:solidFill>
-              <a:effectLst/>
-            </a:endParaRPr>
-          </a:p>
-          <a:p>
-            <a:pPr marL="342900" indent="-342900">
-              <a:buFont typeface="Arial" panose="020B0604020202020204" pitchFamily="34" charset="0"/>
-              <a:buChar char="•"/>
-            </a:pPr>
-            <a:r>
-              <a:rPr lang="en-US" sz="2400" b="1" dirty="0">
-                <a:solidFill>
-                  <a:schemeClr val="tx1"/>
-                </a:solidFill>
-                <a:effectLst/>
-              </a:rPr>
-              <a:t>Please complete the requested information on each slide.</a:t>
-            </a:r>
-          </a:p>
-          <a:p>
-            <a:pPr marL="342900" indent="-342900">
-              <a:buFont typeface="Arial" panose="020B0604020202020204" pitchFamily="34" charset="0"/>
-              <a:buChar char="•"/>
-            </a:pPr>
-            <a:endParaRPr lang="en-US" sz="1400" b="1" dirty="0">
-              <a:solidFill>
-                <a:schemeClr val="tx1"/>
-              </a:solidFill>
-              <a:effectLst/>
-            </a:endParaRPr>
-          </a:p>
-          <a:p>
-            <a:pPr marL="342900" indent="-342900">
-              <a:buFont typeface="Arial" panose="020B0604020202020204" pitchFamily="34" charset="0"/>
-              <a:buChar char="•"/>
-            </a:pPr>
-            <a:r>
-              <a:rPr lang="en-US" sz="2400" b="1" dirty="0">
-                <a:solidFill>
-                  <a:schemeClr val="tx1"/>
-                </a:solidFill>
-                <a:effectLst/>
-              </a:rPr>
-              <a:t>Please save this slide deck using the following naming convention: </a:t>
-            </a:r>
-          </a:p>
-          <a:p>
-            <a:pPr marL="1030288" lvl="3" indent="-342900">
-              <a:buFont typeface="Courier New" panose="02070309020205020404" pitchFamily="49" charset="0"/>
-              <a:buChar char="o"/>
-            </a:pPr>
-            <a:r>
-              <a:rPr lang="en-US" sz="1800" dirty="0">
-                <a:solidFill>
-                  <a:schemeClr val="tx1"/>
-                </a:solidFill>
-                <a:effectLst/>
-              </a:rPr>
-              <a:t>“EWN Project </a:t>
-            </a:r>
-            <a:r>
-              <a:rPr lang="en-US" sz="1800" dirty="0" err="1">
-                <a:solidFill>
-                  <a:schemeClr val="tx1"/>
-                </a:solidFill>
-                <a:effectLst/>
-              </a:rPr>
-              <a:t>Code_last</a:t>
-            </a:r>
-            <a:r>
-              <a:rPr lang="en-US" sz="1800" dirty="0">
-                <a:solidFill>
-                  <a:schemeClr val="tx1"/>
-                </a:solidFill>
-              </a:rPr>
-              <a:t> </a:t>
-            </a:r>
-            <a:r>
-              <a:rPr lang="en-US" sz="1800" dirty="0">
-                <a:solidFill>
-                  <a:schemeClr val="tx1"/>
-                </a:solidFill>
-                <a:effectLst/>
-              </a:rPr>
-              <a:t>name_FY24EOYIPR_YYYY-MM-DD”</a:t>
-            </a:r>
-          </a:p>
-          <a:p>
-            <a:pPr marL="973138" lvl="3" indent="-285750">
-              <a:buFont typeface="Courier New" panose="02070309020205020404" pitchFamily="49" charset="0"/>
-              <a:buChar char="o"/>
-            </a:pPr>
-            <a:r>
-              <a:rPr lang="en-US" sz="1800" dirty="0">
-                <a:solidFill>
-                  <a:schemeClr val="tx1"/>
-                </a:solidFill>
-                <a:effectLst/>
-              </a:rPr>
-              <a:t>e.g. ERT-22-20_Anderson_FY24EOYIPR_2024-10-21</a:t>
-            </a:r>
-          </a:p>
-          <a:p>
-            <a:pPr marL="342900" indent="-342900">
-              <a:buFont typeface="Arial" panose="020B0604020202020204" pitchFamily="34" charset="0"/>
-              <a:buChar char="•"/>
-            </a:pPr>
-            <a:endParaRPr lang="en-US" sz="1400" b="1" dirty="0">
-              <a:solidFill>
-                <a:schemeClr val="tx1"/>
-              </a:solidFill>
-              <a:effectLst/>
-            </a:endParaRPr>
-          </a:p>
-          <a:p>
-            <a:pPr marL="342900" indent="-342900">
-              <a:buFont typeface="Arial" panose="020B0604020202020204" pitchFamily="34" charset="0"/>
-              <a:buChar char="•"/>
-            </a:pPr>
-            <a:r>
-              <a:rPr lang="en-US" sz="2400" b="1" dirty="0">
-                <a:solidFill>
-                  <a:schemeClr val="tx1"/>
-                </a:solidFill>
-                <a:effectLst/>
-              </a:rPr>
-              <a:t>Please save your slides to the RDE drive: </a:t>
-            </a:r>
-          </a:p>
-          <a:p>
-            <a:pPr marL="1030288" lvl="3" indent="-342900">
-              <a:buSzPts val="1000"/>
-              <a:buFont typeface="Courier New" panose="02070309020205020404" pitchFamily="49" charset="0"/>
-              <a:buChar char="o"/>
-              <a:tabLst>
-                <a:tab pos="914400" algn="l"/>
-              </a:tabLst>
-            </a:pPr>
-            <a:r>
-              <a:rPr lang="en-US" sz="1800" b="1" dirty="0">
-                <a:solidFill>
-                  <a:schemeClr val="tx1"/>
-                </a:solidFill>
-              </a:rPr>
-              <a:t>Upload here: </a:t>
-            </a:r>
-            <a:r>
-              <a:rPr lang="en-US" sz="1800" dirty="0">
-                <a:solidFill>
-                  <a:schemeClr val="tx1"/>
-                </a:solidFill>
-              </a:rPr>
-              <a:t>https://rdedrivepub.erdc.dren.mil/url/endofyeariprpresentationsfy24</a:t>
-            </a:r>
-          </a:p>
-          <a:p>
-            <a:pPr marL="1030288" lvl="3" indent="-342900">
-              <a:buSzPts val="1000"/>
-              <a:buFont typeface="Courier New" panose="02070309020205020404" pitchFamily="49" charset="0"/>
-              <a:buChar char="o"/>
-              <a:tabLst>
-                <a:tab pos="914400" algn="l"/>
-              </a:tabLst>
-            </a:pPr>
-            <a:r>
-              <a:rPr lang="en-US" sz="1800" b="1" dirty="0">
-                <a:solidFill>
-                  <a:schemeClr val="tx1"/>
-                </a:solidFill>
-              </a:rPr>
-              <a:t>Password: </a:t>
-            </a:r>
-            <a:r>
-              <a:rPr lang="en-US" sz="1800" dirty="0">
-                <a:solidFill>
-                  <a:schemeClr val="tx1"/>
-                </a:solidFill>
-              </a:rPr>
-              <a:t>EWN_EOY-fy24</a:t>
-            </a:r>
-          </a:p>
-          <a:p>
-            <a:endParaRPr lang="en-US" dirty="0">
-              <a:solidFill>
-                <a:schemeClr val="tx1"/>
-              </a:solidFill>
-              <a:effectLst/>
-              <a:latin typeface="Calibri" panose="020F0502020204030204" pitchFamily="34" charset="0"/>
-            </a:endParaRPr>
-          </a:p>
-        </p:txBody>
-      </p:sp>
-      <p:sp>
-        <p:nvSpPr>
-          <p:cNvPr id="7" name="Title 6">
-            <a:extLst>
-              <a:ext uri="{FF2B5EF4-FFF2-40B4-BE49-F238E27FC236}">
-                <a16:creationId xmlns:a16="http://schemas.microsoft.com/office/drawing/2014/main" id="{7235E168-CD9B-CF75-2B74-3124823D5274}"/>
-              </a:ext>
-            </a:extLst>
-          </p:cNvPr>
-          <p:cNvSpPr>
-            <a:spLocks noGrp="1"/>
-          </p:cNvSpPr>
-          <p:nvPr>
-            <p:ph type="title"/>
-          </p:nvPr>
-        </p:nvSpPr>
-        <p:spPr>
-          <a:xfrm>
-            <a:off x="1740568" y="206391"/>
-            <a:ext cx="10183660" cy="755509"/>
-          </a:xfrm>
-        </p:spPr>
-        <p:txBody>
-          <a:bodyPr/>
-          <a:lstStyle/>
-          <a:p>
-            <a:r>
-              <a:rPr lang="en-US" sz="3600" dirty="0">
-                <a:solidFill>
-                  <a:schemeClr val="tx1"/>
-                </a:solidFill>
-              </a:rPr>
-              <a:t>IPR Instructions</a:t>
-            </a:r>
-          </a:p>
-        </p:txBody>
-      </p:sp>
-    </p:spTree>
-    <p:extLst>
-      <p:ext uri="{BB962C8B-B14F-4D97-AF65-F5344CB8AC3E}">
-        <p14:creationId xmlns:p14="http://schemas.microsoft.com/office/powerpoint/2010/main" val="4003309776"/>
-      </p:ext>
-    </p:extLst>
-  </p:cSld>
-  <p:clrMapOvr>
-    <a:masterClrMapping/>
-  </p:clrMapOvr>
-</p:sld>
-</file>
-
-<file path=ppt/slides/slide10.xml><?xml version="1.0" encoding="utf-8"?>
-<p:sld xmlns:a="http://schemas.openxmlformats.org/drawingml/2006/main" xmlns:r="http://schemas.openxmlformats.org/officeDocument/2006/relationships" xmlns:p="http://schemas.openxmlformats.org/presentationml/2006/main">
-  <p:cSld>
-    <p:spTree>
-      <p:nvGrpSpPr>
-        <p:cNvPr id="1" name=""/>
-        <p:cNvGrpSpPr/>
-        <p:nvPr/>
-      </p:nvGrpSpPr>
-      <p:grpSpPr>
-        <a:xfrm>
-          <a:off x="0" y="0"/>
-          <a:ext cx="0" cy="0"/>
-          <a:chOff x="0" y="0"/>
-          <a:chExt cx="0" cy="0"/>
-        </a:xfrm>
-      </p:grpSpPr>
-      <p:sp>
-        <p:nvSpPr>
-          <p:cNvPr id="8" name="Content Placeholder 7">
-            <a:extLst>
-              <a:ext uri="{FF2B5EF4-FFF2-40B4-BE49-F238E27FC236}">
-                <a16:creationId xmlns:a16="http://schemas.microsoft.com/office/drawing/2014/main" id="{98395AD3-01A2-113B-8C4F-725BCAD5294C}"/>
-              </a:ext>
-            </a:extLst>
-          </p:cNvPr>
-          <p:cNvSpPr>
-            <a:spLocks noGrp="1"/>
-          </p:cNvSpPr>
-          <p:nvPr>
-            <p:ph sz="quarter" idx="10"/>
-          </p:nvPr>
-        </p:nvSpPr>
-        <p:spPr/>
-        <p:txBody>
-          <a:bodyPr/>
-          <a:lstStyle/>
-          <a:p>
-            <a:pPr marL="342900" indent="-342900">
-              <a:buFont typeface="Arial" panose="020B0604020202020204" pitchFamily="34" charset="0"/>
-              <a:buChar char="•"/>
-            </a:pPr>
-            <a:r>
-              <a:rPr lang="en-US" sz="2400" dirty="0">
-                <a:solidFill>
-                  <a:schemeClr val="tx1"/>
-                </a:solidFill>
-                <a:effectLst/>
-                <a:latin typeface="Calibri" panose="020F0502020204030204" pitchFamily="34" charset="0"/>
-              </a:rPr>
-              <a:t>Please use this slide to add any other updates or notes about your project. You can also use this slide to share more photos. Thank you!</a:t>
-            </a:r>
-          </a:p>
-        </p:txBody>
-      </p:sp>
-      <p:sp>
-        <p:nvSpPr>
-          <p:cNvPr id="7" name="Title 6">
-            <a:extLst>
-              <a:ext uri="{FF2B5EF4-FFF2-40B4-BE49-F238E27FC236}">
-                <a16:creationId xmlns:a16="http://schemas.microsoft.com/office/drawing/2014/main" id="{7235E168-CD9B-CF75-2B74-3124823D5274}"/>
-              </a:ext>
-            </a:extLst>
-          </p:cNvPr>
-          <p:cNvSpPr>
-            <a:spLocks noGrp="1"/>
-          </p:cNvSpPr>
-          <p:nvPr>
-            <p:ph type="title"/>
-          </p:nvPr>
-        </p:nvSpPr>
-        <p:spPr>
-          <a:xfrm>
-            <a:off x="1785879" y="228600"/>
-            <a:ext cx="9821108" cy="755509"/>
-          </a:xfrm>
-        </p:spPr>
-        <p:txBody>
-          <a:bodyPr/>
-          <a:lstStyle/>
-          <a:p>
-            <a:r>
-              <a:rPr lang="en-US" dirty="0">
-                <a:solidFill>
-                  <a:schemeClr val="tx1"/>
-                </a:solidFill>
-              </a:rPr>
-              <a:t>ERT-XX-XX: Anything else you’d like to add?</a:t>
-            </a:r>
-          </a:p>
-        </p:txBody>
-      </p:sp>
-    </p:spTree>
-    <p:extLst>
-      <p:ext uri="{BB962C8B-B14F-4D97-AF65-F5344CB8AC3E}">
-        <p14:creationId xmlns:p14="http://schemas.microsoft.com/office/powerpoint/2010/main" val="3049711875"/>
-      </p:ext>
-    </p:extLst>
-  </p:cSld>
-  <p:clrMapOvr>
-    <a:masterClrMapping/>
-  </p:clrMapOvr>
-</p:sld>
-</file>
-
-<file path=ppt/slides/slide2.xml><?xml version="1.0" encoding="utf-8"?>
-<p:sld xmlns:a="http://schemas.openxmlformats.org/drawingml/2006/main" xmlns:r="http://schemas.openxmlformats.org/officeDocument/2006/relationships" xmlns:p="http://schemas.openxmlformats.org/presentationml/2006/main">
-  <p:cSld>
-    <p:spTree>
-      <p:nvGrpSpPr>
-        <p:cNvPr id="1" name=""/>
-        <p:cNvGrpSpPr/>
-        <p:nvPr/>
-      </p:nvGrpSpPr>
-      <p:grpSpPr>
-        <a:xfrm>
-          <a:off x="0" y="0"/>
-          <a:ext cx="0" cy="0"/>
-          <a:chOff x="0" y="0"/>
-          <a:chExt cx="0" cy="0"/>
-        </a:xfrm>
-      </p:grpSpPr>
-      <p:sp>
-        <p:nvSpPr>
           <p:cNvPr id="2" name="Title 1">
             <a:extLst>
               <a:ext uri="{FF2B5EF4-FFF2-40B4-BE49-F238E27FC236}">
@@ -10439,7 +10026,7 @@
         <p:spPr>
           <a:xfrm>
             <a:off x="266700" y="1971620"/>
-            <a:ext cx="7556500" cy="828708"/>
+            <a:ext cx="7556500" cy="681299"/>
           </a:xfrm>
         </p:spPr>
         <p:txBody>
@@ -10485,25 +10072,25 @@
           <a:lstStyle/>
           <a:p>
             <a:r>
-              <a:rPr lang="en-US" dirty="0"/>
-              <a:t>Name of Project: </a:t>
-            </a:r>
-          </a:p>
-          <a:p>
-            <a:r>
-              <a:rPr lang="en-US" dirty="0"/>
-              <a:t>Project Code: </a:t>
-            </a:r>
-          </a:p>
-          <a:p>
-            <a:r>
-              <a:rPr lang="en-US" dirty="0"/>
-              <a:t>PI Name(s): </a:t>
-            </a:r>
-          </a:p>
-          <a:p>
-            <a:r>
-              <a:rPr lang="en-US" dirty="0"/>
+              <a:rPr lang="en-US" sz="1600" dirty="0"/>
+              <a:t>Name of Project: Utilizing EWN for Water, Sediment, and Contaminant Management in Agricultural Areas in the Midwest and Great Plains Regions</a:t>
+            </a:r>
+          </a:p>
+          <a:p>
+            <a:r>
+              <a:rPr lang="en-US" sz="1600" dirty="0"/>
+              <a:t>Project Code: ERT-23-12</a:t>
+            </a:r>
+          </a:p>
+          <a:p>
+            <a:r>
+              <a:rPr lang="en-US" sz="1600" dirty="0"/>
+              <a:t>PI Name(s): Todd Steissberg, Chuck Downer, Aaron Byrd, Rose Shillito, Nawa Pradhan</a:t>
+            </a:r>
+          </a:p>
+          <a:p>
+            <a:r>
+              <a:rPr lang="en-US" sz="1600" dirty="0"/>
               <a:t>Funding per FY ($K, add/remove columns as needed)</a:t>
             </a:r>
           </a:p>
@@ -10558,7 +10145,7 @@
           <p:nvPr>
             <p:extLst>
               <p:ext uri="{D42A27DB-BD31-4B8C-83A1-F6EECF244321}">
-                <p14:modId xmlns:p14="http://schemas.microsoft.com/office/powerpoint/2010/main" val="2793289883"/>
+                <p14:modId xmlns:p14="http://schemas.microsoft.com/office/powerpoint/2010/main" val="3066204562"/>
               </p:ext>
             </p:extLst>
           </p:nvPr>
@@ -10974,15 +10561,22 @@
                     <a:p>
                       <a:pPr algn="ctr"/>
                       <a:r>
-                        <a:rPr lang="en-US" sz="2100" dirty="0">
+                        <a:rPr lang="en-US" sz="2100">
                           <a:solidFill>
                             <a:schemeClr val="bg2">
                               <a:lumMod val="95000"/>
                             </a:schemeClr>
                           </a:solidFill>
                         </a:rPr>
-                        <a:t>$K</a:t>
+                        <a:t>$0K</a:t>
                       </a:r>
+                      <a:endParaRPr lang="en-US" sz="2100" dirty="0">
+                        <a:solidFill>
+                          <a:schemeClr val="bg2">
+                            <a:lumMod val="95000"/>
+                          </a:schemeClr>
+                        </a:solidFill>
+                      </a:endParaRPr>
                     </a:p>
                   </a:txBody>
                   <a:tcPr marL="81615" marR="81615" marT="40808" marB="40808">
@@ -11481,7 +11075,7 @@
 </p:sld>
 </file>
 
-<file path=ppt/slides/slide3.xml><?xml version="1.0" encoding="utf-8"?>
+<file path=ppt/slides/slide2.xml><?xml version="1.0" encoding="utf-8"?>
 <p:sld xmlns:a="http://schemas.openxmlformats.org/drawingml/2006/main" xmlns:r="http://schemas.openxmlformats.org/officeDocument/2006/relationships" xmlns:p="http://schemas.openxmlformats.org/presentationml/2006/main">
   <p:cSld>
     <p:spTree>
@@ -11595,7 +11189,7 @@
 </p:sld>
 </file>
 
-<file path=ppt/slides/slide4.xml><?xml version="1.0" encoding="utf-8"?>
+<file path=ppt/slides/slide3.xml><?xml version="1.0" encoding="utf-8"?>
 <p:sld xmlns:a="http://schemas.openxmlformats.org/drawingml/2006/main" xmlns:r="http://schemas.openxmlformats.org/officeDocument/2006/relationships" xmlns:p="http://schemas.openxmlformats.org/presentationml/2006/main">
   <p:cSld>
     <p:spTree>
@@ -12600,6 +12194,119 @@
 </p:sld>
 </file>
 
+<file path=ppt/slides/slide4.xml><?xml version="1.0" encoding="utf-8"?>
+<p:sld xmlns:a="http://schemas.openxmlformats.org/drawingml/2006/main" xmlns:r="http://schemas.openxmlformats.org/officeDocument/2006/relationships" xmlns:p="http://schemas.openxmlformats.org/presentationml/2006/main">
+  <p:cSld>
+    <p:spTree>
+      <p:nvGrpSpPr>
+        <p:cNvPr id="1" name=""/>
+        <p:cNvGrpSpPr/>
+        <p:nvPr/>
+      </p:nvGrpSpPr>
+      <p:grpSpPr>
+        <a:xfrm>
+          <a:off x="0" y="0"/>
+          <a:ext cx="0" cy="0"/>
+          <a:chOff x="0" y="0"/>
+          <a:chExt cx="0" cy="0"/>
+        </a:xfrm>
+      </p:grpSpPr>
+      <p:sp>
+        <p:nvSpPr>
+          <p:cNvPr id="8" name="Content Placeholder 7">
+            <a:extLst>
+              <a:ext uri="{FF2B5EF4-FFF2-40B4-BE49-F238E27FC236}">
+                <a16:creationId xmlns:a16="http://schemas.microsoft.com/office/drawing/2014/main" id="{98395AD3-01A2-113B-8C4F-725BCAD5294C}"/>
+              </a:ext>
+            </a:extLst>
+          </p:cNvPr>
+          <p:cNvSpPr>
+            <a:spLocks noGrp="1"/>
+          </p:cNvSpPr>
+          <p:nvPr>
+            <p:ph sz="quarter" idx="10"/>
+          </p:nvPr>
+        </p:nvSpPr>
+        <p:spPr>
+          <a:xfrm>
+            <a:off x="932783" y="1184342"/>
+            <a:ext cx="10991445" cy="5600700"/>
+          </a:xfrm>
+        </p:spPr>
+        <p:txBody>
+          <a:bodyPr/>
+          <a:lstStyle/>
+          <a:p>
+            <a:pPr marL="571500" indent="-571500">
+              <a:buFont typeface="Arial" panose="020B0604020202020204" pitchFamily="34" charset="0"/>
+              <a:buChar char="•"/>
+            </a:pPr>
+            <a:r>
+              <a:rPr lang="en-US" sz="2400" dirty="0"/>
+              <a:t>Describe current project highlights, including major events, activities, deliverables, and/or accomplishments. Include the date of achievement/completion. </a:t>
+            </a:r>
+          </a:p>
+          <a:p>
+            <a:endParaRPr lang="en-US" sz="2400" dirty="0">
+              <a:solidFill>
+                <a:schemeClr val="tx1"/>
+              </a:solidFill>
+              <a:effectLst/>
+              <a:latin typeface="Calibri" panose="020F0502020204030204" pitchFamily="34" charset="0"/>
+            </a:endParaRPr>
+          </a:p>
+        </p:txBody>
+      </p:sp>
+      <p:sp>
+        <p:nvSpPr>
+          <p:cNvPr id="7" name="Title 6">
+            <a:extLst>
+              <a:ext uri="{FF2B5EF4-FFF2-40B4-BE49-F238E27FC236}">
+                <a16:creationId xmlns:a16="http://schemas.microsoft.com/office/drawing/2014/main" id="{7235E168-CD9B-CF75-2B74-3124823D5274}"/>
+              </a:ext>
+            </a:extLst>
+          </p:cNvPr>
+          <p:cNvSpPr>
+            <a:spLocks noGrp="1"/>
+          </p:cNvSpPr>
+          <p:nvPr>
+            <p:ph type="title"/>
+          </p:nvPr>
+        </p:nvSpPr>
+        <p:spPr>
+          <a:xfrm>
+            <a:off x="1724526" y="206391"/>
+            <a:ext cx="10199702" cy="755509"/>
+          </a:xfrm>
+        </p:spPr>
+        <p:txBody>
+          <a:bodyPr/>
+          <a:lstStyle/>
+          <a:p>
+            <a:r>
+              <a:rPr lang="en-US" dirty="0">
+                <a:solidFill>
+                  <a:schemeClr val="tx1"/>
+                </a:solidFill>
+              </a:rPr>
+              <a:t>ERT-XX-XX: Project Highlights in FY24</a:t>
+            </a:r>
+          </a:p>
+        </p:txBody>
+      </p:sp>
+    </p:spTree>
+    <p:extLst>
+      <p:ext uri="{BB962C8B-B14F-4D97-AF65-F5344CB8AC3E}">
+        <p14:creationId xmlns:p14="http://schemas.microsoft.com/office/powerpoint/2010/main" val="839370966"/>
+      </p:ext>
+    </p:extLst>
+  </p:cSld>
+  <p:clrMapOvr>
+    <a:masterClrMapping/>
+  </p:clrMapOvr>
+</p:sld>
+</file>
+
 <file path=ppt/slides/slide5.xml><?xml version="1.0" encoding="utf-8"?>
 <p:sld xmlns:a="http://schemas.openxmlformats.org/drawingml/2006/main" xmlns:r="http://schemas.openxmlformats.org/officeDocument/2006/relationships" xmlns:p="http://schemas.openxmlformats.org/presentationml/2006/main">
   <p:cSld>
@@ -12649,11 +12356,31 @@
             </a:pPr>
             <a:r>
               <a:rPr lang="en-US" sz="2400" dirty="0"/>
-              <a:t>Describe current project highlights, including major events, activities, deliverables, and/or accomplishments. Include the date of achievement/completion. </a:t>
-            </a:r>
-          </a:p>
-          <a:p>
-            <a:endParaRPr lang="en-US" sz="2400" dirty="0">
+              <a:t>Use the task list from your PMP to indicate the status of each activity and deliverable. </a:t>
+            </a:r>
+          </a:p>
+          <a:p>
+            <a:pPr marL="571500" indent="-571500">
+              <a:buFont typeface="Arial" panose="020B0604020202020204" pitchFamily="34" charset="0"/>
+              <a:buChar char="•"/>
+            </a:pPr>
+            <a:r>
+              <a:rPr lang="en-US" sz="2400" dirty="0"/>
+              <a:t>If tasks or activities have been removed or modified, please indicate that too. Use multiple slides if needed. </a:t>
+            </a:r>
+          </a:p>
+          <a:p>
+            <a:pPr marL="571500" indent="-571500">
+              <a:buFont typeface="Arial" panose="020B0604020202020204" pitchFamily="34" charset="0"/>
+              <a:buChar char="•"/>
+            </a:pPr>
+            <a:r>
+              <a:rPr lang="en-US" sz="2400" dirty="0"/>
+              <a:t>See the example table on the next slide.</a:t>
+            </a:r>
+          </a:p>
+          <a:p>
+            <a:endParaRPr lang="en-US" sz="2000" dirty="0">
               <a:solidFill>
                 <a:schemeClr val="tx1"/>
               </a:solidFill>
@@ -12695,139 +12422,6 @@
                   <a:schemeClr val="tx1"/>
                 </a:solidFill>
               </a:rPr>
-              <a:t>ERT-XX-XX: Project Highlights in FY24</a:t>
-            </a:r>
-          </a:p>
-        </p:txBody>
-      </p:sp>
-    </p:spTree>
-    <p:extLst>
-      <p:ext uri="{BB962C8B-B14F-4D97-AF65-F5344CB8AC3E}">
-        <p14:creationId xmlns:p14="http://schemas.microsoft.com/office/powerpoint/2010/main" val="839370966"/>
-      </p:ext>
-    </p:extLst>
-  </p:cSld>
-  <p:clrMapOvr>
-    <a:masterClrMapping/>
-  </p:clrMapOvr>
-</p:sld>
-</file>
-
-<file path=ppt/slides/slide6.xml><?xml version="1.0" encoding="utf-8"?>
-<p:sld xmlns:a="http://schemas.openxmlformats.org/drawingml/2006/main" xmlns:r="http://schemas.openxmlformats.org/officeDocument/2006/relationships" xmlns:p="http://schemas.openxmlformats.org/presentationml/2006/main">
-  <p:cSld>
-    <p:spTree>
-      <p:nvGrpSpPr>
-        <p:cNvPr id="1" name=""/>
-        <p:cNvGrpSpPr/>
-        <p:nvPr/>
-      </p:nvGrpSpPr>
-      <p:grpSpPr>
-        <a:xfrm>
-          <a:off x="0" y="0"/>
-          <a:ext cx="0" cy="0"/>
-          <a:chOff x="0" y="0"/>
-          <a:chExt cx="0" cy="0"/>
-        </a:xfrm>
-      </p:grpSpPr>
-      <p:sp>
-        <p:nvSpPr>
-          <p:cNvPr id="8" name="Content Placeholder 7">
-            <a:extLst>
-              <a:ext uri="{FF2B5EF4-FFF2-40B4-BE49-F238E27FC236}">
-                <a16:creationId xmlns:a16="http://schemas.microsoft.com/office/drawing/2014/main" id="{98395AD3-01A2-113B-8C4F-725BCAD5294C}"/>
-              </a:ext>
-            </a:extLst>
-          </p:cNvPr>
-          <p:cNvSpPr>
-            <a:spLocks noGrp="1"/>
-          </p:cNvSpPr>
-          <p:nvPr>
-            <p:ph sz="quarter" idx="10"/>
-          </p:nvPr>
-        </p:nvSpPr>
-        <p:spPr>
-          <a:xfrm>
-            <a:off x="932783" y="1184342"/>
-            <a:ext cx="10991445" cy="5600700"/>
-          </a:xfrm>
-        </p:spPr>
-        <p:txBody>
-          <a:bodyPr/>
-          <a:lstStyle/>
-          <a:p>
-            <a:pPr marL="571500" indent="-571500">
-              <a:buFont typeface="Arial" panose="020B0604020202020204" pitchFamily="34" charset="0"/>
-              <a:buChar char="•"/>
-            </a:pPr>
-            <a:r>
-              <a:rPr lang="en-US" sz="2400" dirty="0"/>
-              <a:t>Use the task list from your PMP to indicate the status of each activity and deliverable. </a:t>
-            </a:r>
-          </a:p>
-          <a:p>
-            <a:pPr marL="571500" indent="-571500">
-              <a:buFont typeface="Arial" panose="020B0604020202020204" pitchFamily="34" charset="0"/>
-              <a:buChar char="•"/>
-            </a:pPr>
-            <a:r>
-              <a:rPr lang="en-US" sz="2400" dirty="0"/>
-              <a:t>If tasks or activities have been removed or modified, please indicate that too. Use multiple slides if needed. </a:t>
-            </a:r>
-          </a:p>
-          <a:p>
-            <a:pPr marL="571500" indent="-571500">
-              <a:buFont typeface="Arial" panose="020B0604020202020204" pitchFamily="34" charset="0"/>
-              <a:buChar char="•"/>
-            </a:pPr>
-            <a:r>
-              <a:rPr lang="en-US" sz="2400" dirty="0"/>
-              <a:t>See the example table on the next slide.</a:t>
-            </a:r>
-          </a:p>
-          <a:p>
-            <a:endParaRPr lang="en-US" sz="2000" dirty="0">
-              <a:solidFill>
-                <a:schemeClr val="tx1"/>
-              </a:solidFill>
-              <a:effectLst/>
-              <a:latin typeface="Calibri" panose="020F0502020204030204" pitchFamily="34" charset="0"/>
-            </a:endParaRPr>
-          </a:p>
-        </p:txBody>
-      </p:sp>
-      <p:sp>
-        <p:nvSpPr>
-          <p:cNvPr id="7" name="Title 6">
-            <a:extLst>
-              <a:ext uri="{FF2B5EF4-FFF2-40B4-BE49-F238E27FC236}">
-                <a16:creationId xmlns:a16="http://schemas.microsoft.com/office/drawing/2014/main" id="{7235E168-CD9B-CF75-2B74-3124823D5274}"/>
-              </a:ext>
-            </a:extLst>
-          </p:cNvPr>
-          <p:cNvSpPr>
-            <a:spLocks noGrp="1"/>
-          </p:cNvSpPr>
-          <p:nvPr>
-            <p:ph type="title"/>
-          </p:nvPr>
-        </p:nvSpPr>
-        <p:spPr>
-          <a:xfrm>
-            <a:off x="1724526" y="206391"/>
-            <a:ext cx="10199702" cy="755509"/>
-          </a:xfrm>
-        </p:spPr>
-        <p:txBody>
-          <a:bodyPr/>
-          <a:lstStyle/>
-          <a:p>
-            <a:r>
-              <a:rPr lang="en-US" dirty="0">
-                <a:solidFill>
-                  <a:schemeClr val="tx1"/>
-                </a:solidFill>
-              </a:rPr>
               <a:t>ERT-XX-XX: Status of Project Activities </a:t>
             </a:r>
           </a:p>
@@ -12846,7 +12440,7 @@
 </p:sld>
 </file>
 
-<file path=ppt/slides/slide7.xml><?xml version="1.0" encoding="utf-8"?>
+<file path=ppt/slides/slide6.xml><?xml version="1.0" encoding="utf-8"?>
 <p:sld xmlns:a="http://schemas.openxmlformats.org/drawingml/2006/main" xmlns:r="http://schemas.openxmlformats.org/officeDocument/2006/relationships" xmlns:p="http://schemas.openxmlformats.org/presentationml/2006/main">
   <p:cSld>
     <p:spTree>
@@ -15626,7 +15220,7 @@
 </p:sld>
 </file>
 
-<file path=ppt/slides/slide8.xml><?xml version="1.0" encoding="utf-8"?>
+<file path=ppt/slides/slide7.xml><?xml version="1.0" encoding="utf-8"?>
 <p:sld xmlns:a="http://schemas.openxmlformats.org/drawingml/2006/main" xmlns:r="http://schemas.openxmlformats.org/officeDocument/2006/relationships" xmlns:p="http://schemas.openxmlformats.org/presentationml/2006/main">
   <p:cSld>
     <p:spTree>
@@ -18400,7 +17994,7 @@
 </p:sld>
 </file>
 
-<file path=ppt/slides/slide9.xml><?xml version="1.0" encoding="utf-8"?>
+<file path=ppt/slides/slide8.xml><?xml version="1.0" encoding="utf-8"?>
 <p:sld xmlns:a="http://schemas.openxmlformats.org/drawingml/2006/main" xmlns:r="http://schemas.openxmlformats.org/officeDocument/2006/relationships" xmlns:p="http://schemas.openxmlformats.org/presentationml/2006/main">
   <p:cSld>
     <p:spTree>
@@ -18510,6 +18104,111 @@
     <p:extLst>
       <p:ext uri="{BB962C8B-B14F-4D97-AF65-F5344CB8AC3E}">
         <p14:creationId xmlns:p14="http://schemas.microsoft.com/office/powerpoint/2010/main" val="1743304089"/>
+      </p:ext>
+    </p:extLst>
+  </p:cSld>
+  <p:clrMapOvr>
+    <a:masterClrMapping/>
+  </p:clrMapOvr>
+</p:sld>
+</file>
+
+<file path=ppt/slides/slide9.xml><?xml version="1.0" encoding="utf-8"?>
+<p:sld xmlns:a="http://schemas.openxmlformats.org/drawingml/2006/main" xmlns:r="http://schemas.openxmlformats.org/officeDocument/2006/relationships" xmlns:p="http://schemas.openxmlformats.org/presentationml/2006/main">
+  <p:cSld>
+    <p:spTree>
+      <p:nvGrpSpPr>
+        <p:cNvPr id="1" name=""/>
+        <p:cNvGrpSpPr/>
+        <p:nvPr/>
+      </p:nvGrpSpPr>
+      <p:grpSpPr>
+        <a:xfrm>
+          <a:off x="0" y="0"/>
+          <a:ext cx="0" cy="0"/>
+          <a:chOff x="0" y="0"/>
+          <a:chExt cx="0" cy="0"/>
+        </a:xfrm>
+      </p:grpSpPr>
+      <p:sp>
+        <p:nvSpPr>
+          <p:cNvPr id="8" name="Content Placeholder 7">
+            <a:extLst>
+              <a:ext uri="{FF2B5EF4-FFF2-40B4-BE49-F238E27FC236}">
+                <a16:creationId xmlns:a16="http://schemas.microsoft.com/office/drawing/2014/main" id="{98395AD3-01A2-113B-8C4F-725BCAD5294C}"/>
+              </a:ext>
+            </a:extLst>
+          </p:cNvPr>
+          <p:cNvSpPr>
+            <a:spLocks noGrp="1"/>
+          </p:cNvSpPr>
+          <p:nvPr>
+            <p:ph sz="quarter" idx="10"/>
+          </p:nvPr>
+        </p:nvSpPr>
+        <p:spPr/>
+        <p:txBody>
+          <a:bodyPr/>
+          <a:lstStyle/>
+          <a:p>
+            <a:pPr marL="342900" indent="-342900">
+              <a:buFont typeface="Arial" panose="020B0604020202020204" pitchFamily="34" charset="0"/>
+              <a:buChar char="•"/>
+            </a:pPr>
+            <a:r>
+              <a:rPr lang="en-US" sz="2400" dirty="0">
+                <a:solidFill>
+                  <a:schemeClr val="tx1"/>
+                </a:solidFill>
+                <a:effectLst/>
+                <a:latin typeface="Calibri" panose="020F0502020204030204" pitchFamily="34" charset="0"/>
+              </a:rPr>
+              <a:t>Please use this slide to add any other updates or notes about your project. You can also use this slide to share more photos. Thank you!</a:t>
+            </a:r>
+          </a:p>
+        </p:txBody>
+      </p:sp>
+      <p:sp>
+        <p:nvSpPr>
+          <p:cNvPr id="7" name="Title 6">
+            <a:extLst>
+              <a:ext uri="{FF2B5EF4-FFF2-40B4-BE49-F238E27FC236}">
+                <a16:creationId xmlns:a16="http://schemas.microsoft.com/office/drawing/2014/main" id="{7235E168-CD9B-CF75-2B74-3124823D5274}"/>
+              </a:ext>
+            </a:extLst>
+          </p:cNvPr>
+          <p:cNvSpPr>
+            <a:spLocks noGrp="1"/>
+          </p:cNvSpPr>
+          <p:nvPr>
+            <p:ph type="title"/>
+          </p:nvPr>
+        </p:nvSpPr>
+        <p:spPr>
+          <a:xfrm>
+            <a:off x="1785879" y="228600"/>
+            <a:ext cx="9821108" cy="755509"/>
+          </a:xfrm>
+        </p:spPr>
+        <p:txBody>
+          <a:bodyPr/>
+          <a:lstStyle/>
+          <a:p>
+            <a:r>
+              <a:rPr lang="en-US" dirty="0">
+                <a:solidFill>
+                  <a:schemeClr val="tx1"/>
+                </a:solidFill>
+              </a:rPr>
+              <a:t>ERT-XX-XX: Anything else you’d like to add?</a:t>
+            </a:r>
+          </a:p>
+        </p:txBody>
+      </p:sp>
+    </p:spTree>
+    <p:extLst>
+      <p:ext uri="{BB962C8B-B14F-4D97-AF65-F5344CB8AC3E}">
+        <p14:creationId xmlns:p14="http://schemas.microsoft.com/office/powerpoint/2010/main" val="3049711875"/>
       </p:ext>
     </p:extLst>
   </p:cSld>
@@ -19312,15 +19011,6 @@
 </file>
 
 <file path=customXml/item2.xml><?xml version="1.0" encoding="utf-8"?>
-<?mso-contentType ?>
-<FormTemplates xmlns="http://schemas.microsoft.com/sharepoint/v3/contenttype/forms">
-  <Display>DocumentLibraryForm</Display>
-  <Edit>DocumentLibraryForm</Edit>
-  <New>DocumentLibraryForm</New>
-</FormTemplates>
-</file>
-
-<file path=customXml/item3.xml><?xml version="1.0" encoding="utf-8"?>
 <ct:contentTypeSchema xmlns:ct="http://schemas.microsoft.com/office/2006/metadata/contentType" xmlns:ma="http://schemas.microsoft.com/office/2006/metadata/properties/metaAttributes" ct:_="" ma:_="" ma:contentTypeName="Document" ma:contentTypeID="0x010100F745D28C5B06AF478B2531C17E85C6A0" ma:contentTypeVersion="2" ma:contentTypeDescription="Create a new document." ma:contentTypeScope="" ma:versionID="a607b088d1f823daad15e4fd0f18d4f2">
   <xsd:schema xmlns:xsd="http://www.w3.org/2001/XMLSchema" xmlns:xs="http://www.w3.org/2001/XMLSchema" xmlns:p="http://schemas.microsoft.com/office/2006/metadata/properties" xmlns:ns2="1c1d9cf8-8fbb-4cb0-bc90-ffce08f888e0" targetNamespace="http://schemas.microsoft.com/office/2006/metadata/properties" ma:root="true" ma:fieldsID="0e0cbf54ee846107550037296ab1abce" ns2:_="">
     <xsd:import namespace="1c1d9cf8-8fbb-4cb0-bc90-ffce08f888e0"/>
@@ -19452,6 +19142,15 @@
 </ct:contentTypeSchema>
 </file>
 
+<file path=customXml/item3.xml><?xml version="1.0" encoding="utf-8"?>
+<?mso-contentType ?>
+<FormTemplates xmlns="http://schemas.microsoft.com/sharepoint/v3/contenttype/forms">
+  <Display>DocumentLibraryForm</Display>
+  <Edit>DocumentLibraryForm</Edit>
+  <New>DocumentLibraryForm</New>
+</FormTemplates>
+</file>
+
 <file path=customXml/itemProps1.xml><?xml version="1.0" encoding="utf-8"?>
 <ds:datastoreItem xmlns:ds="http://schemas.openxmlformats.org/officeDocument/2006/customXml" ds:itemID="{0B8C2CD5-50C2-4A7C-996A-3D6312B83669}">
   <ds:schemaRefs>
@@ -19469,14 +19168,6 @@
 </file>
 
 <file path=customXml/itemProps2.xml><?xml version="1.0" encoding="utf-8"?>
-<ds:datastoreItem xmlns:ds="http://schemas.openxmlformats.org/officeDocument/2006/customXml" ds:itemID="{57CAE72E-856B-4DF4-A9F6-93C41667E9A0}">
-  <ds:schemaRefs>
-    <ds:schemaRef ds:uri="http://schemas.microsoft.com/sharepoint/v3/contenttype/forms"/>
-  </ds:schemaRefs>
-</ds:datastoreItem>
-</file>
-
-<file path=customXml/itemProps3.xml><?xml version="1.0" encoding="utf-8"?>
 <ds:datastoreItem xmlns:ds="http://schemas.openxmlformats.org/officeDocument/2006/customXml" ds:itemID="{9DB4222E-8A83-46AC-9795-A2179EAE500A}">
   <ds:schemaRefs>
     <ds:schemaRef ds:uri="http://schemas.microsoft.com/office/2006/metadata/contentType"/>
@@ -19492,4 +19183,12 @@
     <ds:schemaRef ds:uri="http://schemas.microsoft.com/internal/obd"/>
   </ds:schemaRefs>
 </ds:datastoreItem>
+</file>
+
+<file path=customXml/itemProps3.xml><?xml version="1.0" encoding="utf-8"?>
+<ds:datastoreItem xmlns:ds="http://schemas.openxmlformats.org/officeDocument/2006/customXml" ds:itemID="{57CAE72E-856B-4DF4-A9F6-93C41667E9A0}">
+  <ds:schemaRefs>
+    <ds:schemaRef ds:uri="http://schemas.microsoft.com/sharepoint/v3/contenttype/forms"/>
+  </ds:schemaRefs>
+</ds:datastoreItem>
 </file>
--- a/2024/2024-10-18 NEWN IPR Updates/ERT-23-10_Steissberg_FY24EOYIPR_2024-10-18.pptx
+++ b/2024/2024-10-18 NEWN IPR Updates/ERT-23-10_Steissberg_FY24EOYIPR_2024-10-18.pptx
@@ -5,21 +5,19 @@
     <p:sldMasterId id="2147483966" r:id="rId4"/>
   </p:sldMasterIdLst>
   <p:notesMasterIdLst>
-    <p:notesMasterId r:id="rId14"/>
+    <p:notesMasterId r:id="rId12"/>
   </p:notesMasterIdLst>
   <p:handoutMasterIdLst>
-    <p:handoutMasterId r:id="rId15"/>
+    <p:handoutMasterId r:id="rId13"/>
   </p:handoutMasterIdLst>
   <p:sldIdLst>
     <p:sldId id="301" r:id="rId5"/>
     <p:sldId id="303" r:id="rId6"/>
     <p:sldId id="302" r:id="rId7"/>
-    <p:sldId id="305" r:id="rId8"/>
-    <p:sldId id="606" r:id="rId9"/>
+    <p:sldId id="609" r:id="rId8"/>
+    <p:sldId id="305" r:id="rId9"/>
     <p:sldId id="607" r:id="rId10"/>
-    <p:sldId id="608" r:id="rId11"/>
-    <p:sldId id="605" r:id="rId12"/>
-    <p:sldId id="304" r:id="rId13"/>
+    <p:sldId id="605" r:id="rId11"/>
   </p:sldIdLst>
   <p:sldSz cx="12192000" cy="6858000"/>
   <p:notesSz cx="6858000" cy="9144000"/>
@@ -211,7 +209,7 @@
           <a:p>
             <a:fld id="{52CF3383-DF08-4C90-8557-22EF3027DD43}" type="datetimeFigureOut">
               <a:rPr lang="en-US" smtClean="0"/>
-              <a:t>10/22/24</a:t>
+              <a:t>10/31/24</a:t>
             </a:fld>
             <a:endParaRPr lang="en-US"/>
           </a:p>
@@ -341,7 +339,7 @@
           <a:p>
             <a:fld id="{D7D16557-6E8E-4D95-8DF3-2DE1590C714A}" type="datetimeFigureOut">
               <a:rPr lang="en-US" smtClean="0"/>
-              <a:t>10/22/24</a:t>
+              <a:t>10/31/24</a:t>
             </a:fld>
             <a:endParaRPr lang="en-US"/>
           </a:p>
@@ -803,7 +801,7 @@
           <a:p>
             <a:fld id="{BC3A86D8-1D95-4DFF-A26B-8F86AC3AC58E}" type="slidenum">
               <a:rPr lang="en-US" smtClean="0"/>
-              <a:t>4</a:t>
+              <a:t>5</a:t>
             </a:fld>
             <a:endParaRPr lang="en-US"/>
           </a:p>
@@ -868,13 +866,13 @@
           <a:p>
             <a:r>
               <a:rPr lang="en-US" dirty="0"/>
-              <a:t>For FY21 project, the task list can be found in section 5.1 of the PMP.</a:t>
+              <a:t>Complete this table for your project. Include all activities and deliverables, including ones that were modified or deleted, as well as ones that were added along the way. Use the notes column to add additional explanation or notes on modifications in the activities, deliverables, or start/end dates. </a:t>
             </a:r>
           </a:p>
           <a:p>
             <a:r>
               <a:rPr lang="en-US" dirty="0"/>
-              <a:t>For all other research projects, the task list can be found in Appendix A.</a:t>
+              <a:t>Use multiple tables/slides if needed. </a:t>
             </a:r>
           </a:p>
           <a:p>
@@ -899,7 +897,7 @@
           <a:p>
             <a:fld id="{BC3A86D8-1D95-4DFF-A26B-8F86AC3AC58E}" type="slidenum">
               <a:rPr lang="en-US" smtClean="0"/>
-              <a:t>5</a:t>
+              <a:t>6</a:t>
             </a:fld>
             <a:endParaRPr lang="en-US"/>
           </a:p>
@@ -908,7 +906,7 @@
     </p:spTree>
     <p:extLst>
       <p:ext uri="{BB962C8B-B14F-4D97-AF65-F5344CB8AC3E}">
-        <p14:creationId xmlns:p14="http://schemas.microsoft.com/office/powerpoint/2010/main" val="3047775383"/>
+        <p14:creationId xmlns:p14="http://schemas.microsoft.com/office/powerpoint/2010/main" val="1325331936"/>
       </p:ext>
     </p:extLst>
   </p:cSld>
@@ -962,198 +960,6 @@
           <a:bodyPr/>
           <a:lstStyle/>
           <a:p>
-            <a:r>
-              <a:rPr lang="en-US" dirty="0"/>
-              <a:t>Complete this table for your project. Include all activities and deliverables, including ones that were modified or deleted, as well as ones that were added along the way. Use the notes column to add additional explanation or notes on modifications in the activities, deliverables, or start/end dates. </a:t>
-            </a:r>
-          </a:p>
-          <a:p>
-            <a:r>
-              <a:rPr lang="en-US" dirty="0"/>
-              <a:t>Use multiple tables/slides if needed. </a:t>
-            </a:r>
-          </a:p>
-          <a:p>
-            <a:endParaRPr lang="en-US" dirty="0"/>
-          </a:p>
-        </p:txBody>
-      </p:sp>
-      <p:sp>
-        <p:nvSpPr>
-          <p:cNvPr id="4" name="Slide Number Placeholder 3"/>
-          <p:cNvSpPr>
-            <a:spLocks noGrp="1"/>
-          </p:cNvSpPr>
-          <p:nvPr>
-            <p:ph type="sldNum" sz="quarter" idx="5"/>
-          </p:nvPr>
-        </p:nvSpPr>
-        <p:spPr/>
-        <p:txBody>
-          <a:bodyPr/>
-          <a:lstStyle/>
-          <a:p>
-            <a:fld id="{BC3A86D8-1D95-4DFF-A26B-8F86AC3AC58E}" type="slidenum">
-              <a:rPr lang="en-US" smtClean="0"/>
-              <a:t>6</a:t>
-            </a:fld>
-            <a:endParaRPr lang="en-US"/>
-          </a:p>
-        </p:txBody>
-      </p:sp>
-    </p:spTree>
-    <p:extLst>
-      <p:ext uri="{BB962C8B-B14F-4D97-AF65-F5344CB8AC3E}">
-        <p14:creationId xmlns:p14="http://schemas.microsoft.com/office/powerpoint/2010/main" val="1325331936"/>
-      </p:ext>
-    </p:extLst>
-  </p:cSld>
-  <p:clrMapOvr>
-    <a:masterClrMapping/>
-  </p:clrMapOvr>
-</p:notes>
-</file>
-
-<file path=ppt/notesSlides/notesSlide5.xml><?xml version="1.0" encoding="utf-8"?>
-<p:notes xmlns:a="http://schemas.openxmlformats.org/drawingml/2006/main" xmlns:r="http://schemas.openxmlformats.org/officeDocument/2006/relationships" xmlns:p="http://schemas.openxmlformats.org/presentationml/2006/main">
-  <p:cSld>
-    <p:spTree>
-      <p:nvGrpSpPr>
-        <p:cNvPr id="1" name=""/>
-        <p:cNvGrpSpPr/>
-        <p:nvPr/>
-      </p:nvGrpSpPr>
-      <p:grpSpPr>
-        <a:xfrm>
-          <a:off x="0" y="0"/>
-          <a:ext cx="0" cy="0"/>
-          <a:chOff x="0" y="0"/>
-          <a:chExt cx="0" cy="0"/>
-        </a:xfrm>
-      </p:grpSpPr>
-      <p:sp>
-        <p:nvSpPr>
-          <p:cNvPr id="2" name="Slide Image Placeholder 1"/>
-          <p:cNvSpPr>
-            <a:spLocks noGrp="1" noRot="1" noChangeAspect="1"/>
-          </p:cNvSpPr>
-          <p:nvPr>
-            <p:ph type="sldImg"/>
-          </p:nvPr>
-        </p:nvSpPr>
-        <p:spPr/>
-      </p:sp>
-      <p:sp>
-        <p:nvSpPr>
-          <p:cNvPr id="3" name="Notes Placeholder 2"/>
-          <p:cNvSpPr>
-            <a:spLocks noGrp="1"/>
-          </p:cNvSpPr>
-          <p:nvPr>
-            <p:ph type="body" idx="1"/>
-          </p:nvPr>
-        </p:nvSpPr>
-        <p:spPr/>
-        <p:txBody>
-          <a:bodyPr/>
-          <a:lstStyle/>
-          <a:p>
-            <a:r>
-              <a:rPr lang="en-US" dirty="0"/>
-              <a:t>Complete this table for your project. Include all activities and deliverables, including ones that were modified or deleted, as well as ones that were added along the way. Use the notes column to add additional explanation or notes on modifications in the activities, deliverables, or start/end dates. </a:t>
-            </a:r>
-          </a:p>
-          <a:p>
-            <a:r>
-              <a:rPr lang="en-US" dirty="0"/>
-              <a:t>Use multiple tables/slides if needed. </a:t>
-            </a:r>
-          </a:p>
-          <a:p>
-            <a:endParaRPr lang="en-US" dirty="0"/>
-          </a:p>
-        </p:txBody>
-      </p:sp>
-      <p:sp>
-        <p:nvSpPr>
-          <p:cNvPr id="4" name="Slide Number Placeholder 3"/>
-          <p:cNvSpPr>
-            <a:spLocks noGrp="1"/>
-          </p:cNvSpPr>
-          <p:nvPr>
-            <p:ph type="sldNum" sz="quarter" idx="5"/>
-          </p:nvPr>
-        </p:nvSpPr>
-        <p:spPr/>
-        <p:txBody>
-          <a:bodyPr/>
-          <a:lstStyle/>
-          <a:p>
-            <a:fld id="{BC3A86D8-1D95-4DFF-A26B-8F86AC3AC58E}" type="slidenum">
-              <a:rPr lang="en-US" smtClean="0"/>
-              <a:t>7</a:t>
-            </a:fld>
-            <a:endParaRPr lang="en-US"/>
-          </a:p>
-        </p:txBody>
-      </p:sp>
-    </p:spTree>
-    <p:extLst>
-      <p:ext uri="{BB962C8B-B14F-4D97-AF65-F5344CB8AC3E}">
-        <p14:creationId xmlns:p14="http://schemas.microsoft.com/office/powerpoint/2010/main" val="2918560024"/>
-      </p:ext>
-    </p:extLst>
-  </p:cSld>
-  <p:clrMapOvr>
-    <a:masterClrMapping/>
-  </p:clrMapOvr>
-</p:notes>
-</file>
-
-<file path=ppt/notesSlides/notesSlide6.xml><?xml version="1.0" encoding="utf-8"?>
-<p:notes xmlns:a="http://schemas.openxmlformats.org/drawingml/2006/main" xmlns:r="http://schemas.openxmlformats.org/officeDocument/2006/relationships" xmlns:p="http://schemas.openxmlformats.org/presentationml/2006/main">
-  <p:cSld>
-    <p:spTree>
-      <p:nvGrpSpPr>
-        <p:cNvPr id="1" name=""/>
-        <p:cNvGrpSpPr/>
-        <p:nvPr/>
-      </p:nvGrpSpPr>
-      <p:grpSpPr>
-        <a:xfrm>
-          <a:off x="0" y="0"/>
-          <a:ext cx="0" cy="0"/>
-          <a:chOff x="0" y="0"/>
-          <a:chExt cx="0" cy="0"/>
-        </a:xfrm>
-      </p:grpSpPr>
-      <p:sp>
-        <p:nvSpPr>
-          <p:cNvPr id="2" name="Slide Image Placeholder 1"/>
-          <p:cNvSpPr>
-            <a:spLocks noGrp="1" noRot="1" noChangeAspect="1"/>
-          </p:cNvSpPr>
-          <p:nvPr>
-            <p:ph type="sldImg"/>
-          </p:nvPr>
-        </p:nvSpPr>
-        <p:spPr/>
-      </p:sp>
-      <p:sp>
-        <p:nvSpPr>
-          <p:cNvPr id="3" name="Notes Placeholder 2"/>
-          <p:cNvSpPr>
-            <a:spLocks noGrp="1"/>
-          </p:cNvSpPr>
-          <p:nvPr>
-            <p:ph type="body" idx="1"/>
-          </p:nvPr>
-        </p:nvSpPr>
-        <p:spPr/>
-        <p:txBody>
-          <a:bodyPr/>
-          <a:lstStyle/>
-          <a:p>
             <a:pPr marL="0" marR="0" lvl="0" indent="0" algn="l" defTabSz="914400" rtl="0" eaLnBrk="1" fontAlgn="auto" latinLnBrk="0" hangingPunct="1">
               <a:lnSpc>
                 <a:spcPct val="100000"/>
@@ -1198,7 +1004,7 @@
           <a:p>
             <a:fld id="{BC3A86D8-1D95-4DFF-A26B-8F86AC3AC58E}" type="slidenum">
               <a:rPr lang="en-US" smtClean="0"/>
-              <a:t>8</a:t>
+              <a:t>7</a:t>
             </a:fld>
             <a:endParaRPr lang="en-US"/>
           </a:p>
@@ -1208,113 +1014,6 @@
     <p:extLst>
       <p:ext uri="{BB962C8B-B14F-4D97-AF65-F5344CB8AC3E}">
         <p14:creationId xmlns:p14="http://schemas.microsoft.com/office/powerpoint/2010/main" val="2335921673"/>
-      </p:ext>
-    </p:extLst>
-  </p:cSld>
-  <p:clrMapOvr>
-    <a:masterClrMapping/>
-  </p:clrMapOvr>
-</p:notes>
-</file>
-
-<file path=ppt/notesSlides/notesSlide7.xml><?xml version="1.0" encoding="utf-8"?>
-<p:notes xmlns:a="http://schemas.openxmlformats.org/drawingml/2006/main" xmlns:r="http://schemas.openxmlformats.org/officeDocument/2006/relationships" xmlns:p="http://schemas.openxmlformats.org/presentationml/2006/main">
-  <p:cSld>
-    <p:spTree>
-      <p:nvGrpSpPr>
-        <p:cNvPr id="1" name=""/>
-        <p:cNvGrpSpPr/>
-        <p:nvPr/>
-      </p:nvGrpSpPr>
-      <p:grpSpPr>
-        <a:xfrm>
-          <a:off x="0" y="0"/>
-          <a:ext cx="0" cy="0"/>
-          <a:chOff x="0" y="0"/>
-          <a:chExt cx="0" cy="0"/>
-        </a:xfrm>
-      </p:grpSpPr>
-      <p:sp>
-        <p:nvSpPr>
-          <p:cNvPr id="2" name="Slide Image Placeholder 1"/>
-          <p:cNvSpPr>
-            <a:spLocks noGrp="1" noRot="1" noChangeAspect="1"/>
-          </p:cNvSpPr>
-          <p:nvPr>
-            <p:ph type="sldImg"/>
-          </p:nvPr>
-        </p:nvSpPr>
-        <p:spPr/>
-      </p:sp>
-      <p:sp>
-        <p:nvSpPr>
-          <p:cNvPr id="3" name="Notes Placeholder 2"/>
-          <p:cNvSpPr>
-            <a:spLocks noGrp="1"/>
-          </p:cNvSpPr>
-          <p:nvPr>
-            <p:ph type="body" idx="1"/>
-          </p:nvPr>
-        </p:nvSpPr>
-        <p:spPr/>
-        <p:txBody>
-          <a:bodyPr/>
-          <a:lstStyle/>
-          <a:p>
-            <a:pPr marL="0" marR="0" lvl="0" indent="0" algn="l" defTabSz="914400" rtl="0" eaLnBrk="1" fontAlgn="auto" latinLnBrk="0" hangingPunct="1">
-              <a:lnSpc>
-                <a:spcPct val="100000"/>
-              </a:lnSpc>
-              <a:spcBef>
-                <a:spcPts val="0"/>
-              </a:spcBef>
-              <a:spcAft>
-                <a:spcPts val="0"/>
-              </a:spcAft>
-              <a:buClrTx/>
-              <a:buSzTx/>
-              <a:buFontTx/>
-              <a:buNone/>
-              <a:tabLst/>
-              <a:defRPr/>
-            </a:pPr>
-            <a:r>
-              <a:rPr lang="en-US" dirty="0"/>
-              <a:t>Use this slide to add any other updates or notes about your project, or to share more photos. </a:t>
-            </a:r>
-          </a:p>
-          <a:p>
-            <a:endParaRPr lang="en-US" dirty="0"/>
-          </a:p>
-        </p:txBody>
-      </p:sp>
-      <p:sp>
-        <p:nvSpPr>
-          <p:cNvPr id="4" name="Slide Number Placeholder 3"/>
-          <p:cNvSpPr>
-            <a:spLocks noGrp="1"/>
-          </p:cNvSpPr>
-          <p:nvPr>
-            <p:ph type="sldNum" sz="quarter" idx="5"/>
-          </p:nvPr>
-        </p:nvSpPr>
-        <p:spPr/>
-        <p:txBody>
-          <a:bodyPr/>
-          <a:lstStyle/>
-          <a:p>
-            <a:fld id="{BC3A86D8-1D95-4DFF-A26B-8F86AC3AC58E}" type="slidenum">
-              <a:rPr lang="en-US" smtClean="0"/>
-              <a:t>9</a:t>
-            </a:fld>
-            <a:endParaRPr lang="en-US"/>
-          </a:p>
-        </p:txBody>
-      </p:sp>
-    </p:spTree>
-    <p:extLst>
-      <p:ext uri="{BB962C8B-B14F-4D97-AF65-F5344CB8AC3E}">
-        <p14:creationId xmlns:p14="http://schemas.microsoft.com/office/powerpoint/2010/main" val="2221528403"/>
       </p:ext>
     </p:extLst>
   </p:cSld>
@@ -10096,40 +9795,6 @@
           </a:p>
         </p:txBody>
       </p:sp>
-      <p:pic>
-        <p:nvPicPr>
-          <p:cNvPr id="7" name="Picture Placeholder 6">
-            <a:extLst>
-              <a:ext uri="{FF2B5EF4-FFF2-40B4-BE49-F238E27FC236}">
-                <a16:creationId xmlns:a16="http://schemas.microsoft.com/office/drawing/2014/main" id="{092798B0-B98B-E679-1590-C85A01C9A9AC}"/>
-              </a:ext>
-            </a:extLst>
-          </p:cNvPr>
-          <p:cNvPicPr>
-            <a:picLocks noGrp="1" noChangeAspect="1"/>
-          </p:cNvPicPr>
-          <p:nvPr>
-            <p:ph type="pic" sz="quarter" idx="14"/>
-          </p:nvPr>
-        </p:nvPicPr>
-        <p:blipFill rotWithShape="1">
-          <a:blip r:embed="rId2" cstate="hqprint">
-            <a:extLst>
-              <a:ext uri="{28A0092B-C50C-407E-A947-70E740481C1C}">
-                <a14:useLocalDpi xmlns:a14="http://schemas.microsoft.com/office/drawing/2010/main" val="0"/>
-              </a:ext>
-            </a:extLst>
-          </a:blip>
-          <a:srcRect/>
-          <a:stretch/>
-        </p:blipFill>
-        <p:spPr>
-          <a:xfrm>
-            <a:off x="7823200" y="1702309"/>
-            <a:ext cx="4368800" cy="3594969"/>
-          </a:xfrm>
-        </p:spPr>
-      </p:pic>
       <p:graphicFrame>
         <p:nvGraphicFramePr>
           <p:cNvPr id="6" name="Table 2">
@@ -10145,7 +9810,7 @@
           <p:nvPr>
             <p:extLst>
               <p:ext uri="{D42A27DB-BD31-4B8C-83A1-F6EECF244321}">
-                <p14:modId xmlns:p14="http://schemas.microsoft.com/office/powerpoint/2010/main" val="3066204562"/>
+                <p14:modId xmlns:p14="http://schemas.microsoft.com/office/powerpoint/2010/main" val="3155038477"/>
               </p:ext>
             </p:extLst>
           </p:nvPr>
@@ -10390,7 +10055,7 @@
                             </a:schemeClr>
                           </a:solidFill>
                         </a:rPr>
-                        <a:t>-</a:t>
+                        <a:t>FY25</a:t>
                       </a:r>
                     </a:p>
                   </a:txBody>
@@ -10447,7 +10112,7 @@
                             </a:schemeClr>
                           </a:solidFill>
                         </a:rPr>
-                        <a:t>-</a:t>
+                        <a:t>FY26</a:t>
                       </a:r>
                     </a:p>
                   </a:txBody>
@@ -10561,7 +10226,7 @@
                     <a:p>
                       <a:pPr algn="ctr"/>
                       <a:r>
-                        <a:rPr lang="en-US" sz="2100">
+                        <a:rPr lang="en-US" sz="2100" dirty="0">
                           <a:solidFill>
                             <a:schemeClr val="bg2">
                               <a:lumMod val="95000"/>
@@ -10570,13 +10235,6 @@
                         </a:rPr>
                         <a:t>$0K</a:t>
                       </a:r>
-                      <a:endParaRPr lang="en-US" sz="2100" dirty="0">
-                        <a:solidFill>
-                          <a:schemeClr val="bg2">
-                            <a:lumMod val="95000"/>
-                          </a:schemeClr>
-                        </a:solidFill>
-                      </a:endParaRPr>
                     </a:p>
                   </a:txBody>
                   <a:tcPr marL="81615" marR="81615" marT="40808" marB="40808">
@@ -10648,7 +10306,7 @@
                             </a:schemeClr>
                           </a:solidFill>
                         </a:rPr>
-                        <a:t>$K</a:t>
+                        <a:t>$180K</a:t>
                       </a:r>
                     </a:p>
                   </a:txBody>
@@ -10714,23 +10372,14 @@
                         <a:defRPr/>
                       </a:pPr>
                       <a:r>
-                        <a:rPr kumimoji="0" lang="en-US" sz="1600" b="0" i="0" u="none" strike="noStrike" kern="1200" cap="none" spc="0" normalizeH="0" baseline="0" noProof="0" dirty="0">
-                          <a:ln>
-                            <a:noFill/>
-                          </a:ln>
+                        <a:rPr lang="en-US" sz="2100" dirty="0">
                           <a:solidFill>
                             <a:schemeClr val="bg2">
                               <a:lumMod val="95000"/>
                             </a:schemeClr>
                           </a:solidFill>
-                          <a:effectLst/>
-                          <a:uLnTx/>
-                          <a:uFillTx/>
-                          <a:latin typeface="Calibri"/>
-                          <a:ea typeface="+mn-ea"/>
-                          <a:cs typeface="+mn-cs"/>
-                        </a:rPr>
-                        <a:t>$K</a:t>
+                        </a:rPr>
+                        <a:t>$20K</a:t>
                       </a:r>
                     </a:p>
                   </a:txBody>
@@ -10795,22 +10444,25 @@
                         <a:tabLst/>
                         <a:defRPr/>
                       </a:pPr>
-                      <a:endParaRPr kumimoji="0" lang="en-US" sz="1600" b="0" i="0" u="none" strike="noStrike" kern="1200" cap="none" spc="0" normalizeH="0" baseline="0" noProof="0" dirty="0">
-                        <a:ln>
-                          <a:noFill/>
-                        </a:ln>
-                        <a:solidFill>
-                          <a:schemeClr val="bg2">
-                            <a:lumMod val="95000"/>
-                          </a:schemeClr>
-                        </a:solidFill>
-                        <a:effectLst/>
-                        <a:uLnTx/>
-                        <a:uFillTx/>
-                        <a:latin typeface="Calibri"/>
-                        <a:ea typeface="+mn-ea"/>
-                        <a:cs typeface="+mn-cs"/>
-                      </a:endParaRPr>
+                      <a:r>
+                        <a:rPr kumimoji="0" lang="en-US" sz="2100" b="0" i="0" u="none" strike="noStrike" kern="1200" cap="none" spc="0" normalizeH="0" baseline="0" noProof="0" dirty="0">
+                          <a:ln>
+                            <a:noFill/>
+                          </a:ln>
+                          <a:solidFill>
+                            <a:schemeClr val="bg2">
+                              <a:lumMod val="95000"/>
+                            </a:schemeClr>
+                          </a:solidFill>
+                          <a:effectLst/>
+                          <a:uLnTx/>
+                          <a:uFillTx/>
+                          <a:latin typeface="Calibri"/>
+                          <a:ea typeface="+mn-ea"/>
+                          <a:cs typeface="+mn-cs"/>
+                        </a:rPr>
+                        <a:t>$250K</a:t>
+                      </a:r>
                     </a:p>
                   </a:txBody>
                   <a:tcPr marL="81615" marR="81615" marT="40808" marB="40808">
@@ -10874,22 +10526,25 @@
                         <a:tabLst/>
                         <a:defRPr/>
                       </a:pPr>
-                      <a:endParaRPr kumimoji="0" lang="en-US" sz="1600" b="0" i="0" u="none" strike="noStrike" kern="1200" cap="none" spc="0" normalizeH="0" baseline="0" noProof="0" dirty="0">
-                        <a:ln>
-                          <a:noFill/>
-                        </a:ln>
-                        <a:solidFill>
-                          <a:schemeClr val="bg2">
-                            <a:lumMod val="95000"/>
-                          </a:schemeClr>
-                        </a:solidFill>
-                        <a:effectLst/>
-                        <a:uLnTx/>
-                        <a:uFillTx/>
-                        <a:latin typeface="Calibri"/>
-                        <a:ea typeface="+mn-ea"/>
-                        <a:cs typeface="+mn-cs"/>
-                      </a:endParaRPr>
+                      <a:r>
+                        <a:rPr kumimoji="0" lang="en-US" sz="2100" b="0" i="0" u="none" strike="noStrike" kern="1200" cap="none" spc="0" normalizeH="0" baseline="0" noProof="0" dirty="0">
+                          <a:ln>
+                            <a:noFill/>
+                          </a:ln>
+                          <a:solidFill>
+                            <a:schemeClr val="bg2">
+                              <a:lumMod val="95000"/>
+                            </a:schemeClr>
+                          </a:solidFill>
+                          <a:effectLst/>
+                          <a:uLnTx/>
+                          <a:uFillTx/>
+                          <a:latin typeface="Calibri"/>
+                          <a:ea typeface="+mn-ea"/>
+                          <a:cs typeface="+mn-cs"/>
+                        </a:rPr>
+                        <a:t>$200K</a:t>
+                      </a:r>
                     </a:p>
                   </a:txBody>
                   <a:tcPr marL="81615" marR="81615" marT="40808" marB="40808">
@@ -10954,7 +10609,7 @@
                         <a:defRPr/>
                       </a:pPr>
                       <a:r>
-                        <a:rPr kumimoji="0" lang="en-US" sz="1600" b="0" i="0" u="none" strike="noStrike" kern="1200" cap="none" spc="0" normalizeH="0" baseline="0" noProof="0" dirty="0">
+                        <a:rPr kumimoji="0" lang="en-US" sz="2100" b="0" i="0" u="none" strike="noStrike" kern="1200" cap="none" spc="0" normalizeH="0" baseline="0" noProof="0" dirty="0">
                           <a:ln>
                             <a:noFill/>
                           </a:ln>
@@ -10970,7 +10625,7 @@
                           <a:ea typeface="+mn-ea"/>
                           <a:cs typeface="+mn-cs"/>
                         </a:rPr>
-                        <a:t>$K</a:t>
+                        <a:t>$650K</a:t>
                       </a:r>
                     </a:p>
                   </a:txBody>
@@ -11062,6 +10717,121 @@
           </a:p>
         </p:txBody>
       </p:sp>
+      <p:pic>
+        <p:nvPicPr>
+          <p:cNvPr id="9" name="Picture 8">
+            <a:extLst>
+              <a:ext uri="{FF2B5EF4-FFF2-40B4-BE49-F238E27FC236}">
+                <a16:creationId xmlns:a16="http://schemas.microsoft.com/office/drawing/2014/main" id="{5DCF8C3B-FE75-CA57-D069-532356BAF0B4}"/>
+              </a:ext>
+            </a:extLst>
+          </p:cNvPr>
+          <p:cNvPicPr>
+            <a:picLocks noChangeAspect="1"/>
+          </p:cNvPicPr>
+          <p:nvPr/>
+        </p:nvPicPr>
+        <p:blipFill>
+          <a:blip r:embed="rId2">
+            <a:extLst>
+              <a:ext uri="{28A0092B-C50C-407E-A947-70E740481C1C}">
+                <a14:useLocalDpi xmlns:a14="http://schemas.microsoft.com/office/drawing/2010/main" val="0"/>
+              </a:ext>
+            </a:extLst>
+          </a:blip>
+          <a:stretch>
+            <a:fillRect/>
+          </a:stretch>
+        </p:blipFill>
+        <p:spPr>
+          <a:xfrm>
+            <a:off x="7889129" y="3476657"/>
+            <a:ext cx="3354748" cy="2173625"/>
+          </a:xfrm>
+          <a:prstGeom prst="rect">
+            <a:avLst/>
+          </a:prstGeom>
+        </p:spPr>
+      </p:pic>
+      <p:pic>
+        <p:nvPicPr>
+          <p:cNvPr id="12" name="Picture 11">
+            <a:extLst>
+              <a:ext uri="{FF2B5EF4-FFF2-40B4-BE49-F238E27FC236}">
+                <a16:creationId xmlns:a16="http://schemas.microsoft.com/office/drawing/2014/main" id="{4BCAC2CE-2745-B4AE-57D9-0987BE34132A}"/>
+              </a:ext>
+            </a:extLst>
+          </p:cNvPr>
+          <p:cNvPicPr>
+            <a:picLocks noChangeAspect="1"/>
+          </p:cNvPicPr>
+          <p:nvPr/>
+        </p:nvPicPr>
+        <p:blipFill>
+          <a:blip r:embed="rId3">
+            <a:extLst>
+              <a:ext uri="{28A0092B-C50C-407E-A947-70E740481C1C}">
+                <a14:useLocalDpi xmlns:a14="http://schemas.microsoft.com/office/drawing/2010/main" val="0"/>
+              </a:ext>
+            </a:extLst>
+          </a:blip>
+          <a:stretch>
+            <a:fillRect/>
+          </a:stretch>
+        </p:blipFill>
+        <p:spPr>
+          <a:xfrm>
+            <a:off x="7889129" y="1515243"/>
+            <a:ext cx="3354748" cy="1884250"/>
+          </a:xfrm>
+          <a:prstGeom prst="rect">
+            <a:avLst/>
+          </a:prstGeom>
+        </p:spPr>
+      </p:pic>
+      <p:pic>
+        <p:nvPicPr>
+          <p:cNvPr id="13" name="Picture 12">
+            <a:extLst>
+              <a:ext uri="{FF2B5EF4-FFF2-40B4-BE49-F238E27FC236}">
+                <a16:creationId xmlns:a16="http://schemas.microsoft.com/office/drawing/2014/main" id="{7A9566BC-CC7F-1F55-DC45-8F56E20FAE29}"/>
+              </a:ext>
+            </a:extLst>
+          </p:cNvPr>
+          <p:cNvPicPr>
+            <a:picLocks noChangeAspect="1"/>
+          </p:cNvPicPr>
+          <p:nvPr/>
+        </p:nvPicPr>
+        <p:blipFill>
+          <a:blip r:embed="rId4" cstate="print">
+            <a:extLst>
+              <a:ext uri="{28A0092B-C50C-407E-A947-70E740481C1C}">
+                <a14:useLocalDpi xmlns:a14="http://schemas.microsoft.com/office/drawing/2010/main" val="0"/>
+              </a:ext>
+            </a:extLst>
+          </a:blip>
+          <a:srcRect/>
+          <a:stretch>
+            <a:fillRect/>
+          </a:stretch>
+        </p:blipFill>
+        <p:spPr bwMode="auto">
+          <a:xfrm>
+            <a:off x="10727474" y="2837615"/>
+            <a:ext cx="1379964" cy="1349474"/>
+          </a:xfrm>
+          <a:prstGeom prst="rect">
+            <a:avLst/>
+          </a:prstGeom>
+          <a:noFill/>
+          <a:ln w="3175">
+            <a:solidFill>
+              <a:schemeClr val="accent1"/>
+            </a:solidFill>
+          </a:ln>
+        </p:spPr>
+      </p:pic>
     </p:spTree>
     <p:extLst>
       <p:ext uri="{BB962C8B-B14F-4D97-AF65-F5344CB8AC3E}">
@@ -11124,7 +10894,7 @@
                   <a:schemeClr val="tx1"/>
                 </a:solidFill>
               </a:rPr>
-              <a:t>ERT-XX-XX: Project Objectives</a:t>
+              <a:t>ERT-23-12: Project Objectives</a:t>
             </a:r>
           </a:p>
         </p:txBody>
@@ -11147,7 +10917,7 @@
         </p:nvSpPr>
         <p:spPr>
           <a:xfrm>
-            <a:off x="914400" y="1235412"/>
+            <a:off x="903245" y="1168506"/>
             <a:ext cx="11010900" cy="5393987"/>
           </a:xfrm>
         </p:spPr>
@@ -11155,24 +10925,74 @@
           <a:bodyPr/>
           <a:lstStyle/>
           <a:p>
+            <a:r>
+              <a:rPr lang="en-US" sz="1600" dirty="0"/>
+              <a:t>The broad objective of this project is to facilitate the use and design of sustainable EWN projects in intensively hydrologically altered agricultural areas in the Great Plains and Midwest regions. We intend to advance the use of EWN in these areas by developing and demonstrating an analysis tool to identify the potential for EWN to provide benefits for water bodies in the regions. </a:t>
+            </a:r>
+          </a:p>
+          <a:p>
+            <a:endParaRPr lang="en-US" sz="1600" dirty="0"/>
+          </a:p>
+          <a:p>
             <a:pPr marL="342900" indent="-342900">
-              <a:buFont typeface="Arial" panose="020B0604020202020204" pitchFamily="34" charset="0"/>
-              <a:buChar char="•"/>
+              <a:buAutoNum type="arabicPeriod"/>
             </a:pPr>
             <a:r>
-              <a:rPr lang="en-US" sz="2400" dirty="0"/>
-              <a:t>Describe the project objectives as described in the PMP using a few bullets. </a:t>
+              <a:rPr lang="en-US" sz="1600" dirty="0"/>
+              <a:t>Develop an advanced modeling tool, the EWN Engineering Design Tool, will allow farmers to:</a:t>
+            </a:r>
+          </a:p>
+          <a:p>
+            <a:pPr marL="569913" lvl="1" indent="-342900">
+              <a:buFont typeface="+mj-lt"/>
+              <a:buAutoNum type="alphaLcPeriod"/>
+            </a:pPr>
+            <a:r>
+              <a:rPr lang="en-US" sz="1600" dirty="0"/>
+              <a:t>Optimize operations (e.g., tillage practices)</a:t>
+            </a:r>
+          </a:p>
+          <a:p>
+            <a:pPr marL="569913" lvl="1" indent="-342900">
+              <a:buFont typeface="+mj-lt"/>
+              <a:buAutoNum type="alphaLcPeriod"/>
+            </a:pPr>
+            <a:r>
+              <a:rPr lang="en-US" sz="1600" dirty="0"/>
+              <a:t>Application of fertilizers</a:t>
+            </a:r>
+          </a:p>
+          <a:p>
+            <a:pPr marL="569913" lvl="1" indent="-342900">
+              <a:buFont typeface="+mj-lt"/>
+              <a:buAutoNum type="alphaLcPeriod"/>
+            </a:pPr>
+            <a:r>
+              <a:rPr lang="en-US" sz="1600" dirty="0"/>
+              <a:t>Design tile drains to more efficiently remove water from fields</a:t>
+            </a:r>
+          </a:p>
+          <a:p>
+            <a:pPr marL="569913" lvl="1" indent="-342900">
+              <a:buFont typeface="+mj-lt"/>
+              <a:buAutoNum type="alphaLcPeriod"/>
+            </a:pPr>
+            <a:r>
+              <a:rPr lang="en-US" sz="1600" dirty="0"/>
+              <a:t>Mitigate excess suspended sediments, nutrients, and chemicals to downstream waterbodies through the use of EWN features such as constructed wetlands, bio-swales, etc.</a:t>
             </a:r>
           </a:p>
           <a:p>
             <a:pPr marL="342900" indent="-342900">
-              <a:buFont typeface="Arial" panose="020B0604020202020204" pitchFamily="34" charset="0"/>
-              <a:buChar char="•"/>
+              <a:buAutoNum type="arabicPeriod"/>
             </a:pPr>
             <a:r>
-              <a:rPr lang="en-US" sz="2400" dirty="0"/>
-              <a:t>Add two or more project photos.</a:t>
-            </a:r>
+              <a:rPr lang="en-US" sz="1600" dirty="0"/>
+              <a:t>Develop a demonstration study to verify that the model is performing satisfactorily and will meet the needs of agricultural land managers.</a:t>
+            </a:r>
+          </a:p>
+          <a:p>
+            <a:endParaRPr lang="en-US" sz="1600" dirty="0"/>
           </a:p>
         </p:txBody>
       </p:sp>
@@ -11238,7 +11058,7 @@
                   <a:schemeClr val="tx1"/>
                 </a:solidFill>
               </a:rPr>
-              <a:t>ERT-XX-XX: Research Deliverables</a:t>
+              <a:t>ERT-23-12: Research Deliverables</a:t>
             </a:r>
           </a:p>
         </p:txBody>
@@ -11258,14 +11078,14 @@
           <p:nvPr>
             <p:extLst>
               <p:ext uri="{D42A27DB-BD31-4B8C-83A1-F6EECF244321}">
-                <p14:modId xmlns:p14="http://schemas.microsoft.com/office/powerpoint/2010/main" val="278776434"/>
+                <p14:modId xmlns:p14="http://schemas.microsoft.com/office/powerpoint/2010/main" val="4233424902"/>
               </p:ext>
             </p:extLst>
           </p:nvPr>
         </p:nvGraphicFramePr>
         <p:xfrm>
-          <a:off x="609600" y="1398320"/>
-          <a:ext cx="10723124" cy="4223474"/>
+          <a:off x="955288" y="1001751"/>
+          <a:ext cx="10723124" cy="4669695"/>
         </p:xfrm>
         <a:graphic>
           <a:graphicData uri="http://schemas.openxmlformats.org/drawingml/2006/table">
@@ -11495,6 +11315,44 @@
                     <a:bodyPr/>
                     <a:lstStyle/>
                     <a:p>
+                      <a:r>
+                        <a:rPr lang="en-US" sz="1600" dirty="0">
+                          <a:latin typeface="+mn-lt"/>
+                        </a:rPr>
+                        <a:t>Develop Design Plan for integrating nutrient and contaminant processes with Super Link and Vadose Zone within GSSHA using the Basic Modeling Interface (BMI)</a:t>
+                      </a:r>
+                    </a:p>
+                  </a:txBody>
+                  <a:tcPr marL="121920" marR="121920" marT="60960" marB="60960">
+                    <a:solidFill>
+                      <a:srgbClr val="C0C1C1"/>
+                    </a:solidFill>
+                  </a:tcPr>
+                </a:tc>
+                <a:tc>
+                  <a:txBody>
+                    <a:bodyPr/>
+                    <a:lstStyle/>
+                    <a:p>
+                      <a:r>
+                        <a:rPr lang="en-US" sz="1600" dirty="0">
+                          <a:latin typeface="+mn-lt"/>
+                        </a:rPr>
+                        <a:t>Y</a:t>
+                      </a:r>
+                    </a:p>
+                  </a:txBody>
+                  <a:tcPr marL="121920" marR="121920" marT="60960" marB="60960">
+                    <a:solidFill>
+                      <a:srgbClr val="C0C1C1"/>
+                    </a:solidFill>
+                  </a:tcPr>
+                </a:tc>
+                <a:tc>
+                  <a:txBody>
+                    <a:bodyPr/>
+                    <a:lstStyle/>
+                    <a:p>
                       <a:endParaRPr lang="en-US" sz="1600" dirty="0">
                         <a:latin typeface="+mn-lt"/>
                       </a:endParaRPr>
@@ -11510,6 +11368,728 @@
                   <a:txBody>
                     <a:bodyPr/>
                     <a:lstStyle/>
+                    <a:p>
+                      <a:r>
+                        <a:rPr lang="en-US" sz="1600" dirty="0">
+                          <a:latin typeface="+mn-lt"/>
+                        </a:rPr>
+                        <a:t>N</a:t>
+                      </a:r>
+                    </a:p>
+                  </a:txBody>
+                  <a:tcPr marL="121920" marR="121920" marT="60960" marB="60960">
+                    <a:solidFill>
+                      <a:srgbClr val="C0C1C1"/>
+                    </a:solidFill>
+                  </a:tcPr>
+                </a:tc>
+                <a:extLst>
+                  <a:ext uri="{0D108BD9-81ED-4DB2-BD59-A6C34878D82A}">
+                    <a16:rowId xmlns:a16="http://schemas.microsoft.com/office/drawing/2014/main" val="291076823"/>
+                  </a:ext>
+                </a:extLst>
+              </a:tr>
+              <a:tr h="406517">
+                <a:tc>
+                  <a:txBody>
+                    <a:bodyPr/>
+                    <a:lstStyle/>
+                    <a:p>
+                      <a:r>
+                        <a:rPr lang="en-US" sz="1600" dirty="0">
+                          <a:latin typeface="+mn-lt"/>
+                        </a:rPr>
+                        <a:t>Develop transport simulation capabilities in the vadose zone and tile drain networks for suspended sediments, nutrients, and contaminants</a:t>
+                      </a:r>
+                    </a:p>
+                  </a:txBody>
+                  <a:tcPr marL="121920" marR="121920" marT="60960" marB="60960">
+                    <a:solidFill>
+                      <a:schemeClr val="bg2">
+                        <a:lumMod val="85000"/>
+                      </a:schemeClr>
+                    </a:solidFill>
+                  </a:tcPr>
+                </a:tc>
+                <a:tc>
+                  <a:txBody>
+                    <a:bodyPr/>
+                    <a:lstStyle/>
+                    <a:p>
+                      <a:r>
+                        <a:rPr lang="en-US" sz="1600" dirty="0">
+                          <a:latin typeface="+mn-lt"/>
+                        </a:rPr>
+                        <a:t>N</a:t>
+                      </a:r>
+                    </a:p>
+                  </a:txBody>
+                  <a:tcPr marL="121920" marR="121920" marT="60960" marB="60960">
+                    <a:solidFill>
+                      <a:schemeClr val="bg2">
+                        <a:lumMod val="85000"/>
+                      </a:schemeClr>
+                    </a:solidFill>
+                  </a:tcPr>
+                </a:tc>
+                <a:tc>
+                  <a:txBody>
+                    <a:bodyPr/>
+                    <a:lstStyle/>
+                    <a:p>
+                      <a:r>
+                        <a:rPr lang="en-US" sz="1600" dirty="0">
+                          <a:latin typeface="+mn-lt"/>
+                        </a:rPr>
+                        <a:t>30 Sep 2025</a:t>
+                      </a:r>
+                    </a:p>
+                  </a:txBody>
+                  <a:tcPr marL="121920" marR="121920" marT="60960" marB="60960">
+                    <a:solidFill>
+                      <a:schemeClr val="bg2">
+                        <a:lumMod val="85000"/>
+                      </a:schemeClr>
+                    </a:solidFill>
+                  </a:tcPr>
+                </a:tc>
+                <a:tc>
+                  <a:txBody>
+                    <a:bodyPr/>
+                    <a:lstStyle/>
+                    <a:p>
+                      <a:r>
+                        <a:rPr lang="en-US" sz="1600" dirty="0">
+                          <a:latin typeface="+mn-lt"/>
+                        </a:rPr>
+                        <a:t>N</a:t>
+                      </a:r>
+                    </a:p>
+                  </a:txBody>
+                  <a:tcPr marL="121920" marR="121920" marT="60960" marB="60960">
+                    <a:solidFill>
+                      <a:schemeClr val="bg2">
+                        <a:lumMod val="85000"/>
+                      </a:schemeClr>
+                    </a:solidFill>
+                  </a:tcPr>
+                </a:tc>
+                <a:extLst>
+                  <a:ext uri="{0D108BD9-81ED-4DB2-BD59-A6C34878D82A}">
+                    <a16:rowId xmlns:a16="http://schemas.microsoft.com/office/drawing/2014/main" val="70177493"/>
+                  </a:ext>
+                </a:extLst>
+              </a:tr>
+              <a:tr h="406517">
+                <a:tc>
+                  <a:txBody>
+                    <a:bodyPr/>
+                    <a:lstStyle/>
+                    <a:p>
+                      <a:r>
+                        <a:rPr lang="en-US" sz="1600" dirty="0">
+                          <a:latin typeface="+mn-lt"/>
+                        </a:rPr>
+                        <a:t>Integrate ERDC’s Nutrient Simulation Module (NSM) with GSSHA’s Vadose Zone module</a:t>
+                      </a:r>
+                    </a:p>
+                  </a:txBody>
+                  <a:tcPr marL="121920" marR="121920" marT="60960" marB="60960">
+                    <a:solidFill>
+                      <a:srgbClr val="C0C1C1"/>
+                    </a:solidFill>
+                  </a:tcPr>
+                </a:tc>
+                <a:tc>
+                  <a:txBody>
+                    <a:bodyPr/>
+                    <a:lstStyle/>
+                    <a:p>
+                      <a:r>
+                        <a:rPr lang="en-US" sz="1600" dirty="0">
+                          <a:latin typeface="+mn-lt"/>
+                        </a:rPr>
+                        <a:t>N</a:t>
+                      </a:r>
+                    </a:p>
+                  </a:txBody>
+                  <a:tcPr marL="121920" marR="121920" marT="60960" marB="60960">
+                    <a:solidFill>
+                      <a:srgbClr val="C0C1C1"/>
+                    </a:solidFill>
+                  </a:tcPr>
+                </a:tc>
+                <a:tc>
+                  <a:txBody>
+                    <a:bodyPr/>
+                    <a:lstStyle/>
+                    <a:p>
+                      <a:r>
+                        <a:rPr lang="en-US" sz="1600" dirty="0">
+                          <a:latin typeface="+mn-lt"/>
+                        </a:rPr>
+                        <a:t>30 Sep 2025</a:t>
+                      </a:r>
+                    </a:p>
+                  </a:txBody>
+                  <a:tcPr marL="121920" marR="121920" marT="60960" marB="60960">
+                    <a:solidFill>
+                      <a:srgbClr val="C0C1C1"/>
+                    </a:solidFill>
+                  </a:tcPr>
+                </a:tc>
+                <a:tc>
+                  <a:txBody>
+                    <a:bodyPr/>
+                    <a:lstStyle/>
+                    <a:p>
+                      <a:r>
+                        <a:rPr lang="en-US" sz="1600" dirty="0">
+                          <a:latin typeface="+mn-lt"/>
+                        </a:rPr>
+                        <a:t>N</a:t>
+                      </a:r>
+                    </a:p>
+                  </a:txBody>
+                  <a:tcPr marL="121920" marR="121920" marT="60960" marB="60960">
+                    <a:solidFill>
+                      <a:srgbClr val="C0C1C1"/>
+                    </a:solidFill>
+                  </a:tcPr>
+                </a:tc>
+                <a:extLst>
+                  <a:ext uri="{0D108BD9-81ED-4DB2-BD59-A6C34878D82A}">
+                    <a16:rowId xmlns:a16="http://schemas.microsoft.com/office/drawing/2014/main" val="3695423954"/>
+                  </a:ext>
+                </a:extLst>
+              </a:tr>
+              <a:tr h="406517">
+                <a:tc>
+                  <a:txBody>
+                    <a:bodyPr/>
+                    <a:lstStyle/>
+                    <a:p>
+                      <a:r>
+                        <a:rPr lang="en-US" sz="1600" dirty="0">
+                          <a:latin typeface="+mn-lt"/>
+                        </a:rPr>
+                        <a:t>Integrate USGS’s PHREEQC biogeochemistry model with Vadose</a:t>
+                      </a:r>
+                    </a:p>
+                  </a:txBody>
+                  <a:tcPr marL="121920" marR="121920" marT="60960" marB="60960">
+                    <a:solidFill>
+                      <a:schemeClr val="bg2">
+                        <a:lumMod val="85000"/>
+                      </a:schemeClr>
+                    </a:solidFill>
+                  </a:tcPr>
+                </a:tc>
+                <a:tc>
+                  <a:txBody>
+                    <a:bodyPr/>
+                    <a:lstStyle/>
+                    <a:p>
+                      <a:r>
+                        <a:rPr lang="en-US" sz="1600" dirty="0">
+                          <a:latin typeface="+mn-lt"/>
+                        </a:rPr>
+                        <a:t>N</a:t>
+                      </a:r>
+                    </a:p>
+                  </a:txBody>
+                  <a:tcPr marL="121920" marR="121920" marT="60960" marB="60960">
+                    <a:solidFill>
+                      <a:schemeClr val="bg2">
+                        <a:lumMod val="85000"/>
+                      </a:schemeClr>
+                    </a:solidFill>
+                  </a:tcPr>
+                </a:tc>
+                <a:tc>
+                  <a:txBody>
+                    <a:bodyPr/>
+                    <a:lstStyle/>
+                    <a:p>
+                      <a:r>
+                        <a:rPr lang="en-US" sz="1600" dirty="0">
+                          <a:latin typeface="+mn-lt"/>
+                        </a:rPr>
+                        <a:t>30 Sep 2025</a:t>
+                      </a:r>
+                    </a:p>
+                  </a:txBody>
+                  <a:tcPr marL="121920" marR="121920" marT="60960" marB="60960">
+                    <a:solidFill>
+                      <a:schemeClr val="bg2">
+                        <a:lumMod val="85000"/>
+                      </a:schemeClr>
+                    </a:solidFill>
+                  </a:tcPr>
+                </a:tc>
+                <a:tc>
+                  <a:txBody>
+                    <a:bodyPr/>
+                    <a:lstStyle/>
+                    <a:p>
+                      <a:r>
+                        <a:rPr lang="en-US" sz="1600" dirty="0">
+                          <a:latin typeface="+mn-lt"/>
+                        </a:rPr>
+                        <a:t>N</a:t>
+                      </a:r>
+                    </a:p>
+                  </a:txBody>
+                  <a:tcPr marL="121920" marR="121920" marT="60960" marB="60960">
+                    <a:solidFill>
+                      <a:schemeClr val="bg2">
+                        <a:lumMod val="85000"/>
+                      </a:schemeClr>
+                    </a:solidFill>
+                  </a:tcPr>
+                </a:tc>
+                <a:extLst>
+                  <a:ext uri="{0D108BD9-81ED-4DB2-BD59-A6C34878D82A}">
+                    <a16:rowId xmlns:a16="http://schemas.microsoft.com/office/drawing/2014/main" val="1347859302"/>
+                  </a:ext>
+                </a:extLst>
+              </a:tr>
+              <a:tr h="406517">
+                <a:tc>
+                  <a:txBody>
+                    <a:bodyPr/>
+                    <a:lstStyle/>
+                    <a:p>
+                      <a:r>
+                        <a:rPr lang="en-US" sz="1600" dirty="0">
+                          <a:latin typeface="+mn-lt"/>
+                        </a:rPr>
+                        <a:t>Integrate NSM with GSSHA’s Super Link</a:t>
+                      </a:r>
+                    </a:p>
+                  </a:txBody>
+                  <a:tcPr marL="121920" marR="121920" marT="60960" marB="60960">
+                    <a:solidFill>
+                      <a:srgbClr val="C0C1C1"/>
+                    </a:solidFill>
+                  </a:tcPr>
+                </a:tc>
+                <a:tc>
+                  <a:txBody>
+                    <a:bodyPr/>
+                    <a:lstStyle/>
+                    <a:p>
+                      <a:r>
+                        <a:rPr lang="en-US" sz="1600" dirty="0">
+                          <a:latin typeface="+mn-lt"/>
+                        </a:rPr>
+                        <a:t>N</a:t>
+                      </a:r>
+                    </a:p>
+                  </a:txBody>
+                  <a:tcPr marL="121920" marR="121920" marT="60960" marB="60960">
+                    <a:solidFill>
+                      <a:srgbClr val="C0C1C1"/>
+                    </a:solidFill>
+                  </a:tcPr>
+                </a:tc>
+                <a:tc>
+                  <a:txBody>
+                    <a:bodyPr/>
+                    <a:lstStyle/>
+                    <a:p>
+                      <a:r>
+                        <a:rPr lang="en-US" sz="1600" dirty="0">
+                          <a:latin typeface="+mn-lt"/>
+                        </a:rPr>
+                        <a:t>03 Mar 2026</a:t>
+                      </a:r>
+                    </a:p>
+                  </a:txBody>
+                  <a:tcPr marL="121920" marR="121920" marT="60960" marB="60960">
+                    <a:solidFill>
+                      <a:srgbClr val="C0C1C1"/>
+                    </a:solidFill>
+                  </a:tcPr>
+                </a:tc>
+                <a:tc>
+                  <a:txBody>
+                    <a:bodyPr/>
+                    <a:lstStyle/>
+                    <a:p>
+                      <a:r>
+                        <a:rPr lang="en-US" sz="1600" dirty="0">
+                          <a:latin typeface="+mn-lt"/>
+                        </a:rPr>
+                        <a:t>N</a:t>
+                      </a:r>
+                    </a:p>
+                  </a:txBody>
+                  <a:tcPr marL="121920" marR="121920" marT="60960" marB="60960">
+                    <a:solidFill>
+                      <a:srgbClr val="C0C1C1"/>
+                    </a:solidFill>
+                  </a:tcPr>
+                </a:tc>
+                <a:extLst>
+                  <a:ext uri="{0D108BD9-81ED-4DB2-BD59-A6C34878D82A}">
+                    <a16:rowId xmlns:a16="http://schemas.microsoft.com/office/drawing/2014/main" val="3137136418"/>
+                  </a:ext>
+                </a:extLst>
+              </a:tr>
+            </a:tbl>
+          </a:graphicData>
+        </a:graphic>
+      </p:graphicFrame>
+    </p:spTree>
+    <p:extLst>
+      <p:ext uri="{BB962C8B-B14F-4D97-AF65-F5344CB8AC3E}">
+        <p14:creationId xmlns:p14="http://schemas.microsoft.com/office/powerpoint/2010/main" val="3067094351"/>
+      </p:ext>
+    </p:extLst>
+  </p:cSld>
+  <p:clrMapOvr>
+    <a:masterClrMapping/>
+  </p:clrMapOvr>
+</p:sld>
+</file>
+
+<file path=ppt/slides/slide4.xml><?xml version="1.0" encoding="utf-8"?>
+<p:sld xmlns:a="http://schemas.openxmlformats.org/drawingml/2006/main" xmlns:r="http://schemas.openxmlformats.org/officeDocument/2006/relationships" xmlns:p="http://schemas.openxmlformats.org/presentationml/2006/main">
+  <p:cSld>
+    <p:spTree>
+      <p:nvGrpSpPr>
+        <p:cNvPr id="1" name="">
+          <a:extLst>
+            <a:ext uri="{FF2B5EF4-FFF2-40B4-BE49-F238E27FC236}">
+              <a16:creationId xmlns:a16="http://schemas.microsoft.com/office/drawing/2014/main" id="{7A84CB00-160C-BB15-9C89-A6FFC901AFB4}"/>
+            </a:ext>
+          </a:extLst>
+        </p:cNvPr>
+        <p:cNvGrpSpPr/>
+        <p:nvPr/>
+      </p:nvGrpSpPr>
+      <p:grpSpPr>
+        <a:xfrm>
+          <a:off x="0" y="0"/>
+          <a:ext cx="0" cy="0"/>
+          <a:chOff x="0" y="0"/>
+          <a:chExt cx="0" cy="0"/>
+        </a:xfrm>
+      </p:grpSpPr>
+      <p:sp>
+        <p:nvSpPr>
+          <p:cNvPr id="7" name="Title 6">
+            <a:extLst>
+              <a:ext uri="{FF2B5EF4-FFF2-40B4-BE49-F238E27FC236}">
+                <a16:creationId xmlns:a16="http://schemas.microsoft.com/office/drawing/2014/main" id="{B2C9B1F6-22EE-C02F-4C1E-0E04BAC0415A}"/>
+              </a:ext>
+            </a:extLst>
+          </p:cNvPr>
+          <p:cNvSpPr>
+            <a:spLocks noGrp="1"/>
+          </p:cNvSpPr>
+          <p:nvPr>
+            <p:ph type="title"/>
+          </p:nvPr>
+        </p:nvSpPr>
+        <p:spPr>
+          <a:xfrm>
+            <a:off x="1756611" y="206391"/>
+            <a:ext cx="10167617" cy="755509"/>
+          </a:xfrm>
+        </p:spPr>
+        <p:txBody>
+          <a:bodyPr/>
+          <a:lstStyle/>
+          <a:p>
+            <a:r>
+              <a:rPr lang="en-US" dirty="0">
+                <a:solidFill>
+                  <a:schemeClr val="tx1"/>
+                </a:solidFill>
+              </a:rPr>
+              <a:t>ERT-23-12: Research Deliverables</a:t>
+            </a:r>
+          </a:p>
+        </p:txBody>
+      </p:sp>
+      <p:graphicFrame>
+        <p:nvGraphicFramePr>
+          <p:cNvPr id="5" name="Table 16">
+            <a:extLst>
+              <a:ext uri="{FF2B5EF4-FFF2-40B4-BE49-F238E27FC236}">
+                <a16:creationId xmlns:a16="http://schemas.microsoft.com/office/drawing/2014/main" id="{D62D3891-07C1-AE22-8CFC-00726EDC327A}"/>
+              </a:ext>
+            </a:extLst>
+          </p:cNvPr>
+          <p:cNvGraphicFramePr>
+            <a:graphicFrameLocks/>
+          </p:cNvGraphicFramePr>
+          <p:nvPr>
+            <p:extLst>
+              <p:ext uri="{D42A27DB-BD31-4B8C-83A1-F6EECF244321}">
+                <p14:modId xmlns:p14="http://schemas.microsoft.com/office/powerpoint/2010/main" val="16512615"/>
+              </p:ext>
+            </p:extLst>
+          </p:nvPr>
+        </p:nvGraphicFramePr>
+        <p:xfrm>
+          <a:off x="944131" y="996882"/>
+          <a:ext cx="10723124" cy="5279646"/>
+        </p:xfrm>
+        <a:graphic>
+          <a:graphicData uri="http://schemas.openxmlformats.org/drawingml/2006/table">
+            <a:tbl>
+              <a:tblPr firstRow="1" bandRow="1">
+                <a:effectLst/>
+                <a:tableStyleId>{5C22544A-7EE6-4342-B048-85BDC9FD1C3A}</a:tableStyleId>
+              </a:tblPr>
+              <a:tblGrid>
+                <a:gridCol w="4272316">
+                  <a:extLst>
+                    <a:ext uri="{9D8B030D-6E8A-4147-A177-3AD203B41FA5}">
+                      <a16:colId xmlns:a16="http://schemas.microsoft.com/office/drawing/2014/main" val="2542010261"/>
+                    </a:ext>
+                  </a:extLst>
+                </a:gridCol>
+                <a:gridCol w="1157869">
+                  <a:extLst>
+                    <a:ext uri="{9D8B030D-6E8A-4147-A177-3AD203B41FA5}">
+                      <a16:colId xmlns:a16="http://schemas.microsoft.com/office/drawing/2014/main" val="537557957"/>
+                    </a:ext>
+                  </a:extLst>
+                </a:gridCol>
+                <a:gridCol w="2703192">
+                  <a:extLst>
+                    <a:ext uri="{9D8B030D-6E8A-4147-A177-3AD203B41FA5}">
+                      <a16:colId xmlns:a16="http://schemas.microsoft.com/office/drawing/2014/main" val="3935698683"/>
+                    </a:ext>
+                  </a:extLst>
+                </a:gridCol>
+                <a:gridCol w="2589747">
+                  <a:extLst>
+                    <a:ext uri="{9D8B030D-6E8A-4147-A177-3AD203B41FA5}">
+                      <a16:colId xmlns:a16="http://schemas.microsoft.com/office/drawing/2014/main" val="2601945297"/>
+                    </a:ext>
+                  </a:extLst>
+                </a:gridCol>
+              </a:tblGrid>
+              <a:tr h="605578">
+                <a:tc>
+                  <a:txBody>
+                    <a:bodyPr/>
+                    <a:lstStyle/>
+                    <a:p>
+                      <a:pPr marL="0" marR="0">
+                        <a:spcBef>
+                          <a:spcPts val="0"/>
+                        </a:spcBef>
+                        <a:spcAft>
+                          <a:spcPts val="600"/>
+                        </a:spcAft>
+                      </a:pPr>
+                      <a:r>
+                        <a:rPr lang="en-US" sz="1600" b="1" dirty="0">
+                          <a:solidFill>
+                            <a:schemeClr val="bg2">
+                              <a:lumMod val="95000"/>
+                            </a:schemeClr>
+                          </a:solidFill>
+                          <a:effectLst/>
+                          <a:latin typeface="Calibri" panose="020F0502020204030204" pitchFamily="34" charset="0"/>
+                          <a:ea typeface="Calibri" panose="020F0502020204030204" pitchFamily="34" charset="0"/>
+                          <a:cs typeface="Calibri" panose="020F0502020204030204" pitchFamily="34" charset="0"/>
+                        </a:rPr>
+                        <a:t>Deliverables</a:t>
+                      </a:r>
+                      <a:endParaRPr lang="en-US" sz="1600" dirty="0">
+                        <a:solidFill>
+                          <a:schemeClr val="bg2">
+                            <a:lumMod val="95000"/>
+                          </a:schemeClr>
+                        </a:solidFill>
+                        <a:effectLst/>
+                        <a:latin typeface="Calibri" panose="020F0502020204030204" pitchFamily="34" charset="0"/>
+                        <a:ea typeface="MS Mincho" panose="02020609040205080304" pitchFamily="49" charset="-128"/>
+                        <a:cs typeface="Calibri" panose="020F0502020204030204" pitchFamily="34" charset="0"/>
+                      </a:endParaRPr>
+                    </a:p>
+                  </a:txBody>
+                  <a:tcPr marT="0" marB="0" anchor="ctr">
+                    <a:solidFill>
+                      <a:srgbClr val="7688AA"/>
+                    </a:solidFill>
+                  </a:tcPr>
+                </a:tc>
+                <a:tc>
+                  <a:txBody>
+                    <a:bodyPr/>
+                    <a:lstStyle/>
+                    <a:p>
+                      <a:pPr marL="0" marR="0" algn="ctr">
+                        <a:spcBef>
+                          <a:spcPts val="0"/>
+                        </a:spcBef>
+                        <a:spcAft>
+                          <a:spcPts val="600"/>
+                        </a:spcAft>
+                      </a:pPr>
+                      <a:r>
+                        <a:rPr lang="en-US" sz="1600" dirty="0">
+                          <a:solidFill>
+                            <a:schemeClr val="bg2"/>
+                          </a:solidFill>
+                          <a:effectLst/>
+                          <a:latin typeface="Calibri" panose="020F0502020204030204" pitchFamily="34" charset="0"/>
+                          <a:ea typeface="MS Mincho" panose="02020609040205080304" pitchFamily="49" charset="-128"/>
+                          <a:cs typeface="Calibri" panose="020F0502020204030204" pitchFamily="34" charset="0"/>
+                        </a:rPr>
+                        <a:t>Completed (Y/N)</a:t>
+                      </a:r>
+                    </a:p>
+                  </a:txBody>
+                  <a:tcPr marT="0" marB="0" anchor="ctr">
+                    <a:solidFill>
+                      <a:srgbClr val="7688AA"/>
+                    </a:solidFill>
+                  </a:tcPr>
+                </a:tc>
+                <a:tc>
+                  <a:txBody>
+                    <a:bodyPr/>
+                    <a:lstStyle/>
+                    <a:p>
+                      <a:pPr marL="0" marR="0" lvl="0" indent="0" algn="ctr" defTabSz="514350" rtl="0" eaLnBrk="1" fontAlgn="auto" latinLnBrk="0" hangingPunct="1">
+                        <a:lnSpc>
+                          <a:spcPct val="100000"/>
+                        </a:lnSpc>
+                        <a:spcBef>
+                          <a:spcPts val="0"/>
+                        </a:spcBef>
+                        <a:spcAft>
+                          <a:spcPts val="600"/>
+                        </a:spcAft>
+                        <a:buClrTx/>
+                        <a:buSzTx/>
+                        <a:buFontTx/>
+                        <a:buNone/>
+                        <a:tabLst/>
+                        <a:defRPr/>
+                      </a:pPr>
+                      <a:r>
+                        <a:rPr lang="en-US" sz="1600" dirty="0">
+                          <a:solidFill>
+                            <a:schemeClr val="bg2"/>
+                          </a:solidFill>
+                          <a:effectLst/>
+                          <a:latin typeface="Calibri" panose="020F0502020204030204" pitchFamily="34" charset="0"/>
+                          <a:ea typeface="MS Mincho" panose="02020609040205080304" pitchFamily="49" charset="-128"/>
+                          <a:cs typeface="Calibri" panose="020F0502020204030204" pitchFamily="34" charset="0"/>
+                        </a:rPr>
+                        <a:t>If no, anticipated date?</a:t>
+                      </a:r>
+                      <a:endParaRPr lang="en-US" sz="1600" dirty="0">
+                        <a:solidFill>
+                          <a:schemeClr val="bg2">
+                            <a:lumMod val="95000"/>
+                          </a:schemeClr>
+                        </a:solidFill>
+                        <a:effectLst/>
+                        <a:latin typeface="Calibri" panose="020F0502020204030204" pitchFamily="34" charset="0"/>
+                        <a:ea typeface="MS Mincho" panose="02020609040205080304" pitchFamily="49" charset="-128"/>
+                        <a:cs typeface="Calibri" panose="020F0502020204030204" pitchFamily="34" charset="0"/>
+                      </a:endParaRPr>
+                    </a:p>
+                  </a:txBody>
+                  <a:tcPr marT="0" marB="0" anchor="ctr">
+                    <a:solidFill>
+                      <a:srgbClr val="7688AA"/>
+                    </a:solidFill>
+                  </a:tcPr>
+                </a:tc>
+                <a:tc>
+                  <a:txBody>
+                    <a:bodyPr/>
+                    <a:lstStyle/>
+                    <a:p>
+                      <a:pPr marL="0" marR="0" algn="ctr">
+                        <a:spcBef>
+                          <a:spcPts val="0"/>
+                        </a:spcBef>
+                        <a:spcAft>
+                          <a:spcPts val="600"/>
+                        </a:spcAft>
+                      </a:pPr>
+                      <a:r>
+                        <a:rPr lang="en-US" sz="1600" b="1" dirty="0">
+                          <a:solidFill>
+                            <a:schemeClr val="bg2">
+                              <a:lumMod val="95000"/>
+                            </a:schemeClr>
+                          </a:solidFill>
+                          <a:effectLst/>
+                          <a:latin typeface="Calibri" panose="020F0502020204030204" pitchFamily="34" charset="0"/>
+                          <a:ea typeface="MS Mincho" panose="02020609040205080304" pitchFamily="49" charset="-128"/>
+                          <a:cs typeface="Calibri" panose="020F0502020204030204" pitchFamily="34" charset="0"/>
+                        </a:rPr>
+                        <a:t>Sent to EWN Comms? (Y/N)</a:t>
+                      </a:r>
+                      <a:endParaRPr lang="en-US" sz="1600" dirty="0">
+                        <a:solidFill>
+                          <a:schemeClr val="bg2">
+                            <a:lumMod val="95000"/>
+                          </a:schemeClr>
+                        </a:solidFill>
+                        <a:effectLst/>
+                        <a:latin typeface="Calibri" panose="020F0502020204030204" pitchFamily="34" charset="0"/>
+                        <a:ea typeface="MS Mincho" panose="02020609040205080304" pitchFamily="49" charset="-128"/>
+                        <a:cs typeface="Calibri" panose="020F0502020204030204" pitchFamily="34" charset="0"/>
+                      </a:endParaRPr>
+                    </a:p>
+                  </a:txBody>
+                  <a:tcPr marT="0" marB="0" anchor="ctr">
+                    <a:solidFill>
+                      <a:srgbClr val="7688AA"/>
+                    </a:solidFill>
+                  </a:tcPr>
+                </a:tc>
+                <a:extLst>
+                  <a:ext uri="{0D108BD9-81ED-4DB2-BD59-A6C34878D82A}">
+                    <a16:rowId xmlns:a16="http://schemas.microsoft.com/office/drawing/2014/main" val="3784408905"/>
+                  </a:ext>
+                </a:extLst>
+              </a:tr>
+              <a:tr h="406517">
+                <a:tc>
+                  <a:txBody>
+                    <a:bodyPr/>
+                    <a:lstStyle/>
+                    <a:p>
+                      <a:pPr marL="0" marR="0" lvl="0" indent="0" algn="l" defTabSz="514350" rtl="0" eaLnBrk="1" fontAlgn="auto" latinLnBrk="0" hangingPunct="1">
+                        <a:lnSpc>
+                          <a:spcPct val="100000"/>
+                        </a:lnSpc>
+                        <a:spcBef>
+                          <a:spcPts val="0"/>
+                        </a:spcBef>
+                        <a:spcAft>
+                          <a:spcPts val="0"/>
+                        </a:spcAft>
+                        <a:buClrTx/>
+                        <a:buSzTx/>
+                        <a:buFontTx/>
+                        <a:buNone/>
+                        <a:tabLst/>
+                        <a:defRPr/>
+                      </a:pPr>
+                      <a:r>
+                        <a:rPr lang="en-US" sz="1600" dirty="0">
+                          <a:latin typeface="+mn-lt"/>
+                        </a:rPr>
+                        <a:t>Integrate PHREEQC with GSSHA’s Super Link</a:t>
+                      </a:r>
+                    </a:p>
                     <a:p>
                       <a:endParaRPr lang="en-US" sz="1600" dirty="0">
                         <a:latin typeface="+mn-lt"/>
@@ -11543,9 +12123,53 @@
                     <a:bodyPr/>
                     <a:lstStyle/>
                     <a:p>
+                      <a:pPr marL="0" marR="0" lvl="0" indent="0" algn="l" defTabSz="514350" rtl="0" eaLnBrk="1" fontAlgn="auto" latinLnBrk="0" hangingPunct="1">
+                        <a:lnSpc>
+                          <a:spcPct val="100000"/>
+                        </a:lnSpc>
+                        <a:spcBef>
+                          <a:spcPts val="0"/>
+                        </a:spcBef>
+                        <a:spcAft>
+                          <a:spcPts val="0"/>
+                        </a:spcAft>
+                        <a:buClrTx/>
+                        <a:buSzTx/>
+                        <a:buFontTx/>
+                        <a:buNone/>
+                        <a:tabLst/>
+                        <a:defRPr/>
+                      </a:pPr>
+                      <a:r>
+                        <a:rPr lang="en-US" sz="1600" dirty="0">
+                          <a:latin typeface="+mn-lt"/>
+                        </a:rPr>
+                        <a:t>03 Mar 2026</a:t>
+                      </a:r>
+                    </a:p>
+                    <a:p>
                       <a:endParaRPr lang="en-US" sz="1600" dirty="0">
                         <a:latin typeface="+mn-lt"/>
                       </a:endParaRPr>
+                    </a:p>
+                  </a:txBody>
+                  <a:tcPr marL="121920" marR="121920" marT="60960" marB="60960">
+                    <a:solidFill>
+                      <a:srgbClr val="C0C1C1"/>
+                    </a:solidFill>
+                  </a:tcPr>
+                </a:tc>
+                <a:tc>
+                  <a:txBody>
+                    <a:bodyPr/>
+                    <a:lstStyle/>
+                    <a:p>
+                      <a:r>
+                        <a:rPr lang="en-US" sz="1600" dirty="0">
+                          <a:latin typeface="+mn-lt"/>
+                        </a:rPr>
+                        <a:t>N</a:t>
+                      </a:r>
                     </a:p>
                   </a:txBody>
                   <a:tcPr marL="121920" marR="121920" marT="60960" marB="60960">
@@ -11565,6 +12189,31 @@
                   <a:txBody>
                     <a:bodyPr/>
                     <a:lstStyle/>
+                    <a:p>
+                      <a:pPr marL="0" marR="0" lvl="0" indent="0" algn="l" defTabSz="514350" rtl="0" eaLnBrk="1" fontAlgn="auto" latinLnBrk="0" hangingPunct="1">
+                        <a:lnSpc>
+                          <a:spcPct val="100000"/>
+                        </a:lnSpc>
+                        <a:spcBef>
+                          <a:spcPts val="0"/>
+                        </a:spcBef>
+                        <a:spcAft>
+                          <a:spcPts val="0"/>
+                        </a:spcAft>
+                        <a:buClrTx/>
+                        <a:buSzTx/>
+                        <a:buFontTx/>
+                        <a:buNone/>
+                        <a:tabLst/>
+                        <a:defRPr/>
+                      </a:pPr>
+                      <a:r>
+                        <a:rPr lang="en-US" sz="1600" dirty="0">
+                          <a:latin typeface="+mn-lt"/>
+                        </a:rPr>
+                        <a:t>Develop time-varying ground conditions</a:t>
+                      </a:r>
+                    </a:p>
                     <a:p>
                       <a:endParaRPr lang="en-US" sz="1600" dirty="0">
                         <a:latin typeface="+mn-lt"/>
@@ -11602,6 +12251,31 @@
                     <a:bodyPr/>
                     <a:lstStyle/>
                     <a:p>
+                      <a:pPr marL="0" marR="0" lvl="0" indent="0" algn="l" defTabSz="514350" rtl="0" eaLnBrk="1" fontAlgn="auto" latinLnBrk="0" hangingPunct="1">
+                        <a:lnSpc>
+                          <a:spcPct val="100000"/>
+                        </a:lnSpc>
+                        <a:spcBef>
+                          <a:spcPts val="0"/>
+                        </a:spcBef>
+                        <a:spcAft>
+                          <a:spcPts val="0"/>
+                        </a:spcAft>
+                        <a:buClrTx/>
+                        <a:buSzTx/>
+                        <a:buFontTx/>
+                        <a:buNone/>
+                        <a:tabLst/>
+                        <a:defRPr/>
+                      </a:pPr>
+                      <a:r>
+                        <a:rPr lang="en-US" sz="1600" dirty="0">
+                          <a:latin typeface="+mn-lt"/>
+                        </a:rPr>
+                        <a:t>03 Mar 2026</a:t>
+                      </a:r>
+                    </a:p>
+                    <a:p>
                       <a:endParaRPr lang="en-US" sz="1600" dirty="0">
                         <a:latin typeface="+mn-lt"/>
                       </a:endParaRPr>
@@ -11620,9 +12294,12 @@
                     <a:bodyPr/>
                     <a:lstStyle/>
                     <a:p>
-                      <a:endParaRPr lang="en-US" sz="1600" dirty="0">
-                        <a:latin typeface="+mn-lt"/>
-                      </a:endParaRPr>
+                      <a:r>
+                        <a:rPr lang="en-US" sz="1600" dirty="0">
+                          <a:latin typeface="+mn-lt"/>
+                        </a:rPr>
+                        <a:t>N</a:t>
+                      </a:r>
                     </a:p>
                   </a:txBody>
                   <a:tcPr marL="121920" marR="121920" marT="60960" marB="60960">
@@ -11645,9 +12322,12 @@
                     <a:bodyPr/>
                     <a:lstStyle/>
                     <a:p>
-                      <a:endParaRPr lang="en-US" sz="1600" dirty="0">
-                        <a:latin typeface="+mn-lt"/>
-                      </a:endParaRPr>
+                      <a:r>
+                        <a:rPr lang="en-US" sz="1600" dirty="0">
+                          <a:latin typeface="+mn-lt"/>
+                        </a:rPr>
+                        <a:t>Test and debug GSSHA-NSM</a:t>
+                      </a:r>
                     </a:p>
                   </a:txBody>
                   <a:tcPr marL="121920" marR="121920" marT="60960" marB="60960">
@@ -11677,9 +12357,12 @@
                     <a:bodyPr/>
                     <a:lstStyle/>
                     <a:p>
-                      <a:endParaRPr lang="en-US" sz="1600" dirty="0">
-                        <a:latin typeface="+mn-lt"/>
-                      </a:endParaRPr>
+                      <a:r>
+                        <a:rPr lang="en-US" sz="1600" dirty="0">
+                          <a:latin typeface="+mn-lt"/>
+                        </a:rPr>
+                        <a:t>30 Sep 2026</a:t>
+                      </a:r>
                     </a:p>
                   </a:txBody>
                   <a:tcPr marL="121920" marR="121920" marT="60960" marB="60960">
@@ -11693,9 +12376,12 @@
                     <a:bodyPr/>
                     <a:lstStyle/>
                     <a:p>
-                      <a:endParaRPr lang="en-US" sz="1600" dirty="0">
-                        <a:latin typeface="+mn-lt"/>
-                      </a:endParaRPr>
+                      <a:r>
+                        <a:rPr lang="en-US" sz="1600" dirty="0">
+                          <a:latin typeface="+mn-lt"/>
+                        </a:rPr>
+                        <a:t>N</a:t>
+                      </a:r>
                     </a:p>
                   </a:txBody>
                   <a:tcPr marL="121920" marR="121920" marT="60960" marB="60960">
@@ -11716,9 +12402,12 @@
                     <a:bodyPr/>
                     <a:lstStyle/>
                     <a:p>
-                      <a:endParaRPr lang="en-US" sz="1600" dirty="0">
-                        <a:latin typeface="+mn-lt"/>
-                      </a:endParaRPr>
+                      <a:r>
+                        <a:rPr lang="en-US" sz="1600" dirty="0">
+                          <a:latin typeface="+mn-lt"/>
+                        </a:rPr>
+                        <a:t>Test and debug GSSHA-PHREEQC</a:t>
+                      </a:r>
                     </a:p>
                   </a:txBody>
                   <a:tcPr marL="121920" marR="121920" marT="60960" marB="60960">
@@ -11752,6 +12441,31 @@
                     <a:bodyPr/>
                     <a:lstStyle/>
                     <a:p>
+                      <a:pPr marL="0" marR="0" lvl="0" indent="0" algn="l" defTabSz="514350" rtl="0" eaLnBrk="1" fontAlgn="auto" latinLnBrk="0" hangingPunct="1">
+                        <a:lnSpc>
+                          <a:spcPct val="100000"/>
+                        </a:lnSpc>
+                        <a:spcBef>
+                          <a:spcPts val="0"/>
+                        </a:spcBef>
+                        <a:spcAft>
+                          <a:spcPts val="0"/>
+                        </a:spcAft>
+                        <a:buClrTx/>
+                        <a:buSzTx/>
+                        <a:buFontTx/>
+                        <a:buNone/>
+                        <a:tabLst/>
+                        <a:defRPr/>
+                      </a:pPr>
+                      <a:r>
+                        <a:rPr lang="en-US" sz="1600" dirty="0">
+                          <a:latin typeface="+mn-lt"/>
+                        </a:rPr>
+                        <a:t>30 Sep 2026</a:t>
+                      </a:r>
+                    </a:p>
+                    <a:p>
                       <a:endParaRPr lang="en-US" sz="1600" dirty="0">
                         <a:latin typeface="+mn-lt"/>
                       </a:endParaRPr>
@@ -11770,9 +12484,12 @@
                     <a:bodyPr/>
                     <a:lstStyle/>
                     <a:p>
-                      <a:endParaRPr lang="en-US" sz="1600" dirty="0">
-                        <a:latin typeface="+mn-lt"/>
-                      </a:endParaRPr>
+                      <a:r>
+                        <a:rPr lang="en-US" sz="1600" dirty="0">
+                          <a:latin typeface="+mn-lt"/>
+                        </a:rPr>
+                        <a:t>N</a:t>
+                      </a:r>
                     </a:p>
                   </a:txBody>
                   <a:tcPr marL="121920" marR="121920" marT="60960" marB="60960">
@@ -11795,9 +12512,12 @@
                     <a:bodyPr/>
                     <a:lstStyle/>
                     <a:p>
-                      <a:endParaRPr lang="en-US" sz="1600" dirty="0">
-                        <a:latin typeface="+mn-lt"/>
-                      </a:endParaRPr>
+                      <a:r>
+                        <a:rPr lang="en-US" sz="1600" dirty="0">
+                          <a:latin typeface="+mn-lt"/>
+                        </a:rPr>
+                        <a:t>Develop case study</a:t>
+                      </a:r>
                     </a:p>
                   </a:txBody>
                   <a:tcPr marL="121920" marR="121920" marT="60960" marB="60960">
@@ -11811,9 +12531,12 @@
                     <a:bodyPr/>
                     <a:lstStyle/>
                     <a:p>
-                      <a:endParaRPr lang="en-US" sz="1600" dirty="0">
-                        <a:latin typeface="+mn-lt"/>
-                      </a:endParaRPr>
+                      <a:r>
+                        <a:rPr lang="en-US" sz="1600" dirty="0">
+                          <a:latin typeface="+mn-lt"/>
+                        </a:rPr>
+                        <a:t>N</a:t>
+                      </a:r>
                     </a:p>
                   </a:txBody>
                   <a:tcPr marL="121920" marR="121920" marT="60960" marB="60960">
@@ -11827,9 +12550,12 @@
                     <a:bodyPr/>
                     <a:lstStyle/>
                     <a:p>
-                      <a:endParaRPr lang="en-US" sz="1600" dirty="0">
-                        <a:latin typeface="+mn-lt"/>
-                      </a:endParaRPr>
+                      <a:r>
+                        <a:rPr lang="en-US" sz="1600" dirty="0">
+                          <a:latin typeface="+mn-lt"/>
+                        </a:rPr>
+                        <a:t>31 Mar 2025</a:t>
+                      </a:r>
                     </a:p>
                   </a:txBody>
                   <a:tcPr marL="121920" marR="121920" marT="60960" marB="60960">
@@ -11843,9 +12569,12 @@
                     <a:bodyPr/>
                     <a:lstStyle/>
                     <a:p>
-                      <a:endParaRPr lang="en-US" sz="1600" dirty="0">
-                        <a:latin typeface="+mn-lt"/>
-                      </a:endParaRPr>
+                      <a:r>
+                        <a:rPr lang="en-US" sz="1600" dirty="0">
+                          <a:latin typeface="+mn-lt"/>
+                        </a:rPr>
+                        <a:t>N</a:t>
+                      </a:r>
                     </a:p>
                   </a:txBody>
                   <a:tcPr marL="121920" marR="121920" marT="60960" marB="60960">
@@ -11866,9 +12595,12 @@
                     <a:bodyPr/>
                     <a:lstStyle/>
                     <a:p>
-                      <a:endParaRPr lang="en-US" sz="1600" dirty="0">
-                        <a:latin typeface="+mn-lt"/>
-                      </a:endParaRPr>
+                      <a:r>
+                        <a:rPr lang="en-US" sz="1600" dirty="0">
+                          <a:latin typeface="+mn-lt"/>
+                        </a:rPr>
+                        <a:t>Publication: Technical note on tile drain water quality</a:t>
+                      </a:r>
                     </a:p>
                   </a:txBody>
                   <a:tcPr marL="121920" marR="121920" marT="60960" marB="60960">
@@ -11884,9 +12616,12 @@
                     <a:bodyPr/>
                     <a:lstStyle/>
                     <a:p>
-                      <a:endParaRPr lang="en-US" sz="1600" dirty="0">
-                        <a:latin typeface="+mn-lt"/>
-                      </a:endParaRPr>
+                      <a:r>
+                        <a:rPr lang="en-US" sz="1600" dirty="0">
+                          <a:latin typeface="+mn-lt"/>
+                        </a:rPr>
+                        <a:t>N</a:t>
+                      </a:r>
                     </a:p>
                   </a:txBody>
                   <a:tcPr marL="121920" marR="121920" marT="60960" marB="60960">
@@ -11902,9 +12637,12 @@
                     <a:bodyPr/>
                     <a:lstStyle/>
                     <a:p>
-                      <a:endParaRPr lang="en-US" sz="1600" dirty="0">
-                        <a:latin typeface="+mn-lt"/>
-                      </a:endParaRPr>
+                      <a:r>
+                        <a:rPr lang="en-US" sz="1600" dirty="0">
+                          <a:latin typeface="+mn-lt"/>
+                        </a:rPr>
+                        <a:t>30 Nov 2024</a:t>
+                      </a:r>
                     </a:p>
                   </a:txBody>
                   <a:tcPr marL="121920" marR="121920" marT="60960" marB="60960">
@@ -11920,9 +12658,12 @@
                     <a:bodyPr/>
                     <a:lstStyle/>
                     <a:p>
-                      <a:endParaRPr lang="en-US" sz="1600" dirty="0">
-                        <a:latin typeface="+mn-lt"/>
-                      </a:endParaRPr>
+                      <a:r>
+                        <a:rPr lang="en-US" sz="1600" dirty="0">
+                          <a:latin typeface="+mn-lt"/>
+                        </a:rPr>
+                        <a:t>N</a:t>
+                      </a:r>
                     </a:p>
                   </a:txBody>
                   <a:tcPr marL="121920" marR="121920" marT="60960" marB="60960">
@@ -11945,9 +12686,12 @@
                     <a:bodyPr/>
                     <a:lstStyle/>
                     <a:p>
-                      <a:endParaRPr lang="en-US" sz="1600" dirty="0">
-                        <a:latin typeface="+mn-lt"/>
-                      </a:endParaRPr>
+                      <a:r>
+                        <a:rPr lang="en-US" sz="1600" dirty="0">
+                          <a:latin typeface="+mn-lt"/>
+                        </a:rPr>
+                        <a:t>Publication: EWN Design Tool</a:t>
+                      </a:r>
                     </a:p>
                   </a:txBody>
                   <a:tcPr marL="121920" marR="121920" marT="60960" marB="60960">
@@ -11961,9 +12705,12 @@
                     <a:bodyPr/>
                     <a:lstStyle/>
                     <a:p>
-                      <a:endParaRPr lang="en-US" sz="1600" dirty="0">
-                        <a:latin typeface="+mn-lt"/>
-                      </a:endParaRPr>
+                      <a:r>
+                        <a:rPr lang="en-US" sz="1600" dirty="0">
+                          <a:latin typeface="+mn-lt"/>
+                        </a:rPr>
+                        <a:t>N</a:t>
+                      </a:r>
                     </a:p>
                   </a:txBody>
                   <a:tcPr marL="121920" marR="121920" marT="60960" marB="60960">
@@ -11977,9 +12724,12 @@
                     <a:bodyPr/>
                     <a:lstStyle/>
                     <a:p>
-                      <a:endParaRPr lang="en-US" sz="1600" dirty="0">
-                        <a:latin typeface="+mn-lt"/>
-                      </a:endParaRPr>
+                      <a:r>
+                        <a:rPr lang="en-US" sz="1600" dirty="0">
+                          <a:latin typeface="+mn-lt"/>
+                        </a:rPr>
+                        <a:t>30 Sep 2026</a:t>
+                      </a:r>
                     </a:p>
                   </a:txBody>
                   <a:tcPr marL="121920" marR="121920" marT="60960" marB="60960">
@@ -11993,9 +12743,12 @@
                     <a:bodyPr/>
                     <a:lstStyle/>
                     <a:p>
-                      <a:endParaRPr lang="en-US" sz="1600" dirty="0">
-                        <a:latin typeface="+mn-lt"/>
-                      </a:endParaRPr>
+                      <a:r>
+                        <a:rPr lang="en-US" sz="1600" dirty="0">
+                          <a:latin typeface="+mn-lt"/>
+                        </a:rPr>
+                        <a:t>N</a:t>
+                      </a:r>
                     </a:p>
                   </a:txBody>
                   <a:tcPr marL="121920" marR="121920" marT="60960" marB="60960">
@@ -12184,120 +12937,7 @@
     </p:spTree>
     <p:extLst>
       <p:ext uri="{BB962C8B-B14F-4D97-AF65-F5344CB8AC3E}">
-        <p14:creationId xmlns:p14="http://schemas.microsoft.com/office/powerpoint/2010/main" val="3067094351"/>
-      </p:ext>
-    </p:extLst>
-  </p:cSld>
-  <p:clrMapOvr>
-    <a:masterClrMapping/>
-  </p:clrMapOvr>
-</p:sld>
-</file>
-
-<file path=ppt/slides/slide4.xml><?xml version="1.0" encoding="utf-8"?>
-<p:sld xmlns:a="http://schemas.openxmlformats.org/drawingml/2006/main" xmlns:r="http://schemas.openxmlformats.org/officeDocument/2006/relationships" xmlns:p="http://schemas.openxmlformats.org/presentationml/2006/main">
-  <p:cSld>
-    <p:spTree>
-      <p:nvGrpSpPr>
-        <p:cNvPr id="1" name=""/>
-        <p:cNvGrpSpPr/>
-        <p:nvPr/>
-      </p:nvGrpSpPr>
-      <p:grpSpPr>
-        <a:xfrm>
-          <a:off x="0" y="0"/>
-          <a:ext cx="0" cy="0"/>
-          <a:chOff x="0" y="0"/>
-          <a:chExt cx="0" cy="0"/>
-        </a:xfrm>
-      </p:grpSpPr>
-      <p:sp>
-        <p:nvSpPr>
-          <p:cNvPr id="8" name="Content Placeholder 7">
-            <a:extLst>
-              <a:ext uri="{FF2B5EF4-FFF2-40B4-BE49-F238E27FC236}">
-                <a16:creationId xmlns:a16="http://schemas.microsoft.com/office/drawing/2014/main" id="{98395AD3-01A2-113B-8C4F-725BCAD5294C}"/>
-              </a:ext>
-            </a:extLst>
-          </p:cNvPr>
-          <p:cNvSpPr>
-            <a:spLocks noGrp="1"/>
-          </p:cNvSpPr>
-          <p:nvPr>
-            <p:ph sz="quarter" idx="10"/>
-          </p:nvPr>
-        </p:nvSpPr>
-        <p:spPr>
-          <a:xfrm>
-            <a:off x="932783" y="1184342"/>
-            <a:ext cx="10991445" cy="5600700"/>
-          </a:xfrm>
-        </p:spPr>
-        <p:txBody>
-          <a:bodyPr/>
-          <a:lstStyle/>
-          <a:p>
-            <a:pPr marL="571500" indent="-571500">
-              <a:buFont typeface="Arial" panose="020B0604020202020204" pitchFamily="34" charset="0"/>
-              <a:buChar char="•"/>
-            </a:pPr>
-            <a:r>
-              <a:rPr lang="en-US" sz="2400" dirty="0"/>
-              <a:t>Describe current project highlights, including major events, activities, deliverables, and/or accomplishments. Include the date of achievement/completion. </a:t>
-            </a:r>
-          </a:p>
-          <a:p>
-            <a:endParaRPr lang="en-US" sz="2400" dirty="0">
-              <a:solidFill>
-                <a:schemeClr val="tx1"/>
-              </a:solidFill>
-              <a:effectLst/>
-              <a:latin typeface="Calibri" panose="020F0502020204030204" pitchFamily="34" charset="0"/>
-            </a:endParaRPr>
-          </a:p>
-        </p:txBody>
-      </p:sp>
-      <p:sp>
-        <p:nvSpPr>
-          <p:cNvPr id="7" name="Title 6">
-            <a:extLst>
-              <a:ext uri="{FF2B5EF4-FFF2-40B4-BE49-F238E27FC236}">
-                <a16:creationId xmlns:a16="http://schemas.microsoft.com/office/drawing/2014/main" id="{7235E168-CD9B-CF75-2B74-3124823D5274}"/>
-              </a:ext>
-            </a:extLst>
-          </p:cNvPr>
-          <p:cNvSpPr>
-            <a:spLocks noGrp="1"/>
-          </p:cNvSpPr>
-          <p:nvPr>
-            <p:ph type="title"/>
-          </p:nvPr>
-        </p:nvSpPr>
-        <p:spPr>
-          <a:xfrm>
-            <a:off x="1724526" y="206391"/>
-            <a:ext cx="10199702" cy="755509"/>
-          </a:xfrm>
-        </p:spPr>
-        <p:txBody>
-          <a:bodyPr/>
-          <a:lstStyle/>
-          <a:p>
-            <a:r>
-              <a:rPr lang="en-US" dirty="0">
-                <a:solidFill>
-                  <a:schemeClr val="tx1"/>
-                </a:solidFill>
-              </a:rPr>
-              <a:t>ERT-XX-XX: Project Highlights in FY24</a:t>
-            </a:r>
-          </a:p>
-        </p:txBody>
-      </p:sp>
-    </p:spTree>
-    <p:extLst>
-      <p:ext uri="{BB962C8B-B14F-4D97-AF65-F5344CB8AC3E}">
-        <p14:creationId xmlns:p14="http://schemas.microsoft.com/office/powerpoint/2010/main" val="839370966"/>
+        <p14:creationId xmlns:p14="http://schemas.microsoft.com/office/powerpoint/2010/main" val="1026316336"/>
       </p:ext>
     </p:extLst>
   </p:cSld>
@@ -12326,72 +12966,6 @@
       </p:grpSpPr>
       <p:sp>
         <p:nvSpPr>
-          <p:cNvPr id="8" name="Content Placeholder 7">
-            <a:extLst>
-              <a:ext uri="{FF2B5EF4-FFF2-40B4-BE49-F238E27FC236}">
-                <a16:creationId xmlns:a16="http://schemas.microsoft.com/office/drawing/2014/main" id="{98395AD3-01A2-113B-8C4F-725BCAD5294C}"/>
-              </a:ext>
-            </a:extLst>
-          </p:cNvPr>
-          <p:cNvSpPr>
-            <a:spLocks noGrp="1"/>
-          </p:cNvSpPr>
-          <p:nvPr>
-            <p:ph sz="quarter" idx="10"/>
-          </p:nvPr>
-        </p:nvSpPr>
-        <p:spPr>
-          <a:xfrm>
-            <a:off x="932783" y="1184342"/>
-            <a:ext cx="10991445" cy="5600700"/>
-          </a:xfrm>
-        </p:spPr>
-        <p:txBody>
-          <a:bodyPr/>
-          <a:lstStyle/>
-          <a:p>
-            <a:pPr marL="571500" indent="-571500">
-              <a:buFont typeface="Arial" panose="020B0604020202020204" pitchFamily="34" charset="0"/>
-              <a:buChar char="•"/>
-            </a:pPr>
-            <a:r>
-              <a:rPr lang="en-US" sz="2400" dirty="0"/>
-              <a:t>Use the task list from your PMP to indicate the status of each activity and deliverable. </a:t>
-            </a:r>
-          </a:p>
-          <a:p>
-            <a:pPr marL="571500" indent="-571500">
-              <a:buFont typeface="Arial" panose="020B0604020202020204" pitchFamily="34" charset="0"/>
-              <a:buChar char="•"/>
-            </a:pPr>
-            <a:r>
-              <a:rPr lang="en-US" sz="2400" dirty="0"/>
-              <a:t>If tasks or activities have been removed or modified, please indicate that too. Use multiple slides if needed. </a:t>
-            </a:r>
-          </a:p>
-          <a:p>
-            <a:pPr marL="571500" indent="-571500">
-              <a:buFont typeface="Arial" panose="020B0604020202020204" pitchFamily="34" charset="0"/>
-              <a:buChar char="•"/>
-            </a:pPr>
-            <a:r>
-              <a:rPr lang="en-US" sz="2400" dirty="0"/>
-              <a:t>See the example table on the next slide.</a:t>
-            </a:r>
-          </a:p>
-          <a:p>
-            <a:endParaRPr lang="en-US" sz="2000" dirty="0">
-              <a:solidFill>
-                <a:schemeClr val="tx1"/>
-              </a:solidFill>
-              <a:effectLst/>
-              <a:latin typeface="Calibri" panose="020F0502020204030204" pitchFamily="34" charset="0"/>
-            </a:endParaRPr>
-          </a:p>
-        </p:txBody>
-      </p:sp>
-      <p:sp>
-        <p:nvSpPr>
           <p:cNvPr id="7" name="Title 6">
             <a:extLst>
               <a:ext uri="{FF2B5EF4-FFF2-40B4-BE49-F238E27FC236}">
@@ -12422,15 +12996,170 @@
                   <a:schemeClr val="tx1"/>
                 </a:solidFill>
               </a:rPr>
-              <a:t>ERT-XX-XX: Status of Project Activities </a:t>
-            </a:r>
+              <a:t>ERT-23-12: Project Highlights in FY24</a:t>
+            </a:r>
+          </a:p>
+        </p:txBody>
+      </p:sp>
+      <p:sp>
+        <p:nvSpPr>
+          <p:cNvPr id="4" name="Content Placeholder 3">
+            <a:extLst>
+              <a:ext uri="{FF2B5EF4-FFF2-40B4-BE49-F238E27FC236}">
+                <a16:creationId xmlns:a16="http://schemas.microsoft.com/office/drawing/2014/main" id="{7E7BB06A-AD3F-DDCA-CDD1-F788A61D76B3}"/>
+              </a:ext>
+            </a:extLst>
+          </p:cNvPr>
+          <p:cNvSpPr>
+            <a:spLocks noGrp="1"/>
+          </p:cNvSpPr>
+          <p:nvPr>
+            <p:ph sz="quarter" idx="10"/>
+          </p:nvPr>
+        </p:nvSpPr>
+        <p:spPr>
+          <a:xfrm>
+            <a:off x="903245" y="1168506"/>
+            <a:ext cx="11010900" cy="5393987"/>
+          </a:xfrm>
+        </p:spPr>
+        <p:txBody>
+          <a:bodyPr/>
+          <a:lstStyle/>
+          <a:p>
+            <a:pPr marL="285750" indent="-285750">
+              <a:buFont typeface="Arial" panose="020B0604020202020204" pitchFamily="34" charset="0"/>
+              <a:buChar char="•"/>
+            </a:pPr>
+            <a:r>
+              <a:rPr lang="en-US" sz="1800" dirty="0"/>
+              <a:t>Technical Note (in prep.): Effects of agricultural tile drains on water quality</a:t>
+            </a:r>
+          </a:p>
+          <a:p>
+            <a:pPr marL="285750" indent="-285750">
+              <a:buFont typeface="Arial" panose="020B0604020202020204" pitchFamily="34" charset="0"/>
+              <a:buChar char="•"/>
+            </a:pPr>
+            <a:r>
+              <a:rPr lang="en-US" sz="1800" dirty="0"/>
+              <a:t>GSSHA water quality development:</a:t>
+            </a:r>
+          </a:p>
+          <a:p>
+            <a:pPr marL="512763" lvl="1" indent="-285750">
+              <a:buFont typeface="Arial" panose="020B0604020202020204" pitchFamily="34" charset="0"/>
+              <a:buChar char="•"/>
+            </a:pPr>
+            <a:r>
+              <a:rPr lang="en-US" sz="1800" dirty="0"/>
+              <a:t>Developing Basic Modeling Interface (BMI) linkage between GSSHA and the USGS PHREEQC biogeochemistry </a:t>
+            </a:r>
+            <a:r>
+              <a:rPr lang="en-US" sz="1800" dirty="0" err="1"/>
+              <a:t>modelCode</a:t>
+            </a:r>
+            <a:r>
+              <a:rPr lang="en-US" sz="1800" dirty="0"/>
+              <a:t> development collaboratively managed within a private GitLab repository: </a:t>
+            </a:r>
+            <a:r>
+              <a:rPr lang="en-US" sz="1800" dirty="0">
+                <a:hlinkClick r:id="rId3"/>
+              </a:rPr>
+              <a:t>https://public.git.erdc.dren.mil/GSSHA/gssha</a:t>
+            </a:r>
+            <a:endParaRPr lang="en-US" sz="1800" dirty="0"/>
+          </a:p>
+          <a:p>
+            <a:pPr marL="512763" lvl="1" indent="-285750">
+              <a:buFont typeface="Arial" panose="020B0604020202020204" pitchFamily="34" charset="0"/>
+              <a:buChar char="•"/>
+            </a:pPr>
+            <a:r>
+              <a:rPr lang="en-US" sz="1800" dirty="0"/>
+              <a:t>Developed a GSSHA water quality Case Study model using the Joe Pool Reservoir and Drainage area in the Trinity River Watershed, Texas</a:t>
+            </a:r>
+          </a:p>
+          <a:p>
+            <a:pPr marL="512763" lvl="1" indent="-285750">
+              <a:buFont typeface="Arial" panose="020B0604020202020204" pitchFamily="34" charset="0"/>
+              <a:buChar char="•"/>
+            </a:pPr>
+            <a:r>
+              <a:rPr lang="en-US" sz="1800" dirty="0"/>
+              <a:t>Developing a geochemical reactive transport test case to demonstrate the BMI-based coupling of the PHREEQC geochemical reaction model with GSSHA's constituent transport capabilities</a:t>
+            </a:r>
+          </a:p>
+          <a:p>
+            <a:pPr marL="512763" lvl="1" indent="-285750">
+              <a:buFont typeface="Arial" panose="020B0604020202020204" pitchFamily="34" charset="0"/>
+              <a:buChar char="•"/>
+            </a:pPr>
+            <a:r>
+              <a:rPr lang="en-US" sz="1800" dirty="0"/>
+              <a:t>Developing coupled GSSHA-PHREEQC test cases with domains sized to visualize contaminant transport and to run in seconds or minutes</a:t>
+            </a:r>
+          </a:p>
+          <a:p>
+            <a:pPr marL="512763" lvl="1" indent="-285750">
+              <a:buFont typeface="Arial" panose="020B0604020202020204" pitchFamily="34" charset="0"/>
+              <a:buChar char="•"/>
+            </a:pPr>
+            <a:r>
+              <a:rPr lang="en-US" sz="1800" dirty="0"/>
+              <a:t>Developing demonstration capabilities of the GSSHA-PHREEQC BMI (Basic Modeling Interface)</a:t>
+            </a:r>
+          </a:p>
+          <a:p>
+            <a:pPr marL="512763" lvl="1" indent="-285750">
+              <a:buFont typeface="Arial" panose="020B0604020202020204" pitchFamily="34" charset="0"/>
+              <a:buChar char="•"/>
+            </a:pPr>
+            <a:r>
+              <a:rPr lang="en-US" sz="1800" dirty="0"/>
+              <a:t>Developed capability to read GSSHA inputs/outputs into Python Xarray datasets</a:t>
+            </a:r>
+          </a:p>
+          <a:p>
+            <a:pPr marL="512763" lvl="1" indent="-285750">
+              <a:buFont typeface="Arial" panose="020B0604020202020204" pitchFamily="34" charset="0"/>
+              <a:buChar char="•"/>
+            </a:pPr>
+            <a:r>
+              <a:rPr lang="en-US" sz="1800" dirty="0"/>
+              <a:t>Expanded the documentation for the PHREEQCRM BMI example Jupyter Notebook</a:t>
+            </a:r>
+          </a:p>
+          <a:p>
+            <a:pPr marL="512763" lvl="1" indent="-285750">
+              <a:buFont typeface="Arial" panose="020B0604020202020204" pitchFamily="34" charset="0"/>
+              <a:buChar char="•"/>
+            </a:pPr>
+            <a:r>
+              <a:rPr lang="en-US" sz="1800" dirty="0"/>
+              <a:t>Adapting PHREEQC BMI demo notebook for use with Python's Xarray library</a:t>
+            </a:r>
+          </a:p>
+          <a:p>
+            <a:pPr marL="512763" lvl="1" indent="-285750">
+              <a:buFont typeface="Arial" panose="020B0604020202020204" pitchFamily="34" charset="0"/>
+              <a:buChar char="•"/>
+            </a:pPr>
+            <a:r>
+              <a:rPr lang="en-US" sz="1800" dirty="0"/>
+              <a:t>Testing the GSSHA BMI</a:t>
+            </a:r>
+          </a:p>
+          <a:p>
+            <a:endParaRPr lang="en-US" sz="1800" dirty="0"/>
           </a:p>
         </p:txBody>
       </p:sp>
     </p:spTree>
     <p:extLst>
       <p:ext uri="{BB962C8B-B14F-4D97-AF65-F5344CB8AC3E}">
-        <p14:creationId xmlns:p14="http://schemas.microsoft.com/office/powerpoint/2010/main" val="3232654880"/>
+        <p14:creationId xmlns:p14="http://schemas.microsoft.com/office/powerpoint/2010/main" val="839370966"/>
       </p:ext>
     </p:extLst>
   </p:cSld>
@@ -12489,648 +13218,114 @@
                   <a:schemeClr val="tx1"/>
                 </a:solidFill>
               </a:rPr>
-              <a:t>ERT-XX-XX: Status of Project Activities (Thru FY24) </a:t>
+              <a:t>ERT-ASU-04: Status of Project Activities (Thru FY24) </a:t>
             </a:r>
           </a:p>
         </p:txBody>
       </p:sp>
       <p:graphicFrame>
         <p:nvGraphicFramePr>
-          <p:cNvPr id="2" name="Table 16">
+          <p:cNvPr id="3" name="Table 2">
             <a:extLst>
               <a:ext uri="{FF2B5EF4-FFF2-40B4-BE49-F238E27FC236}">
-                <a16:creationId xmlns:a16="http://schemas.microsoft.com/office/drawing/2014/main" id="{D81930B1-A88C-7BCD-F33E-3424B76FB0E6}"/>
+                <a16:creationId xmlns:a16="http://schemas.microsoft.com/office/drawing/2014/main" id="{3D6E55BA-496A-E57B-C170-BB7527B5BE53}"/>
               </a:ext>
             </a:extLst>
           </p:cNvPr>
           <p:cNvGraphicFramePr>
-            <a:graphicFrameLocks/>
+            <a:graphicFrameLocks noGrp="1"/>
           </p:cNvGraphicFramePr>
           <p:nvPr>
             <p:extLst>
               <p:ext uri="{D42A27DB-BD31-4B8C-83A1-F6EECF244321}">
-                <p14:modId xmlns:p14="http://schemas.microsoft.com/office/powerpoint/2010/main" val="1319080493"/>
+                <p14:modId xmlns:p14="http://schemas.microsoft.com/office/powerpoint/2010/main" val="1399180518"/>
               </p:ext>
             </p:extLst>
           </p:nvPr>
         </p:nvGraphicFramePr>
         <p:xfrm>
-          <a:off x="1" y="961900"/>
-          <a:ext cx="12192005" cy="5842986"/>
+          <a:off x="869796" y="1017551"/>
+          <a:ext cx="11020982" cy="5471599"/>
         </p:xfrm>
         <a:graphic>
           <a:graphicData uri="http://schemas.openxmlformats.org/drawingml/2006/table">
             <a:tbl>
-              <a:tblPr firstRow="1" bandRow="1">
-                <a:tableStyleId>{5C22544A-7EE6-4342-B048-85BDC9FD1C3A}</a:tableStyleId>
+              <a:tblPr firstRow="1" firstCol="1" bandRow="1">
+                <a:tableStyleId>{D7AC3CCA-C797-4891-BE02-D94E43425B78}</a:tableStyleId>
               </a:tblPr>
               <a:tblGrid>
-                <a:gridCol w="2207503">
+                <a:gridCol w="3300760">
                   <a:extLst>
                     <a:ext uri="{9D8B030D-6E8A-4147-A177-3AD203B41FA5}">
-                      <a16:colId xmlns:a16="http://schemas.microsoft.com/office/drawing/2014/main" val="2542010261"/>
+                      <a16:colId xmlns:a16="http://schemas.microsoft.com/office/drawing/2014/main" val="1522188827"/>
                     </a:ext>
                   </a:extLst>
                 </a:gridCol>
-                <a:gridCol w="1215318">
+                <a:gridCol w="1628078">
                   <a:extLst>
                     <a:ext uri="{9D8B030D-6E8A-4147-A177-3AD203B41FA5}">
-                      <a16:colId xmlns:a16="http://schemas.microsoft.com/office/drawing/2014/main" val="537557957"/>
+                      <a16:colId xmlns:a16="http://schemas.microsoft.com/office/drawing/2014/main" val="1137186617"/>
                     </a:ext>
                   </a:extLst>
                 </a:gridCol>
-                <a:gridCol w="1215318">
+                <a:gridCol w="2575932">
                   <a:extLst>
                     <a:ext uri="{9D8B030D-6E8A-4147-A177-3AD203B41FA5}">
-                      <a16:colId xmlns:a16="http://schemas.microsoft.com/office/drawing/2014/main" val="1272271172"/>
+                      <a16:colId xmlns:a16="http://schemas.microsoft.com/office/drawing/2014/main" val="1548724805"/>
                     </a:ext>
                   </a:extLst>
                 </a:gridCol>
-                <a:gridCol w="886234">
+                <a:gridCol w="1059366">
                   <a:extLst>
                     <a:ext uri="{9D8B030D-6E8A-4147-A177-3AD203B41FA5}">
-                      <a16:colId xmlns:a16="http://schemas.microsoft.com/office/drawing/2014/main" val="2612829550"/>
+                      <a16:colId xmlns:a16="http://schemas.microsoft.com/office/drawing/2014/main" val="3083198129"/>
                     </a:ext>
                   </a:extLst>
                 </a:gridCol>
-                <a:gridCol w="886234">
+                <a:gridCol w="1360448">
                   <a:extLst>
                     <a:ext uri="{9D8B030D-6E8A-4147-A177-3AD203B41FA5}">
-                      <a16:colId xmlns:a16="http://schemas.microsoft.com/office/drawing/2014/main" val="2379689923"/>
+                      <a16:colId xmlns:a16="http://schemas.microsoft.com/office/drawing/2014/main" val="1518379010"/>
                     </a:ext>
                   </a:extLst>
                 </a:gridCol>
-                <a:gridCol w="886234">
+                <a:gridCol w="1096398">
                   <a:extLst>
                     <a:ext uri="{9D8B030D-6E8A-4147-A177-3AD203B41FA5}">
-                      <a16:colId xmlns:a16="http://schemas.microsoft.com/office/drawing/2014/main" val="835702119"/>
-                    </a:ext>
-                  </a:extLst>
-                </a:gridCol>
-                <a:gridCol w="886234">
-                  <a:extLst>
-                    <a:ext uri="{9D8B030D-6E8A-4147-A177-3AD203B41FA5}">
-                      <a16:colId xmlns:a16="http://schemas.microsoft.com/office/drawing/2014/main" val="1992486238"/>
-                    </a:ext>
-                  </a:extLst>
-                </a:gridCol>
-                <a:gridCol w="886234">
-                  <a:extLst>
-                    <a:ext uri="{9D8B030D-6E8A-4147-A177-3AD203B41FA5}">
-                      <a16:colId xmlns:a16="http://schemas.microsoft.com/office/drawing/2014/main" val="1983802552"/>
-                    </a:ext>
-                  </a:extLst>
-                </a:gridCol>
-                <a:gridCol w="582317">
-                  <a:extLst>
-                    <a:ext uri="{9D8B030D-6E8A-4147-A177-3AD203B41FA5}">
-                      <a16:colId xmlns:a16="http://schemas.microsoft.com/office/drawing/2014/main" val="3347708002"/>
-                    </a:ext>
-                  </a:extLst>
-                </a:gridCol>
-                <a:gridCol w="675604">
-                  <a:extLst>
-                    <a:ext uri="{9D8B030D-6E8A-4147-A177-3AD203B41FA5}">
-                      <a16:colId xmlns:a16="http://schemas.microsoft.com/office/drawing/2014/main" val="670443815"/>
-                    </a:ext>
-                  </a:extLst>
-                </a:gridCol>
-                <a:gridCol w="1864775">
-                  <a:extLst>
-                    <a:ext uri="{9D8B030D-6E8A-4147-A177-3AD203B41FA5}">
-                      <a16:colId xmlns:a16="http://schemas.microsoft.com/office/drawing/2014/main" val="2601945297"/>
+                      <a16:colId xmlns:a16="http://schemas.microsoft.com/office/drawing/2014/main" val="3206198376"/>
                     </a:ext>
                   </a:extLst>
                 </a:gridCol>
               </a:tblGrid>
-              <a:tr h="993066">
-                <a:tc>
-                  <a:txBody>
-                    <a:bodyPr/>
-                    <a:lstStyle/>
-                    <a:p>
-                      <a:pPr marL="0" marR="0" algn="ctr">
-                        <a:lnSpc>
-                          <a:spcPct val="115000"/>
-                        </a:lnSpc>
-                        <a:spcBef>
-                          <a:spcPts val="0"/>
-                        </a:spcBef>
-                        <a:spcAft>
-                          <a:spcPts val="600"/>
-                        </a:spcAft>
-                      </a:pPr>
-                      <a:r>
-                        <a:rPr lang="en-US" sz="1200" b="1" dirty="0">
-                          <a:solidFill>
-                            <a:schemeClr val="bg2"/>
-                          </a:solidFill>
-                          <a:effectLst/>
-                          <a:latin typeface="+mn-lt"/>
-                          <a:ea typeface="MS Mincho" panose="02020609040205080304" pitchFamily="49" charset="-128"/>
-                          <a:cs typeface="Calibri" panose="020F0502020204030204" pitchFamily="34" charset="0"/>
-                        </a:rPr>
-                        <a:t>Activity</a:t>
-                      </a:r>
-                      <a:endParaRPr lang="en-US" sz="1200" dirty="0">
-                        <a:solidFill>
-                          <a:schemeClr val="bg2"/>
-                        </a:solidFill>
-                        <a:effectLst/>
-                        <a:latin typeface="+mn-lt"/>
-                        <a:ea typeface="MS Mincho" panose="02020609040205080304" pitchFamily="49" charset="-128"/>
-                        <a:cs typeface="Times New Roman" panose="02020603050405020304" pitchFamily="18" charset="0"/>
-                      </a:endParaRPr>
-                    </a:p>
-                  </a:txBody>
-                  <a:tcPr marL="24384" marR="24384" marT="24384" marB="24384" anchor="ctr">
-                    <a:solidFill>
-                      <a:srgbClr val="7688AA"/>
-                    </a:solidFill>
-                  </a:tcPr>
-                </a:tc>
-                <a:tc>
-                  <a:txBody>
-                    <a:bodyPr/>
-                    <a:lstStyle/>
-                    <a:p>
-                      <a:pPr marL="0" marR="0" algn="ctr">
-                        <a:lnSpc>
-                          <a:spcPct val="115000"/>
-                        </a:lnSpc>
-                        <a:spcBef>
-                          <a:spcPts val="0"/>
-                        </a:spcBef>
-                        <a:spcAft>
-                          <a:spcPts val="600"/>
-                        </a:spcAft>
-                      </a:pPr>
-                      <a:r>
-                        <a:rPr lang="en-US" sz="1200" b="1" dirty="0">
-                          <a:solidFill>
-                            <a:schemeClr val="bg2"/>
-                          </a:solidFill>
-                          <a:effectLst/>
-                          <a:latin typeface="+mn-lt"/>
-                          <a:ea typeface="MS Mincho" panose="02020609040205080304" pitchFamily="49" charset="-128"/>
-                          <a:cs typeface="Calibri" panose="020F0502020204030204" pitchFamily="34" charset="0"/>
-                        </a:rPr>
-                        <a:t>Deliverable</a:t>
-                      </a:r>
-                      <a:endParaRPr lang="en-US" sz="1200" dirty="0">
-                        <a:solidFill>
-                          <a:schemeClr val="bg2"/>
-                        </a:solidFill>
-                        <a:effectLst/>
-                        <a:latin typeface="+mn-lt"/>
-                        <a:ea typeface="MS Mincho" panose="02020609040205080304" pitchFamily="49" charset="-128"/>
-                        <a:cs typeface="Times New Roman" panose="02020603050405020304" pitchFamily="18" charset="0"/>
-                      </a:endParaRPr>
-                    </a:p>
-                  </a:txBody>
-                  <a:tcPr marL="24384" marR="24384" marT="24384" marB="24384" anchor="ctr">
-                    <a:solidFill>
-                      <a:srgbClr val="7688AA"/>
-                    </a:solidFill>
-                  </a:tcPr>
-                </a:tc>
-                <a:tc>
-                  <a:txBody>
-                    <a:bodyPr/>
-                    <a:lstStyle/>
-                    <a:p>
-                      <a:pPr marL="0" marR="0" algn="ctr">
-                        <a:lnSpc>
-                          <a:spcPct val="115000"/>
-                        </a:lnSpc>
-                        <a:spcBef>
-                          <a:spcPts val="0"/>
-                        </a:spcBef>
-                        <a:spcAft>
-                          <a:spcPts val="600"/>
-                        </a:spcAft>
-                      </a:pPr>
-                      <a:r>
-                        <a:rPr lang="en-US" sz="1200" b="1" dirty="0">
-                          <a:solidFill>
-                            <a:schemeClr val="bg2"/>
-                          </a:solidFill>
-                          <a:effectLst/>
-                          <a:latin typeface="+mn-lt"/>
-                          <a:ea typeface="MS Mincho" panose="02020609040205080304" pitchFamily="49" charset="-128"/>
-                          <a:cs typeface="Calibri" panose="020F0502020204030204" pitchFamily="34" charset="0"/>
-                        </a:rPr>
-                        <a:t>Comms / Technical Transfer Plan</a:t>
-                      </a:r>
-                      <a:endParaRPr lang="en-US" sz="1200" dirty="0">
-                        <a:solidFill>
-                          <a:schemeClr val="bg2"/>
-                        </a:solidFill>
-                        <a:effectLst/>
-                        <a:latin typeface="+mn-lt"/>
-                        <a:ea typeface="MS Mincho" panose="02020609040205080304" pitchFamily="49" charset="-128"/>
-                        <a:cs typeface="Times New Roman" panose="02020603050405020304" pitchFamily="18" charset="0"/>
-                      </a:endParaRPr>
-                    </a:p>
-                  </a:txBody>
-                  <a:tcPr marL="24384" marR="24384" marT="24384" marB="24384" anchor="ctr">
-                    <a:solidFill>
-                      <a:srgbClr val="7688AA"/>
-                    </a:solidFill>
-                  </a:tcPr>
-                </a:tc>
-                <a:tc>
-                  <a:txBody>
-                    <a:bodyPr/>
-                    <a:lstStyle/>
-                    <a:p>
-                      <a:pPr marL="0" marR="0" algn="ctr">
-                        <a:lnSpc>
-                          <a:spcPct val="115000"/>
-                        </a:lnSpc>
-                        <a:spcBef>
-                          <a:spcPts val="0"/>
-                        </a:spcBef>
-                        <a:spcAft>
-                          <a:spcPts val="600"/>
-                        </a:spcAft>
-                      </a:pPr>
-                      <a:r>
-                        <a:rPr lang="en-US" sz="1200" b="1" dirty="0">
-                          <a:solidFill>
-                            <a:schemeClr val="bg2"/>
-                          </a:solidFill>
-                          <a:effectLst/>
-                          <a:latin typeface="+mn-lt"/>
-                          <a:ea typeface="MS Mincho" panose="02020609040205080304" pitchFamily="49" charset="-128"/>
-                          <a:cs typeface="Calibri" panose="020F0502020204030204" pitchFamily="34" charset="0"/>
-                        </a:rPr>
-                        <a:t>Lead POC</a:t>
-                      </a:r>
-                      <a:endParaRPr lang="en-US" sz="1200" dirty="0">
-                        <a:solidFill>
-                          <a:schemeClr val="bg2"/>
-                        </a:solidFill>
-                        <a:effectLst/>
-                        <a:latin typeface="+mn-lt"/>
-                        <a:ea typeface="MS Mincho" panose="02020609040205080304" pitchFamily="49" charset="-128"/>
-                        <a:cs typeface="Times New Roman" panose="02020603050405020304" pitchFamily="18" charset="0"/>
-                      </a:endParaRPr>
-                    </a:p>
-                  </a:txBody>
-                  <a:tcPr marL="24384" marR="24384" marT="24384" marB="24384" anchor="ctr">
-                    <a:solidFill>
-                      <a:srgbClr val="7688AA"/>
-                    </a:solidFill>
-                  </a:tcPr>
-                </a:tc>
-                <a:tc>
-                  <a:txBody>
-                    <a:bodyPr/>
-                    <a:lstStyle/>
-                    <a:p>
-                      <a:pPr marL="0" marR="0" algn="ctr">
-                        <a:lnSpc>
-                          <a:spcPct val="115000"/>
-                        </a:lnSpc>
-                        <a:spcBef>
-                          <a:spcPts val="0"/>
-                        </a:spcBef>
-                        <a:spcAft>
-                          <a:spcPts val="600"/>
-                        </a:spcAft>
-                      </a:pPr>
-                      <a:r>
-                        <a:rPr lang="en-US" sz="1200" b="1" dirty="0">
-                          <a:solidFill>
-                            <a:schemeClr val="bg2"/>
-                          </a:solidFill>
-                          <a:effectLst/>
-                          <a:latin typeface="+mn-lt"/>
-                          <a:ea typeface="MS Mincho" panose="02020609040205080304" pitchFamily="49" charset="-128"/>
-                          <a:cs typeface="Calibri" panose="020F0502020204030204" pitchFamily="34" charset="0"/>
-                        </a:rPr>
-                        <a:t>Original Start Date (MM/YYYY)</a:t>
-                      </a:r>
-                      <a:endParaRPr lang="en-US" sz="1200" dirty="0">
-                        <a:solidFill>
-                          <a:schemeClr val="bg2"/>
-                        </a:solidFill>
-                        <a:effectLst/>
-                        <a:latin typeface="+mn-lt"/>
-                        <a:ea typeface="MS Mincho" panose="02020609040205080304" pitchFamily="49" charset="-128"/>
-                        <a:cs typeface="Times New Roman" panose="02020603050405020304" pitchFamily="18" charset="0"/>
-                      </a:endParaRPr>
-                    </a:p>
-                  </a:txBody>
-                  <a:tcPr marL="24384" marR="24384" marT="24384" marB="24384" anchor="ctr">
-                    <a:solidFill>
-                      <a:srgbClr val="7688AA"/>
-                    </a:solidFill>
-                  </a:tcPr>
-                </a:tc>
-                <a:tc>
-                  <a:txBody>
-                    <a:bodyPr/>
-                    <a:lstStyle/>
-                    <a:p>
-                      <a:pPr marL="0" marR="0" algn="ctr">
-                        <a:lnSpc>
-                          <a:spcPct val="115000"/>
-                        </a:lnSpc>
-                        <a:spcBef>
-                          <a:spcPts val="0"/>
-                        </a:spcBef>
-                        <a:spcAft>
-                          <a:spcPts val="600"/>
-                        </a:spcAft>
-                      </a:pPr>
-                      <a:r>
-                        <a:rPr lang="en-US" sz="1200" b="1" dirty="0">
-                          <a:solidFill>
-                            <a:schemeClr val="bg2"/>
-                          </a:solidFill>
-                          <a:effectLst/>
-                          <a:latin typeface="+mn-lt"/>
-                          <a:ea typeface="MS Mincho" panose="02020609040205080304" pitchFamily="49" charset="-128"/>
-                          <a:cs typeface="Times New Roman" panose="02020603050405020304" pitchFamily="18" charset="0"/>
-                        </a:rPr>
-                        <a:t>Actual Start Date </a:t>
-                      </a:r>
-                      <a:r>
-                        <a:rPr lang="en-US" sz="1200" b="1" dirty="0">
-                          <a:solidFill>
-                            <a:schemeClr val="bg2"/>
-                          </a:solidFill>
-                          <a:effectLst/>
-                          <a:latin typeface="+mn-lt"/>
-                          <a:ea typeface="MS Mincho" panose="02020609040205080304" pitchFamily="49" charset="-128"/>
-                          <a:cs typeface="Calibri" panose="020F0502020204030204" pitchFamily="34" charset="0"/>
-                        </a:rPr>
-                        <a:t>(MM/YYYY)</a:t>
-                      </a:r>
-                      <a:endParaRPr lang="en-US" sz="1200" b="1" dirty="0">
-                        <a:solidFill>
-                          <a:schemeClr val="bg2"/>
-                        </a:solidFill>
-                        <a:effectLst/>
-                        <a:latin typeface="+mn-lt"/>
-                        <a:ea typeface="MS Mincho" panose="02020609040205080304" pitchFamily="49" charset="-128"/>
-                        <a:cs typeface="Times New Roman" panose="02020603050405020304" pitchFamily="18" charset="0"/>
-                      </a:endParaRPr>
-                    </a:p>
-                  </a:txBody>
-                  <a:tcPr marL="24384" marR="24384" marT="24384" marB="24384" anchor="ctr">
-                    <a:solidFill>
-                      <a:srgbClr val="7688AA"/>
-                    </a:solidFill>
-                  </a:tcPr>
-                </a:tc>
-                <a:tc>
-                  <a:txBody>
-                    <a:bodyPr/>
-                    <a:lstStyle/>
-                    <a:p>
-                      <a:pPr marL="0" marR="0" algn="ctr">
-                        <a:lnSpc>
-                          <a:spcPct val="115000"/>
-                        </a:lnSpc>
-                        <a:spcBef>
-                          <a:spcPts val="0"/>
-                        </a:spcBef>
-                        <a:spcAft>
-                          <a:spcPts val="600"/>
-                        </a:spcAft>
-                      </a:pPr>
-                      <a:r>
-                        <a:rPr lang="en-US" sz="1200" b="1" dirty="0">
-                          <a:solidFill>
-                            <a:schemeClr val="bg2"/>
-                          </a:solidFill>
-                          <a:effectLst/>
-                          <a:latin typeface="+mn-lt"/>
-                          <a:ea typeface="MS Mincho" panose="02020609040205080304" pitchFamily="49" charset="-128"/>
-                          <a:cs typeface="Calibri" panose="020F0502020204030204" pitchFamily="34" charset="0"/>
-                        </a:rPr>
-                        <a:t>Original  End Date (MM/YYYY)</a:t>
-                      </a:r>
-                      <a:endParaRPr lang="en-US" sz="1200" dirty="0">
-                        <a:solidFill>
-                          <a:schemeClr val="bg2"/>
-                        </a:solidFill>
-                        <a:effectLst/>
-                        <a:latin typeface="+mn-lt"/>
-                        <a:ea typeface="MS Mincho" panose="02020609040205080304" pitchFamily="49" charset="-128"/>
-                        <a:cs typeface="Times New Roman" panose="02020603050405020304" pitchFamily="18" charset="0"/>
-                      </a:endParaRPr>
-                    </a:p>
-                  </a:txBody>
-                  <a:tcPr marL="24384" marR="24384" marT="24384" marB="24384" anchor="ctr">
-                    <a:solidFill>
-                      <a:srgbClr val="7688AA"/>
-                    </a:solidFill>
-                  </a:tcPr>
-                </a:tc>
-                <a:tc>
-                  <a:txBody>
-                    <a:bodyPr/>
-                    <a:lstStyle/>
-                    <a:p>
-                      <a:pPr marL="0" marR="0" algn="ctr">
-                        <a:lnSpc>
-                          <a:spcPct val="115000"/>
-                        </a:lnSpc>
-                        <a:spcBef>
-                          <a:spcPts val="0"/>
-                        </a:spcBef>
-                        <a:spcAft>
-                          <a:spcPts val="600"/>
-                        </a:spcAft>
-                      </a:pPr>
-                      <a:r>
-                        <a:rPr lang="en-US" sz="1200" b="1" dirty="0">
-                          <a:solidFill>
-                            <a:schemeClr val="bg2"/>
-                          </a:solidFill>
-                          <a:effectLst/>
-                          <a:latin typeface="+mn-lt"/>
-                          <a:ea typeface="MS Mincho" panose="02020609040205080304" pitchFamily="49" charset="-128"/>
-                          <a:cs typeface="Calibri" panose="020F0502020204030204" pitchFamily="34" charset="0"/>
-                        </a:rPr>
-                        <a:t>Actual End Date (MM/YYYY)</a:t>
-                      </a:r>
-                      <a:endParaRPr lang="en-US" sz="1200" dirty="0">
-                        <a:solidFill>
-                          <a:schemeClr val="bg2"/>
-                        </a:solidFill>
-                        <a:effectLst/>
-                        <a:latin typeface="+mn-lt"/>
-                        <a:ea typeface="MS Mincho" panose="02020609040205080304" pitchFamily="49" charset="-128"/>
-                        <a:cs typeface="Times New Roman" panose="02020603050405020304" pitchFamily="18" charset="0"/>
-                      </a:endParaRPr>
-                    </a:p>
-                  </a:txBody>
-                  <a:tcPr marL="24384" marR="24384" marT="24384" marB="24384" anchor="ctr">
-                    <a:solidFill>
-                      <a:srgbClr val="7688AA"/>
-                    </a:solidFill>
-                  </a:tcPr>
-                </a:tc>
-                <a:tc>
-                  <a:txBody>
-                    <a:bodyPr/>
-                    <a:lstStyle/>
-                    <a:p>
-                      <a:pPr marL="0" marR="0" algn="ctr">
-                        <a:lnSpc>
-                          <a:spcPct val="115000"/>
-                        </a:lnSpc>
-                        <a:spcBef>
-                          <a:spcPts val="0"/>
-                        </a:spcBef>
-                        <a:spcAft>
-                          <a:spcPts val="600"/>
-                        </a:spcAft>
-                      </a:pPr>
-                      <a:r>
-                        <a:rPr lang="en-US" sz="1200" b="1" dirty="0">
-                          <a:solidFill>
-                            <a:schemeClr val="bg2"/>
-                          </a:solidFill>
-                          <a:effectLst/>
-                          <a:latin typeface="+mn-lt"/>
-                          <a:ea typeface="MS Mincho" panose="02020609040205080304" pitchFamily="49" charset="-128"/>
-                          <a:cs typeface="Times New Roman" panose="02020603050405020304" pitchFamily="18" charset="0"/>
-                        </a:rPr>
-                        <a:t>Budget ($K)</a:t>
-                      </a:r>
-                    </a:p>
-                  </a:txBody>
-                  <a:tcPr marL="24384" marR="24384" marT="24384" marB="24384" anchor="ctr">
-                    <a:solidFill>
-                      <a:srgbClr val="7688AA"/>
-                    </a:solidFill>
-                  </a:tcPr>
-                </a:tc>
-                <a:tc>
-                  <a:txBody>
-                    <a:bodyPr/>
-                    <a:lstStyle/>
-                    <a:p>
-                      <a:pPr marL="0" marR="0" algn="ctr">
-                        <a:lnSpc>
-                          <a:spcPct val="115000"/>
-                        </a:lnSpc>
-                        <a:spcBef>
-                          <a:spcPts val="0"/>
-                        </a:spcBef>
-                        <a:spcAft>
-                          <a:spcPts val="600"/>
-                        </a:spcAft>
-                      </a:pPr>
-                      <a:r>
-                        <a:rPr lang="en-US" sz="1200" b="1" dirty="0">
-                          <a:solidFill>
-                            <a:schemeClr val="bg2"/>
-                          </a:solidFill>
-                          <a:effectLst/>
-                          <a:latin typeface="+mn-lt"/>
-                          <a:ea typeface="MS Mincho" panose="02020609040205080304" pitchFamily="49" charset="-128"/>
-                          <a:cs typeface="Calibri" panose="020F0502020204030204" pitchFamily="34" charset="0"/>
-                        </a:rPr>
-                        <a:t>Percent Complete (%)</a:t>
-                      </a:r>
-                      <a:endParaRPr lang="en-US" sz="1200" dirty="0">
-                        <a:solidFill>
-                          <a:schemeClr val="bg2"/>
-                        </a:solidFill>
-                        <a:effectLst/>
-                        <a:latin typeface="+mn-lt"/>
-                        <a:ea typeface="MS Mincho" panose="02020609040205080304" pitchFamily="49" charset="-128"/>
-                        <a:cs typeface="Times New Roman" panose="02020603050405020304" pitchFamily="18" charset="0"/>
-                      </a:endParaRPr>
-                    </a:p>
-                  </a:txBody>
-                  <a:tcPr marL="24384" marR="24384" marT="24384" marB="24384" anchor="ctr">
-                    <a:solidFill>
-                      <a:srgbClr val="7688AA"/>
-                    </a:solidFill>
-                  </a:tcPr>
-                </a:tc>
-                <a:tc>
-                  <a:txBody>
-                    <a:bodyPr/>
-                    <a:lstStyle/>
-                    <a:p>
-                      <a:pPr marL="0" marR="0" algn="ctr">
-                        <a:spcBef>
-                          <a:spcPts val="0"/>
-                        </a:spcBef>
-                        <a:spcAft>
-                          <a:spcPts val="600"/>
-                        </a:spcAft>
-                      </a:pPr>
-                      <a:r>
-                        <a:rPr lang="en-US" sz="1200" dirty="0">
-                          <a:solidFill>
-                            <a:schemeClr val="bg2"/>
-                          </a:solidFill>
-                          <a:effectLst/>
-                          <a:latin typeface="+mn-lt"/>
-                          <a:ea typeface="MS Mincho" panose="02020609040205080304" pitchFamily="49" charset="-128"/>
-                          <a:cs typeface="Times New Roman" panose="02020603050405020304" pitchFamily="18" charset="0"/>
-                        </a:rPr>
-                        <a:t>Notes</a:t>
-                      </a:r>
-                    </a:p>
-                  </a:txBody>
-                  <a:tcPr marL="24384" marR="24384" marT="24384" marB="24384" anchor="ctr">
-                    <a:solidFill>
-                      <a:srgbClr val="7688AA"/>
-                    </a:solidFill>
-                  </a:tcPr>
-                </a:tc>
-                <a:extLst>
-                  <a:ext uri="{0D108BD9-81ED-4DB2-BD59-A6C34878D82A}">
-                    <a16:rowId xmlns:a16="http://schemas.microsoft.com/office/drawing/2014/main" val="3784408905"/>
-                  </a:ext>
-                </a:extLst>
-              </a:tr>
-              <a:tr h="469016">
+              <a:tr h="436699">
                 <a:tc>
                   <a:txBody>
                     <a:bodyPr/>
                     <a:lstStyle/>
                     <a:p>
                       <a:pPr marL="0" marR="0">
-                        <a:spcBef>
-                          <a:spcPts val="0"/>
-                        </a:spcBef>
+                        <a:lnSpc>
+                          <a:spcPct val="115000"/>
+                        </a:lnSpc>
                         <a:spcAft>
                           <a:spcPts val="600"/>
                         </a:spcAft>
                       </a:pPr>
                       <a:r>
-                        <a:rPr lang="en-US" sz="1200" dirty="0">
-                          <a:solidFill>
-                            <a:srgbClr val="000000"/>
-                          </a:solidFill>
+                        <a:rPr lang="en-US" sz="800" dirty="0">
                           <a:effectLst/>
-                          <a:latin typeface="+mn-lt"/>
-                          <a:ea typeface="MS Mincho" panose="02020609040205080304" pitchFamily="49" charset="-128"/>
-                          <a:cs typeface="Calibri" panose="020F0502020204030204" pitchFamily="34" charset="0"/>
-                        </a:rPr>
-                        <a:t>Develop Course Content</a:t>
-                      </a:r>
-                      <a:endParaRPr lang="en-US" sz="1200" dirty="0">
+                        </a:rPr>
+                        <a:t>Activity</a:t>
+                      </a:r>
+                      <a:endParaRPr lang="en-US" sz="800" dirty="0">
                         <a:effectLst/>
-                        <a:latin typeface="+mn-lt"/>
+                        <a:latin typeface="Calibri" panose="020F0502020204030204" pitchFamily="34" charset="0"/>
                         <a:ea typeface="MS Mincho" panose="02020609040205080304" pitchFamily="49" charset="-128"/>
-                        <a:cs typeface="Calibri" panose="020F0502020204030204" pitchFamily="34" charset="0"/>
+                        <a:cs typeface="Times New Roman" panose="02020603050405020304" pitchFamily="18" charset="0"/>
                       </a:endParaRPr>
                     </a:p>
                   </a:txBody>
-                  <a:tcPr marL="24384" marR="24384" marT="24384" marB="24384"/>
+                  <a:tcPr marL="48413" marR="48413" marT="0" marB="0"/>
                 </a:tc>
                 <a:tc>
                   <a:txBody>
@@ -13138,46 +13333,28 @@
                     <a:lstStyle/>
                     <a:p>
                       <a:pPr marL="0" marR="0">
-                        <a:spcBef>
-                          <a:spcPts val="0"/>
-                        </a:spcBef>
+                        <a:lnSpc>
+                          <a:spcPct val="115000"/>
+                        </a:lnSpc>
                         <a:spcAft>
                           <a:spcPts val="600"/>
                         </a:spcAft>
                       </a:pPr>
                       <a:r>
-                        <a:rPr lang="en-US" sz="1200" dirty="0" err="1">
-                          <a:solidFill>
-                            <a:srgbClr val="000000"/>
-                          </a:solidFill>
+                        <a:rPr lang="en-US" sz="800">
                           <a:effectLst/>
-                          <a:latin typeface="+mn-lt"/>
-                          <a:ea typeface="MS Mincho" panose="02020609040205080304" pitchFamily="49" charset="-128"/>
-                          <a:cs typeface="Calibri" panose="020F0502020204030204" pitchFamily="34" charset="0"/>
-                        </a:rPr>
-                        <a:t>Powerpoints</a:t>
-                      </a:r>
-                      <a:r>
-                        <a:rPr lang="en-US" sz="1200" dirty="0">
-                          <a:solidFill>
-                            <a:srgbClr val="000000"/>
-                          </a:solidFill>
-                          <a:effectLst/>
-                          <a:latin typeface="+mn-lt"/>
-                          <a:ea typeface="MS Mincho" panose="02020609040205080304" pitchFamily="49" charset="-128"/>
-                          <a:cs typeface="Calibri" panose="020F0502020204030204" pitchFamily="34" charset="0"/>
-                        </a:rPr>
-                        <a:t> of course content</a:t>
-                      </a:r>
-                      <a:endParaRPr lang="en-US" sz="1200" dirty="0">
+                        </a:rPr>
+                        <a:t>Deliverable</a:t>
+                      </a:r>
+                      <a:endParaRPr lang="en-US" sz="800">
                         <a:effectLst/>
-                        <a:latin typeface="+mn-lt"/>
+                        <a:latin typeface="Calibri" panose="020F0502020204030204" pitchFamily="34" charset="0"/>
                         <a:ea typeface="MS Mincho" panose="02020609040205080304" pitchFamily="49" charset="-128"/>
-                        <a:cs typeface="Calibri" panose="020F0502020204030204" pitchFamily="34" charset="0"/>
+                        <a:cs typeface="Times New Roman" panose="02020603050405020304" pitchFamily="18" charset="0"/>
                       </a:endParaRPr>
                     </a:p>
                   </a:txBody>
-                  <a:tcPr marL="24384" marR="24384" marT="24384" marB="24384"/>
+                  <a:tcPr marL="48413" marR="48413" marT="0" marB="0"/>
                 </a:tc>
                 <a:tc>
                   <a:txBody>
@@ -13185,22 +13362,28 @@
                     <a:lstStyle/>
                     <a:p>
                       <a:pPr marL="0" marR="0">
-                        <a:spcBef>
-                          <a:spcPts val="0"/>
-                        </a:spcBef>
+                        <a:lnSpc>
+                          <a:spcPct val="115000"/>
+                        </a:lnSpc>
                         <a:spcAft>
                           <a:spcPts val="600"/>
                         </a:spcAft>
                       </a:pPr>
-                      <a:endParaRPr lang="en-US" sz="1200" dirty="0">
+                      <a:r>
+                        <a:rPr lang="en-US" sz="800">
+                          <a:effectLst/>
+                        </a:rPr>
+                        <a:t>Communication/Technical Transfer Plan</a:t>
+                      </a:r>
+                      <a:endParaRPr lang="en-US" sz="800">
                         <a:effectLst/>
-                        <a:latin typeface="+mn-lt"/>
+                        <a:latin typeface="Calibri" panose="020F0502020204030204" pitchFamily="34" charset="0"/>
                         <a:ea typeface="MS Mincho" panose="02020609040205080304" pitchFamily="49" charset="-128"/>
-                        <a:cs typeface="Calibri" panose="020F0502020204030204" pitchFamily="34" charset="0"/>
+                        <a:cs typeface="Times New Roman" panose="02020603050405020304" pitchFamily="18" charset="0"/>
                       </a:endParaRPr>
                     </a:p>
                   </a:txBody>
-                  <a:tcPr marL="24384" marR="24384" marT="24384" marB="24384"/>
+                  <a:tcPr marL="48413" marR="48413" marT="0" marB="0"/>
                 </a:tc>
                 <a:tc>
                   <a:txBody>
@@ -13208,34 +13391,28 @@
                     <a:lstStyle/>
                     <a:p>
                       <a:pPr marL="0" marR="0">
-                        <a:spcBef>
-                          <a:spcPts val="0"/>
-                        </a:spcBef>
+                        <a:lnSpc>
+                          <a:spcPct val="115000"/>
+                        </a:lnSpc>
                         <a:spcAft>
                           <a:spcPts val="600"/>
                         </a:spcAft>
                       </a:pPr>
                       <a:r>
-                        <a:rPr lang="en-US" sz="1200" dirty="0">
-                          <a:solidFill>
-                            <a:srgbClr val="000000"/>
-                          </a:solidFill>
+                        <a:rPr lang="en-US" sz="800">
                           <a:effectLst/>
-                          <a:latin typeface="+mn-lt"/>
-                          <a:ea typeface="MS Mincho" panose="02020609040205080304" pitchFamily="49" charset="-128"/>
-                          <a:cs typeface="Calibri" panose="020F0502020204030204" pitchFamily="34" charset="0"/>
-                        </a:rPr>
-                        <a:t>Biedenharn</a:t>
-                      </a:r>
-                      <a:endParaRPr lang="en-US" sz="1200" dirty="0">
+                        </a:rPr>
+                        <a:t>Lead POC</a:t>
+                      </a:r>
+                      <a:endParaRPr lang="en-US" sz="800">
                         <a:effectLst/>
-                        <a:latin typeface="+mn-lt"/>
+                        <a:latin typeface="Calibri" panose="020F0502020204030204" pitchFamily="34" charset="0"/>
                         <a:ea typeface="MS Mincho" panose="02020609040205080304" pitchFamily="49" charset="-128"/>
-                        <a:cs typeface="Calibri" panose="020F0502020204030204" pitchFamily="34" charset="0"/>
+                        <a:cs typeface="Times New Roman" panose="02020603050405020304" pitchFamily="18" charset="0"/>
                       </a:endParaRPr>
                     </a:p>
                   </a:txBody>
-                  <a:tcPr marL="24384" marR="24384" marT="24384" marB="24384"/>
+                  <a:tcPr marL="48413" marR="48413" marT="0" marB="0"/>
                 </a:tc>
                 <a:tc>
                   <a:txBody>
@@ -13243,34 +13420,28 @@
                     <a:lstStyle/>
                     <a:p>
                       <a:pPr marL="0" marR="0">
-                        <a:spcBef>
-                          <a:spcPts val="0"/>
-                        </a:spcBef>
+                        <a:lnSpc>
+                          <a:spcPct val="115000"/>
+                        </a:lnSpc>
                         <a:spcAft>
                           <a:spcPts val="600"/>
                         </a:spcAft>
                       </a:pPr>
                       <a:r>
-                        <a:rPr lang="en-US" sz="1200" dirty="0">
-                          <a:solidFill>
-                            <a:srgbClr val="000000"/>
-                          </a:solidFill>
+                        <a:rPr lang="en-US" sz="800">
                           <a:effectLst/>
-                          <a:latin typeface="+mn-lt"/>
-                          <a:ea typeface="MS Mincho" panose="02020609040205080304" pitchFamily="49" charset="-128"/>
-                          <a:cs typeface="Calibri" panose="020F0502020204030204" pitchFamily="34" charset="0"/>
-                        </a:rPr>
-                        <a:t>07/2022</a:t>
-                      </a:r>
-                      <a:endParaRPr lang="en-US" sz="1200" dirty="0">
+                        </a:rPr>
+                        <a:t>Anticipated Start Date (quarter and year)</a:t>
+                      </a:r>
+                      <a:endParaRPr lang="en-US" sz="800">
                         <a:effectLst/>
-                        <a:latin typeface="+mn-lt"/>
+                        <a:latin typeface="Calibri" panose="020F0502020204030204" pitchFamily="34" charset="0"/>
                         <a:ea typeface="MS Mincho" panose="02020609040205080304" pitchFamily="49" charset="-128"/>
-                        <a:cs typeface="Calibri" panose="020F0502020204030204" pitchFamily="34" charset="0"/>
+                        <a:cs typeface="Times New Roman" panose="02020603050405020304" pitchFamily="18" charset="0"/>
                       </a:endParaRPr>
                     </a:p>
                   </a:txBody>
-                  <a:tcPr marL="24384" marR="24384" marT="24384" marB="24384"/>
+                  <a:tcPr marL="48413" marR="48413" marT="0" marB="0"/>
                 </a:tc>
                 <a:tc>
                   <a:txBody>
@@ -13278,22 +13449,61 @@
                     <a:lstStyle/>
                     <a:p>
                       <a:pPr marL="0" marR="0">
-                        <a:spcBef>
-                          <a:spcPts val="0"/>
-                        </a:spcBef>
+                        <a:lnSpc>
+                          <a:spcPct val="115000"/>
+                        </a:lnSpc>
                         <a:spcAft>
                           <a:spcPts val="600"/>
                         </a:spcAft>
                       </a:pPr>
-                      <a:endParaRPr lang="en-US" sz="1200" dirty="0">
+                      <a:r>
+                        <a:rPr lang="en-US" sz="800">
+                          <a:effectLst/>
+                        </a:rPr>
+                        <a:t>Anticipated End Date (quarter and year)</a:t>
+                      </a:r>
+                      <a:endParaRPr lang="en-US" sz="800">
                         <a:effectLst/>
-                        <a:latin typeface="+mn-lt"/>
+                        <a:latin typeface="Calibri" panose="020F0502020204030204" pitchFamily="34" charset="0"/>
                         <a:ea typeface="MS Mincho" panose="02020609040205080304" pitchFamily="49" charset="-128"/>
-                        <a:cs typeface="Calibri" panose="020F0502020204030204" pitchFamily="34" charset="0"/>
+                        <a:cs typeface="Times New Roman" panose="02020603050405020304" pitchFamily="18" charset="0"/>
                       </a:endParaRPr>
                     </a:p>
                   </a:txBody>
-                  <a:tcPr marL="24384" marR="24384" marT="24384" marB="24384"/>
+                  <a:tcPr marL="48413" marR="48413" marT="0" marB="0"/>
+                </a:tc>
+                <a:extLst>
+                  <a:ext uri="{0D108BD9-81ED-4DB2-BD59-A6C34878D82A}">
+                    <a16:rowId xmlns:a16="http://schemas.microsoft.com/office/drawing/2014/main" val="944992539"/>
+                  </a:ext>
+                </a:extLst>
+              </a:tr>
+              <a:tr h="645500">
+                <a:tc>
+                  <a:txBody>
+                    <a:bodyPr/>
+                    <a:lstStyle/>
+                    <a:p>
+                      <a:pPr marL="0" marR="0">
+                        <a:spcAft>
+                          <a:spcPts val="600"/>
+                        </a:spcAft>
+                      </a:pPr>
+                      <a:r>
+                        <a:rPr lang="en-US" sz="800" dirty="0">
+                          <a:effectLst/>
+                        </a:rPr>
+                        <a:t>Task 1. Develop Design Plan for Integrating nutrient and contaminant processes with Super Link, Vadose zone, and Groundwater within GSSHA</a:t>
+                      </a:r>
+                      <a:endParaRPr lang="en-US" sz="700" dirty="0">
+                        <a:effectLst/>
+                        <a:latin typeface="Calibri" panose="020F0502020204030204" pitchFamily="34" charset="0"/>
+                        <a:ea typeface="MS Mincho" panose="02020609040205080304" pitchFamily="49" charset="-128"/>
+                        <a:cs typeface="Times New Roman" panose="02020603050405020304" pitchFamily="18" charset="0"/>
+                      </a:endParaRPr>
+                    </a:p>
+                  </a:txBody>
+                  <a:tcPr marL="48413" marR="48413" marT="0" marB="0"/>
                 </a:tc>
                 <a:tc>
                   <a:txBody>
@@ -13301,34 +13511,25 @@
                     <a:lstStyle/>
                     <a:p>
                       <a:pPr marL="0" marR="0">
-                        <a:spcBef>
-                          <a:spcPts val="0"/>
-                        </a:spcBef>
                         <a:spcAft>
                           <a:spcPts val="600"/>
                         </a:spcAft>
                       </a:pPr>
                       <a:r>
-                        <a:rPr lang="en-US" sz="1200" dirty="0">
-                          <a:solidFill>
-                            <a:srgbClr val="000000"/>
-                          </a:solidFill>
+                        <a:rPr lang="en-US" sz="800">
                           <a:effectLst/>
-                          <a:latin typeface="+mn-lt"/>
-                          <a:ea typeface="MS Mincho" panose="02020609040205080304" pitchFamily="49" charset="-128"/>
-                          <a:cs typeface="Calibri" panose="020F0502020204030204" pitchFamily="34" charset="0"/>
-                        </a:rPr>
-                        <a:t>07/2024</a:t>
-                      </a:r>
-                      <a:endParaRPr lang="en-US" sz="1200" dirty="0">
+                        </a:rPr>
+                        <a:t>Design document for use in directing integration activities.</a:t>
+                      </a:r>
+                      <a:endParaRPr lang="en-US" sz="700">
                         <a:effectLst/>
-                        <a:latin typeface="+mn-lt"/>
+                        <a:latin typeface="Calibri" panose="020F0502020204030204" pitchFamily="34" charset="0"/>
                         <a:ea typeface="MS Mincho" panose="02020609040205080304" pitchFamily="49" charset="-128"/>
-                        <a:cs typeface="Calibri" panose="020F0502020204030204" pitchFamily="34" charset="0"/>
+                        <a:cs typeface="Times New Roman" panose="02020603050405020304" pitchFamily="18" charset="0"/>
                       </a:endParaRPr>
                     </a:p>
                   </a:txBody>
-                  <a:tcPr marL="24384" marR="24384" marT="24384" marB="24384"/>
+                  <a:tcPr marL="48413" marR="48413" marT="0" marB="0"/>
                 </a:tc>
                 <a:tc>
                   <a:txBody>
@@ -13336,22 +13537,25 @@
                     <a:lstStyle/>
                     <a:p>
                       <a:pPr marL="0" marR="0">
-                        <a:spcBef>
-                          <a:spcPts val="0"/>
-                        </a:spcBef>
                         <a:spcAft>
                           <a:spcPts val="600"/>
                         </a:spcAft>
                       </a:pPr>
-                      <a:endParaRPr lang="en-US" sz="1200">
+                      <a:r>
+                        <a:rPr lang="en-US" sz="800">
+                          <a:effectLst/>
+                        </a:rPr>
+                        <a:t>Published ERDC Technical Report</a:t>
+                      </a:r>
+                      <a:endParaRPr lang="en-US" sz="700">
                         <a:effectLst/>
-                        <a:latin typeface="+mn-lt"/>
+                        <a:latin typeface="Calibri" panose="020F0502020204030204" pitchFamily="34" charset="0"/>
                         <a:ea typeface="MS Mincho" panose="02020609040205080304" pitchFamily="49" charset="-128"/>
-                        <a:cs typeface="Calibri" panose="020F0502020204030204" pitchFamily="34" charset="0"/>
+                        <a:cs typeface="Times New Roman" panose="02020603050405020304" pitchFamily="18" charset="0"/>
                       </a:endParaRPr>
                     </a:p>
                   </a:txBody>
-                  <a:tcPr marL="24384" marR="24384" marT="24384" marB="24384"/>
+                  <a:tcPr marL="48413" marR="48413" marT="0" marB="0"/>
                 </a:tc>
                 <a:tc>
                   <a:txBody>
@@ -13359,34 +13563,57 @@
                     <a:lstStyle/>
                     <a:p>
                       <a:pPr marL="0" marR="0">
-                        <a:spcBef>
-                          <a:spcPts val="0"/>
-                        </a:spcBef>
                         <a:spcAft>
                           <a:spcPts val="600"/>
                         </a:spcAft>
                       </a:pPr>
                       <a:r>
-                        <a:rPr lang="en-US" sz="1200" dirty="0">
-                          <a:solidFill>
-                            <a:srgbClr val="000000"/>
-                          </a:solidFill>
+                        <a:rPr lang="en-US" sz="800" dirty="0">
                           <a:effectLst/>
-                          <a:latin typeface="+mn-lt"/>
-                          <a:ea typeface="MS Mincho" panose="02020609040205080304" pitchFamily="49" charset="-128"/>
-                          <a:cs typeface="Calibri" panose="020F0502020204030204" pitchFamily="34" charset="0"/>
-                        </a:rPr>
-                        <a:t>$00K</a:t>
-                      </a:r>
-                      <a:endParaRPr lang="en-US" sz="1200" dirty="0">
+                        </a:rPr>
+                        <a:t>Todd Steissberg</a:t>
+                      </a:r>
+                      <a:endParaRPr lang="en-US" sz="700" dirty="0">
                         <a:effectLst/>
-                        <a:latin typeface="+mn-lt"/>
+                      </a:endParaRPr>
+                    </a:p>
+                    <a:p>
+                      <a:pPr marL="0" marR="0">
+                        <a:spcAft>
+                          <a:spcPts val="600"/>
+                        </a:spcAft>
+                      </a:pPr>
+                      <a:r>
+                        <a:rPr lang="en-US" sz="800" dirty="0">
+                          <a:effectLst/>
+                        </a:rPr>
+                        <a:t> </a:t>
+                      </a:r>
+                      <a:endParaRPr lang="en-US" sz="700" dirty="0">
+                        <a:effectLst/>
+                      </a:endParaRPr>
+                    </a:p>
+                    <a:p>
+                      <a:pPr marL="0" marR="0">
+                        <a:spcAft>
+                          <a:spcPts val="600"/>
+                        </a:spcAft>
+                      </a:pPr>
+                      <a:r>
+                        <a:rPr lang="en-US" sz="800" dirty="0">
+                          <a:effectLst/>
+                        </a:rPr>
+                        <a:t> </a:t>
+                      </a:r>
+                      <a:endParaRPr lang="en-US" sz="700" dirty="0">
+                        <a:effectLst/>
+                        <a:latin typeface="Calibri" panose="020F0502020204030204" pitchFamily="34" charset="0"/>
                         <a:ea typeface="MS Mincho" panose="02020609040205080304" pitchFamily="49" charset="-128"/>
-                        <a:cs typeface="Calibri" panose="020F0502020204030204" pitchFamily="34" charset="0"/>
+                        <a:cs typeface="Times New Roman" panose="02020603050405020304" pitchFamily="18" charset="0"/>
                       </a:endParaRPr>
                     </a:p>
                   </a:txBody>
-                  <a:tcPr marL="24384" marR="24384" marT="24384" marB="24384"/>
+                  <a:tcPr marL="48413" marR="48413" marT="0" marB="0"/>
                 </a:tc>
                 <a:tc>
                   <a:txBody>
@@ -13394,79 +13621,37 @@
                     <a:lstStyle/>
                     <a:p>
                       <a:pPr marL="0" marR="0">
-                        <a:spcBef>
-                          <a:spcPts val="0"/>
-                        </a:spcBef>
                         <a:spcAft>
                           <a:spcPts val="600"/>
                         </a:spcAft>
                       </a:pPr>
                       <a:r>
-                        <a:rPr lang="en-US" sz="1200" dirty="0">
-                          <a:solidFill>
-                            <a:srgbClr val="000000"/>
-                          </a:solidFill>
+                        <a:rPr lang="en-US" sz="800">
                           <a:effectLst/>
-                          <a:latin typeface="+mn-lt"/>
-                          <a:ea typeface="MS Mincho" panose="02020609040205080304" pitchFamily="49" charset="-128"/>
-                          <a:cs typeface="Calibri" panose="020F0502020204030204" pitchFamily="34" charset="0"/>
-                        </a:rPr>
-                        <a:t>100%</a:t>
-                      </a:r>
-                      <a:endParaRPr lang="en-US" sz="1200" dirty="0">
+                        </a:rPr>
+                        <a:t>3</a:t>
+                      </a:r>
+                      <a:r>
+                        <a:rPr lang="en-US" sz="800" baseline="30000">
+                          <a:effectLst/>
+                        </a:rPr>
+                        <a:t>rd</a:t>
+                      </a:r>
+                      <a:r>
+                        <a:rPr lang="en-US" sz="800">
+                          <a:effectLst/>
+                        </a:rPr>
+                        <a:t>/FY23</a:t>
+                      </a:r>
+                      <a:endParaRPr lang="en-US" sz="700">
                         <a:effectLst/>
-                        <a:latin typeface="+mn-lt"/>
+                        <a:latin typeface="Calibri" panose="020F0502020204030204" pitchFamily="34" charset="0"/>
                         <a:ea typeface="MS Mincho" panose="02020609040205080304" pitchFamily="49" charset="-128"/>
-                        <a:cs typeface="Calibri" panose="020F0502020204030204" pitchFamily="34" charset="0"/>
+                        <a:cs typeface="Times New Roman" panose="02020603050405020304" pitchFamily="18" charset="0"/>
                       </a:endParaRPr>
                     </a:p>
                   </a:txBody>
-                  <a:tcPr marL="24384" marR="24384" marT="24384" marB="24384"/>
-                </a:tc>
-                <a:tc>
-                  <a:txBody>
-                    <a:bodyPr/>
-                    <a:lstStyle/>
-                    <a:p>
-                      <a:endParaRPr lang="en-US" sz="1200" dirty="0">
-                        <a:latin typeface="+mn-lt"/>
-                      </a:endParaRPr>
-                    </a:p>
-                  </a:txBody>
-                  <a:tcPr marL="24384" marR="24384" marT="24384" marB="24384"/>
-                </a:tc>
-                <a:extLst>
-                  <a:ext uri="{0D108BD9-81ED-4DB2-BD59-A6C34878D82A}">
-                    <a16:rowId xmlns:a16="http://schemas.microsoft.com/office/drawing/2014/main" val="291076823"/>
-                  </a:ext>
-                </a:extLst>
-              </a:tr>
-              <a:tr h="675934">
-                <a:tc>
-                  <a:txBody>
-                    <a:bodyPr/>
-                    <a:lstStyle/>
-                    <a:p>
-                      <a:pPr marL="0" marR="0">
-                        <a:spcBef>
-                          <a:spcPts val="0"/>
-                        </a:spcBef>
-                        <a:spcAft>
-                          <a:spcPts val="600"/>
-                        </a:spcAft>
-                      </a:pPr>
-                      <a:r>
-                        <a:rPr lang="en-US" sz="1200" dirty="0">
-                          <a:effectLst/>
-                          <a:latin typeface="+mn-lt"/>
-                          <a:ea typeface="MS Mincho" panose="02020609040205080304" pitchFamily="49" charset="-128"/>
-                          <a:cs typeface="Calibri" panose="020F0502020204030204" pitchFamily="34" charset="0"/>
-                        </a:rPr>
-                        <a:t>Provide Course Content via a 3-day workshop</a:t>
-                      </a:r>
-                    </a:p>
-                  </a:txBody>
-                  <a:tcPr marL="24384" marR="24384" marT="24384" marB="24384"/>
+                  <a:tcPr marL="48413" marR="48413" marT="0" marB="0"/>
                 </a:tc>
                 <a:tc>
                   <a:txBody>
@@ -13474,25 +13659,70 @@
                     <a:lstStyle/>
                     <a:p>
                       <a:pPr marL="0" marR="0">
-                        <a:spcBef>
-                          <a:spcPts val="0"/>
-                        </a:spcBef>
                         <a:spcAft>
                           <a:spcPts val="600"/>
                         </a:spcAft>
                       </a:pPr>
                       <a:r>
-                        <a:rPr lang="en-US" sz="1200" dirty="0">
+                        <a:rPr lang="en-US" sz="800">
                           <a:effectLst/>
-                          <a:latin typeface="+mn-lt"/>
-                          <a:ea typeface="MS Mincho" panose="02020609040205080304" pitchFamily="49" charset="-128"/>
-                          <a:cs typeface="Calibri" panose="020F0502020204030204" pitchFamily="34" charset="0"/>
-                        </a:rPr>
-                        <a:t>Recorded in-person workshop </a:t>
-                      </a:r>
+                        </a:rPr>
+                        <a:t>4</a:t>
+                      </a:r>
+                      <a:r>
+                        <a:rPr lang="en-US" sz="800" baseline="30000">
+                          <a:effectLst/>
+                        </a:rPr>
+                        <a:t>th</a:t>
+                      </a:r>
+                      <a:r>
+                        <a:rPr lang="en-US" sz="800">
+                          <a:effectLst/>
+                        </a:rPr>
+                        <a:t>/FY23</a:t>
+                      </a:r>
+                      <a:endParaRPr lang="en-US" sz="700">
+                        <a:effectLst/>
+                        <a:latin typeface="Calibri" panose="020F0502020204030204" pitchFamily="34" charset="0"/>
+                        <a:ea typeface="MS Mincho" panose="02020609040205080304" pitchFamily="49" charset="-128"/>
+                        <a:cs typeface="Times New Roman" panose="02020603050405020304" pitchFamily="18" charset="0"/>
+                      </a:endParaRPr>
                     </a:p>
                   </a:txBody>
-                  <a:tcPr marL="24384" marR="24384" marT="24384" marB="24384"/>
+                  <a:tcPr marL="48413" marR="48413" marT="0" marB="0"/>
+                </a:tc>
+                <a:extLst>
+                  <a:ext uri="{0D108BD9-81ED-4DB2-BD59-A6C34878D82A}">
+                    <a16:rowId xmlns:a16="http://schemas.microsoft.com/office/drawing/2014/main" val="2692241570"/>
+                  </a:ext>
+                </a:extLst>
+              </a:tr>
+              <a:tr h="645500">
+                <a:tc>
+                  <a:txBody>
+                    <a:bodyPr/>
+                    <a:lstStyle/>
+                    <a:p>
+                      <a:pPr marL="0" marR="0">
+                        <a:spcAft>
+                          <a:spcPts val="600"/>
+                        </a:spcAft>
+                      </a:pPr>
+                      <a:r>
+                        <a:rPr lang="en-US" sz="800" dirty="0">
+                          <a:effectLst/>
+                        </a:rPr>
+                        <a:t>Task 2. Develop transport capabilities in the Vadose zone and tile drain networks for suspended sediments, nutrients, and contaminants</a:t>
+                      </a:r>
+                      <a:endParaRPr lang="en-US" sz="700" dirty="0">
+                        <a:effectLst/>
+                        <a:latin typeface="Calibri" panose="020F0502020204030204" pitchFamily="34" charset="0"/>
+                        <a:ea typeface="MS Mincho" panose="02020609040205080304" pitchFamily="49" charset="-128"/>
+                        <a:cs typeface="Times New Roman" panose="02020603050405020304" pitchFamily="18" charset="0"/>
+                      </a:endParaRPr>
+                    </a:p>
+                  </a:txBody>
+                  <a:tcPr marL="48413" marR="48413" marT="0" marB="0"/>
                 </a:tc>
                 <a:tc>
                   <a:txBody>
@@ -13500,25 +13730,25 @@
                     <a:lstStyle/>
                     <a:p>
                       <a:pPr marL="0" marR="0">
-                        <a:spcBef>
-                          <a:spcPts val="0"/>
-                        </a:spcBef>
                         <a:spcAft>
                           <a:spcPts val="600"/>
                         </a:spcAft>
                       </a:pPr>
                       <a:r>
-                        <a:rPr lang="en-US" sz="1200">
+                        <a:rPr lang="en-US" sz="800" dirty="0">
                           <a:effectLst/>
-                          <a:latin typeface="+mn-lt"/>
-                          <a:ea typeface="MS Mincho" panose="02020609040205080304" pitchFamily="49" charset="-128"/>
-                          <a:cs typeface="Calibri" panose="020F0502020204030204" pitchFamily="34" charset="0"/>
-                        </a:rPr>
-                        <a:t>In-person workshop</a:t>
-                      </a:r>
+                        </a:rPr>
+                        <a:t>Updated GSSHA Model</a:t>
+                      </a:r>
+                      <a:endParaRPr lang="en-US" sz="700" dirty="0">
+                        <a:effectLst/>
+                        <a:latin typeface="Calibri" panose="020F0502020204030204" pitchFamily="34" charset="0"/>
+                        <a:ea typeface="MS Mincho" panose="02020609040205080304" pitchFamily="49" charset="-128"/>
+                        <a:cs typeface="Times New Roman" panose="02020603050405020304" pitchFamily="18" charset="0"/>
+                      </a:endParaRPr>
                     </a:p>
                   </a:txBody>
-                  <a:tcPr marL="24384" marR="24384" marT="24384" marB="24384"/>
+                  <a:tcPr marL="48413" marR="48413" marT="0" marB="0"/>
                 </a:tc>
                 <a:tc>
                   <a:txBody>
@@ -13526,25 +13756,25 @@
                     <a:lstStyle/>
                     <a:p>
                       <a:pPr marL="0" marR="0">
-                        <a:spcBef>
-                          <a:spcPts val="0"/>
-                        </a:spcBef>
                         <a:spcAft>
                           <a:spcPts val="600"/>
                         </a:spcAft>
                       </a:pPr>
                       <a:r>
-                        <a:rPr lang="en-US" sz="1200">
+                        <a:rPr lang="en-US" sz="800" dirty="0">
                           <a:effectLst/>
-                          <a:latin typeface="+mn-lt"/>
-                          <a:ea typeface="MS Mincho" panose="02020609040205080304" pitchFamily="49" charset="-128"/>
-                          <a:cs typeface="Calibri" panose="020F0502020204030204" pitchFamily="34" charset="0"/>
-                        </a:rPr>
-                        <a:t>Brauer</a:t>
-                      </a:r>
+                        </a:rPr>
+                        <a:t>ERDC GitHub Site, Coastal and Hydraulics Laboratory Web Site</a:t>
+                      </a:r>
+                      <a:endParaRPr lang="en-US" sz="700" dirty="0">
+                        <a:effectLst/>
+                        <a:latin typeface="Calibri" panose="020F0502020204030204" pitchFamily="34" charset="0"/>
+                        <a:ea typeface="MS Mincho" panose="02020609040205080304" pitchFamily="49" charset="-128"/>
+                        <a:cs typeface="Times New Roman" panose="02020603050405020304" pitchFamily="18" charset="0"/>
+                      </a:endParaRPr>
                     </a:p>
                   </a:txBody>
-                  <a:tcPr marL="24384" marR="24384" marT="24384" marB="24384"/>
+                  <a:tcPr marL="48413" marR="48413" marT="0" marB="0"/>
                 </a:tc>
                 <a:tc>
                   <a:txBody>
@@ -13552,25 +13782,25 @@
                     <a:lstStyle/>
                     <a:p>
                       <a:pPr marL="0" marR="0">
-                        <a:spcBef>
-                          <a:spcPts val="0"/>
-                        </a:spcBef>
                         <a:spcAft>
                           <a:spcPts val="600"/>
                         </a:spcAft>
                       </a:pPr>
                       <a:r>
-                        <a:rPr lang="en-US" sz="1200" dirty="0">
+                        <a:rPr lang="en-US" sz="800" dirty="0">
                           <a:effectLst/>
-                          <a:latin typeface="+mn-lt"/>
-                          <a:ea typeface="MS Mincho" panose="02020609040205080304" pitchFamily="49" charset="-128"/>
-                          <a:cs typeface="Calibri" panose="020F0502020204030204" pitchFamily="34" charset="0"/>
-                        </a:rPr>
-                        <a:t>07/2024</a:t>
-                      </a:r>
+                        </a:rPr>
+                        <a:t>Chuck Downer</a:t>
+                      </a:r>
+                      <a:endParaRPr lang="en-US" sz="700" dirty="0">
+                        <a:effectLst/>
+                        <a:latin typeface="Calibri" panose="020F0502020204030204" pitchFamily="34" charset="0"/>
+                        <a:ea typeface="MS Mincho" panose="02020609040205080304" pitchFamily="49" charset="-128"/>
+                        <a:cs typeface="Times New Roman" panose="02020603050405020304" pitchFamily="18" charset="0"/>
+                      </a:endParaRPr>
                     </a:p>
                   </a:txBody>
-                  <a:tcPr marL="24384" marR="24384" marT="24384" marB="24384"/>
+                  <a:tcPr marL="48413" marR="48413" marT="0" marB="0"/>
                 </a:tc>
                 <a:tc>
                   <a:txBody>
@@ -13578,22 +13808,25 @@
                     <a:lstStyle/>
                     <a:p>
                       <a:pPr marL="0" marR="0">
-                        <a:spcBef>
-                          <a:spcPts val="0"/>
-                        </a:spcBef>
                         <a:spcAft>
                           <a:spcPts val="600"/>
                         </a:spcAft>
                       </a:pPr>
-                      <a:endParaRPr lang="en-US" sz="1200" dirty="0">
+                      <a:r>
+                        <a:rPr lang="en-US" sz="800" dirty="0">
+                          <a:effectLst/>
+                        </a:rPr>
+                        <a:t>3rd/FY23</a:t>
+                      </a:r>
+                      <a:endParaRPr lang="en-US" sz="700" dirty="0">
                         <a:effectLst/>
-                        <a:latin typeface="+mn-lt"/>
+                        <a:latin typeface="Calibri" panose="020F0502020204030204" pitchFamily="34" charset="0"/>
                         <a:ea typeface="MS Mincho" panose="02020609040205080304" pitchFamily="49" charset="-128"/>
-                        <a:cs typeface="Calibri" panose="020F0502020204030204" pitchFamily="34" charset="0"/>
+                        <a:cs typeface="Times New Roman" panose="02020603050405020304" pitchFamily="18" charset="0"/>
                       </a:endParaRPr>
                     </a:p>
                   </a:txBody>
-                  <a:tcPr marL="24384" marR="24384" marT="24384" marB="24384"/>
+                  <a:tcPr marL="48413" marR="48413" marT="0" marB="0"/>
                 </a:tc>
                 <a:tc>
                   <a:txBody>
@@ -13601,25 +13834,58 @@
                     <a:lstStyle/>
                     <a:p>
                       <a:pPr marL="0" marR="0">
-                        <a:spcBef>
-                          <a:spcPts val="0"/>
-                        </a:spcBef>
                         <a:spcAft>
                           <a:spcPts val="600"/>
                         </a:spcAft>
                       </a:pPr>
                       <a:r>
-                        <a:rPr lang="en-US" sz="1200" dirty="0">
+                        <a:rPr lang="en-US" sz="800" dirty="0">
                           <a:effectLst/>
-                          <a:latin typeface="+mn-lt"/>
-                          <a:ea typeface="MS Mincho" panose="02020609040205080304" pitchFamily="49" charset="-128"/>
-                          <a:cs typeface="Calibri" panose="020F0502020204030204" pitchFamily="34" charset="0"/>
-                        </a:rPr>
-                        <a:t>07/2024</a:t>
-                      </a:r>
+                        </a:rPr>
+                        <a:t>2nd/FY24</a:t>
+                      </a:r>
+                      <a:endParaRPr lang="en-US" sz="700" dirty="0">
+                        <a:effectLst/>
+                        <a:latin typeface="Calibri" panose="020F0502020204030204" pitchFamily="34" charset="0"/>
+                        <a:ea typeface="MS Mincho" panose="02020609040205080304" pitchFamily="49" charset="-128"/>
+                        <a:cs typeface="Times New Roman" panose="02020603050405020304" pitchFamily="18" charset="0"/>
+                      </a:endParaRPr>
                     </a:p>
                   </a:txBody>
-                  <a:tcPr marL="24384" marR="24384" marT="24384" marB="24384"/>
+                  <a:tcPr marL="48413" marR="48413" marT="0" marB="0"/>
+                </a:tc>
+                <a:extLst>
+                  <a:ext uri="{0D108BD9-81ED-4DB2-BD59-A6C34878D82A}">
+                    <a16:rowId xmlns:a16="http://schemas.microsoft.com/office/drawing/2014/main" val="4176342044"/>
+                  </a:ext>
+                </a:extLst>
+              </a:tr>
+              <a:tr h="387300">
+                <a:tc>
+                  <a:txBody>
+                    <a:bodyPr/>
+                    <a:lstStyle/>
+                    <a:p>
+                      <a:pPr marL="0" marR="0">
+                        <a:spcAft>
+                          <a:spcPts val="600"/>
+                        </a:spcAft>
+                      </a:pPr>
+                      <a:r>
+                        <a:rPr lang="en-US" sz="800" dirty="0">
+                          <a:effectLst/>
+                        </a:rPr>
+                        <a:t>Task 3. Integration of NSM with Vadose zone module</a:t>
+                      </a:r>
+                      <a:endParaRPr lang="en-US" sz="700" dirty="0">
+                        <a:effectLst/>
+                        <a:latin typeface="Calibri" panose="020F0502020204030204" pitchFamily="34" charset="0"/>
+                        <a:ea typeface="MS Mincho" panose="02020609040205080304" pitchFamily="49" charset="-128"/>
+                        <a:cs typeface="Times New Roman" panose="02020603050405020304" pitchFamily="18" charset="0"/>
+                      </a:endParaRPr>
+                    </a:p>
+                  </a:txBody>
+                  <a:tcPr marL="48413" marR="48413" marT="0" marB="0"/>
                 </a:tc>
                 <a:tc>
                   <a:txBody>
@@ -13627,22 +13893,25 @@
                     <a:lstStyle/>
                     <a:p>
                       <a:pPr marL="0" marR="0">
-                        <a:spcBef>
-                          <a:spcPts val="0"/>
-                        </a:spcBef>
                         <a:spcAft>
                           <a:spcPts val="600"/>
                         </a:spcAft>
                       </a:pPr>
-                      <a:endParaRPr lang="en-US" sz="1200">
+                      <a:r>
+                        <a:rPr lang="en-US" sz="800">
+                          <a:effectLst/>
+                        </a:rPr>
+                        <a:t>Updated GSSHA model</a:t>
+                      </a:r>
+                      <a:endParaRPr lang="en-US" sz="700">
                         <a:effectLst/>
-                        <a:latin typeface="+mn-lt"/>
+                        <a:latin typeface="Calibri" panose="020F0502020204030204" pitchFamily="34" charset="0"/>
                         <a:ea typeface="MS Mincho" panose="02020609040205080304" pitchFamily="49" charset="-128"/>
-                        <a:cs typeface="Calibri" panose="020F0502020204030204" pitchFamily="34" charset="0"/>
+                        <a:cs typeface="Times New Roman" panose="02020603050405020304" pitchFamily="18" charset="0"/>
                       </a:endParaRPr>
                     </a:p>
                   </a:txBody>
-                  <a:tcPr marL="24384" marR="24384" marT="24384" marB="24384"/>
+                  <a:tcPr marL="48413" marR="48413" marT="0" marB="0"/>
                 </a:tc>
                 <a:tc>
                   <a:txBody>
@@ -13650,25 +13919,25 @@
                     <a:lstStyle/>
                     <a:p>
                       <a:pPr marL="0" marR="0">
-                        <a:spcBef>
-                          <a:spcPts val="0"/>
-                        </a:spcBef>
                         <a:spcAft>
                           <a:spcPts val="600"/>
                         </a:spcAft>
                       </a:pPr>
                       <a:r>
-                        <a:rPr lang="en-US" sz="1200" dirty="0">
+                        <a:rPr lang="en-US" sz="800">
                           <a:effectLst/>
-                          <a:latin typeface="+mn-lt"/>
-                          <a:ea typeface="MS Mincho" panose="02020609040205080304" pitchFamily="49" charset="-128"/>
-                          <a:cs typeface="Calibri" panose="020F0502020204030204" pitchFamily="34" charset="0"/>
-                        </a:rPr>
-                        <a:t>$00K</a:t>
-                      </a:r>
+                        </a:rPr>
+                        <a:t>ERDC GitHub Site, Coastal and Hydraulics Laboratory Web Site</a:t>
+                      </a:r>
+                      <a:endParaRPr lang="en-US" sz="700">
+                        <a:effectLst/>
+                        <a:latin typeface="Calibri" panose="020F0502020204030204" pitchFamily="34" charset="0"/>
+                        <a:ea typeface="MS Mincho" panose="02020609040205080304" pitchFamily="49" charset="-128"/>
+                        <a:cs typeface="Times New Roman" panose="02020603050405020304" pitchFamily="18" charset="0"/>
+                      </a:endParaRPr>
                     </a:p>
                   </a:txBody>
-                  <a:tcPr marL="24384" marR="24384" marT="24384" marB="24384"/>
+                  <a:tcPr marL="48413" marR="48413" marT="0" marB="0"/>
                 </a:tc>
                 <a:tc>
                   <a:txBody>
@@ -13676,79 +13945,25 @@
                     <a:lstStyle/>
                     <a:p>
                       <a:pPr marL="0" marR="0">
-                        <a:spcBef>
-                          <a:spcPts val="0"/>
-                        </a:spcBef>
                         <a:spcAft>
                           <a:spcPts val="600"/>
                         </a:spcAft>
                       </a:pPr>
                       <a:r>
-                        <a:rPr lang="en-US" sz="1200" dirty="0">
+                        <a:rPr lang="en-US" sz="800">
                           <a:effectLst/>
-                          <a:latin typeface="+mn-lt"/>
-                          <a:ea typeface="MS Mincho" panose="02020609040205080304" pitchFamily="49" charset="-128"/>
-                          <a:cs typeface="Calibri" panose="020F0502020204030204" pitchFamily="34" charset="0"/>
-                        </a:rPr>
-                        <a:t>100%</a:t>
-                      </a:r>
-                    </a:p>
-                  </a:txBody>
-                  <a:tcPr marL="24384" marR="24384" marT="24384" marB="24384"/>
-                </a:tc>
-                <a:tc>
-                  <a:txBody>
-                    <a:bodyPr/>
-                    <a:lstStyle/>
-                    <a:p>
-                      <a:endParaRPr lang="en-US" sz="1200" dirty="0">
-                        <a:latin typeface="+mn-lt"/>
+                        </a:rPr>
+                        <a:t>Chuck Downer</a:t>
+                      </a:r>
+                      <a:endParaRPr lang="en-US" sz="700">
+                        <a:effectLst/>
+                        <a:latin typeface="Calibri" panose="020F0502020204030204" pitchFamily="34" charset="0"/>
+                        <a:ea typeface="MS Mincho" panose="02020609040205080304" pitchFamily="49" charset="-128"/>
+                        <a:cs typeface="Times New Roman" panose="02020603050405020304" pitchFamily="18" charset="0"/>
                       </a:endParaRPr>
                     </a:p>
                   </a:txBody>
-                  <a:tcPr marL="24384" marR="24384" marT="24384" marB="24384"/>
-                </a:tc>
-                <a:extLst>
-                  <a:ext uri="{0D108BD9-81ED-4DB2-BD59-A6C34878D82A}">
-                    <a16:rowId xmlns:a16="http://schemas.microsoft.com/office/drawing/2014/main" val="70177493"/>
-                  </a:ext>
-                </a:extLst>
-              </a:tr>
-              <a:tr h="882854">
-                <a:tc>
-                  <a:txBody>
-                    <a:bodyPr/>
-                    <a:lstStyle/>
-                    <a:p>
-                      <a:pPr marL="0" marR="0">
-                        <a:spcBef>
-                          <a:spcPts val="0"/>
-                        </a:spcBef>
-                        <a:spcAft>
-                          <a:spcPts val="600"/>
-                        </a:spcAft>
-                      </a:pPr>
-                      <a:r>
-                        <a:rPr lang="en-US" sz="1200" dirty="0">
-                          <a:solidFill>
-                            <a:srgbClr val="000000"/>
-                          </a:solidFill>
-                          <a:effectLst/>
-                          <a:latin typeface="+mn-lt"/>
-                          <a:ea typeface="MS Mincho" panose="02020609040205080304" pitchFamily="49" charset="-128"/>
-                          <a:cs typeface="Calibri" panose="020F0502020204030204" pitchFamily="34" charset="0"/>
-                        </a:rPr>
-                        <a:t>Make course content available</a:t>
-                      </a:r>
-                      <a:endParaRPr lang="en-US" sz="1200" dirty="0">
-                        <a:effectLst/>
-                        <a:latin typeface="+mn-lt"/>
-                        <a:ea typeface="MS Mincho" panose="02020609040205080304" pitchFamily="49" charset="-128"/>
-                        <a:cs typeface="Calibri" panose="020F0502020204030204" pitchFamily="34" charset="0"/>
-                      </a:endParaRPr>
-                    </a:p>
-                  </a:txBody>
-                  <a:tcPr marL="24384" marR="24384" marT="24384" marB="24384"/>
+                  <a:tcPr marL="48413" marR="48413" marT="0" marB="0"/>
                 </a:tc>
                 <a:tc>
                   <a:txBody>
@@ -13756,58 +13971,37 @@
                     <a:lstStyle/>
                     <a:p>
                       <a:pPr marL="0" marR="0">
-                        <a:spcBef>
-                          <a:spcPts val="0"/>
-                        </a:spcBef>
                         <a:spcAft>
                           <a:spcPts val="600"/>
                         </a:spcAft>
                       </a:pPr>
                       <a:r>
-                        <a:rPr lang="en-US" sz="1200" dirty="0">
-                          <a:solidFill>
-                            <a:srgbClr val="000000"/>
-                          </a:solidFill>
+                        <a:rPr lang="en-US" sz="800">
                           <a:effectLst/>
-                          <a:latin typeface="+mn-lt"/>
-                          <a:ea typeface="MS Mincho" panose="02020609040205080304" pitchFamily="49" charset="-128"/>
-                          <a:cs typeface="Calibri" panose="020F0502020204030204" pitchFamily="34" charset="0"/>
-                        </a:rPr>
-                        <a:t>Web-accessible </a:t>
-                      </a:r>
-                      <a:r>
-                        <a:rPr lang="en-US" sz="1200" dirty="0" err="1">
-                          <a:solidFill>
-                            <a:srgbClr val="000000"/>
-                          </a:solidFill>
+                        </a:rPr>
+                        <a:t>3</a:t>
+                      </a:r>
+                      <a:r>
+                        <a:rPr lang="en-US" sz="800" baseline="30000">
                           <a:effectLst/>
-                          <a:latin typeface="+mn-lt"/>
-                          <a:ea typeface="MS Mincho" panose="02020609040205080304" pitchFamily="49" charset="-128"/>
-                          <a:cs typeface="Calibri" panose="020F0502020204030204" pitchFamily="34" charset="0"/>
-                        </a:rPr>
-                        <a:t>powerpoints</a:t>
-                      </a:r>
-                      <a:r>
-                        <a:rPr lang="en-US" sz="1200" dirty="0">
-                          <a:solidFill>
-                            <a:srgbClr val="000000"/>
-                          </a:solidFill>
+                        </a:rPr>
+                        <a:t>rd</a:t>
+                      </a:r>
+                      <a:r>
+                        <a:rPr lang="en-US" sz="800">
                           <a:effectLst/>
-                          <a:latin typeface="+mn-lt"/>
-                          <a:ea typeface="MS Mincho" panose="02020609040205080304" pitchFamily="49" charset="-128"/>
-                          <a:cs typeface="Calibri" panose="020F0502020204030204" pitchFamily="34" charset="0"/>
-                        </a:rPr>
-                        <a:t> and videos</a:t>
-                      </a:r>
-                      <a:endParaRPr lang="en-US" sz="1200" dirty="0">
+                        </a:rPr>
+                        <a:t>/FY23</a:t>
+                      </a:r>
+                      <a:endParaRPr lang="en-US" sz="700">
                         <a:effectLst/>
-                        <a:latin typeface="+mn-lt"/>
+                        <a:latin typeface="Calibri" panose="020F0502020204030204" pitchFamily="34" charset="0"/>
                         <a:ea typeface="MS Mincho" panose="02020609040205080304" pitchFamily="49" charset="-128"/>
-                        <a:cs typeface="Calibri" panose="020F0502020204030204" pitchFamily="34" charset="0"/>
+                        <a:cs typeface="Times New Roman" panose="02020603050405020304" pitchFamily="18" charset="0"/>
                       </a:endParaRPr>
                     </a:p>
                   </a:txBody>
-                  <a:tcPr marL="24384" marR="24384" marT="24384" marB="24384"/>
+                  <a:tcPr marL="48413" marR="48413" marT="0" marB="0"/>
                 </a:tc>
                 <a:tc>
                   <a:txBody>
@@ -13815,34 +14009,70 @@
                     <a:lstStyle/>
                     <a:p>
                       <a:pPr marL="0" marR="0">
-                        <a:spcBef>
-                          <a:spcPts val="0"/>
-                        </a:spcBef>
                         <a:spcAft>
                           <a:spcPts val="600"/>
                         </a:spcAft>
                       </a:pPr>
                       <a:r>
-                        <a:rPr lang="en-US" sz="1200" dirty="0">
-                          <a:solidFill>
-                            <a:srgbClr val="000000"/>
-                          </a:solidFill>
+                        <a:rPr lang="en-US" sz="800">
                           <a:effectLst/>
-                          <a:latin typeface="+mn-lt"/>
-                          <a:ea typeface="MS Mincho" panose="02020609040205080304" pitchFamily="49" charset="-128"/>
-                          <a:cs typeface="Calibri" panose="020F0502020204030204" pitchFamily="34" charset="0"/>
-                        </a:rPr>
-                        <a:t>Website</a:t>
-                      </a:r>
-                      <a:endParaRPr lang="en-US" sz="1200" dirty="0">
+                        </a:rPr>
+                        <a:t>2</a:t>
+                      </a:r>
+                      <a:r>
+                        <a:rPr lang="en-US" sz="800" baseline="30000">
+                          <a:effectLst/>
+                        </a:rPr>
+                        <a:t>nd</a:t>
+                      </a:r>
+                      <a:r>
+                        <a:rPr lang="en-US" sz="800">
+                          <a:effectLst/>
+                        </a:rPr>
+                        <a:t>/FY24</a:t>
+                      </a:r>
+                      <a:endParaRPr lang="en-US" sz="700">
                         <a:effectLst/>
-                        <a:latin typeface="+mn-lt"/>
+                        <a:latin typeface="Calibri" panose="020F0502020204030204" pitchFamily="34" charset="0"/>
                         <a:ea typeface="MS Mincho" panose="02020609040205080304" pitchFamily="49" charset="-128"/>
-                        <a:cs typeface="Calibri" panose="020F0502020204030204" pitchFamily="34" charset="0"/>
+                        <a:cs typeface="Times New Roman" panose="02020603050405020304" pitchFamily="18" charset="0"/>
                       </a:endParaRPr>
                     </a:p>
                   </a:txBody>
-                  <a:tcPr marL="24384" marR="24384" marT="24384" marB="24384"/>
+                  <a:tcPr marL="48413" marR="48413" marT="0" marB="0"/>
+                </a:tc>
+                <a:extLst>
+                  <a:ext uri="{0D108BD9-81ED-4DB2-BD59-A6C34878D82A}">
+                    <a16:rowId xmlns:a16="http://schemas.microsoft.com/office/drawing/2014/main" val="3057034616"/>
+                  </a:ext>
+                </a:extLst>
+              </a:tr>
+              <a:tr h="387300">
+                <a:tc>
+                  <a:txBody>
+                    <a:bodyPr/>
+                    <a:lstStyle/>
+                    <a:p>
+                      <a:pPr marL="0" marR="0">
+                        <a:spcAft>
+                          <a:spcPts val="600"/>
+                        </a:spcAft>
+                      </a:pPr>
+                      <a:r>
+                        <a:rPr lang="en-US" sz="800">
+                          <a:effectLst/>
+                        </a:rPr>
+                        <a:t>Task 4. Integration of CSM with Vadose zone module</a:t>
+                      </a:r>
+                      <a:endParaRPr lang="en-US" sz="700">
+                        <a:effectLst/>
+                        <a:latin typeface="Calibri" panose="020F0502020204030204" pitchFamily="34" charset="0"/>
+                        <a:ea typeface="MS Mincho" panose="02020609040205080304" pitchFamily="49" charset="-128"/>
+                        <a:cs typeface="Times New Roman" panose="02020603050405020304" pitchFamily="18" charset="0"/>
+                      </a:endParaRPr>
+                    </a:p>
+                  </a:txBody>
+                  <a:tcPr marL="48413" marR="48413" marT="0" marB="0"/>
                 </a:tc>
                 <a:tc>
                   <a:txBody>
@@ -13850,34 +14080,25 @@
                     <a:lstStyle/>
                     <a:p>
                       <a:pPr marL="0" marR="0">
-                        <a:spcBef>
-                          <a:spcPts val="0"/>
-                        </a:spcBef>
                         <a:spcAft>
                           <a:spcPts val="600"/>
                         </a:spcAft>
                       </a:pPr>
                       <a:r>
-                        <a:rPr lang="en-US" sz="1200">
-                          <a:solidFill>
-                            <a:srgbClr val="000000"/>
-                          </a:solidFill>
+                        <a:rPr lang="en-US" sz="800">
                           <a:effectLst/>
-                          <a:latin typeface="+mn-lt"/>
-                          <a:ea typeface="MS Mincho" panose="02020609040205080304" pitchFamily="49" charset="-128"/>
-                          <a:cs typeface="Calibri" panose="020F0502020204030204" pitchFamily="34" charset="0"/>
-                        </a:rPr>
-                        <a:t>Lauth</a:t>
-                      </a:r>
-                      <a:endParaRPr lang="en-US" sz="1200">
+                        </a:rPr>
+                        <a:t>Updated GSSHA model</a:t>
+                      </a:r>
+                      <a:endParaRPr lang="en-US" sz="700">
                         <a:effectLst/>
-                        <a:latin typeface="+mn-lt"/>
+                        <a:latin typeface="Calibri" panose="020F0502020204030204" pitchFamily="34" charset="0"/>
                         <a:ea typeface="MS Mincho" panose="02020609040205080304" pitchFamily="49" charset="-128"/>
-                        <a:cs typeface="Calibri" panose="020F0502020204030204" pitchFamily="34" charset="0"/>
+                        <a:cs typeface="Times New Roman" panose="02020603050405020304" pitchFamily="18" charset="0"/>
                       </a:endParaRPr>
                     </a:p>
                   </a:txBody>
-                  <a:tcPr marL="24384" marR="24384" marT="24384" marB="24384"/>
+                  <a:tcPr marL="48413" marR="48413" marT="0" marB="0"/>
                 </a:tc>
                 <a:tc>
                   <a:txBody>
@@ -13885,34 +14106,25 @@
                     <a:lstStyle/>
                     <a:p>
                       <a:pPr marL="0" marR="0">
-                        <a:spcBef>
-                          <a:spcPts val="0"/>
-                        </a:spcBef>
                         <a:spcAft>
                           <a:spcPts val="600"/>
                         </a:spcAft>
                       </a:pPr>
                       <a:r>
-                        <a:rPr lang="en-US" sz="1200" dirty="0">
-                          <a:solidFill>
-                            <a:srgbClr val="000000"/>
-                          </a:solidFill>
+                        <a:rPr lang="en-US" sz="800">
                           <a:effectLst/>
-                          <a:latin typeface="+mn-lt"/>
-                          <a:ea typeface="MS Mincho" panose="02020609040205080304" pitchFamily="49" charset="-128"/>
-                          <a:cs typeface="Calibri" panose="020F0502020204030204" pitchFamily="34" charset="0"/>
-                        </a:rPr>
-                        <a:t>07/2024</a:t>
-                      </a:r>
-                      <a:endParaRPr lang="en-US" sz="1200" dirty="0">
+                        </a:rPr>
+                        <a:t>ERDC GitHub Site, Coastal and Hydraulics Laboratory Web Site</a:t>
+                      </a:r>
+                      <a:endParaRPr lang="en-US" sz="700">
                         <a:effectLst/>
-                        <a:latin typeface="+mn-lt"/>
+                        <a:latin typeface="Calibri" panose="020F0502020204030204" pitchFamily="34" charset="0"/>
                         <a:ea typeface="MS Mincho" panose="02020609040205080304" pitchFamily="49" charset="-128"/>
-                        <a:cs typeface="Calibri" panose="020F0502020204030204" pitchFamily="34" charset="0"/>
+                        <a:cs typeface="Times New Roman" panose="02020603050405020304" pitchFamily="18" charset="0"/>
                       </a:endParaRPr>
                     </a:p>
                   </a:txBody>
-                  <a:tcPr marL="24384" marR="24384" marT="24384" marB="24384"/>
+                  <a:tcPr marL="48413" marR="48413" marT="0" marB="0"/>
                 </a:tc>
                 <a:tc>
                   <a:txBody>
@@ -13920,22 +14132,25 @@
                     <a:lstStyle/>
                     <a:p>
                       <a:pPr marL="0" marR="0">
-                        <a:spcBef>
-                          <a:spcPts val="0"/>
-                        </a:spcBef>
                         <a:spcAft>
                           <a:spcPts val="600"/>
                         </a:spcAft>
                       </a:pPr>
-                      <a:endParaRPr lang="en-US" sz="1200" dirty="0">
+                      <a:r>
+                        <a:rPr lang="en-US" sz="800">
+                          <a:effectLst/>
+                        </a:rPr>
+                        <a:t>Chuck Downer</a:t>
+                      </a:r>
+                      <a:endParaRPr lang="en-US" sz="700">
                         <a:effectLst/>
-                        <a:latin typeface="+mn-lt"/>
+                        <a:latin typeface="Calibri" panose="020F0502020204030204" pitchFamily="34" charset="0"/>
                         <a:ea typeface="MS Mincho" panose="02020609040205080304" pitchFamily="49" charset="-128"/>
-                        <a:cs typeface="Calibri" panose="020F0502020204030204" pitchFamily="34" charset="0"/>
+                        <a:cs typeface="Times New Roman" panose="02020603050405020304" pitchFamily="18" charset="0"/>
                       </a:endParaRPr>
                     </a:p>
                   </a:txBody>
-                  <a:tcPr marL="24384" marR="24384" marT="24384" marB="24384"/>
+                  <a:tcPr marL="48413" marR="48413" marT="0" marB="0"/>
                 </a:tc>
                 <a:tc>
                   <a:txBody>
@@ -13943,34 +14158,37 @@
                     <a:lstStyle/>
                     <a:p>
                       <a:pPr marL="0" marR="0">
-                        <a:spcBef>
-                          <a:spcPts val="0"/>
-                        </a:spcBef>
                         <a:spcAft>
                           <a:spcPts val="600"/>
                         </a:spcAft>
                       </a:pPr>
                       <a:r>
-                        <a:rPr lang="en-US" sz="1200" dirty="0">
-                          <a:solidFill>
-                            <a:srgbClr val="000000"/>
-                          </a:solidFill>
+                        <a:rPr lang="en-US" sz="800">
                           <a:effectLst/>
-                          <a:latin typeface="+mn-lt"/>
-                          <a:ea typeface="MS Mincho" panose="02020609040205080304" pitchFamily="49" charset="-128"/>
-                          <a:cs typeface="Calibri" panose="020F0502020204030204" pitchFamily="34" charset="0"/>
-                        </a:rPr>
-                        <a:t>08/2024</a:t>
-                      </a:r>
-                      <a:endParaRPr lang="en-US" sz="1200" dirty="0">
+                        </a:rPr>
+                        <a:t>2</a:t>
+                      </a:r>
+                      <a:r>
+                        <a:rPr lang="en-US" sz="800" baseline="30000">
+                          <a:effectLst/>
+                        </a:rPr>
+                        <a:t>nd</a:t>
+                      </a:r>
+                      <a:r>
+                        <a:rPr lang="en-US" sz="800">
+                          <a:effectLst/>
+                        </a:rPr>
+                        <a:t>/FY24</a:t>
+                      </a:r>
+                      <a:endParaRPr lang="en-US" sz="700">
                         <a:effectLst/>
-                        <a:latin typeface="+mn-lt"/>
+                        <a:latin typeface="Calibri" panose="020F0502020204030204" pitchFamily="34" charset="0"/>
                         <a:ea typeface="MS Mincho" panose="02020609040205080304" pitchFamily="49" charset="-128"/>
-                        <a:cs typeface="Calibri" panose="020F0502020204030204" pitchFamily="34" charset="0"/>
+                        <a:cs typeface="Times New Roman" panose="02020603050405020304" pitchFamily="18" charset="0"/>
                       </a:endParaRPr>
                     </a:p>
                   </a:txBody>
-                  <a:tcPr marL="24384" marR="24384" marT="24384" marB="24384"/>
+                  <a:tcPr marL="48413" marR="48413" marT="0" marB="0"/>
                 </a:tc>
                 <a:tc>
                   <a:txBody>
@@ -13978,22 +14196,70 @@
                     <a:lstStyle/>
                     <a:p>
                       <a:pPr marL="0" marR="0">
-                        <a:spcBef>
-                          <a:spcPts val="0"/>
-                        </a:spcBef>
                         <a:spcAft>
                           <a:spcPts val="600"/>
                         </a:spcAft>
                       </a:pPr>
-                      <a:endParaRPr lang="en-US" sz="1200" dirty="0">
+                      <a:r>
+                        <a:rPr lang="en-US" sz="800">
+                          <a:effectLst/>
+                        </a:rPr>
+                        <a:t>1</a:t>
+                      </a:r>
+                      <a:r>
+                        <a:rPr lang="en-US" sz="800" baseline="30000">
+                          <a:effectLst/>
+                        </a:rPr>
+                        <a:t>st</a:t>
+                      </a:r>
+                      <a:r>
+                        <a:rPr lang="en-US" sz="800">
+                          <a:effectLst/>
+                        </a:rPr>
+                        <a:t>/FY25</a:t>
+                      </a:r>
+                      <a:endParaRPr lang="en-US" sz="700">
                         <a:effectLst/>
-                        <a:latin typeface="+mn-lt"/>
+                        <a:latin typeface="Calibri" panose="020F0502020204030204" pitchFamily="34" charset="0"/>
                         <a:ea typeface="MS Mincho" panose="02020609040205080304" pitchFamily="49" charset="-128"/>
-                        <a:cs typeface="Calibri" panose="020F0502020204030204" pitchFamily="34" charset="0"/>
+                        <a:cs typeface="Times New Roman" panose="02020603050405020304" pitchFamily="18" charset="0"/>
                       </a:endParaRPr>
                     </a:p>
                   </a:txBody>
-                  <a:tcPr marL="24384" marR="24384" marT="24384" marB="24384"/>
+                  <a:tcPr marL="48413" marR="48413" marT="0" marB="0"/>
+                </a:tc>
+                <a:extLst>
+                  <a:ext uri="{0D108BD9-81ED-4DB2-BD59-A6C34878D82A}">
+                    <a16:rowId xmlns:a16="http://schemas.microsoft.com/office/drawing/2014/main" val="633830555"/>
+                  </a:ext>
+                </a:extLst>
+              </a:tr>
+              <a:tr h="387300">
+                <a:tc>
+                  <a:txBody>
+                    <a:bodyPr/>
+                    <a:lstStyle/>
+                    <a:p>
+                      <a:pPr marL="0" marR="0">
+                        <a:spcAft>
+                          <a:spcPts val="600"/>
+                        </a:spcAft>
+                      </a:pPr>
+                      <a:r>
+                        <a:rPr lang="en-US" sz="800">
+                          <a:effectLst/>
+                        </a:rPr>
+                        <a:t>Task 5. Integration of NSM with Super Link</a:t>
+                      </a:r>
+                      <a:endParaRPr lang="en-US" sz="700">
+                        <a:effectLst/>
+                        <a:latin typeface="Calibri" panose="020F0502020204030204" pitchFamily="34" charset="0"/>
+                        <a:ea typeface="MS Mincho" panose="02020609040205080304" pitchFamily="49" charset="-128"/>
+                        <a:cs typeface="Times New Roman" panose="02020603050405020304" pitchFamily="18" charset="0"/>
+                      </a:endParaRPr>
+                    </a:p>
+                  </a:txBody>
+                  <a:tcPr marL="48413" marR="48413" marT="0" marB="0"/>
                 </a:tc>
                 <a:tc>
                   <a:txBody>
@@ -14001,34 +14267,25 @@
                     <a:lstStyle/>
                     <a:p>
                       <a:pPr marL="0" marR="0">
-                        <a:spcBef>
-                          <a:spcPts val="0"/>
-                        </a:spcBef>
                         <a:spcAft>
                           <a:spcPts val="600"/>
                         </a:spcAft>
                       </a:pPr>
                       <a:r>
-                        <a:rPr lang="en-US" sz="1200" dirty="0">
-                          <a:solidFill>
-                            <a:srgbClr val="000000"/>
-                          </a:solidFill>
+                        <a:rPr lang="en-US" sz="800">
                           <a:effectLst/>
-                          <a:latin typeface="+mn-lt"/>
-                          <a:ea typeface="MS Mincho" panose="02020609040205080304" pitchFamily="49" charset="-128"/>
-                          <a:cs typeface="Calibri" panose="020F0502020204030204" pitchFamily="34" charset="0"/>
-                        </a:rPr>
-                        <a:t>$00K</a:t>
-                      </a:r>
-                      <a:endParaRPr lang="en-US" sz="1200" dirty="0">
+                        </a:rPr>
+                        <a:t>Updated GSSHA model</a:t>
+                      </a:r>
+                      <a:endParaRPr lang="en-US" sz="700">
                         <a:effectLst/>
-                        <a:latin typeface="+mn-lt"/>
+                        <a:latin typeface="Calibri" panose="020F0502020204030204" pitchFamily="34" charset="0"/>
                         <a:ea typeface="MS Mincho" panose="02020609040205080304" pitchFamily="49" charset="-128"/>
-                        <a:cs typeface="Calibri" panose="020F0502020204030204" pitchFamily="34" charset="0"/>
+                        <a:cs typeface="Times New Roman" panose="02020603050405020304" pitchFamily="18" charset="0"/>
                       </a:endParaRPr>
                     </a:p>
                   </a:txBody>
-                  <a:tcPr marL="24384" marR="24384" marT="24384" marB="24384"/>
+                  <a:tcPr marL="48413" marR="48413" marT="0" marB="0"/>
                 </a:tc>
                 <a:tc>
                   <a:txBody>
@@ -14036,79 +14293,25 @@
                     <a:lstStyle/>
                     <a:p>
                       <a:pPr marL="0" marR="0">
-                        <a:spcBef>
-                          <a:spcPts val="0"/>
-                        </a:spcBef>
                         <a:spcAft>
                           <a:spcPts val="600"/>
                         </a:spcAft>
                       </a:pPr>
                       <a:r>
-                        <a:rPr lang="en-US" sz="1200" dirty="0">
-                          <a:solidFill>
-                            <a:srgbClr val="000000"/>
-                          </a:solidFill>
+                        <a:rPr lang="en-US" sz="800">
                           <a:effectLst/>
-                          <a:latin typeface="+mn-lt"/>
-                          <a:ea typeface="MS Mincho" panose="02020609040205080304" pitchFamily="49" charset="-128"/>
-                          <a:cs typeface="Calibri" panose="020F0502020204030204" pitchFamily="34" charset="0"/>
-                        </a:rPr>
-                        <a:t>0%</a:t>
-                      </a:r>
-                      <a:endParaRPr lang="en-US" sz="1200" dirty="0">
+                        </a:rPr>
+                        <a:t>ERDC GitHub Site, Coastal and Hydraulics Laboratory Web Site</a:t>
+                      </a:r>
+                      <a:endParaRPr lang="en-US" sz="700">
                         <a:effectLst/>
-                        <a:latin typeface="+mn-lt"/>
+                        <a:latin typeface="Calibri" panose="020F0502020204030204" pitchFamily="34" charset="0"/>
                         <a:ea typeface="MS Mincho" panose="02020609040205080304" pitchFamily="49" charset="-128"/>
-                        <a:cs typeface="Calibri" panose="020F0502020204030204" pitchFamily="34" charset="0"/>
+                        <a:cs typeface="Times New Roman" panose="02020603050405020304" pitchFamily="18" charset="0"/>
                       </a:endParaRPr>
                     </a:p>
                   </a:txBody>
-                  <a:tcPr marL="24384" marR="24384" marT="24384" marB="24384"/>
-                </a:tc>
-                <a:tc>
-                  <a:txBody>
-                    <a:bodyPr/>
-                    <a:lstStyle/>
-                    <a:p>
-                      <a:endParaRPr lang="en-US" sz="1200" dirty="0">
-                        <a:latin typeface="+mn-lt"/>
-                      </a:endParaRPr>
-                    </a:p>
-                  </a:txBody>
-                  <a:tcPr marL="24384" marR="24384" marT="24384" marB="24384"/>
-                </a:tc>
-                <a:extLst>
-                  <a:ext uri="{0D108BD9-81ED-4DB2-BD59-A6C34878D82A}">
-                    <a16:rowId xmlns:a16="http://schemas.microsoft.com/office/drawing/2014/main" val="3695423954"/>
-                  </a:ext>
-                </a:extLst>
-              </a:tr>
-              <a:tr h="882854">
-                <a:tc>
-                  <a:txBody>
-                    <a:bodyPr/>
-                    <a:lstStyle/>
-                    <a:p>
-                      <a:pPr marL="0" marR="0">
-                        <a:spcBef>
-                          <a:spcPts val="0"/>
-                        </a:spcBef>
-                        <a:spcAft>
-                          <a:spcPts val="600"/>
-                        </a:spcAft>
-                      </a:pPr>
-                      <a:r>
-                        <a:rPr lang="en-US" sz="1200" dirty="0">
-                          <a:effectLst/>
-                          <a:latin typeface="+mn-lt"/>
-                          <a:ea typeface="MS Mincho" panose="02020609040205080304" pitchFamily="49" charset="-128"/>
-                          <a:cs typeface="Calibri" panose="020F0502020204030204" pitchFamily="34" charset="0"/>
-                        </a:rPr>
-                        <a:t>Publicize that content</a:t>
-                      </a:r>
-                    </a:p>
-                  </a:txBody>
-                  <a:tcPr marL="24384" marR="24384" marT="24384" marB="24384"/>
+                  <a:tcPr marL="48413" marR="48413" marT="0" marB="0"/>
                 </a:tc>
                 <a:tc>
                   <a:txBody>
@@ -14116,25 +14319,25 @@
                     <a:lstStyle/>
                     <a:p>
                       <a:pPr marL="0" marR="0">
-                        <a:spcBef>
-                          <a:spcPts val="0"/>
-                        </a:spcBef>
                         <a:spcAft>
                           <a:spcPts val="600"/>
                         </a:spcAft>
                       </a:pPr>
                       <a:r>
-                        <a:rPr lang="en-US" sz="1200">
+                        <a:rPr lang="en-US" sz="800">
                           <a:effectLst/>
-                          <a:latin typeface="+mn-lt"/>
-                          <a:ea typeface="MS Mincho" panose="02020609040205080304" pitchFamily="49" charset="-128"/>
-                          <a:cs typeface="Calibri" panose="020F0502020204030204" pitchFamily="34" charset="0"/>
-                        </a:rPr>
-                        <a:t>Emails / recorded webinars</a:t>
-                      </a:r>
+                        </a:rPr>
+                        <a:t>Chuck Downer</a:t>
+                      </a:r>
+                      <a:endParaRPr lang="en-US" sz="700">
+                        <a:effectLst/>
+                        <a:latin typeface="Calibri" panose="020F0502020204030204" pitchFamily="34" charset="0"/>
+                        <a:ea typeface="MS Mincho" panose="02020609040205080304" pitchFamily="49" charset="-128"/>
+                        <a:cs typeface="Times New Roman" panose="02020603050405020304" pitchFamily="18" charset="0"/>
+                      </a:endParaRPr>
                     </a:p>
                   </a:txBody>
-                  <a:tcPr marL="24384" marR="24384" marT="24384" marB="24384"/>
+                  <a:tcPr marL="48413" marR="48413" marT="0" marB="0"/>
                 </a:tc>
                 <a:tc>
                   <a:txBody>
@@ -14142,25 +14345,37 @@
                     <a:lstStyle/>
                     <a:p>
                       <a:pPr marL="0" marR="0">
-                        <a:spcBef>
-                          <a:spcPts val="0"/>
-                        </a:spcBef>
                         <a:spcAft>
                           <a:spcPts val="600"/>
                         </a:spcAft>
                       </a:pPr>
                       <a:r>
-                        <a:rPr lang="en-US" sz="1200">
+                        <a:rPr lang="en-US" sz="800">
                           <a:effectLst/>
-                          <a:latin typeface="+mn-lt"/>
-                          <a:ea typeface="MS Mincho" panose="02020609040205080304" pitchFamily="49" charset="-128"/>
-                          <a:cs typeface="Calibri" panose="020F0502020204030204" pitchFamily="34" charset="0"/>
-                        </a:rPr>
-                        <a:t>Emails / webinars / in-person discussion</a:t>
-                      </a:r>
+                        </a:rPr>
+                        <a:t>3</a:t>
+                      </a:r>
+                      <a:r>
+                        <a:rPr lang="en-US" sz="800" baseline="30000">
+                          <a:effectLst/>
+                        </a:rPr>
+                        <a:t>rd</a:t>
+                      </a:r>
+                      <a:r>
+                        <a:rPr lang="en-US" sz="800">
+                          <a:effectLst/>
+                        </a:rPr>
+                        <a:t>/FY24</a:t>
+                      </a:r>
+                      <a:endParaRPr lang="en-US" sz="700">
+                        <a:effectLst/>
+                        <a:latin typeface="Calibri" panose="020F0502020204030204" pitchFamily="34" charset="0"/>
+                        <a:ea typeface="MS Mincho" panose="02020609040205080304" pitchFamily="49" charset="-128"/>
+                        <a:cs typeface="Times New Roman" panose="02020603050405020304" pitchFamily="18" charset="0"/>
+                      </a:endParaRPr>
                     </a:p>
                   </a:txBody>
-                  <a:tcPr marL="24384" marR="24384" marT="24384" marB="24384"/>
+                  <a:tcPr marL="48413" marR="48413" marT="0" marB="0"/>
                 </a:tc>
                 <a:tc>
                   <a:txBody>
@@ -14168,25 +14383,70 @@
                     <a:lstStyle/>
                     <a:p>
                       <a:pPr marL="0" marR="0">
-                        <a:spcBef>
-                          <a:spcPts val="0"/>
-                        </a:spcBef>
                         <a:spcAft>
                           <a:spcPts val="600"/>
                         </a:spcAft>
                       </a:pPr>
                       <a:r>
-                        <a:rPr lang="en-US" sz="1200" dirty="0">
+                        <a:rPr lang="en-US" sz="800">
                           <a:effectLst/>
-                          <a:latin typeface="+mn-lt"/>
-                          <a:ea typeface="MS Mincho" panose="02020609040205080304" pitchFamily="49" charset="-128"/>
-                          <a:cs typeface="Calibri" panose="020F0502020204030204" pitchFamily="34" charset="0"/>
-                        </a:rPr>
-                        <a:t>Brauer / Lauth</a:t>
-                      </a:r>
+                        </a:rPr>
+                        <a:t>2</a:t>
+                      </a:r>
+                      <a:r>
+                        <a:rPr lang="en-US" sz="800" baseline="30000">
+                          <a:effectLst/>
+                        </a:rPr>
+                        <a:t>nd</a:t>
+                      </a:r>
+                      <a:r>
+                        <a:rPr lang="en-US" sz="800">
+                          <a:effectLst/>
+                        </a:rPr>
+                        <a:t>/FY25</a:t>
+                      </a:r>
+                      <a:endParaRPr lang="en-US" sz="700">
+                        <a:effectLst/>
+                        <a:latin typeface="Calibri" panose="020F0502020204030204" pitchFamily="34" charset="0"/>
+                        <a:ea typeface="MS Mincho" panose="02020609040205080304" pitchFamily="49" charset="-128"/>
+                        <a:cs typeface="Times New Roman" panose="02020603050405020304" pitchFamily="18" charset="0"/>
+                      </a:endParaRPr>
                     </a:p>
                   </a:txBody>
-                  <a:tcPr marL="24384" marR="24384" marT="24384" marB="24384"/>
+                  <a:tcPr marL="48413" marR="48413" marT="0" marB="0"/>
+                </a:tc>
+                <a:extLst>
+                  <a:ext uri="{0D108BD9-81ED-4DB2-BD59-A6C34878D82A}">
+                    <a16:rowId xmlns:a16="http://schemas.microsoft.com/office/drawing/2014/main" val="4186797825"/>
+                  </a:ext>
+                </a:extLst>
+              </a:tr>
+              <a:tr h="387300">
+                <a:tc>
+                  <a:txBody>
+                    <a:bodyPr/>
+                    <a:lstStyle/>
+                    <a:p>
+                      <a:pPr marL="0" marR="0">
+                        <a:spcAft>
+                          <a:spcPts val="600"/>
+                        </a:spcAft>
+                      </a:pPr>
+                      <a:r>
+                        <a:rPr lang="en-US" sz="800">
+                          <a:effectLst/>
+                        </a:rPr>
+                        <a:t>Task 6. Integration of CSM with Super Link</a:t>
+                      </a:r>
+                      <a:endParaRPr lang="en-US" sz="700">
+                        <a:effectLst/>
+                        <a:latin typeface="Calibri" panose="020F0502020204030204" pitchFamily="34" charset="0"/>
+                        <a:ea typeface="MS Mincho" panose="02020609040205080304" pitchFamily="49" charset="-128"/>
+                        <a:cs typeface="Times New Roman" panose="02020603050405020304" pitchFamily="18" charset="0"/>
+                      </a:endParaRPr>
+                    </a:p>
+                  </a:txBody>
+                  <a:tcPr marL="48413" marR="48413" marT="0" marB="0"/>
                 </a:tc>
                 <a:tc>
                   <a:txBody>
@@ -14194,25 +14454,25 @@
                     <a:lstStyle/>
                     <a:p>
                       <a:pPr marL="0" marR="0">
-                        <a:spcBef>
-                          <a:spcPts val="0"/>
-                        </a:spcBef>
                         <a:spcAft>
                           <a:spcPts val="600"/>
                         </a:spcAft>
                       </a:pPr>
                       <a:r>
-                        <a:rPr lang="en-US" sz="1200" dirty="0">
+                        <a:rPr lang="en-US" sz="800">
                           <a:effectLst/>
-                          <a:latin typeface="+mn-lt"/>
-                          <a:ea typeface="MS Mincho" panose="02020609040205080304" pitchFamily="49" charset="-128"/>
-                          <a:cs typeface="Calibri" panose="020F0502020204030204" pitchFamily="34" charset="0"/>
-                        </a:rPr>
-                        <a:t>08/2024</a:t>
-                      </a:r>
+                        </a:rPr>
+                        <a:t>Updated GSSHA model</a:t>
+                      </a:r>
+                      <a:endParaRPr lang="en-US" sz="700">
+                        <a:effectLst/>
+                        <a:latin typeface="Calibri" panose="020F0502020204030204" pitchFamily="34" charset="0"/>
+                        <a:ea typeface="MS Mincho" panose="02020609040205080304" pitchFamily="49" charset="-128"/>
+                        <a:cs typeface="Times New Roman" panose="02020603050405020304" pitchFamily="18" charset="0"/>
+                      </a:endParaRPr>
                     </a:p>
                   </a:txBody>
-                  <a:tcPr marL="24384" marR="24384" marT="24384" marB="24384"/>
+                  <a:tcPr marL="48413" marR="48413" marT="0" marB="0"/>
                 </a:tc>
                 <a:tc>
                   <a:txBody>
@@ -14220,22 +14480,25 @@
                     <a:lstStyle/>
                     <a:p>
                       <a:pPr marL="0" marR="0">
-                        <a:spcBef>
-                          <a:spcPts val="0"/>
-                        </a:spcBef>
                         <a:spcAft>
                           <a:spcPts val="600"/>
                         </a:spcAft>
                       </a:pPr>
-                      <a:endParaRPr lang="en-US" sz="1200">
+                      <a:r>
+                        <a:rPr lang="en-US" sz="800">
+                          <a:effectLst/>
+                        </a:rPr>
+                        <a:t>ERDC GitHub Site, Coastal and Hydraulics Laboratory Web Site</a:t>
+                      </a:r>
+                      <a:endParaRPr lang="en-US" sz="700">
                         <a:effectLst/>
-                        <a:latin typeface="+mn-lt"/>
+                        <a:latin typeface="Calibri" panose="020F0502020204030204" pitchFamily="34" charset="0"/>
                         <a:ea typeface="MS Mincho" panose="02020609040205080304" pitchFamily="49" charset="-128"/>
-                        <a:cs typeface="Calibri" panose="020F0502020204030204" pitchFamily="34" charset="0"/>
+                        <a:cs typeface="Times New Roman" panose="02020603050405020304" pitchFamily="18" charset="0"/>
                       </a:endParaRPr>
                     </a:p>
                   </a:txBody>
-                  <a:tcPr marL="24384" marR="24384" marT="24384" marB="24384"/>
+                  <a:tcPr marL="48413" marR="48413" marT="0" marB="0"/>
                 </a:tc>
                 <a:tc>
                   <a:txBody>
@@ -14243,25 +14506,25 @@
                     <a:lstStyle/>
                     <a:p>
                       <a:pPr marL="0" marR="0">
-                        <a:spcBef>
-                          <a:spcPts val="0"/>
-                        </a:spcBef>
                         <a:spcAft>
                           <a:spcPts val="600"/>
                         </a:spcAft>
                       </a:pPr>
                       <a:r>
-                        <a:rPr lang="en-US" sz="1200" dirty="0">
+                        <a:rPr lang="en-US" sz="800">
                           <a:effectLst/>
-                          <a:latin typeface="+mn-lt"/>
-                          <a:ea typeface="MS Mincho" panose="02020609040205080304" pitchFamily="49" charset="-128"/>
-                          <a:cs typeface="Calibri" panose="020F0502020204030204" pitchFamily="34" charset="0"/>
-                        </a:rPr>
-                        <a:t>09/2024</a:t>
-                      </a:r>
+                        </a:rPr>
+                        <a:t>Chuck Downer</a:t>
+                      </a:r>
+                      <a:endParaRPr lang="en-US" sz="700">
+                        <a:effectLst/>
+                        <a:latin typeface="Calibri" panose="020F0502020204030204" pitchFamily="34" charset="0"/>
+                        <a:ea typeface="MS Mincho" panose="02020609040205080304" pitchFamily="49" charset="-128"/>
+                        <a:cs typeface="Times New Roman" panose="02020603050405020304" pitchFamily="18" charset="0"/>
+                      </a:endParaRPr>
                     </a:p>
                   </a:txBody>
-                  <a:tcPr marL="24384" marR="24384" marT="24384" marB="24384"/>
+                  <a:tcPr marL="48413" marR="48413" marT="0" marB="0"/>
                 </a:tc>
                 <a:tc>
                   <a:txBody>
@@ -14269,22 +14532,37 @@
                     <a:lstStyle/>
                     <a:p>
                       <a:pPr marL="0" marR="0">
-                        <a:spcBef>
-                          <a:spcPts val="0"/>
-                        </a:spcBef>
                         <a:spcAft>
                           <a:spcPts val="600"/>
                         </a:spcAft>
                       </a:pPr>
-                      <a:endParaRPr lang="en-US" sz="1200" dirty="0">
+                      <a:r>
+                        <a:rPr lang="en-US" sz="800">
+                          <a:effectLst/>
+                        </a:rPr>
+                        <a:t>1</a:t>
+                      </a:r>
+                      <a:r>
+                        <a:rPr lang="en-US" sz="800" baseline="30000">
+                          <a:effectLst/>
+                        </a:rPr>
+                        <a:t>st</a:t>
+                      </a:r>
+                      <a:r>
+                        <a:rPr lang="en-US" sz="800">
+                          <a:effectLst/>
+                        </a:rPr>
+                        <a:t>/FY25</a:t>
+                      </a:r>
+                      <a:endParaRPr lang="en-US" sz="700">
                         <a:effectLst/>
-                        <a:latin typeface="+mn-lt"/>
+                        <a:latin typeface="Calibri" panose="020F0502020204030204" pitchFamily="34" charset="0"/>
                         <a:ea typeface="MS Mincho" panose="02020609040205080304" pitchFamily="49" charset="-128"/>
-                        <a:cs typeface="Calibri" panose="020F0502020204030204" pitchFamily="34" charset="0"/>
+                        <a:cs typeface="Times New Roman" panose="02020603050405020304" pitchFamily="18" charset="0"/>
                       </a:endParaRPr>
                     </a:p>
                   </a:txBody>
-                  <a:tcPr marL="24384" marR="24384" marT="24384" marB="24384"/>
+                  <a:tcPr marL="48413" marR="48413" marT="0" marB="0"/>
                 </a:tc>
                 <a:tc>
                   <a:txBody>
@@ -14292,25 +14570,70 @@
                     <a:lstStyle/>
                     <a:p>
                       <a:pPr marL="0" marR="0">
-                        <a:spcBef>
-                          <a:spcPts val="0"/>
-                        </a:spcBef>
                         <a:spcAft>
                           <a:spcPts val="600"/>
                         </a:spcAft>
                       </a:pPr>
                       <a:r>
-                        <a:rPr lang="en-US" sz="1200" dirty="0">
+                        <a:rPr lang="en-US" sz="800">
                           <a:effectLst/>
-                          <a:latin typeface="+mn-lt"/>
-                          <a:ea typeface="MS Mincho" panose="02020609040205080304" pitchFamily="49" charset="-128"/>
-                          <a:cs typeface="Calibri" panose="020F0502020204030204" pitchFamily="34" charset="0"/>
-                        </a:rPr>
-                        <a:t>$00K</a:t>
-                      </a:r>
+                        </a:rPr>
+                        <a:t>4</a:t>
+                      </a:r>
+                      <a:r>
+                        <a:rPr lang="en-US" sz="800" baseline="30000">
+                          <a:effectLst/>
+                        </a:rPr>
+                        <a:t>th</a:t>
+                      </a:r>
+                      <a:r>
+                        <a:rPr lang="en-US" sz="800">
+                          <a:effectLst/>
+                        </a:rPr>
+                        <a:t>/FY25</a:t>
+                      </a:r>
+                      <a:endParaRPr lang="en-US" sz="700">
+                        <a:effectLst/>
+                        <a:latin typeface="Calibri" panose="020F0502020204030204" pitchFamily="34" charset="0"/>
+                        <a:ea typeface="MS Mincho" panose="02020609040205080304" pitchFamily="49" charset="-128"/>
+                        <a:cs typeface="Times New Roman" panose="02020603050405020304" pitchFamily="18" charset="0"/>
+                      </a:endParaRPr>
                     </a:p>
                   </a:txBody>
-                  <a:tcPr marL="24384" marR="24384" marT="24384" marB="24384"/>
+                  <a:tcPr marL="48413" marR="48413" marT="0" marB="0"/>
+                </a:tc>
+                <a:extLst>
+                  <a:ext uri="{0D108BD9-81ED-4DB2-BD59-A6C34878D82A}">
+                    <a16:rowId xmlns:a16="http://schemas.microsoft.com/office/drawing/2014/main" val="3290782255"/>
+                  </a:ext>
+                </a:extLst>
+              </a:tr>
+              <a:tr h="387300">
+                <a:tc>
+                  <a:txBody>
+                    <a:bodyPr/>
+                    <a:lstStyle/>
+                    <a:p>
+                      <a:pPr marL="0" marR="0">
+                        <a:spcAft>
+                          <a:spcPts val="600"/>
+                        </a:spcAft>
+                      </a:pPr>
+                      <a:r>
+                        <a:rPr lang="en-US" sz="800">
+                          <a:effectLst/>
+                        </a:rPr>
+                        <a:t>Task 7. Development of time varying Ground Concentrations</a:t>
+                      </a:r>
+                      <a:endParaRPr lang="en-US" sz="700">
+                        <a:effectLst/>
+                        <a:latin typeface="Calibri" panose="020F0502020204030204" pitchFamily="34" charset="0"/>
+                        <a:ea typeface="MS Mincho" panose="02020609040205080304" pitchFamily="49" charset="-128"/>
+                        <a:cs typeface="Times New Roman" panose="02020603050405020304" pitchFamily="18" charset="0"/>
+                      </a:endParaRPr>
+                    </a:p>
+                  </a:txBody>
+                  <a:tcPr marL="48413" marR="48413" marT="0" marB="0"/>
                 </a:tc>
                 <a:tc>
                   <a:txBody>
@@ -14318,888 +14641,1068 @@
                     <a:lstStyle/>
                     <a:p>
                       <a:pPr marL="0" marR="0">
-                        <a:spcBef>
-                          <a:spcPts val="0"/>
-                        </a:spcBef>
                         <a:spcAft>
                           <a:spcPts val="600"/>
                         </a:spcAft>
                       </a:pPr>
                       <a:r>
-                        <a:rPr lang="en-US" sz="1200" dirty="0">
+                        <a:rPr lang="en-US" sz="800">
                           <a:effectLst/>
-                          <a:latin typeface="+mn-lt"/>
-                          <a:ea typeface="MS Mincho" panose="02020609040205080304" pitchFamily="49" charset="-128"/>
-                          <a:cs typeface="Calibri" panose="020F0502020204030204" pitchFamily="34" charset="0"/>
-                        </a:rPr>
-                        <a:t>0%</a:t>
-                      </a:r>
+                        </a:rPr>
+                        <a:t>Updated GSSHA model</a:t>
+                      </a:r>
+                      <a:endParaRPr lang="en-US" sz="700">
+                        <a:effectLst/>
+                        <a:latin typeface="Calibri" panose="020F0502020204030204" pitchFamily="34" charset="0"/>
+                        <a:ea typeface="MS Mincho" panose="02020609040205080304" pitchFamily="49" charset="-128"/>
+                        <a:cs typeface="Times New Roman" panose="02020603050405020304" pitchFamily="18" charset="0"/>
+                      </a:endParaRPr>
                     </a:p>
                   </a:txBody>
-                  <a:tcPr marL="24384" marR="24384" marT="24384" marB="24384"/>
+                  <a:tcPr marL="48413" marR="48413" marT="0" marB="0"/>
                 </a:tc>
                 <a:tc>
                   <a:txBody>
                     <a:bodyPr/>
                     <a:lstStyle/>
                     <a:p>
-                      <a:endParaRPr lang="en-US" sz="1200" dirty="0">
-                        <a:latin typeface="+mn-lt"/>
+                      <a:pPr marL="0" marR="0">
+                        <a:spcAft>
+                          <a:spcPts val="600"/>
+                        </a:spcAft>
+                      </a:pPr>
+                      <a:r>
+                        <a:rPr lang="en-US" sz="800">
+                          <a:effectLst/>
+                        </a:rPr>
+                        <a:t>ERDC GitHub Site, Coastal and Hydraulics Laboratory Web Site</a:t>
+                      </a:r>
+                      <a:endParaRPr lang="en-US" sz="700">
+                        <a:effectLst/>
+                        <a:latin typeface="Calibri" panose="020F0502020204030204" pitchFamily="34" charset="0"/>
+                        <a:ea typeface="MS Mincho" panose="02020609040205080304" pitchFamily="49" charset="-128"/>
+                        <a:cs typeface="Times New Roman" panose="02020603050405020304" pitchFamily="18" charset="0"/>
                       </a:endParaRPr>
                     </a:p>
                   </a:txBody>
-                  <a:tcPr marL="24384" marR="24384" marT="24384" marB="24384"/>
-                </a:tc>
-                <a:extLst>
-                  <a:ext uri="{0D108BD9-81ED-4DB2-BD59-A6C34878D82A}">
-                    <a16:rowId xmlns:a16="http://schemas.microsoft.com/office/drawing/2014/main" val="1347859302"/>
-                  </a:ext>
-                </a:extLst>
-              </a:tr>
-              <a:tr h="335433">
-                <a:tc>
-                  <a:txBody>
-                    <a:bodyPr/>
-                    <a:lstStyle/>
-                    <a:p>
-                      <a:endParaRPr lang="en-US" sz="1200" dirty="0">
-                        <a:latin typeface="+mn-lt"/>
-                      </a:endParaRPr>
-                    </a:p>
-                  </a:txBody>
-                  <a:tcPr marL="24384" marR="24384" marT="24384" marB="24384"/>
+                  <a:tcPr marL="48413" marR="48413" marT="0" marB="0"/>
                 </a:tc>
                 <a:tc>
                   <a:txBody>
                     <a:bodyPr/>
                     <a:lstStyle/>
                     <a:p>
-                      <a:endParaRPr lang="en-US" sz="1200" dirty="0">
-                        <a:latin typeface="+mn-lt"/>
+                      <a:pPr marL="0" marR="0">
+                        <a:spcAft>
+                          <a:spcPts val="600"/>
+                        </a:spcAft>
+                      </a:pPr>
+                      <a:r>
+                        <a:rPr lang="en-US" sz="800">
+                          <a:effectLst/>
+                        </a:rPr>
+                        <a:t>Chuck Downer</a:t>
+                      </a:r>
+                      <a:endParaRPr lang="en-US" sz="700">
+                        <a:effectLst/>
+                        <a:latin typeface="Calibri" panose="020F0502020204030204" pitchFamily="34" charset="0"/>
+                        <a:ea typeface="MS Mincho" panose="02020609040205080304" pitchFamily="49" charset="-128"/>
+                        <a:cs typeface="Times New Roman" panose="02020603050405020304" pitchFamily="18" charset="0"/>
                       </a:endParaRPr>
                     </a:p>
                   </a:txBody>
-                  <a:tcPr marL="24384" marR="24384" marT="24384" marB="24384"/>
+                  <a:tcPr marL="48413" marR="48413" marT="0" marB="0"/>
                 </a:tc>
                 <a:tc>
                   <a:txBody>
                     <a:bodyPr/>
                     <a:lstStyle/>
                     <a:p>
-                      <a:endParaRPr lang="en-US" sz="1200" dirty="0">
-                        <a:latin typeface="+mn-lt"/>
+                      <a:pPr marL="0" marR="0">
+                        <a:spcAft>
+                          <a:spcPts val="600"/>
+                        </a:spcAft>
+                      </a:pPr>
+                      <a:r>
+                        <a:rPr lang="en-US" sz="800">
+                          <a:effectLst/>
+                        </a:rPr>
+                        <a:t>1st/FY25</a:t>
+                      </a:r>
+                      <a:endParaRPr lang="en-US" sz="700">
+                        <a:effectLst/>
+                        <a:latin typeface="Calibri" panose="020F0502020204030204" pitchFamily="34" charset="0"/>
+                        <a:ea typeface="MS Mincho" panose="02020609040205080304" pitchFamily="49" charset="-128"/>
+                        <a:cs typeface="Times New Roman" panose="02020603050405020304" pitchFamily="18" charset="0"/>
                       </a:endParaRPr>
                     </a:p>
                   </a:txBody>
-                  <a:tcPr marL="24384" marR="24384" marT="24384" marB="24384"/>
+                  <a:tcPr marL="48413" marR="48413" marT="0" marB="0"/>
                 </a:tc>
                 <a:tc>
                   <a:txBody>
                     <a:bodyPr/>
                     <a:lstStyle/>
                     <a:p>
-                      <a:endParaRPr lang="en-US" sz="1200" dirty="0">
-                        <a:latin typeface="+mn-lt"/>
+                      <a:pPr marL="0" marR="0">
+                        <a:spcAft>
+                          <a:spcPts val="600"/>
+                        </a:spcAft>
+                      </a:pPr>
+                      <a:r>
+                        <a:rPr lang="en-US" sz="800">
+                          <a:effectLst/>
+                        </a:rPr>
+                        <a:t>4th/FY25</a:t>
+                      </a:r>
+                      <a:endParaRPr lang="en-US" sz="700">
+                        <a:effectLst/>
+                        <a:latin typeface="Calibri" panose="020F0502020204030204" pitchFamily="34" charset="0"/>
+                        <a:ea typeface="MS Mincho" panose="02020609040205080304" pitchFamily="49" charset="-128"/>
+                        <a:cs typeface="Times New Roman" panose="02020603050405020304" pitchFamily="18" charset="0"/>
                       </a:endParaRPr>
                     </a:p>
                   </a:txBody>
-                  <a:tcPr marL="24384" marR="24384" marT="24384" marB="24384"/>
+                  <a:tcPr marL="48413" marR="48413" marT="0" marB="0"/>
+                </a:tc>
+                <a:extLst>
+                  <a:ext uri="{0D108BD9-81ED-4DB2-BD59-A6C34878D82A}">
+                    <a16:rowId xmlns:a16="http://schemas.microsoft.com/office/drawing/2014/main" val="1425330396"/>
+                  </a:ext>
+                </a:extLst>
+              </a:tr>
+              <a:tr h="387300">
+                <a:tc>
+                  <a:txBody>
+                    <a:bodyPr/>
+                    <a:lstStyle/>
+                    <a:p>
+                      <a:pPr marL="0" marR="0">
+                        <a:spcAft>
+                          <a:spcPts val="600"/>
+                        </a:spcAft>
+                      </a:pPr>
+                      <a:r>
+                        <a:rPr lang="en-US" sz="800">
+                          <a:effectLst/>
+                        </a:rPr>
+                        <a:t>Task 8. Testing and Debugging of NSM integration with GSSHA</a:t>
+                      </a:r>
+                      <a:endParaRPr lang="en-US" sz="700">
+                        <a:effectLst/>
+                        <a:latin typeface="Calibri" panose="020F0502020204030204" pitchFamily="34" charset="0"/>
+                        <a:ea typeface="MS Mincho" panose="02020609040205080304" pitchFamily="49" charset="-128"/>
+                        <a:cs typeface="Times New Roman" panose="02020603050405020304" pitchFamily="18" charset="0"/>
+                      </a:endParaRPr>
+                    </a:p>
+                  </a:txBody>
+                  <a:tcPr marL="48413" marR="48413" marT="0" marB="0"/>
                 </a:tc>
                 <a:tc>
                   <a:txBody>
                     <a:bodyPr/>
                     <a:lstStyle/>
                     <a:p>
-                      <a:endParaRPr lang="en-US" sz="1200" dirty="0">
-                        <a:latin typeface="+mn-lt"/>
+                      <a:pPr marL="0" marR="0">
+                        <a:spcAft>
+                          <a:spcPts val="600"/>
+                        </a:spcAft>
+                      </a:pPr>
+                      <a:r>
+                        <a:rPr lang="en-US" sz="800">
+                          <a:effectLst/>
+                        </a:rPr>
+                        <a:t>Updated GSSHA model, Technical Note</a:t>
+                      </a:r>
+                      <a:endParaRPr lang="en-US" sz="700">
+                        <a:effectLst/>
+                        <a:latin typeface="Calibri" panose="020F0502020204030204" pitchFamily="34" charset="0"/>
+                        <a:ea typeface="MS Mincho" panose="02020609040205080304" pitchFamily="49" charset="-128"/>
+                        <a:cs typeface="Times New Roman" panose="02020603050405020304" pitchFamily="18" charset="0"/>
                       </a:endParaRPr>
                     </a:p>
                   </a:txBody>
-                  <a:tcPr marL="24384" marR="24384" marT="24384" marB="24384"/>
+                  <a:tcPr marL="48413" marR="48413" marT="0" marB="0"/>
                 </a:tc>
                 <a:tc>
                   <a:txBody>
                     <a:bodyPr/>
                     <a:lstStyle/>
                     <a:p>
-                      <a:endParaRPr lang="en-US" sz="1200" dirty="0">
-                        <a:latin typeface="+mn-lt"/>
+                      <a:pPr marL="0" marR="0">
+                        <a:spcAft>
+                          <a:spcPts val="600"/>
+                        </a:spcAft>
+                      </a:pPr>
+                      <a:r>
+                        <a:rPr lang="en-US" sz="800">
+                          <a:effectLst/>
+                        </a:rPr>
+                        <a:t>Published ERDC Technical Note</a:t>
+                      </a:r>
+                      <a:endParaRPr lang="en-US" sz="700">
+                        <a:effectLst/>
+                        <a:latin typeface="Calibri" panose="020F0502020204030204" pitchFamily="34" charset="0"/>
+                        <a:ea typeface="MS Mincho" panose="02020609040205080304" pitchFamily="49" charset="-128"/>
+                        <a:cs typeface="Times New Roman" panose="02020603050405020304" pitchFamily="18" charset="0"/>
                       </a:endParaRPr>
                     </a:p>
                   </a:txBody>
-                  <a:tcPr marL="24384" marR="24384" marT="24384" marB="24384"/>
+                  <a:tcPr marL="48413" marR="48413" marT="0" marB="0"/>
                 </a:tc>
                 <a:tc>
                   <a:txBody>
                     <a:bodyPr/>
                     <a:lstStyle/>
                     <a:p>
-                      <a:endParaRPr lang="en-US" sz="1200" dirty="0">
-                        <a:latin typeface="+mn-lt"/>
+                      <a:pPr marL="0" marR="0">
+                        <a:spcAft>
+                          <a:spcPts val="600"/>
+                        </a:spcAft>
+                      </a:pPr>
+                      <a:r>
+                        <a:rPr lang="en-US" sz="800">
+                          <a:effectLst/>
+                        </a:rPr>
+                        <a:t>Todd Steissberg</a:t>
+                      </a:r>
+                      <a:endParaRPr lang="en-US" sz="700">
+                        <a:effectLst/>
+                        <a:latin typeface="Calibri" panose="020F0502020204030204" pitchFamily="34" charset="0"/>
+                        <a:ea typeface="MS Mincho" panose="02020609040205080304" pitchFamily="49" charset="-128"/>
+                        <a:cs typeface="Times New Roman" panose="02020603050405020304" pitchFamily="18" charset="0"/>
                       </a:endParaRPr>
                     </a:p>
                   </a:txBody>
-                  <a:tcPr marL="24384" marR="24384" marT="24384" marB="24384"/>
+                  <a:tcPr marL="48413" marR="48413" marT="0" marB="0"/>
                 </a:tc>
                 <a:tc>
                   <a:txBody>
                     <a:bodyPr/>
                     <a:lstStyle/>
                     <a:p>
-                      <a:endParaRPr lang="en-US" sz="1200" dirty="0">
-                        <a:latin typeface="+mn-lt"/>
+                      <a:pPr marL="0" marR="0">
+                        <a:spcAft>
+                          <a:spcPts val="600"/>
+                        </a:spcAft>
+                      </a:pPr>
+                      <a:r>
+                        <a:rPr lang="en-US" sz="800">
+                          <a:effectLst/>
+                        </a:rPr>
+                        <a:t>3</a:t>
+                      </a:r>
+                      <a:r>
+                        <a:rPr lang="en-US" sz="800" baseline="30000">
+                          <a:effectLst/>
+                        </a:rPr>
+                        <a:t>rd</a:t>
+                      </a:r>
+                      <a:r>
+                        <a:rPr lang="en-US" sz="800">
+                          <a:effectLst/>
+                        </a:rPr>
+                        <a:t>/FY25</a:t>
+                      </a:r>
+                      <a:endParaRPr lang="en-US" sz="700">
+                        <a:effectLst/>
+                        <a:latin typeface="Calibri" panose="020F0502020204030204" pitchFamily="34" charset="0"/>
+                        <a:ea typeface="MS Mincho" panose="02020609040205080304" pitchFamily="49" charset="-128"/>
+                        <a:cs typeface="Times New Roman" panose="02020603050405020304" pitchFamily="18" charset="0"/>
                       </a:endParaRPr>
                     </a:p>
                   </a:txBody>
-                  <a:tcPr marL="24384" marR="24384" marT="24384" marB="24384"/>
+                  <a:tcPr marL="48413" marR="48413" marT="0" marB="0"/>
                 </a:tc>
                 <a:tc>
                   <a:txBody>
                     <a:bodyPr/>
                     <a:lstStyle/>
                     <a:p>
-                      <a:endParaRPr lang="en-US" sz="1200" dirty="0">
-                        <a:latin typeface="+mn-lt"/>
+                      <a:pPr marL="0" marR="0">
+                        <a:spcAft>
+                          <a:spcPts val="600"/>
+                        </a:spcAft>
+                      </a:pPr>
+                      <a:r>
+                        <a:rPr lang="en-US" sz="800">
+                          <a:effectLst/>
+                        </a:rPr>
+                        <a:t>2</a:t>
+                      </a:r>
+                      <a:r>
+                        <a:rPr lang="en-US" sz="800" baseline="30000">
+                          <a:effectLst/>
+                        </a:rPr>
+                        <a:t>nd</a:t>
+                      </a:r>
+                      <a:r>
+                        <a:rPr lang="en-US" sz="800">
+                          <a:effectLst/>
+                        </a:rPr>
+                        <a:t>/FY26</a:t>
+                      </a:r>
+                      <a:endParaRPr lang="en-US" sz="700">
+                        <a:effectLst/>
+                        <a:latin typeface="Calibri" panose="020F0502020204030204" pitchFamily="34" charset="0"/>
+                        <a:ea typeface="MS Mincho" panose="02020609040205080304" pitchFamily="49" charset="-128"/>
+                        <a:cs typeface="Times New Roman" panose="02020603050405020304" pitchFamily="18" charset="0"/>
                       </a:endParaRPr>
                     </a:p>
                   </a:txBody>
-                  <a:tcPr marL="24384" marR="24384" marT="24384" marB="24384"/>
+                  <a:tcPr marL="48413" marR="48413" marT="0" marB="0"/>
+                </a:tc>
+                <a:extLst>
+                  <a:ext uri="{0D108BD9-81ED-4DB2-BD59-A6C34878D82A}">
+                    <a16:rowId xmlns:a16="http://schemas.microsoft.com/office/drawing/2014/main" val="1880333792"/>
+                  </a:ext>
+                </a:extLst>
+              </a:tr>
+              <a:tr h="387300">
+                <a:tc>
+                  <a:txBody>
+                    <a:bodyPr/>
+                    <a:lstStyle/>
+                    <a:p>
+                      <a:pPr marL="0" marR="0">
+                        <a:spcAft>
+                          <a:spcPts val="600"/>
+                        </a:spcAft>
+                      </a:pPr>
+                      <a:r>
+                        <a:rPr lang="en-US" sz="800">
+                          <a:effectLst/>
+                        </a:rPr>
+                        <a:t>Task 9. Testing and Debugging of CSM integration with GSSHA</a:t>
+                      </a:r>
+                      <a:endParaRPr lang="en-US" sz="700">
+                        <a:effectLst/>
+                        <a:latin typeface="Calibri" panose="020F0502020204030204" pitchFamily="34" charset="0"/>
+                        <a:ea typeface="MS Mincho" panose="02020609040205080304" pitchFamily="49" charset="-128"/>
+                        <a:cs typeface="Times New Roman" panose="02020603050405020304" pitchFamily="18" charset="0"/>
+                      </a:endParaRPr>
+                    </a:p>
+                  </a:txBody>
+                  <a:tcPr marL="48413" marR="48413" marT="0" marB="0"/>
                 </a:tc>
                 <a:tc>
                   <a:txBody>
                     <a:bodyPr/>
                     <a:lstStyle/>
                     <a:p>
-                      <a:endParaRPr lang="en-US" sz="1200" dirty="0">
-                        <a:latin typeface="+mn-lt"/>
+                      <a:pPr marL="0" marR="0">
+                        <a:spcAft>
+                          <a:spcPts val="600"/>
+                        </a:spcAft>
+                      </a:pPr>
+                      <a:r>
+                        <a:rPr lang="en-US" sz="800">
+                          <a:effectLst/>
+                        </a:rPr>
+                        <a:t>Updated GSSHA model, Technical Note</a:t>
+                      </a:r>
+                      <a:endParaRPr lang="en-US" sz="700">
+                        <a:effectLst/>
+                        <a:latin typeface="Calibri" panose="020F0502020204030204" pitchFamily="34" charset="0"/>
+                        <a:ea typeface="MS Mincho" panose="02020609040205080304" pitchFamily="49" charset="-128"/>
+                        <a:cs typeface="Times New Roman" panose="02020603050405020304" pitchFamily="18" charset="0"/>
                       </a:endParaRPr>
                     </a:p>
                   </a:txBody>
-                  <a:tcPr marL="24384" marR="24384" marT="24384" marB="24384"/>
+                  <a:tcPr marL="48413" marR="48413" marT="0" marB="0"/>
                 </a:tc>
                 <a:tc>
                   <a:txBody>
                     <a:bodyPr/>
                     <a:lstStyle/>
                     <a:p>
-                      <a:endParaRPr lang="en-US" sz="1200" dirty="0">
-                        <a:latin typeface="+mn-lt"/>
+                      <a:pPr marL="0" marR="0">
+                        <a:spcAft>
+                          <a:spcPts val="600"/>
+                        </a:spcAft>
+                      </a:pPr>
+                      <a:r>
+                        <a:rPr lang="en-US" sz="800">
+                          <a:effectLst/>
+                        </a:rPr>
+                        <a:t>Published ERDC Technical Note</a:t>
+                      </a:r>
+                      <a:endParaRPr lang="en-US" sz="700">
+                        <a:effectLst/>
+                        <a:latin typeface="Calibri" panose="020F0502020204030204" pitchFamily="34" charset="0"/>
+                        <a:ea typeface="MS Mincho" panose="02020609040205080304" pitchFamily="49" charset="-128"/>
+                        <a:cs typeface="Times New Roman" panose="02020603050405020304" pitchFamily="18" charset="0"/>
                       </a:endParaRPr>
                     </a:p>
                   </a:txBody>
-                  <a:tcPr marL="24384" marR="24384" marT="24384" marB="24384"/>
-                </a:tc>
-                <a:extLst>
-                  <a:ext uri="{0D108BD9-81ED-4DB2-BD59-A6C34878D82A}">
-                    <a16:rowId xmlns:a16="http://schemas.microsoft.com/office/drawing/2014/main" val="1174907569"/>
-                  </a:ext>
-                </a:extLst>
-              </a:tr>
-              <a:tr h="335433">
-                <a:tc>
-                  <a:txBody>
-                    <a:bodyPr/>
-                    <a:lstStyle/>
-                    <a:p>
-                      <a:endParaRPr lang="en-US" sz="1200" dirty="0">
-                        <a:latin typeface="+mn-lt"/>
-                      </a:endParaRPr>
-                    </a:p>
-                  </a:txBody>
-                  <a:tcPr marL="24384" marR="24384" marT="24384" marB="24384"/>
+                  <a:tcPr marL="48413" marR="48413" marT="0" marB="0"/>
                 </a:tc>
                 <a:tc>
                   <a:txBody>
                     <a:bodyPr/>
                     <a:lstStyle/>
                     <a:p>
-                      <a:endParaRPr lang="en-US" sz="1200" dirty="0">
-                        <a:latin typeface="+mn-lt"/>
+                      <a:pPr marL="0" marR="0">
+                        <a:spcAft>
+                          <a:spcPts val="600"/>
+                        </a:spcAft>
+                      </a:pPr>
+                      <a:r>
+                        <a:rPr lang="en-US" sz="800">
+                          <a:effectLst/>
+                        </a:rPr>
+                        <a:t>Todd Steissberg</a:t>
+                      </a:r>
+                      <a:endParaRPr lang="en-US" sz="700">
+                        <a:effectLst/>
+                        <a:latin typeface="Calibri" panose="020F0502020204030204" pitchFamily="34" charset="0"/>
+                        <a:ea typeface="MS Mincho" panose="02020609040205080304" pitchFamily="49" charset="-128"/>
+                        <a:cs typeface="Times New Roman" panose="02020603050405020304" pitchFamily="18" charset="0"/>
                       </a:endParaRPr>
                     </a:p>
                   </a:txBody>
-                  <a:tcPr marL="24384" marR="24384" marT="24384" marB="24384"/>
+                  <a:tcPr marL="48413" marR="48413" marT="0" marB="0"/>
                 </a:tc>
                 <a:tc>
                   <a:txBody>
                     <a:bodyPr/>
                     <a:lstStyle/>
                     <a:p>
-                      <a:endParaRPr lang="en-US" sz="1200" dirty="0">
-                        <a:latin typeface="+mn-lt"/>
+                      <a:pPr marL="0" marR="0">
+                        <a:spcAft>
+                          <a:spcPts val="600"/>
+                        </a:spcAft>
+                      </a:pPr>
+                      <a:r>
+                        <a:rPr lang="en-US" sz="800">
+                          <a:effectLst/>
+                        </a:rPr>
+                        <a:t>3</a:t>
+                      </a:r>
+                      <a:r>
+                        <a:rPr lang="en-US" sz="800" baseline="30000">
+                          <a:effectLst/>
+                        </a:rPr>
+                        <a:t>rd</a:t>
+                      </a:r>
+                      <a:r>
+                        <a:rPr lang="en-US" sz="800">
+                          <a:effectLst/>
+                        </a:rPr>
+                        <a:t>/FY25</a:t>
+                      </a:r>
+                      <a:endParaRPr lang="en-US" sz="700">
+                        <a:effectLst/>
+                        <a:latin typeface="Calibri" panose="020F0502020204030204" pitchFamily="34" charset="0"/>
+                        <a:ea typeface="MS Mincho" panose="02020609040205080304" pitchFamily="49" charset="-128"/>
+                        <a:cs typeface="Times New Roman" panose="02020603050405020304" pitchFamily="18" charset="0"/>
                       </a:endParaRPr>
                     </a:p>
                   </a:txBody>
-                  <a:tcPr marL="24384" marR="24384" marT="24384" marB="24384"/>
+                  <a:tcPr marL="48413" marR="48413" marT="0" marB="0"/>
                 </a:tc>
                 <a:tc>
                   <a:txBody>
                     <a:bodyPr/>
                     <a:lstStyle/>
                     <a:p>
-                      <a:endParaRPr lang="en-US" sz="1200" dirty="0">
-                        <a:latin typeface="+mn-lt"/>
+                      <a:pPr marL="0" marR="0">
+                        <a:spcAft>
+                          <a:spcPts val="600"/>
+                        </a:spcAft>
+                      </a:pPr>
+                      <a:r>
+                        <a:rPr lang="en-US" sz="800">
+                          <a:effectLst/>
+                        </a:rPr>
+                        <a:t>2</a:t>
+                      </a:r>
+                      <a:r>
+                        <a:rPr lang="en-US" sz="800" baseline="30000">
+                          <a:effectLst/>
+                        </a:rPr>
+                        <a:t>nd</a:t>
+                      </a:r>
+                      <a:r>
+                        <a:rPr lang="en-US" sz="800">
+                          <a:effectLst/>
+                        </a:rPr>
+                        <a:t>/FY26</a:t>
+                      </a:r>
+                      <a:endParaRPr lang="en-US" sz="700">
+                        <a:effectLst/>
+                        <a:latin typeface="Calibri" panose="020F0502020204030204" pitchFamily="34" charset="0"/>
+                        <a:ea typeface="MS Mincho" panose="02020609040205080304" pitchFamily="49" charset="-128"/>
+                        <a:cs typeface="Times New Roman" panose="02020603050405020304" pitchFamily="18" charset="0"/>
                       </a:endParaRPr>
                     </a:p>
                   </a:txBody>
-                  <a:tcPr marL="24384" marR="24384" marT="24384" marB="24384"/>
+                  <a:tcPr marL="48413" marR="48413" marT="0" marB="0"/>
+                </a:tc>
+                <a:extLst>
+                  <a:ext uri="{0D108BD9-81ED-4DB2-BD59-A6C34878D82A}">
+                    <a16:rowId xmlns:a16="http://schemas.microsoft.com/office/drawing/2014/main" val="2455415818"/>
+                  </a:ext>
+                </a:extLst>
+              </a:tr>
+              <a:tr h="387300">
+                <a:tc>
+                  <a:txBody>
+                    <a:bodyPr/>
+                    <a:lstStyle/>
+                    <a:p>
+                      <a:pPr marL="0" marR="0">
+                        <a:spcAft>
+                          <a:spcPts val="600"/>
+                        </a:spcAft>
+                      </a:pPr>
+                      <a:r>
+                        <a:rPr lang="en-US" sz="800">
+                          <a:effectLst/>
+                        </a:rPr>
+                        <a:t>Task 10. Development and Execution of Seven Mile Creek Demonstration Study</a:t>
+                      </a:r>
+                      <a:endParaRPr lang="en-US" sz="700">
+                        <a:effectLst/>
+                        <a:latin typeface="Calibri" panose="020F0502020204030204" pitchFamily="34" charset="0"/>
+                        <a:ea typeface="MS Mincho" panose="02020609040205080304" pitchFamily="49" charset="-128"/>
+                        <a:cs typeface="Times New Roman" panose="02020603050405020304" pitchFamily="18" charset="0"/>
+                      </a:endParaRPr>
+                    </a:p>
+                  </a:txBody>
+                  <a:tcPr marL="48413" marR="48413" marT="0" marB="0"/>
                 </a:tc>
                 <a:tc>
                   <a:txBody>
                     <a:bodyPr/>
                     <a:lstStyle/>
                     <a:p>
-                      <a:endParaRPr lang="en-US" sz="1200" dirty="0">
-                        <a:latin typeface="+mn-lt"/>
+                      <a:pPr marL="0" marR="0">
+                        <a:spcAft>
+                          <a:spcPts val="600"/>
+                        </a:spcAft>
+                      </a:pPr>
+                      <a:r>
+                        <a:rPr lang="en-US" sz="800">
+                          <a:effectLst/>
+                        </a:rPr>
+                        <a:t>Seven Mile Creek GSSHA model, Technical Report</a:t>
+                      </a:r>
+                      <a:endParaRPr lang="en-US" sz="700">
+                        <a:effectLst/>
+                        <a:latin typeface="Calibri" panose="020F0502020204030204" pitchFamily="34" charset="0"/>
+                        <a:ea typeface="MS Mincho" panose="02020609040205080304" pitchFamily="49" charset="-128"/>
+                        <a:cs typeface="Times New Roman" panose="02020603050405020304" pitchFamily="18" charset="0"/>
                       </a:endParaRPr>
                     </a:p>
                   </a:txBody>
-                  <a:tcPr marL="24384" marR="24384" marT="24384" marB="24384"/>
+                  <a:tcPr marL="48413" marR="48413" marT="0" marB="0"/>
                 </a:tc>
                 <a:tc>
                   <a:txBody>
                     <a:bodyPr/>
                     <a:lstStyle/>
                     <a:p>
-                      <a:endParaRPr lang="en-US" sz="1200" dirty="0">
-                        <a:latin typeface="+mn-lt"/>
+                      <a:pPr marL="0" marR="0">
+                        <a:spcAft>
+                          <a:spcPts val="600"/>
+                        </a:spcAft>
+                      </a:pPr>
+                      <a:r>
+                        <a:rPr lang="en-US" sz="800">
+                          <a:effectLst/>
+                        </a:rPr>
+                        <a:t>Published ERDC Technical Report</a:t>
+                      </a:r>
+                      <a:endParaRPr lang="en-US" sz="700">
+                        <a:effectLst/>
+                        <a:latin typeface="Calibri" panose="020F0502020204030204" pitchFamily="34" charset="0"/>
+                        <a:ea typeface="MS Mincho" panose="02020609040205080304" pitchFamily="49" charset="-128"/>
+                        <a:cs typeface="Times New Roman" panose="02020603050405020304" pitchFamily="18" charset="0"/>
                       </a:endParaRPr>
                     </a:p>
                   </a:txBody>
-                  <a:tcPr marL="24384" marR="24384" marT="24384" marB="24384"/>
+                  <a:tcPr marL="48413" marR="48413" marT="0" marB="0"/>
                 </a:tc>
                 <a:tc>
                   <a:txBody>
                     <a:bodyPr/>
                     <a:lstStyle/>
                     <a:p>
-                      <a:endParaRPr lang="en-US" sz="1200" dirty="0">
-                        <a:latin typeface="+mn-lt"/>
+                      <a:pPr marL="0" marR="0">
+                        <a:spcAft>
+                          <a:spcPts val="600"/>
+                        </a:spcAft>
+                      </a:pPr>
+                      <a:r>
+                        <a:rPr lang="en-US" sz="800">
+                          <a:effectLst/>
+                        </a:rPr>
+                        <a:t>Nawa Pradhan</a:t>
+                      </a:r>
+                      <a:endParaRPr lang="en-US" sz="700">
+                        <a:effectLst/>
+                        <a:latin typeface="Calibri" panose="020F0502020204030204" pitchFamily="34" charset="0"/>
+                        <a:ea typeface="MS Mincho" panose="02020609040205080304" pitchFamily="49" charset="-128"/>
+                        <a:cs typeface="Times New Roman" panose="02020603050405020304" pitchFamily="18" charset="0"/>
                       </a:endParaRPr>
                     </a:p>
                   </a:txBody>
-                  <a:tcPr marL="24384" marR="24384" marT="24384" marB="24384"/>
+                  <a:tcPr marL="48413" marR="48413" marT="0" marB="0"/>
                 </a:tc>
                 <a:tc>
                   <a:txBody>
                     <a:bodyPr/>
                     <a:lstStyle/>
                     <a:p>
-                      <a:endParaRPr lang="en-US" sz="1200" dirty="0">
-                        <a:latin typeface="+mn-lt"/>
+                      <a:pPr marL="0" marR="0">
+                        <a:spcAft>
+                          <a:spcPts val="600"/>
+                        </a:spcAft>
+                      </a:pPr>
+                      <a:r>
+                        <a:rPr lang="en-US" sz="800">
+                          <a:effectLst/>
+                        </a:rPr>
+                        <a:t>1</a:t>
+                      </a:r>
+                      <a:r>
+                        <a:rPr lang="en-US" sz="800" baseline="30000">
+                          <a:effectLst/>
+                        </a:rPr>
+                        <a:t>st</a:t>
+                      </a:r>
+                      <a:r>
+                        <a:rPr lang="en-US" sz="800">
+                          <a:effectLst/>
+                        </a:rPr>
+                        <a:t>/FY26</a:t>
+                      </a:r>
+                      <a:endParaRPr lang="en-US" sz="700">
+                        <a:effectLst/>
+                        <a:latin typeface="Calibri" panose="020F0502020204030204" pitchFamily="34" charset="0"/>
+                        <a:ea typeface="MS Mincho" panose="02020609040205080304" pitchFamily="49" charset="-128"/>
+                        <a:cs typeface="Times New Roman" panose="02020603050405020304" pitchFamily="18" charset="0"/>
                       </a:endParaRPr>
                     </a:p>
                   </a:txBody>
-                  <a:tcPr marL="24384" marR="24384" marT="24384" marB="24384"/>
+                  <a:tcPr marL="48413" marR="48413" marT="0" marB="0"/>
                 </a:tc>
                 <a:tc>
                   <a:txBody>
                     <a:bodyPr/>
                     <a:lstStyle/>
                     <a:p>
-                      <a:endParaRPr lang="en-US" sz="1200" dirty="0">
-                        <a:latin typeface="+mn-lt"/>
+                      <a:pPr marL="0" marR="0">
+                        <a:spcAft>
+                          <a:spcPts val="600"/>
+                        </a:spcAft>
+                      </a:pPr>
+                      <a:r>
+                        <a:rPr lang="en-US" sz="800">
+                          <a:effectLst/>
+                        </a:rPr>
+                        <a:t>4</a:t>
+                      </a:r>
+                      <a:r>
+                        <a:rPr lang="en-US" sz="800" baseline="30000">
+                          <a:effectLst/>
+                        </a:rPr>
+                        <a:t>th</a:t>
+                      </a:r>
+                      <a:r>
+                        <a:rPr lang="en-US" sz="800">
+                          <a:effectLst/>
+                        </a:rPr>
+                        <a:t>/FY26</a:t>
+                      </a:r>
+                      <a:endParaRPr lang="en-US" sz="700">
+                        <a:effectLst/>
+                        <a:latin typeface="Calibri" panose="020F0502020204030204" pitchFamily="34" charset="0"/>
+                        <a:ea typeface="MS Mincho" panose="02020609040205080304" pitchFamily="49" charset="-128"/>
+                        <a:cs typeface="Times New Roman" panose="02020603050405020304" pitchFamily="18" charset="0"/>
                       </a:endParaRPr>
                     </a:p>
                   </a:txBody>
-                  <a:tcPr marL="24384" marR="24384" marT="24384" marB="24384"/>
+                  <a:tcPr marL="48413" marR="48413" marT="0" marB="0"/>
+                </a:tc>
+                <a:extLst>
+                  <a:ext uri="{0D108BD9-81ED-4DB2-BD59-A6C34878D82A}">
+                    <a16:rowId xmlns:a16="http://schemas.microsoft.com/office/drawing/2014/main" val="3093715657"/>
+                  </a:ext>
+                </a:extLst>
+              </a:tr>
+              <a:tr h="387300">
+                <a:tc>
+                  <a:txBody>
+                    <a:bodyPr/>
+                    <a:lstStyle/>
+                    <a:p>
+                      <a:pPr marL="0" marR="0">
+                        <a:spcAft>
+                          <a:spcPts val="600"/>
+                        </a:spcAft>
+                      </a:pPr>
+                      <a:r>
+                        <a:rPr lang="en-US" sz="800">
+                          <a:effectLst/>
+                        </a:rPr>
+                        <a:t>Task 11. Conferences/Journals</a:t>
+                      </a:r>
+                      <a:endParaRPr lang="en-US" sz="700">
+                        <a:effectLst/>
+                        <a:latin typeface="Calibri" panose="020F0502020204030204" pitchFamily="34" charset="0"/>
+                        <a:ea typeface="MS Mincho" panose="02020609040205080304" pitchFamily="49" charset="-128"/>
+                        <a:cs typeface="Times New Roman" panose="02020603050405020304" pitchFamily="18" charset="0"/>
+                      </a:endParaRPr>
+                    </a:p>
+                  </a:txBody>
+                  <a:tcPr marL="48413" marR="48413" marT="0" marB="0"/>
                 </a:tc>
                 <a:tc>
                   <a:txBody>
                     <a:bodyPr/>
                     <a:lstStyle/>
                     <a:p>
-                      <a:endParaRPr lang="en-US" sz="1200" dirty="0">
-                        <a:latin typeface="+mn-lt"/>
+                      <a:pPr marL="0" marR="0">
+                        <a:spcAft>
+                          <a:spcPts val="600"/>
+                        </a:spcAft>
+                      </a:pPr>
+                      <a:r>
+                        <a:rPr lang="en-US" sz="800">
+                          <a:effectLst/>
+                        </a:rPr>
+                        <a:t>Conference Papers, Journal Articles</a:t>
+                      </a:r>
+                      <a:endParaRPr lang="en-US" sz="700">
+                        <a:effectLst/>
+                        <a:latin typeface="Calibri" panose="020F0502020204030204" pitchFamily="34" charset="0"/>
+                        <a:ea typeface="MS Mincho" panose="02020609040205080304" pitchFamily="49" charset="-128"/>
+                        <a:cs typeface="Times New Roman" panose="02020603050405020304" pitchFamily="18" charset="0"/>
                       </a:endParaRPr>
                     </a:p>
                   </a:txBody>
-                  <a:tcPr marL="24384" marR="24384" marT="24384" marB="24384"/>
+                  <a:tcPr marL="48413" marR="48413" marT="0" marB="0"/>
                 </a:tc>
                 <a:tc>
                   <a:txBody>
                     <a:bodyPr/>
                     <a:lstStyle/>
                     <a:p>
-                      <a:endParaRPr lang="en-US" sz="1200" dirty="0">
-                        <a:latin typeface="+mn-lt"/>
+                      <a:pPr marL="0" marR="0">
+                        <a:spcAft>
+                          <a:spcPts val="600"/>
+                        </a:spcAft>
+                      </a:pPr>
+                      <a:r>
+                        <a:rPr lang="en-US" sz="800">
+                          <a:effectLst/>
+                        </a:rPr>
+                        <a:t>Conference Publications and Presentations, Published Journal Articles</a:t>
+                      </a:r>
+                      <a:endParaRPr lang="en-US" sz="700">
+                        <a:effectLst/>
+                        <a:latin typeface="Calibri" panose="020F0502020204030204" pitchFamily="34" charset="0"/>
+                        <a:ea typeface="MS Mincho" panose="02020609040205080304" pitchFamily="49" charset="-128"/>
+                        <a:cs typeface="Times New Roman" panose="02020603050405020304" pitchFamily="18" charset="0"/>
                       </a:endParaRPr>
                     </a:p>
                   </a:txBody>
-                  <a:tcPr marL="24384" marR="24384" marT="24384" marB="24384"/>
-                </a:tc>
-                <a:extLst>
-                  <a:ext uri="{0D108BD9-81ED-4DB2-BD59-A6C34878D82A}">
-                    <a16:rowId xmlns:a16="http://schemas.microsoft.com/office/drawing/2014/main" val="2940974936"/>
-                  </a:ext>
-                </a:extLst>
-              </a:tr>
-              <a:tr h="335433">
-                <a:tc>
-                  <a:txBody>
-                    <a:bodyPr/>
-                    <a:lstStyle/>
-                    <a:p>
-                      <a:endParaRPr lang="en-US" sz="1200" dirty="0">
-                        <a:latin typeface="+mn-lt"/>
-                      </a:endParaRPr>
-                    </a:p>
-                  </a:txBody>
-                  <a:tcPr marL="24384" marR="24384" marT="24384" marB="24384"/>
+                  <a:tcPr marL="48413" marR="48413" marT="0" marB="0"/>
                 </a:tc>
                 <a:tc>
                   <a:txBody>
                     <a:bodyPr/>
                     <a:lstStyle/>
                     <a:p>
-                      <a:endParaRPr lang="en-US" sz="1200" dirty="0">
-                        <a:latin typeface="+mn-lt"/>
+                      <a:pPr marL="0" marR="0">
+                        <a:spcAft>
+                          <a:spcPts val="600"/>
+                        </a:spcAft>
+                      </a:pPr>
+                      <a:r>
+                        <a:rPr lang="en-US" sz="800">
+                          <a:effectLst/>
+                        </a:rPr>
+                        <a:t>Todd Steissberg</a:t>
+                      </a:r>
+                      <a:endParaRPr lang="en-US" sz="700">
+                        <a:effectLst/>
+                        <a:latin typeface="Calibri" panose="020F0502020204030204" pitchFamily="34" charset="0"/>
+                        <a:ea typeface="MS Mincho" panose="02020609040205080304" pitchFamily="49" charset="-128"/>
+                        <a:cs typeface="Times New Roman" panose="02020603050405020304" pitchFamily="18" charset="0"/>
                       </a:endParaRPr>
                     </a:p>
                   </a:txBody>
-                  <a:tcPr marL="24384" marR="24384" marT="24384" marB="24384"/>
+                  <a:tcPr marL="48413" marR="48413" marT="0" marB="0"/>
                 </a:tc>
                 <a:tc>
                   <a:txBody>
                     <a:bodyPr/>
                     <a:lstStyle/>
                     <a:p>
-                      <a:endParaRPr lang="en-US" sz="1200" dirty="0">
-                        <a:latin typeface="+mn-lt"/>
+                      <a:pPr marL="0" marR="0">
+                        <a:spcAft>
+                          <a:spcPts val="600"/>
+                        </a:spcAft>
+                      </a:pPr>
+                      <a:r>
+                        <a:rPr lang="en-US" sz="800">
+                          <a:effectLst/>
+                        </a:rPr>
+                        <a:t>1</a:t>
+                      </a:r>
+                      <a:r>
+                        <a:rPr lang="en-US" sz="800" baseline="30000">
+                          <a:effectLst/>
+                        </a:rPr>
+                        <a:t>st</a:t>
+                      </a:r>
+                      <a:r>
+                        <a:rPr lang="en-US" sz="800">
+                          <a:effectLst/>
+                        </a:rPr>
+                        <a:t>/FY26</a:t>
+                      </a:r>
+                      <a:endParaRPr lang="en-US" sz="700">
+                        <a:effectLst/>
+                        <a:latin typeface="Calibri" panose="020F0502020204030204" pitchFamily="34" charset="0"/>
+                        <a:ea typeface="MS Mincho" panose="02020609040205080304" pitchFamily="49" charset="-128"/>
+                        <a:cs typeface="Times New Roman" panose="02020603050405020304" pitchFamily="18" charset="0"/>
                       </a:endParaRPr>
                     </a:p>
                   </a:txBody>
-                  <a:tcPr marL="24384" marR="24384" marT="24384" marB="24384"/>
+                  <a:tcPr marL="48413" marR="48413" marT="0" marB="0"/>
                 </a:tc>
                 <a:tc>
                   <a:txBody>
                     <a:bodyPr/>
                     <a:lstStyle/>
                     <a:p>
-                      <a:endParaRPr lang="en-US" sz="1200" dirty="0">
-                        <a:latin typeface="+mn-lt"/>
+                      <a:pPr marL="0" marR="0">
+                        <a:spcAft>
+                          <a:spcPts val="600"/>
+                        </a:spcAft>
+                      </a:pPr>
+                      <a:r>
+                        <a:rPr lang="en-US" sz="800">
+                          <a:effectLst/>
+                        </a:rPr>
+                        <a:t>4</a:t>
+                      </a:r>
+                      <a:r>
+                        <a:rPr lang="en-US" sz="800" baseline="30000">
+                          <a:effectLst/>
+                        </a:rPr>
+                        <a:t>th</a:t>
+                      </a:r>
+                      <a:r>
+                        <a:rPr lang="en-US" sz="800">
+                          <a:effectLst/>
+                        </a:rPr>
+                        <a:t>/FY26</a:t>
+                      </a:r>
+                      <a:endParaRPr lang="en-US" sz="700">
+                        <a:effectLst/>
+                        <a:latin typeface="Calibri" panose="020F0502020204030204" pitchFamily="34" charset="0"/>
+                        <a:ea typeface="MS Mincho" panose="02020609040205080304" pitchFamily="49" charset="-128"/>
+                        <a:cs typeface="Times New Roman" panose="02020603050405020304" pitchFamily="18" charset="0"/>
                       </a:endParaRPr>
                     </a:p>
                   </a:txBody>
-                  <a:tcPr marL="24384" marR="24384" marT="24384" marB="24384"/>
+                  <a:tcPr marL="48413" marR="48413" marT="0" marB="0"/>
+                </a:tc>
+                <a:extLst>
+                  <a:ext uri="{0D108BD9-81ED-4DB2-BD59-A6C34878D82A}">
+                    <a16:rowId xmlns:a16="http://schemas.microsoft.com/office/drawing/2014/main" val="2537284676"/>
+                  </a:ext>
+                </a:extLst>
+              </a:tr>
+              <a:tr h="258200">
+                <a:tc>
+                  <a:txBody>
+                    <a:bodyPr/>
+                    <a:lstStyle/>
+                    <a:p>
+                      <a:pPr marL="0" marR="0">
+                        <a:spcAft>
+                          <a:spcPts val="600"/>
+                        </a:spcAft>
+                      </a:pPr>
+                      <a:r>
+                        <a:rPr lang="en-US" sz="800">
+                          <a:effectLst/>
+                        </a:rPr>
+                        <a:t>Task 12. Workshop with USACE District Personnel</a:t>
+                      </a:r>
+                      <a:endParaRPr lang="en-US" sz="700">
+                        <a:effectLst/>
+                        <a:latin typeface="Calibri" panose="020F0502020204030204" pitchFamily="34" charset="0"/>
+                        <a:ea typeface="MS Mincho" panose="02020609040205080304" pitchFamily="49" charset="-128"/>
+                        <a:cs typeface="Times New Roman" panose="02020603050405020304" pitchFamily="18" charset="0"/>
+                      </a:endParaRPr>
+                    </a:p>
+                  </a:txBody>
+                  <a:tcPr marL="48413" marR="48413" marT="0" marB="0"/>
                 </a:tc>
                 <a:tc>
                   <a:txBody>
                     <a:bodyPr/>
                     <a:lstStyle/>
                     <a:p>
-                      <a:endParaRPr lang="en-US" sz="1200" dirty="0">
-                        <a:latin typeface="+mn-lt"/>
+                      <a:pPr marL="0" marR="0">
+                        <a:spcAft>
+                          <a:spcPts val="600"/>
+                        </a:spcAft>
+                      </a:pPr>
+                      <a:r>
+                        <a:rPr lang="en-US" sz="800">
+                          <a:effectLst/>
+                        </a:rPr>
+                        <a:t>Workshop</a:t>
+                      </a:r>
+                      <a:endParaRPr lang="en-US" sz="700">
+                        <a:effectLst/>
+                        <a:latin typeface="Calibri" panose="020F0502020204030204" pitchFamily="34" charset="0"/>
+                        <a:ea typeface="MS Mincho" panose="02020609040205080304" pitchFamily="49" charset="-128"/>
+                        <a:cs typeface="Times New Roman" panose="02020603050405020304" pitchFamily="18" charset="0"/>
                       </a:endParaRPr>
                     </a:p>
                   </a:txBody>
-                  <a:tcPr marL="24384" marR="24384" marT="24384" marB="24384"/>
+                  <a:tcPr marL="48413" marR="48413" marT="0" marB="0"/>
                 </a:tc>
                 <a:tc>
                   <a:txBody>
                     <a:bodyPr/>
                     <a:lstStyle/>
                     <a:p>
-                      <a:endParaRPr lang="en-US" sz="1200" dirty="0">
-                        <a:latin typeface="+mn-lt"/>
+                      <a:pPr marL="0" marR="0">
+                        <a:spcAft>
+                          <a:spcPts val="600"/>
+                        </a:spcAft>
+                      </a:pPr>
+                      <a:r>
+                        <a:rPr lang="en-US" sz="800">
+                          <a:effectLst/>
+                        </a:rPr>
+                        <a:t>Workshop</a:t>
+                      </a:r>
+                      <a:endParaRPr lang="en-US" sz="700">
+                        <a:effectLst/>
+                        <a:latin typeface="Calibri" panose="020F0502020204030204" pitchFamily="34" charset="0"/>
+                        <a:ea typeface="MS Mincho" panose="02020609040205080304" pitchFamily="49" charset="-128"/>
+                        <a:cs typeface="Times New Roman" panose="02020603050405020304" pitchFamily="18" charset="0"/>
                       </a:endParaRPr>
                     </a:p>
                   </a:txBody>
-                  <a:tcPr marL="24384" marR="24384" marT="24384" marB="24384"/>
+                  <a:tcPr marL="48413" marR="48413" marT="0" marB="0"/>
                 </a:tc>
                 <a:tc>
                   <a:txBody>
                     <a:bodyPr/>
                     <a:lstStyle/>
                     <a:p>
-                      <a:endParaRPr lang="en-US" sz="1200" dirty="0">
-                        <a:latin typeface="+mn-lt"/>
+                      <a:pPr marL="0" marR="0">
+                        <a:spcAft>
+                          <a:spcPts val="600"/>
+                        </a:spcAft>
+                      </a:pPr>
+                      <a:r>
+                        <a:rPr lang="en-US" sz="800" dirty="0">
+                          <a:effectLst/>
+                        </a:rPr>
+                        <a:t>Chuck Downer</a:t>
+                      </a:r>
+                      <a:endParaRPr lang="en-US" sz="700" dirty="0">
+                        <a:effectLst/>
+                        <a:latin typeface="Calibri" panose="020F0502020204030204" pitchFamily="34" charset="0"/>
+                        <a:ea typeface="MS Mincho" panose="02020609040205080304" pitchFamily="49" charset="-128"/>
+                        <a:cs typeface="Times New Roman" panose="02020603050405020304" pitchFamily="18" charset="0"/>
                       </a:endParaRPr>
                     </a:p>
                   </a:txBody>
-                  <a:tcPr marL="24384" marR="24384" marT="24384" marB="24384"/>
+                  <a:tcPr marL="48413" marR="48413" marT="0" marB="0"/>
                 </a:tc>
                 <a:tc>
                   <a:txBody>
                     <a:bodyPr/>
                     <a:lstStyle/>
                     <a:p>
-                      <a:endParaRPr lang="en-US" sz="1200" dirty="0">
-                        <a:latin typeface="+mn-lt"/>
+                      <a:pPr marL="0" marR="0">
+                        <a:spcAft>
+                          <a:spcPts val="600"/>
+                        </a:spcAft>
+                      </a:pPr>
+                      <a:r>
+                        <a:rPr lang="en-US" sz="800">
+                          <a:effectLst/>
+                        </a:rPr>
+                        <a:t>1</a:t>
+                      </a:r>
+                      <a:r>
+                        <a:rPr lang="en-US" sz="800" baseline="30000">
+                          <a:effectLst/>
+                        </a:rPr>
+                        <a:t>st</a:t>
+                      </a:r>
+                      <a:r>
+                        <a:rPr lang="en-US" sz="800">
+                          <a:effectLst/>
+                        </a:rPr>
+                        <a:t>/FY26</a:t>
+                      </a:r>
+                      <a:endParaRPr lang="en-US" sz="700">
+                        <a:effectLst/>
+                        <a:latin typeface="Calibri" panose="020F0502020204030204" pitchFamily="34" charset="0"/>
+                        <a:ea typeface="MS Mincho" panose="02020609040205080304" pitchFamily="49" charset="-128"/>
+                        <a:cs typeface="Times New Roman" panose="02020603050405020304" pitchFamily="18" charset="0"/>
                       </a:endParaRPr>
                     </a:p>
                   </a:txBody>
-                  <a:tcPr marL="24384" marR="24384" marT="24384" marB="24384"/>
+                  <a:tcPr marL="48413" marR="48413" marT="0" marB="0"/>
                 </a:tc>
                 <a:tc>
                   <a:txBody>
                     <a:bodyPr/>
                     <a:lstStyle/>
                     <a:p>
-                      <a:endParaRPr lang="en-US" sz="1200" dirty="0">
-                        <a:latin typeface="+mn-lt"/>
+                      <a:pPr marL="0" marR="0">
+                        <a:spcAft>
+                          <a:spcPts val="600"/>
+                        </a:spcAft>
+                      </a:pPr>
+                      <a:r>
+                        <a:rPr lang="en-US" sz="800" dirty="0">
+                          <a:effectLst/>
+                        </a:rPr>
+                        <a:t>4</a:t>
+                      </a:r>
+                      <a:r>
+                        <a:rPr lang="en-US" sz="800" baseline="30000" dirty="0">
+                          <a:effectLst/>
+                        </a:rPr>
+                        <a:t>th</a:t>
+                      </a:r>
+                      <a:r>
+                        <a:rPr lang="en-US" sz="800" dirty="0">
+                          <a:effectLst/>
+                        </a:rPr>
+                        <a:t>/FY26</a:t>
+                      </a:r>
+                      <a:endParaRPr lang="en-US" sz="700" dirty="0">
+                        <a:effectLst/>
+                        <a:latin typeface="Calibri" panose="020F0502020204030204" pitchFamily="34" charset="0"/>
+                        <a:ea typeface="MS Mincho" panose="02020609040205080304" pitchFamily="49" charset="-128"/>
+                        <a:cs typeface="Times New Roman" panose="02020603050405020304" pitchFamily="18" charset="0"/>
                       </a:endParaRPr>
                     </a:p>
                   </a:txBody>
-                  <a:tcPr marL="24384" marR="24384" marT="24384" marB="24384"/>
-                </a:tc>
-                <a:tc>
-                  <a:txBody>
-                    <a:bodyPr/>
-                    <a:lstStyle/>
-                    <a:p>
-                      <a:endParaRPr lang="en-US" sz="1200" dirty="0">
-                        <a:latin typeface="+mn-lt"/>
-                      </a:endParaRPr>
-                    </a:p>
-                  </a:txBody>
-                  <a:tcPr marL="24384" marR="24384" marT="24384" marB="24384"/>
-                </a:tc>
-                <a:tc>
-                  <a:txBody>
-                    <a:bodyPr/>
-                    <a:lstStyle/>
-                    <a:p>
-                      <a:endParaRPr lang="en-US" sz="1200" dirty="0">
-                        <a:latin typeface="+mn-lt"/>
-                      </a:endParaRPr>
-                    </a:p>
-                  </a:txBody>
-                  <a:tcPr marL="24384" marR="24384" marT="24384" marB="24384"/>
+                  <a:tcPr marL="48413" marR="48413" marT="0" marB="0"/>
                 </a:tc>
                 <a:extLst>
                   <a:ext uri="{0D108BD9-81ED-4DB2-BD59-A6C34878D82A}">
-                    <a16:rowId xmlns:a16="http://schemas.microsoft.com/office/drawing/2014/main" val="3836763699"/>
-                  </a:ext>
-                </a:extLst>
-              </a:tr>
-              <a:tr h="335433">
-                <a:tc>
-                  <a:txBody>
-                    <a:bodyPr/>
-                    <a:lstStyle/>
-                    <a:p>
-                      <a:endParaRPr lang="en-US" sz="1200" dirty="0">
-                        <a:latin typeface="+mn-lt"/>
-                      </a:endParaRPr>
-                    </a:p>
-                  </a:txBody>
-                  <a:tcPr marL="24384" marR="24384" marT="24384" marB="24384"/>
-                </a:tc>
-                <a:tc>
-                  <a:txBody>
-                    <a:bodyPr/>
-                    <a:lstStyle/>
-                    <a:p>
-                      <a:endParaRPr lang="en-US" sz="1200" dirty="0">
-                        <a:latin typeface="+mn-lt"/>
-                      </a:endParaRPr>
-                    </a:p>
-                  </a:txBody>
-                  <a:tcPr marL="24384" marR="24384" marT="24384" marB="24384"/>
-                </a:tc>
-                <a:tc>
-                  <a:txBody>
-                    <a:bodyPr/>
-                    <a:lstStyle/>
-                    <a:p>
-                      <a:endParaRPr lang="en-US" sz="1200" dirty="0">
-                        <a:latin typeface="+mn-lt"/>
-                      </a:endParaRPr>
-                    </a:p>
-                  </a:txBody>
-                  <a:tcPr marL="24384" marR="24384" marT="24384" marB="24384"/>
-                </a:tc>
-                <a:tc>
-                  <a:txBody>
-                    <a:bodyPr/>
-                    <a:lstStyle/>
-                    <a:p>
-                      <a:endParaRPr lang="en-US" sz="1200" dirty="0">
-                        <a:latin typeface="+mn-lt"/>
-                      </a:endParaRPr>
-                    </a:p>
-                  </a:txBody>
-                  <a:tcPr marL="24384" marR="24384" marT="24384" marB="24384"/>
-                </a:tc>
-                <a:tc>
-                  <a:txBody>
-                    <a:bodyPr/>
-                    <a:lstStyle/>
-                    <a:p>
-                      <a:endParaRPr lang="en-US" sz="1200" dirty="0">
-                        <a:latin typeface="+mn-lt"/>
-                      </a:endParaRPr>
-                    </a:p>
-                  </a:txBody>
-                  <a:tcPr marL="24384" marR="24384" marT="24384" marB="24384"/>
-                </a:tc>
-                <a:tc>
-                  <a:txBody>
-                    <a:bodyPr/>
-                    <a:lstStyle/>
-                    <a:p>
-                      <a:endParaRPr lang="en-US" sz="1200" dirty="0">
-                        <a:latin typeface="+mn-lt"/>
-                      </a:endParaRPr>
-                    </a:p>
-                  </a:txBody>
-                  <a:tcPr marL="24384" marR="24384" marT="24384" marB="24384"/>
-                </a:tc>
-                <a:tc>
-                  <a:txBody>
-                    <a:bodyPr/>
-                    <a:lstStyle/>
-                    <a:p>
-                      <a:endParaRPr lang="en-US" sz="1200" dirty="0">
-                        <a:latin typeface="+mn-lt"/>
-                      </a:endParaRPr>
-                    </a:p>
-                  </a:txBody>
-                  <a:tcPr marL="24384" marR="24384" marT="24384" marB="24384"/>
-                </a:tc>
-                <a:tc>
-                  <a:txBody>
-                    <a:bodyPr/>
-                    <a:lstStyle/>
-                    <a:p>
-                      <a:endParaRPr lang="en-US" sz="1200" dirty="0">
-                        <a:latin typeface="+mn-lt"/>
-                      </a:endParaRPr>
-                    </a:p>
-                  </a:txBody>
-                  <a:tcPr marL="24384" marR="24384" marT="24384" marB="24384"/>
-                </a:tc>
-                <a:tc>
-                  <a:txBody>
-                    <a:bodyPr/>
-                    <a:lstStyle/>
-                    <a:p>
-                      <a:endParaRPr lang="en-US" sz="1200" dirty="0">
-                        <a:latin typeface="+mn-lt"/>
-                      </a:endParaRPr>
-                    </a:p>
-                  </a:txBody>
-                  <a:tcPr marL="24384" marR="24384" marT="24384" marB="24384"/>
-                </a:tc>
-                <a:tc>
-                  <a:txBody>
-                    <a:bodyPr/>
-                    <a:lstStyle/>
-                    <a:p>
-                      <a:endParaRPr lang="en-US" sz="1200" dirty="0">
-                        <a:latin typeface="+mn-lt"/>
-                      </a:endParaRPr>
-                    </a:p>
-                  </a:txBody>
-                  <a:tcPr marL="24384" marR="24384" marT="24384" marB="24384"/>
-                </a:tc>
-                <a:tc>
-                  <a:txBody>
-                    <a:bodyPr/>
-                    <a:lstStyle/>
-                    <a:p>
-                      <a:endParaRPr lang="en-US" sz="1200" dirty="0">
-                        <a:latin typeface="+mn-lt"/>
-                      </a:endParaRPr>
-                    </a:p>
-                  </a:txBody>
-                  <a:tcPr marL="24384" marR="24384" marT="24384" marB="24384"/>
-                </a:tc>
-                <a:extLst>
-                  <a:ext uri="{0D108BD9-81ED-4DB2-BD59-A6C34878D82A}">
-                    <a16:rowId xmlns:a16="http://schemas.microsoft.com/office/drawing/2014/main" val="3123629609"/>
-                  </a:ext>
-                </a:extLst>
-              </a:tr>
-              <a:tr h="262097">
-                <a:tc>
-                  <a:txBody>
-                    <a:bodyPr/>
-                    <a:lstStyle/>
-                    <a:p>
-                      <a:pPr marL="0" marR="0" lvl="0" indent="0" algn="l" defTabSz="914400" rtl="0" eaLnBrk="1" fontAlgn="auto" latinLnBrk="0" hangingPunct="1">
-                        <a:lnSpc>
-                          <a:spcPct val="100000"/>
-                        </a:lnSpc>
-                        <a:spcBef>
-                          <a:spcPts val="0"/>
-                        </a:spcBef>
-                        <a:spcAft>
-                          <a:spcPts val="0"/>
-                        </a:spcAft>
-                        <a:buClrTx/>
-                        <a:buSzTx/>
-                        <a:buFontTx/>
-                        <a:buNone/>
-                        <a:tabLst/>
-                        <a:defRPr/>
-                      </a:pPr>
-                      <a:endParaRPr lang="en-US" sz="1200" dirty="0">
-                        <a:latin typeface="+mn-lt"/>
-                      </a:endParaRPr>
-                    </a:p>
-                  </a:txBody>
-                  <a:tcPr marL="24384" marR="24384" marT="24384" marB="24384"/>
-                </a:tc>
-                <a:tc>
-                  <a:txBody>
-                    <a:bodyPr/>
-                    <a:lstStyle/>
-                    <a:p>
-                      <a:endParaRPr lang="en-US" sz="1200" dirty="0">
-                        <a:latin typeface="+mn-lt"/>
-                      </a:endParaRPr>
-                    </a:p>
-                  </a:txBody>
-                  <a:tcPr marL="24384" marR="24384" marT="24384" marB="24384"/>
-                </a:tc>
-                <a:tc>
-                  <a:txBody>
-                    <a:bodyPr/>
-                    <a:lstStyle/>
-                    <a:p>
-                      <a:endParaRPr lang="en-US" sz="1200" dirty="0">
-                        <a:latin typeface="+mn-lt"/>
-                      </a:endParaRPr>
-                    </a:p>
-                  </a:txBody>
-                  <a:tcPr marL="24384" marR="24384" marT="24384" marB="24384"/>
-                </a:tc>
-                <a:tc>
-                  <a:txBody>
-                    <a:bodyPr/>
-                    <a:lstStyle/>
-                    <a:p>
-                      <a:endParaRPr lang="en-US" sz="1200" dirty="0">
-                        <a:latin typeface="+mn-lt"/>
-                      </a:endParaRPr>
-                    </a:p>
-                  </a:txBody>
-                  <a:tcPr marL="24384" marR="24384" marT="24384" marB="24384"/>
-                </a:tc>
-                <a:tc>
-                  <a:txBody>
-                    <a:bodyPr/>
-                    <a:lstStyle/>
-                    <a:p>
-                      <a:endParaRPr lang="en-US" sz="1200" dirty="0">
-                        <a:latin typeface="+mn-lt"/>
-                      </a:endParaRPr>
-                    </a:p>
-                  </a:txBody>
-                  <a:tcPr marL="24384" marR="24384" marT="24384" marB="24384"/>
-                </a:tc>
-                <a:tc>
-                  <a:txBody>
-                    <a:bodyPr/>
-                    <a:lstStyle/>
-                    <a:p>
-                      <a:endParaRPr lang="en-US" sz="1200" dirty="0">
-                        <a:latin typeface="+mn-lt"/>
-                      </a:endParaRPr>
-                    </a:p>
-                  </a:txBody>
-                  <a:tcPr marL="24384" marR="24384" marT="24384" marB="24384"/>
-                </a:tc>
-                <a:tc>
-                  <a:txBody>
-                    <a:bodyPr/>
-                    <a:lstStyle/>
-                    <a:p>
-                      <a:endParaRPr lang="en-US" sz="1200" dirty="0">
-                        <a:latin typeface="+mn-lt"/>
-                      </a:endParaRPr>
-                    </a:p>
-                  </a:txBody>
-                  <a:tcPr marL="24384" marR="24384" marT="24384" marB="24384"/>
-                </a:tc>
-                <a:tc>
-                  <a:txBody>
-                    <a:bodyPr/>
-                    <a:lstStyle/>
-                    <a:p>
-                      <a:endParaRPr lang="en-US" sz="1200" dirty="0">
-                        <a:latin typeface="+mn-lt"/>
-                      </a:endParaRPr>
-                    </a:p>
-                  </a:txBody>
-                  <a:tcPr marL="24384" marR="24384" marT="24384" marB="24384"/>
-                </a:tc>
-                <a:tc>
-                  <a:txBody>
-                    <a:bodyPr/>
-                    <a:lstStyle/>
-                    <a:p>
-                      <a:endParaRPr lang="en-US" sz="1200" dirty="0">
-                        <a:latin typeface="+mn-lt"/>
-                      </a:endParaRPr>
-                    </a:p>
-                  </a:txBody>
-                  <a:tcPr marL="24384" marR="24384" marT="24384" marB="24384"/>
-                </a:tc>
-                <a:tc>
-                  <a:txBody>
-                    <a:bodyPr/>
-                    <a:lstStyle/>
-                    <a:p>
-                      <a:endParaRPr lang="en-US" sz="1200" dirty="0">
-                        <a:latin typeface="+mn-lt"/>
-                      </a:endParaRPr>
-                    </a:p>
-                  </a:txBody>
-                  <a:tcPr marL="24384" marR="24384" marT="24384" marB="24384"/>
-                </a:tc>
-                <a:tc>
-                  <a:txBody>
-                    <a:bodyPr/>
-                    <a:lstStyle/>
-                    <a:p>
-                      <a:endParaRPr lang="en-US" sz="1200" dirty="0">
-                        <a:latin typeface="+mn-lt"/>
-                      </a:endParaRPr>
-                    </a:p>
-                  </a:txBody>
-                  <a:tcPr marL="24384" marR="24384" marT="24384" marB="24384"/>
-                </a:tc>
-                <a:extLst>
-                  <a:ext uri="{0D108BD9-81ED-4DB2-BD59-A6C34878D82A}">
-                    <a16:rowId xmlns:a16="http://schemas.microsoft.com/office/drawing/2014/main" val="1360859117"/>
-                  </a:ext>
-                </a:extLst>
-              </a:tr>
-              <a:tr h="335433">
-                <a:tc gridSpan="8">
-                  <a:txBody>
-                    <a:bodyPr/>
-                    <a:lstStyle/>
-                    <a:p>
-                      <a:pPr algn="r"/>
-                      <a:r>
-                        <a:rPr lang="en-US" sz="1200" b="1" dirty="0">
-                          <a:latin typeface="+mn-lt"/>
-                        </a:rPr>
-                        <a:t>Total</a:t>
-                      </a:r>
-                    </a:p>
-                  </a:txBody>
-                  <a:tcPr marL="24384" marR="24384" marT="24384" marB="24384"/>
-                </a:tc>
-                <a:tc hMerge="1">
-                  <a:txBody>
-                    <a:bodyPr/>
-                    <a:lstStyle/>
-                    <a:p>
-                      <a:endParaRPr lang="en-US" sz="1400" dirty="0"/>
-                    </a:p>
-                  </a:txBody>
-                  <a:tcPr/>
-                </a:tc>
-                <a:tc hMerge="1">
-                  <a:txBody>
-                    <a:bodyPr/>
-                    <a:lstStyle/>
-                    <a:p>
-                      <a:endParaRPr lang="en-US" sz="1400" dirty="0"/>
-                    </a:p>
-                  </a:txBody>
-                  <a:tcPr/>
-                </a:tc>
-                <a:tc hMerge="1">
-                  <a:txBody>
-                    <a:bodyPr/>
-                    <a:lstStyle/>
-                    <a:p>
-                      <a:endParaRPr lang="en-US" sz="1400" dirty="0"/>
-                    </a:p>
-                  </a:txBody>
-                  <a:tcPr/>
-                </a:tc>
-                <a:tc hMerge="1">
-                  <a:txBody>
-                    <a:bodyPr/>
-                    <a:lstStyle/>
-                    <a:p>
-                      <a:endParaRPr lang="en-US" sz="1400" dirty="0"/>
-                    </a:p>
-                  </a:txBody>
-                  <a:tcPr/>
-                </a:tc>
-                <a:tc hMerge="1">
-                  <a:txBody>
-                    <a:bodyPr/>
-                    <a:lstStyle/>
-                    <a:p>
-                      <a:endParaRPr lang="en-US" sz="1400" dirty="0"/>
-                    </a:p>
-                  </a:txBody>
-                  <a:tcPr/>
-                </a:tc>
-                <a:tc hMerge="1">
-                  <a:txBody>
-                    <a:bodyPr/>
-                    <a:lstStyle/>
-                    <a:p>
-                      <a:endParaRPr lang="en-US" sz="1400" dirty="0"/>
-                    </a:p>
-                  </a:txBody>
-                  <a:tcPr/>
-                </a:tc>
-                <a:tc hMerge="1">
-                  <a:txBody>
-                    <a:bodyPr/>
-                    <a:lstStyle/>
-                    <a:p>
-                      <a:endParaRPr lang="en-US" sz="1400" dirty="0"/>
-                    </a:p>
-                  </a:txBody>
-                  <a:tcPr/>
-                </a:tc>
-                <a:tc>
-                  <a:txBody>
-                    <a:bodyPr/>
-                    <a:lstStyle/>
-                    <a:p>
-                      <a:r>
-                        <a:rPr lang="en-US" sz="1200" b="1" dirty="0">
-                          <a:latin typeface="+mn-lt"/>
-                        </a:rPr>
-                        <a:t>$00K</a:t>
-                      </a:r>
-                    </a:p>
-                  </a:txBody>
-                  <a:tcPr marL="24384" marR="24384" marT="24384" marB="24384"/>
-                </a:tc>
-                <a:tc>
-                  <a:txBody>
-                    <a:bodyPr/>
-                    <a:lstStyle/>
-                    <a:p>
-                      <a:r>
-                        <a:rPr lang="en-US" sz="1200" b="1" dirty="0">
-                          <a:latin typeface="+mn-lt"/>
-                        </a:rPr>
-                        <a:t>50%</a:t>
-                      </a:r>
-                    </a:p>
-                  </a:txBody>
-                  <a:tcPr marL="24384" marR="24384" marT="24384" marB="24384"/>
-                </a:tc>
-                <a:tc>
-                  <a:txBody>
-                    <a:bodyPr/>
-                    <a:lstStyle/>
-                    <a:p>
-                      <a:endParaRPr lang="en-US" sz="1200" b="1" dirty="0">
-                        <a:latin typeface="+mn-lt"/>
-                      </a:endParaRPr>
-                    </a:p>
-                  </a:txBody>
-                  <a:tcPr marL="24384" marR="24384" marT="24384" marB="24384"/>
-                </a:tc>
-                <a:extLst>
-                  <a:ext uri="{0D108BD9-81ED-4DB2-BD59-A6C34878D82A}">
-                    <a16:rowId xmlns:a16="http://schemas.microsoft.com/office/drawing/2014/main" val="2058594788"/>
+                    <a16:rowId xmlns:a16="http://schemas.microsoft.com/office/drawing/2014/main" val="3881185879"/>
                   </a:ext>
                 </a:extLst>
               </a:tr>
@@ -15239,2780 +15742,6 @@
       </p:grpSpPr>
       <p:sp>
         <p:nvSpPr>
-          <p:cNvPr id="7" name="Title 6">
-            <a:extLst>
-              <a:ext uri="{FF2B5EF4-FFF2-40B4-BE49-F238E27FC236}">
-                <a16:creationId xmlns:a16="http://schemas.microsoft.com/office/drawing/2014/main" id="{7235E168-CD9B-CF75-2B74-3124823D5274}"/>
-              </a:ext>
-            </a:extLst>
-          </p:cNvPr>
-          <p:cNvSpPr>
-            <a:spLocks noGrp="1"/>
-          </p:cNvSpPr>
-          <p:nvPr>
-            <p:ph type="title"/>
-          </p:nvPr>
-        </p:nvSpPr>
-        <p:spPr>
-          <a:xfrm>
-            <a:off x="1724526" y="206391"/>
-            <a:ext cx="10199702" cy="755509"/>
-          </a:xfrm>
-        </p:spPr>
-        <p:txBody>
-          <a:bodyPr/>
-          <a:lstStyle/>
-          <a:p>
-            <a:r>
-              <a:rPr lang="en-US" dirty="0">
-                <a:solidFill>
-                  <a:schemeClr val="tx1"/>
-                </a:solidFill>
-              </a:rPr>
-              <a:t>ERT-XX-XX: Proposed Project Activities for FY25 </a:t>
-            </a:r>
-          </a:p>
-        </p:txBody>
-      </p:sp>
-      <p:graphicFrame>
-        <p:nvGraphicFramePr>
-          <p:cNvPr id="2" name="Table 16">
-            <a:extLst>
-              <a:ext uri="{FF2B5EF4-FFF2-40B4-BE49-F238E27FC236}">
-                <a16:creationId xmlns:a16="http://schemas.microsoft.com/office/drawing/2014/main" id="{D81930B1-A88C-7BCD-F33E-3424B76FB0E6}"/>
-              </a:ext>
-            </a:extLst>
-          </p:cNvPr>
-          <p:cNvGraphicFramePr>
-            <a:graphicFrameLocks/>
-          </p:cNvGraphicFramePr>
-          <p:nvPr/>
-        </p:nvGraphicFramePr>
-        <p:xfrm>
-          <a:off x="1" y="961900"/>
-          <a:ext cx="12192005" cy="5842986"/>
-        </p:xfrm>
-        <a:graphic>
-          <a:graphicData uri="http://schemas.openxmlformats.org/drawingml/2006/table">
-            <a:tbl>
-              <a:tblPr firstRow="1" bandRow="1">
-                <a:tableStyleId>{5C22544A-7EE6-4342-B048-85BDC9FD1C3A}</a:tableStyleId>
-              </a:tblPr>
-              <a:tblGrid>
-                <a:gridCol w="2207503">
-                  <a:extLst>
-                    <a:ext uri="{9D8B030D-6E8A-4147-A177-3AD203B41FA5}">
-                      <a16:colId xmlns:a16="http://schemas.microsoft.com/office/drawing/2014/main" val="2542010261"/>
-                    </a:ext>
-                  </a:extLst>
-                </a:gridCol>
-                <a:gridCol w="1215318">
-                  <a:extLst>
-                    <a:ext uri="{9D8B030D-6E8A-4147-A177-3AD203B41FA5}">
-                      <a16:colId xmlns:a16="http://schemas.microsoft.com/office/drawing/2014/main" val="537557957"/>
-                    </a:ext>
-                  </a:extLst>
-                </a:gridCol>
-                <a:gridCol w="1215318">
-                  <a:extLst>
-                    <a:ext uri="{9D8B030D-6E8A-4147-A177-3AD203B41FA5}">
-                      <a16:colId xmlns:a16="http://schemas.microsoft.com/office/drawing/2014/main" val="1272271172"/>
-                    </a:ext>
-                  </a:extLst>
-                </a:gridCol>
-                <a:gridCol w="886234">
-                  <a:extLst>
-                    <a:ext uri="{9D8B030D-6E8A-4147-A177-3AD203B41FA5}">
-                      <a16:colId xmlns:a16="http://schemas.microsoft.com/office/drawing/2014/main" val="2612829550"/>
-                    </a:ext>
-                  </a:extLst>
-                </a:gridCol>
-                <a:gridCol w="886234">
-                  <a:extLst>
-                    <a:ext uri="{9D8B030D-6E8A-4147-A177-3AD203B41FA5}">
-                      <a16:colId xmlns:a16="http://schemas.microsoft.com/office/drawing/2014/main" val="2379689923"/>
-                    </a:ext>
-                  </a:extLst>
-                </a:gridCol>
-                <a:gridCol w="886234">
-                  <a:extLst>
-                    <a:ext uri="{9D8B030D-6E8A-4147-A177-3AD203B41FA5}">
-                      <a16:colId xmlns:a16="http://schemas.microsoft.com/office/drawing/2014/main" val="835702119"/>
-                    </a:ext>
-                  </a:extLst>
-                </a:gridCol>
-                <a:gridCol w="886234">
-                  <a:extLst>
-                    <a:ext uri="{9D8B030D-6E8A-4147-A177-3AD203B41FA5}">
-                      <a16:colId xmlns:a16="http://schemas.microsoft.com/office/drawing/2014/main" val="1992486238"/>
-                    </a:ext>
-                  </a:extLst>
-                </a:gridCol>
-                <a:gridCol w="886234">
-                  <a:extLst>
-                    <a:ext uri="{9D8B030D-6E8A-4147-A177-3AD203B41FA5}">
-                      <a16:colId xmlns:a16="http://schemas.microsoft.com/office/drawing/2014/main" val="1983802552"/>
-                    </a:ext>
-                  </a:extLst>
-                </a:gridCol>
-                <a:gridCol w="582317">
-                  <a:extLst>
-                    <a:ext uri="{9D8B030D-6E8A-4147-A177-3AD203B41FA5}">
-                      <a16:colId xmlns:a16="http://schemas.microsoft.com/office/drawing/2014/main" val="3347708002"/>
-                    </a:ext>
-                  </a:extLst>
-                </a:gridCol>
-                <a:gridCol w="675604">
-                  <a:extLst>
-                    <a:ext uri="{9D8B030D-6E8A-4147-A177-3AD203B41FA5}">
-                      <a16:colId xmlns:a16="http://schemas.microsoft.com/office/drawing/2014/main" val="670443815"/>
-                    </a:ext>
-                  </a:extLst>
-                </a:gridCol>
-                <a:gridCol w="1864775">
-                  <a:extLst>
-                    <a:ext uri="{9D8B030D-6E8A-4147-A177-3AD203B41FA5}">
-                      <a16:colId xmlns:a16="http://schemas.microsoft.com/office/drawing/2014/main" val="2601945297"/>
-                    </a:ext>
-                  </a:extLst>
-                </a:gridCol>
-              </a:tblGrid>
-              <a:tr h="993066">
-                <a:tc>
-                  <a:txBody>
-                    <a:bodyPr/>
-                    <a:lstStyle/>
-                    <a:p>
-                      <a:pPr marL="0" marR="0" algn="ctr">
-                        <a:lnSpc>
-                          <a:spcPct val="115000"/>
-                        </a:lnSpc>
-                        <a:spcBef>
-                          <a:spcPts val="0"/>
-                        </a:spcBef>
-                        <a:spcAft>
-                          <a:spcPts val="600"/>
-                        </a:spcAft>
-                      </a:pPr>
-                      <a:r>
-                        <a:rPr lang="en-US" sz="1200" b="1" dirty="0">
-                          <a:solidFill>
-                            <a:schemeClr val="bg2"/>
-                          </a:solidFill>
-                          <a:effectLst/>
-                          <a:latin typeface="+mn-lt"/>
-                          <a:ea typeface="MS Mincho" panose="02020609040205080304" pitchFamily="49" charset="-128"/>
-                          <a:cs typeface="Calibri" panose="020F0502020204030204" pitchFamily="34" charset="0"/>
-                        </a:rPr>
-                        <a:t>Activity</a:t>
-                      </a:r>
-                      <a:endParaRPr lang="en-US" sz="1200" dirty="0">
-                        <a:solidFill>
-                          <a:schemeClr val="bg2"/>
-                        </a:solidFill>
-                        <a:effectLst/>
-                        <a:latin typeface="+mn-lt"/>
-                        <a:ea typeface="MS Mincho" panose="02020609040205080304" pitchFamily="49" charset="-128"/>
-                        <a:cs typeface="Times New Roman" panose="02020603050405020304" pitchFamily="18" charset="0"/>
-                      </a:endParaRPr>
-                    </a:p>
-                  </a:txBody>
-                  <a:tcPr marL="24384" marR="24384" marT="24384" marB="24384" anchor="ctr">
-                    <a:solidFill>
-                      <a:srgbClr val="7688AA"/>
-                    </a:solidFill>
-                  </a:tcPr>
-                </a:tc>
-                <a:tc>
-                  <a:txBody>
-                    <a:bodyPr/>
-                    <a:lstStyle/>
-                    <a:p>
-                      <a:pPr marL="0" marR="0" algn="ctr">
-                        <a:lnSpc>
-                          <a:spcPct val="115000"/>
-                        </a:lnSpc>
-                        <a:spcBef>
-                          <a:spcPts val="0"/>
-                        </a:spcBef>
-                        <a:spcAft>
-                          <a:spcPts val="600"/>
-                        </a:spcAft>
-                      </a:pPr>
-                      <a:r>
-                        <a:rPr lang="en-US" sz="1200" b="1" dirty="0">
-                          <a:solidFill>
-                            <a:schemeClr val="bg2"/>
-                          </a:solidFill>
-                          <a:effectLst/>
-                          <a:latin typeface="+mn-lt"/>
-                          <a:ea typeface="MS Mincho" panose="02020609040205080304" pitchFamily="49" charset="-128"/>
-                          <a:cs typeface="Calibri" panose="020F0502020204030204" pitchFamily="34" charset="0"/>
-                        </a:rPr>
-                        <a:t>Deliverable</a:t>
-                      </a:r>
-                      <a:endParaRPr lang="en-US" sz="1200" dirty="0">
-                        <a:solidFill>
-                          <a:schemeClr val="bg2"/>
-                        </a:solidFill>
-                        <a:effectLst/>
-                        <a:latin typeface="+mn-lt"/>
-                        <a:ea typeface="MS Mincho" panose="02020609040205080304" pitchFamily="49" charset="-128"/>
-                        <a:cs typeface="Times New Roman" panose="02020603050405020304" pitchFamily="18" charset="0"/>
-                      </a:endParaRPr>
-                    </a:p>
-                  </a:txBody>
-                  <a:tcPr marL="24384" marR="24384" marT="24384" marB="24384" anchor="ctr">
-                    <a:solidFill>
-                      <a:srgbClr val="7688AA"/>
-                    </a:solidFill>
-                  </a:tcPr>
-                </a:tc>
-                <a:tc>
-                  <a:txBody>
-                    <a:bodyPr/>
-                    <a:lstStyle/>
-                    <a:p>
-                      <a:pPr marL="0" marR="0" algn="ctr">
-                        <a:lnSpc>
-                          <a:spcPct val="115000"/>
-                        </a:lnSpc>
-                        <a:spcBef>
-                          <a:spcPts val="0"/>
-                        </a:spcBef>
-                        <a:spcAft>
-                          <a:spcPts val="600"/>
-                        </a:spcAft>
-                      </a:pPr>
-                      <a:r>
-                        <a:rPr lang="en-US" sz="1200" b="1" dirty="0">
-                          <a:solidFill>
-                            <a:schemeClr val="bg2"/>
-                          </a:solidFill>
-                          <a:effectLst/>
-                          <a:latin typeface="+mn-lt"/>
-                          <a:ea typeface="MS Mincho" panose="02020609040205080304" pitchFamily="49" charset="-128"/>
-                          <a:cs typeface="Calibri" panose="020F0502020204030204" pitchFamily="34" charset="0"/>
-                        </a:rPr>
-                        <a:t>Comms / Technical Transfer Plan</a:t>
-                      </a:r>
-                      <a:endParaRPr lang="en-US" sz="1200" dirty="0">
-                        <a:solidFill>
-                          <a:schemeClr val="bg2"/>
-                        </a:solidFill>
-                        <a:effectLst/>
-                        <a:latin typeface="+mn-lt"/>
-                        <a:ea typeface="MS Mincho" panose="02020609040205080304" pitchFamily="49" charset="-128"/>
-                        <a:cs typeface="Times New Roman" panose="02020603050405020304" pitchFamily="18" charset="0"/>
-                      </a:endParaRPr>
-                    </a:p>
-                  </a:txBody>
-                  <a:tcPr marL="24384" marR="24384" marT="24384" marB="24384" anchor="ctr">
-                    <a:solidFill>
-                      <a:srgbClr val="7688AA"/>
-                    </a:solidFill>
-                  </a:tcPr>
-                </a:tc>
-                <a:tc>
-                  <a:txBody>
-                    <a:bodyPr/>
-                    <a:lstStyle/>
-                    <a:p>
-                      <a:pPr marL="0" marR="0" algn="ctr">
-                        <a:lnSpc>
-                          <a:spcPct val="115000"/>
-                        </a:lnSpc>
-                        <a:spcBef>
-                          <a:spcPts val="0"/>
-                        </a:spcBef>
-                        <a:spcAft>
-                          <a:spcPts val="600"/>
-                        </a:spcAft>
-                      </a:pPr>
-                      <a:r>
-                        <a:rPr lang="en-US" sz="1200" b="1" dirty="0">
-                          <a:solidFill>
-                            <a:schemeClr val="bg2"/>
-                          </a:solidFill>
-                          <a:effectLst/>
-                          <a:latin typeface="+mn-lt"/>
-                          <a:ea typeface="MS Mincho" panose="02020609040205080304" pitchFamily="49" charset="-128"/>
-                          <a:cs typeface="Calibri" panose="020F0502020204030204" pitchFamily="34" charset="0"/>
-                        </a:rPr>
-                        <a:t>Lead POC</a:t>
-                      </a:r>
-                      <a:endParaRPr lang="en-US" sz="1200" dirty="0">
-                        <a:solidFill>
-                          <a:schemeClr val="bg2"/>
-                        </a:solidFill>
-                        <a:effectLst/>
-                        <a:latin typeface="+mn-lt"/>
-                        <a:ea typeface="MS Mincho" panose="02020609040205080304" pitchFamily="49" charset="-128"/>
-                        <a:cs typeface="Times New Roman" panose="02020603050405020304" pitchFamily="18" charset="0"/>
-                      </a:endParaRPr>
-                    </a:p>
-                  </a:txBody>
-                  <a:tcPr marL="24384" marR="24384" marT="24384" marB="24384" anchor="ctr">
-                    <a:solidFill>
-                      <a:srgbClr val="7688AA"/>
-                    </a:solidFill>
-                  </a:tcPr>
-                </a:tc>
-                <a:tc>
-                  <a:txBody>
-                    <a:bodyPr/>
-                    <a:lstStyle/>
-                    <a:p>
-                      <a:pPr marL="0" marR="0" algn="ctr">
-                        <a:lnSpc>
-                          <a:spcPct val="115000"/>
-                        </a:lnSpc>
-                        <a:spcBef>
-                          <a:spcPts val="0"/>
-                        </a:spcBef>
-                        <a:spcAft>
-                          <a:spcPts val="600"/>
-                        </a:spcAft>
-                      </a:pPr>
-                      <a:r>
-                        <a:rPr lang="en-US" sz="1200" b="1" dirty="0">
-                          <a:solidFill>
-                            <a:schemeClr val="bg2"/>
-                          </a:solidFill>
-                          <a:effectLst/>
-                          <a:latin typeface="+mn-lt"/>
-                          <a:ea typeface="MS Mincho" panose="02020609040205080304" pitchFamily="49" charset="-128"/>
-                          <a:cs typeface="Calibri" panose="020F0502020204030204" pitchFamily="34" charset="0"/>
-                        </a:rPr>
-                        <a:t>Original Start Date (MM/YYYY)</a:t>
-                      </a:r>
-                      <a:endParaRPr lang="en-US" sz="1200" dirty="0">
-                        <a:solidFill>
-                          <a:schemeClr val="bg2"/>
-                        </a:solidFill>
-                        <a:effectLst/>
-                        <a:latin typeface="+mn-lt"/>
-                        <a:ea typeface="MS Mincho" panose="02020609040205080304" pitchFamily="49" charset="-128"/>
-                        <a:cs typeface="Times New Roman" panose="02020603050405020304" pitchFamily="18" charset="0"/>
-                      </a:endParaRPr>
-                    </a:p>
-                  </a:txBody>
-                  <a:tcPr marL="24384" marR="24384" marT="24384" marB="24384" anchor="ctr">
-                    <a:solidFill>
-                      <a:srgbClr val="7688AA"/>
-                    </a:solidFill>
-                  </a:tcPr>
-                </a:tc>
-                <a:tc>
-                  <a:txBody>
-                    <a:bodyPr/>
-                    <a:lstStyle/>
-                    <a:p>
-                      <a:pPr marL="0" marR="0" algn="ctr">
-                        <a:lnSpc>
-                          <a:spcPct val="115000"/>
-                        </a:lnSpc>
-                        <a:spcBef>
-                          <a:spcPts val="0"/>
-                        </a:spcBef>
-                        <a:spcAft>
-                          <a:spcPts val="600"/>
-                        </a:spcAft>
-                      </a:pPr>
-                      <a:r>
-                        <a:rPr lang="en-US" sz="1200" b="1" dirty="0">
-                          <a:solidFill>
-                            <a:schemeClr val="bg2"/>
-                          </a:solidFill>
-                          <a:effectLst/>
-                          <a:latin typeface="+mn-lt"/>
-                          <a:ea typeface="MS Mincho" panose="02020609040205080304" pitchFamily="49" charset="-128"/>
-                          <a:cs typeface="Times New Roman" panose="02020603050405020304" pitchFamily="18" charset="0"/>
-                        </a:rPr>
-                        <a:t>Actual Start Date </a:t>
-                      </a:r>
-                      <a:r>
-                        <a:rPr lang="en-US" sz="1200" b="1" dirty="0">
-                          <a:solidFill>
-                            <a:schemeClr val="bg2"/>
-                          </a:solidFill>
-                          <a:effectLst/>
-                          <a:latin typeface="+mn-lt"/>
-                          <a:ea typeface="MS Mincho" panose="02020609040205080304" pitchFamily="49" charset="-128"/>
-                          <a:cs typeface="Calibri" panose="020F0502020204030204" pitchFamily="34" charset="0"/>
-                        </a:rPr>
-                        <a:t>(MM/YYYY)</a:t>
-                      </a:r>
-                      <a:endParaRPr lang="en-US" sz="1200" b="1" dirty="0">
-                        <a:solidFill>
-                          <a:schemeClr val="bg2"/>
-                        </a:solidFill>
-                        <a:effectLst/>
-                        <a:latin typeface="+mn-lt"/>
-                        <a:ea typeface="MS Mincho" panose="02020609040205080304" pitchFamily="49" charset="-128"/>
-                        <a:cs typeface="Times New Roman" panose="02020603050405020304" pitchFamily="18" charset="0"/>
-                      </a:endParaRPr>
-                    </a:p>
-                  </a:txBody>
-                  <a:tcPr marL="24384" marR="24384" marT="24384" marB="24384" anchor="ctr">
-                    <a:solidFill>
-                      <a:srgbClr val="7688AA"/>
-                    </a:solidFill>
-                  </a:tcPr>
-                </a:tc>
-                <a:tc>
-                  <a:txBody>
-                    <a:bodyPr/>
-                    <a:lstStyle/>
-                    <a:p>
-                      <a:pPr marL="0" marR="0" algn="ctr">
-                        <a:lnSpc>
-                          <a:spcPct val="115000"/>
-                        </a:lnSpc>
-                        <a:spcBef>
-                          <a:spcPts val="0"/>
-                        </a:spcBef>
-                        <a:spcAft>
-                          <a:spcPts val="600"/>
-                        </a:spcAft>
-                      </a:pPr>
-                      <a:r>
-                        <a:rPr lang="en-US" sz="1200" b="1" dirty="0">
-                          <a:solidFill>
-                            <a:schemeClr val="bg2"/>
-                          </a:solidFill>
-                          <a:effectLst/>
-                          <a:latin typeface="+mn-lt"/>
-                          <a:ea typeface="MS Mincho" panose="02020609040205080304" pitchFamily="49" charset="-128"/>
-                          <a:cs typeface="Calibri" panose="020F0502020204030204" pitchFamily="34" charset="0"/>
-                        </a:rPr>
-                        <a:t>Original  End Date (MM/YYYY)</a:t>
-                      </a:r>
-                      <a:endParaRPr lang="en-US" sz="1200" dirty="0">
-                        <a:solidFill>
-                          <a:schemeClr val="bg2"/>
-                        </a:solidFill>
-                        <a:effectLst/>
-                        <a:latin typeface="+mn-lt"/>
-                        <a:ea typeface="MS Mincho" panose="02020609040205080304" pitchFamily="49" charset="-128"/>
-                        <a:cs typeface="Times New Roman" panose="02020603050405020304" pitchFamily="18" charset="0"/>
-                      </a:endParaRPr>
-                    </a:p>
-                  </a:txBody>
-                  <a:tcPr marL="24384" marR="24384" marT="24384" marB="24384" anchor="ctr">
-                    <a:solidFill>
-                      <a:srgbClr val="7688AA"/>
-                    </a:solidFill>
-                  </a:tcPr>
-                </a:tc>
-                <a:tc>
-                  <a:txBody>
-                    <a:bodyPr/>
-                    <a:lstStyle/>
-                    <a:p>
-                      <a:pPr marL="0" marR="0" algn="ctr">
-                        <a:lnSpc>
-                          <a:spcPct val="115000"/>
-                        </a:lnSpc>
-                        <a:spcBef>
-                          <a:spcPts val="0"/>
-                        </a:spcBef>
-                        <a:spcAft>
-                          <a:spcPts val="600"/>
-                        </a:spcAft>
-                      </a:pPr>
-                      <a:r>
-                        <a:rPr lang="en-US" sz="1200" b="1" dirty="0">
-                          <a:solidFill>
-                            <a:schemeClr val="bg2"/>
-                          </a:solidFill>
-                          <a:effectLst/>
-                          <a:latin typeface="+mn-lt"/>
-                          <a:ea typeface="MS Mincho" panose="02020609040205080304" pitchFamily="49" charset="-128"/>
-                          <a:cs typeface="Calibri" panose="020F0502020204030204" pitchFamily="34" charset="0"/>
-                        </a:rPr>
-                        <a:t>Actual End Date (MM/YYYY)</a:t>
-                      </a:r>
-                      <a:endParaRPr lang="en-US" sz="1200" dirty="0">
-                        <a:solidFill>
-                          <a:schemeClr val="bg2"/>
-                        </a:solidFill>
-                        <a:effectLst/>
-                        <a:latin typeface="+mn-lt"/>
-                        <a:ea typeface="MS Mincho" panose="02020609040205080304" pitchFamily="49" charset="-128"/>
-                        <a:cs typeface="Times New Roman" panose="02020603050405020304" pitchFamily="18" charset="0"/>
-                      </a:endParaRPr>
-                    </a:p>
-                  </a:txBody>
-                  <a:tcPr marL="24384" marR="24384" marT="24384" marB="24384" anchor="ctr">
-                    <a:solidFill>
-                      <a:srgbClr val="7688AA"/>
-                    </a:solidFill>
-                  </a:tcPr>
-                </a:tc>
-                <a:tc>
-                  <a:txBody>
-                    <a:bodyPr/>
-                    <a:lstStyle/>
-                    <a:p>
-                      <a:pPr marL="0" marR="0" algn="ctr">
-                        <a:lnSpc>
-                          <a:spcPct val="115000"/>
-                        </a:lnSpc>
-                        <a:spcBef>
-                          <a:spcPts val="0"/>
-                        </a:spcBef>
-                        <a:spcAft>
-                          <a:spcPts val="600"/>
-                        </a:spcAft>
-                      </a:pPr>
-                      <a:r>
-                        <a:rPr lang="en-US" sz="1200" b="1" dirty="0">
-                          <a:solidFill>
-                            <a:schemeClr val="bg2"/>
-                          </a:solidFill>
-                          <a:effectLst/>
-                          <a:latin typeface="+mn-lt"/>
-                          <a:ea typeface="MS Mincho" panose="02020609040205080304" pitchFamily="49" charset="-128"/>
-                          <a:cs typeface="Times New Roman" panose="02020603050405020304" pitchFamily="18" charset="0"/>
-                        </a:rPr>
-                        <a:t>Budget ($K)</a:t>
-                      </a:r>
-                    </a:p>
-                  </a:txBody>
-                  <a:tcPr marL="24384" marR="24384" marT="24384" marB="24384" anchor="ctr">
-                    <a:solidFill>
-                      <a:srgbClr val="7688AA"/>
-                    </a:solidFill>
-                  </a:tcPr>
-                </a:tc>
-                <a:tc>
-                  <a:txBody>
-                    <a:bodyPr/>
-                    <a:lstStyle/>
-                    <a:p>
-                      <a:pPr marL="0" marR="0" algn="ctr">
-                        <a:lnSpc>
-                          <a:spcPct val="115000"/>
-                        </a:lnSpc>
-                        <a:spcBef>
-                          <a:spcPts val="0"/>
-                        </a:spcBef>
-                        <a:spcAft>
-                          <a:spcPts val="600"/>
-                        </a:spcAft>
-                      </a:pPr>
-                      <a:r>
-                        <a:rPr lang="en-US" sz="1200" b="1" dirty="0">
-                          <a:solidFill>
-                            <a:schemeClr val="bg2"/>
-                          </a:solidFill>
-                          <a:effectLst/>
-                          <a:latin typeface="+mn-lt"/>
-                          <a:ea typeface="MS Mincho" panose="02020609040205080304" pitchFamily="49" charset="-128"/>
-                          <a:cs typeface="Calibri" panose="020F0502020204030204" pitchFamily="34" charset="0"/>
-                        </a:rPr>
-                        <a:t>Percent Complete (%)</a:t>
-                      </a:r>
-                      <a:endParaRPr lang="en-US" sz="1200" dirty="0">
-                        <a:solidFill>
-                          <a:schemeClr val="bg2"/>
-                        </a:solidFill>
-                        <a:effectLst/>
-                        <a:latin typeface="+mn-lt"/>
-                        <a:ea typeface="MS Mincho" panose="02020609040205080304" pitchFamily="49" charset="-128"/>
-                        <a:cs typeface="Times New Roman" panose="02020603050405020304" pitchFamily="18" charset="0"/>
-                      </a:endParaRPr>
-                    </a:p>
-                  </a:txBody>
-                  <a:tcPr marL="24384" marR="24384" marT="24384" marB="24384" anchor="ctr">
-                    <a:solidFill>
-                      <a:srgbClr val="7688AA"/>
-                    </a:solidFill>
-                  </a:tcPr>
-                </a:tc>
-                <a:tc>
-                  <a:txBody>
-                    <a:bodyPr/>
-                    <a:lstStyle/>
-                    <a:p>
-                      <a:pPr marL="0" marR="0" algn="ctr">
-                        <a:spcBef>
-                          <a:spcPts val="0"/>
-                        </a:spcBef>
-                        <a:spcAft>
-                          <a:spcPts val="600"/>
-                        </a:spcAft>
-                      </a:pPr>
-                      <a:r>
-                        <a:rPr lang="en-US" sz="1200" dirty="0">
-                          <a:solidFill>
-                            <a:schemeClr val="bg2"/>
-                          </a:solidFill>
-                          <a:effectLst/>
-                          <a:latin typeface="+mn-lt"/>
-                          <a:ea typeface="MS Mincho" panose="02020609040205080304" pitchFamily="49" charset="-128"/>
-                          <a:cs typeface="Times New Roman" panose="02020603050405020304" pitchFamily="18" charset="0"/>
-                        </a:rPr>
-                        <a:t>Notes</a:t>
-                      </a:r>
-                    </a:p>
-                  </a:txBody>
-                  <a:tcPr marL="24384" marR="24384" marT="24384" marB="24384" anchor="ctr">
-                    <a:solidFill>
-                      <a:srgbClr val="7688AA"/>
-                    </a:solidFill>
-                  </a:tcPr>
-                </a:tc>
-                <a:extLst>
-                  <a:ext uri="{0D108BD9-81ED-4DB2-BD59-A6C34878D82A}">
-                    <a16:rowId xmlns:a16="http://schemas.microsoft.com/office/drawing/2014/main" val="3784408905"/>
-                  </a:ext>
-                </a:extLst>
-              </a:tr>
-              <a:tr h="469016">
-                <a:tc>
-                  <a:txBody>
-                    <a:bodyPr/>
-                    <a:lstStyle/>
-                    <a:p>
-                      <a:pPr marL="0" marR="0">
-                        <a:spcBef>
-                          <a:spcPts val="0"/>
-                        </a:spcBef>
-                        <a:spcAft>
-                          <a:spcPts val="600"/>
-                        </a:spcAft>
-                      </a:pPr>
-                      <a:r>
-                        <a:rPr lang="en-US" sz="1200" dirty="0">
-                          <a:solidFill>
-                            <a:srgbClr val="000000"/>
-                          </a:solidFill>
-                          <a:effectLst/>
-                          <a:latin typeface="+mn-lt"/>
-                          <a:ea typeface="MS Mincho" panose="02020609040205080304" pitchFamily="49" charset="-128"/>
-                          <a:cs typeface="Calibri" panose="020F0502020204030204" pitchFamily="34" charset="0"/>
-                        </a:rPr>
-                        <a:t>Develop Course Content</a:t>
-                      </a:r>
-                      <a:endParaRPr lang="en-US" sz="1200" dirty="0">
-                        <a:effectLst/>
-                        <a:latin typeface="+mn-lt"/>
-                        <a:ea typeface="MS Mincho" panose="02020609040205080304" pitchFamily="49" charset="-128"/>
-                        <a:cs typeface="Calibri" panose="020F0502020204030204" pitchFamily="34" charset="0"/>
-                      </a:endParaRPr>
-                    </a:p>
-                  </a:txBody>
-                  <a:tcPr marL="24384" marR="24384" marT="24384" marB="24384"/>
-                </a:tc>
-                <a:tc>
-                  <a:txBody>
-                    <a:bodyPr/>
-                    <a:lstStyle/>
-                    <a:p>
-                      <a:pPr marL="0" marR="0">
-                        <a:spcBef>
-                          <a:spcPts val="0"/>
-                        </a:spcBef>
-                        <a:spcAft>
-                          <a:spcPts val="600"/>
-                        </a:spcAft>
-                      </a:pPr>
-                      <a:r>
-                        <a:rPr lang="en-US" sz="1200" dirty="0" err="1">
-                          <a:solidFill>
-                            <a:srgbClr val="000000"/>
-                          </a:solidFill>
-                          <a:effectLst/>
-                          <a:latin typeface="+mn-lt"/>
-                          <a:ea typeface="MS Mincho" panose="02020609040205080304" pitchFamily="49" charset="-128"/>
-                          <a:cs typeface="Calibri" panose="020F0502020204030204" pitchFamily="34" charset="0"/>
-                        </a:rPr>
-                        <a:t>Powerpoints</a:t>
-                      </a:r>
-                      <a:r>
-                        <a:rPr lang="en-US" sz="1200" dirty="0">
-                          <a:solidFill>
-                            <a:srgbClr val="000000"/>
-                          </a:solidFill>
-                          <a:effectLst/>
-                          <a:latin typeface="+mn-lt"/>
-                          <a:ea typeface="MS Mincho" panose="02020609040205080304" pitchFamily="49" charset="-128"/>
-                          <a:cs typeface="Calibri" panose="020F0502020204030204" pitchFamily="34" charset="0"/>
-                        </a:rPr>
-                        <a:t> of course content</a:t>
-                      </a:r>
-                      <a:endParaRPr lang="en-US" sz="1200" dirty="0">
-                        <a:effectLst/>
-                        <a:latin typeface="+mn-lt"/>
-                        <a:ea typeface="MS Mincho" panose="02020609040205080304" pitchFamily="49" charset="-128"/>
-                        <a:cs typeface="Calibri" panose="020F0502020204030204" pitchFamily="34" charset="0"/>
-                      </a:endParaRPr>
-                    </a:p>
-                  </a:txBody>
-                  <a:tcPr marL="24384" marR="24384" marT="24384" marB="24384"/>
-                </a:tc>
-                <a:tc>
-                  <a:txBody>
-                    <a:bodyPr/>
-                    <a:lstStyle/>
-                    <a:p>
-                      <a:pPr marL="0" marR="0">
-                        <a:spcBef>
-                          <a:spcPts val="0"/>
-                        </a:spcBef>
-                        <a:spcAft>
-                          <a:spcPts val="600"/>
-                        </a:spcAft>
-                      </a:pPr>
-                      <a:endParaRPr lang="en-US" sz="1200" dirty="0">
-                        <a:effectLst/>
-                        <a:latin typeface="+mn-lt"/>
-                        <a:ea typeface="MS Mincho" panose="02020609040205080304" pitchFamily="49" charset="-128"/>
-                        <a:cs typeface="Calibri" panose="020F0502020204030204" pitchFamily="34" charset="0"/>
-                      </a:endParaRPr>
-                    </a:p>
-                  </a:txBody>
-                  <a:tcPr marL="24384" marR="24384" marT="24384" marB="24384"/>
-                </a:tc>
-                <a:tc>
-                  <a:txBody>
-                    <a:bodyPr/>
-                    <a:lstStyle/>
-                    <a:p>
-                      <a:pPr marL="0" marR="0">
-                        <a:spcBef>
-                          <a:spcPts val="0"/>
-                        </a:spcBef>
-                        <a:spcAft>
-                          <a:spcPts val="600"/>
-                        </a:spcAft>
-                      </a:pPr>
-                      <a:r>
-                        <a:rPr lang="en-US" sz="1200" dirty="0">
-                          <a:solidFill>
-                            <a:srgbClr val="000000"/>
-                          </a:solidFill>
-                          <a:effectLst/>
-                          <a:latin typeface="+mn-lt"/>
-                          <a:ea typeface="MS Mincho" panose="02020609040205080304" pitchFamily="49" charset="-128"/>
-                          <a:cs typeface="Calibri" panose="020F0502020204030204" pitchFamily="34" charset="0"/>
-                        </a:rPr>
-                        <a:t>Biedenharn</a:t>
-                      </a:r>
-                      <a:endParaRPr lang="en-US" sz="1200" dirty="0">
-                        <a:effectLst/>
-                        <a:latin typeface="+mn-lt"/>
-                        <a:ea typeface="MS Mincho" panose="02020609040205080304" pitchFamily="49" charset="-128"/>
-                        <a:cs typeface="Calibri" panose="020F0502020204030204" pitchFamily="34" charset="0"/>
-                      </a:endParaRPr>
-                    </a:p>
-                  </a:txBody>
-                  <a:tcPr marL="24384" marR="24384" marT="24384" marB="24384"/>
-                </a:tc>
-                <a:tc>
-                  <a:txBody>
-                    <a:bodyPr/>
-                    <a:lstStyle/>
-                    <a:p>
-                      <a:pPr marL="0" marR="0">
-                        <a:spcBef>
-                          <a:spcPts val="0"/>
-                        </a:spcBef>
-                        <a:spcAft>
-                          <a:spcPts val="600"/>
-                        </a:spcAft>
-                      </a:pPr>
-                      <a:r>
-                        <a:rPr lang="en-US" sz="1200" dirty="0">
-                          <a:solidFill>
-                            <a:srgbClr val="000000"/>
-                          </a:solidFill>
-                          <a:effectLst/>
-                          <a:latin typeface="+mn-lt"/>
-                          <a:ea typeface="MS Mincho" panose="02020609040205080304" pitchFamily="49" charset="-128"/>
-                          <a:cs typeface="Calibri" panose="020F0502020204030204" pitchFamily="34" charset="0"/>
-                        </a:rPr>
-                        <a:t>07/2022</a:t>
-                      </a:r>
-                      <a:endParaRPr lang="en-US" sz="1200" dirty="0">
-                        <a:effectLst/>
-                        <a:latin typeface="+mn-lt"/>
-                        <a:ea typeface="MS Mincho" panose="02020609040205080304" pitchFamily="49" charset="-128"/>
-                        <a:cs typeface="Calibri" panose="020F0502020204030204" pitchFamily="34" charset="0"/>
-                      </a:endParaRPr>
-                    </a:p>
-                  </a:txBody>
-                  <a:tcPr marL="24384" marR="24384" marT="24384" marB="24384"/>
-                </a:tc>
-                <a:tc>
-                  <a:txBody>
-                    <a:bodyPr/>
-                    <a:lstStyle/>
-                    <a:p>
-                      <a:pPr marL="0" marR="0">
-                        <a:spcBef>
-                          <a:spcPts val="0"/>
-                        </a:spcBef>
-                        <a:spcAft>
-                          <a:spcPts val="600"/>
-                        </a:spcAft>
-                      </a:pPr>
-                      <a:endParaRPr lang="en-US" sz="1200" dirty="0">
-                        <a:effectLst/>
-                        <a:latin typeface="+mn-lt"/>
-                        <a:ea typeface="MS Mincho" panose="02020609040205080304" pitchFamily="49" charset="-128"/>
-                        <a:cs typeface="Calibri" panose="020F0502020204030204" pitchFamily="34" charset="0"/>
-                      </a:endParaRPr>
-                    </a:p>
-                  </a:txBody>
-                  <a:tcPr marL="24384" marR="24384" marT="24384" marB="24384"/>
-                </a:tc>
-                <a:tc>
-                  <a:txBody>
-                    <a:bodyPr/>
-                    <a:lstStyle/>
-                    <a:p>
-                      <a:pPr marL="0" marR="0">
-                        <a:spcBef>
-                          <a:spcPts val="0"/>
-                        </a:spcBef>
-                        <a:spcAft>
-                          <a:spcPts val="600"/>
-                        </a:spcAft>
-                      </a:pPr>
-                      <a:r>
-                        <a:rPr lang="en-US" sz="1200" dirty="0">
-                          <a:solidFill>
-                            <a:srgbClr val="000000"/>
-                          </a:solidFill>
-                          <a:effectLst/>
-                          <a:latin typeface="+mn-lt"/>
-                          <a:ea typeface="MS Mincho" panose="02020609040205080304" pitchFamily="49" charset="-128"/>
-                          <a:cs typeface="Calibri" panose="020F0502020204030204" pitchFamily="34" charset="0"/>
-                        </a:rPr>
-                        <a:t>07/2024</a:t>
-                      </a:r>
-                      <a:endParaRPr lang="en-US" sz="1200" dirty="0">
-                        <a:effectLst/>
-                        <a:latin typeface="+mn-lt"/>
-                        <a:ea typeface="MS Mincho" panose="02020609040205080304" pitchFamily="49" charset="-128"/>
-                        <a:cs typeface="Calibri" panose="020F0502020204030204" pitchFamily="34" charset="0"/>
-                      </a:endParaRPr>
-                    </a:p>
-                  </a:txBody>
-                  <a:tcPr marL="24384" marR="24384" marT="24384" marB="24384"/>
-                </a:tc>
-                <a:tc>
-                  <a:txBody>
-                    <a:bodyPr/>
-                    <a:lstStyle/>
-                    <a:p>
-                      <a:pPr marL="0" marR="0">
-                        <a:spcBef>
-                          <a:spcPts val="0"/>
-                        </a:spcBef>
-                        <a:spcAft>
-                          <a:spcPts val="600"/>
-                        </a:spcAft>
-                      </a:pPr>
-                      <a:endParaRPr lang="en-US" sz="1200">
-                        <a:effectLst/>
-                        <a:latin typeface="+mn-lt"/>
-                        <a:ea typeface="MS Mincho" panose="02020609040205080304" pitchFamily="49" charset="-128"/>
-                        <a:cs typeface="Calibri" panose="020F0502020204030204" pitchFamily="34" charset="0"/>
-                      </a:endParaRPr>
-                    </a:p>
-                  </a:txBody>
-                  <a:tcPr marL="24384" marR="24384" marT="24384" marB="24384"/>
-                </a:tc>
-                <a:tc>
-                  <a:txBody>
-                    <a:bodyPr/>
-                    <a:lstStyle/>
-                    <a:p>
-                      <a:pPr marL="0" marR="0">
-                        <a:spcBef>
-                          <a:spcPts val="0"/>
-                        </a:spcBef>
-                        <a:spcAft>
-                          <a:spcPts val="600"/>
-                        </a:spcAft>
-                      </a:pPr>
-                      <a:r>
-                        <a:rPr lang="en-US" sz="1200" dirty="0">
-                          <a:solidFill>
-                            <a:srgbClr val="000000"/>
-                          </a:solidFill>
-                          <a:effectLst/>
-                          <a:latin typeface="+mn-lt"/>
-                          <a:ea typeface="MS Mincho" panose="02020609040205080304" pitchFamily="49" charset="-128"/>
-                          <a:cs typeface="Calibri" panose="020F0502020204030204" pitchFamily="34" charset="0"/>
-                        </a:rPr>
-                        <a:t>$00K</a:t>
-                      </a:r>
-                      <a:endParaRPr lang="en-US" sz="1200" dirty="0">
-                        <a:effectLst/>
-                        <a:latin typeface="+mn-lt"/>
-                        <a:ea typeface="MS Mincho" panose="02020609040205080304" pitchFamily="49" charset="-128"/>
-                        <a:cs typeface="Calibri" panose="020F0502020204030204" pitchFamily="34" charset="0"/>
-                      </a:endParaRPr>
-                    </a:p>
-                  </a:txBody>
-                  <a:tcPr marL="24384" marR="24384" marT="24384" marB="24384"/>
-                </a:tc>
-                <a:tc>
-                  <a:txBody>
-                    <a:bodyPr/>
-                    <a:lstStyle/>
-                    <a:p>
-                      <a:pPr marL="0" marR="0">
-                        <a:spcBef>
-                          <a:spcPts val="0"/>
-                        </a:spcBef>
-                        <a:spcAft>
-                          <a:spcPts val="600"/>
-                        </a:spcAft>
-                      </a:pPr>
-                      <a:r>
-                        <a:rPr lang="en-US" sz="1200" dirty="0">
-                          <a:solidFill>
-                            <a:srgbClr val="000000"/>
-                          </a:solidFill>
-                          <a:effectLst/>
-                          <a:latin typeface="+mn-lt"/>
-                          <a:ea typeface="MS Mincho" panose="02020609040205080304" pitchFamily="49" charset="-128"/>
-                          <a:cs typeface="Calibri" panose="020F0502020204030204" pitchFamily="34" charset="0"/>
-                        </a:rPr>
-                        <a:t>100%</a:t>
-                      </a:r>
-                      <a:endParaRPr lang="en-US" sz="1200" dirty="0">
-                        <a:effectLst/>
-                        <a:latin typeface="+mn-lt"/>
-                        <a:ea typeface="MS Mincho" panose="02020609040205080304" pitchFamily="49" charset="-128"/>
-                        <a:cs typeface="Calibri" panose="020F0502020204030204" pitchFamily="34" charset="0"/>
-                      </a:endParaRPr>
-                    </a:p>
-                  </a:txBody>
-                  <a:tcPr marL="24384" marR="24384" marT="24384" marB="24384"/>
-                </a:tc>
-                <a:tc>
-                  <a:txBody>
-                    <a:bodyPr/>
-                    <a:lstStyle/>
-                    <a:p>
-                      <a:endParaRPr lang="en-US" sz="1200" dirty="0">
-                        <a:latin typeface="+mn-lt"/>
-                      </a:endParaRPr>
-                    </a:p>
-                  </a:txBody>
-                  <a:tcPr marL="24384" marR="24384" marT="24384" marB="24384"/>
-                </a:tc>
-                <a:extLst>
-                  <a:ext uri="{0D108BD9-81ED-4DB2-BD59-A6C34878D82A}">
-                    <a16:rowId xmlns:a16="http://schemas.microsoft.com/office/drawing/2014/main" val="291076823"/>
-                  </a:ext>
-                </a:extLst>
-              </a:tr>
-              <a:tr h="675934">
-                <a:tc>
-                  <a:txBody>
-                    <a:bodyPr/>
-                    <a:lstStyle/>
-                    <a:p>
-                      <a:pPr marL="0" marR="0">
-                        <a:spcBef>
-                          <a:spcPts val="0"/>
-                        </a:spcBef>
-                        <a:spcAft>
-                          <a:spcPts val="600"/>
-                        </a:spcAft>
-                      </a:pPr>
-                      <a:r>
-                        <a:rPr lang="en-US" sz="1200" dirty="0">
-                          <a:effectLst/>
-                          <a:latin typeface="+mn-lt"/>
-                          <a:ea typeface="MS Mincho" panose="02020609040205080304" pitchFamily="49" charset="-128"/>
-                          <a:cs typeface="Calibri" panose="020F0502020204030204" pitchFamily="34" charset="0"/>
-                        </a:rPr>
-                        <a:t>Provide Course Content via a 3-day workshop</a:t>
-                      </a:r>
-                    </a:p>
-                  </a:txBody>
-                  <a:tcPr marL="24384" marR="24384" marT="24384" marB="24384"/>
-                </a:tc>
-                <a:tc>
-                  <a:txBody>
-                    <a:bodyPr/>
-                    <a:lstStyle/>
-                    <a:p>
-                      <a:pPr marL="0" marR="0">
-                        <a:spcBef>
-                          <a:spcPts val="0"/>
-                        </a:spcBef>
-                        <a:spcAft>
-                          <a:spcPts val="600"/>
-                        </a:spcAft>
-                      </a:pPr>
-                      <a:r>
-                        <a:rPr lang="en-US" sz="1200" dirty="0">
-                          <a:effectLst/>
-                          <a:latin typeface="+mn-lt"/>
-                          <a:ea typeface="MS Mincho" panose="02020609040205080304" pitchFamily="49" charset="-128"/>
-                          <a:cs typeface="Calibri" panose="020F0502020204030204" pitchFamily="34" charset="0"/>
-                        </a:rPr>
-                        <a:t>Recorded in-person workshop </a:t>
-                      </a:r>
-                    </a:p>
-                  </a:txBody>
-                  <a:tcPr marL="24384" marR="24384" marT="24384" marB="24384"/>
-                </a:tc>
-                <a:tc>
-                  <a:txBody>
-                    <a:bodyPr/>
-                    <a:lstStyle/>
-                    <a:p>
-                      <a:pPr marL="0" marR="0">
-                        <a:spcBef>
-                          <a:spcPts val="0"/>
-                        </a:spcBef>
-                        <a:spcAft>
-                          <a:spcPts val="600"/>
-                        </a:spcAft>
-                      </a:pPr>
-                      <a:r>
-                        <a:rPr lang="en-US" sz="1200">
-                          <a:effectLst/>
-                          <a:latin typeface="+mn-lt"/>
-                          <a:ea typeface="MS Mincho" panose="02020609040205080304" pitchFamily="49" charset="-128"/>
-                          <a:cs typeface="Calibri" panose="020F0502020204030204" pitchFamily="34" charset="0"/>
-                        </a:rPr>
-                        <a:t>In-person workshop</a:t>
-                      </a:r>
-                    </a:p>
-                  </a:txBody>
-                  <a:tcPr marL="24384" marR="24384" marT="24384" marB="24384"/>
-                </a:tc>
-                <a:tc>
-                  <a:txBody>
-                    <a:bodyPr/>
-                    <a:lstStyle/>
-                    <a:p>
-                      <a:pPr marL="0" marR="0">
-                        <a:spcBef>
-                          <a:spcPts val="0"/>
-                        </a:spcBef>
-                        <a:spcAft>
-                          <a:spcPts val="600"/>
-                        </a:spcAft>
-                      </a:pPr>
-                      <a:r>
-                        <a:rPr lang="en-US" sz="1200">
-                          <a:effectLst/>
-                          <a:latin typeface="+mn-lt"/>
-                          <a:ea typeface="MS Mincho" panose="02020609040205080304" pitchFamily="49" charset="-128"/>
-                          <a:cs typeface="Calibri" panose="020F0502020204030204" pitchFamily="34" charset="0"/>
-                        </a:rPr>
-                        <a:t>Brauer</a:t>
-                      </a:r>
-                    </a:p>
-                  </a:txBody>
-                  <a:tcPr marL="24384" marR="24384" marT="24384" marB="24384"/>
-                </a:tc>
-                <a:tc>
-                  <a:txBody>
-                    <a:bodyPr/>
-                    <a:lstStyle/>
-                    <a:p>
-                      <a:pPr marL="0" marR="0">
-                        <a:spcBef>
-                          <a:spcPts val="0"/>
-                        </a:spcBef>
-                        <a:spcAft>
-                          <a:spcPts val="600"/>
-                        </a:spcAft>
-                      </a:pPr>
-                      <a:r>
-                        <a:rPr lang="en-US" sz="1200" dirty="0">
-                          <a:effectLst/>
-                          <a:latin typeface="+mn-lt"/>
-                          <a:ea typeface="MS Mincho" panose="02020609040205080304" pitchFamily="49" charset="-128"/>
-                          <a:cs typeface="Calibri" panose="020F0502020204030204" pitchFamily="34" charset="0"/>
-                        </a:rPr>
-                        <a:t>07/2024</a:t>
-                      </a:r>
-                    </a:p>
-                  </a:txBody>
-                  <a:tcPr marL="24384" marR="24384" marT="24384" marB="24384"/>
-                </a:tc>
-                <a:tc>
-                  <a:txBody>
-                    <a:bodyPr/>
-                    <a:lstStyle/>
-                    <a:p>
-                      <a:pPr marL="0" marR="0">
-                        <a:spcBef>
-                          <a:spcPts val="0"/>
-                        </a:spcBef>
-                        <a:spcAft>
-                          <a:spcPts val="600"/>
-                        </a:spcAft>
-                      </a:pPr>
-                      <a:endParaRPr lang="en-US" sz="1200" dirty="0">
-                        <a:effectLst/>
-                        <a:latin typeface="+mn-lt"/>
-                        <a:ea typeface="MS Mincho" panose="02020609040205080304" pitchFamily="49" charset="-128"/>
-                        <a:cs typeface="Calibri" panose="020F0502020204030204" pitchFamily="34" charset="0"/>
-                      </a:endParaRPr>
-                    </a:p>
-                  </a:txBody>
-                  <a:tcPr marL="24384" marR="24384" marT="24384" marB="24384"/>
-                </a:tc>
-                <a:tc>
-                  <a:txBody>
-                    <a:bodyPr/>
-                    <a:lstStyle/>
-                    <a:p>
-                      <a:pPr marL="0" marR="0">
-                        <a:spcBef>
-                          <a:spcPts val="0"/>
-                        </a:spcBef>
-                        <a:spcAft>
-                          <a:spcPts val="600"/>
-                        </a:spcAft>
-                      </a:pPr>
-                      <a:r>
-                        <a:rPr lang="en-US" sz="1200" dirty="0">
-                          <a:effectLst/>
-                          <a:latin typeface="+mn-lt"/>
-                          <a:ea typeface="MS Mincho" panose="02020609040205080304" pitchFamily="49" charset="-128"/>
-                          <a:cs typeface="Calibri" panose="020F0502020204030204" pitchFamily="34" charset="0"/>
-                        </a:rPr>
-                        <a:t>07/2024</a:t>
-                      </a:r>
-                    </a:p>
-                  </a:txBody>
-                  <a:tcPr marL="24384" marR="24384" marT="24384" marB="24384"/>
-                </a:tc>
-                <a:tc>
-                  <a:txBody>
-                    <a:bodyPr/>
-                    <a:lstStyle/>
-                    <a:p>
-                      <a:pPr marL="0" marR="0">
-                        <a:spcBef>
-                          <a:spcPts val="0"/>
-                        </a:spcBef>
-                        <a:spcAft>
-                          <a:spcPts val="600"/>
-                        </a:spcAft>
-                      </a:pPr>
-                      <a:endParaRPr lang="en-US" sz="1200">
-                        <a:effectLst/>
-                        <a:latin typeface="+mn-lt"/>
-                        <a:ea typeface="MS Mincho" panose="02020609040205080304" pitchFamily="49" charset="-128"/>
-                        <a:cs typeface="Calibri" panose="020F0502020204030204" pitchFamily="34" charset="0"/>
-                      </a:endParaRPr>
-                    </a:p>
-                  </a:txBody>
-                  <a:tcPr marL="24384" marR="24384" marT="24384" marB="24384"/>
-                </a:tc>
-                <a:tc>
-                  <a:txBody>
-                    <a:bodyPr/>
-                    <a:lstStyle/>
-                    <a:p>
-                      <a:pPr marL="0" marR="0">
-                        <a:spcBef>
-                          <a:spcPts val="0"/>
-                        </a:spcBef>
-                        <a:spcAft>
-                          <a:spcPts val="600"/>
-                        </a:spcAft>
-                      </a:pPr>
-                      <a:r>
-                        <a:rPr lang="en-US" sz="1200" dirty="0">
-                          <a:effectLst/>
-                          <a:latin typeface="+mn-lt"/>
-                          <a:ea typeface="MS Mincho" panose="02020609040205080304" pitchFamily="49" charset="-128"/>
-                          <a:cs typeface="Calibri" panose="020F0502020204030204" pitchFamily="34" charset="0"/>
-                        </a:rPr>
-                        <a:t>$00K</a:t>
-                      </a:r>
-                    </a:p>
-                  </a:txBody>
-                  <a:tcPr marL="24384" marR="24384" marT="24384" marB="24384"/>
-                </a:tc>
-                <a:tc>
-                  <a:txBody>
-                    <a:bodyPr/>
-                    <a:lstStyle/>
-                    <a:p>
-                      <a:pPr marL="0" marR="0">
-                        <a:spcBef>
-                          <a:spcPts val="0"/>
-                        </a:spcBef>
-                        <a:spcAft>
-                          <a:spcPts val="600"/>
-                        </a:spcAft>
-                      </a:pPr>
-                      <a:r>
-                        <a:rPr lang="en-US" sz="1200" dirty="0">
-                          <a:effectLst/>
-                          <a:latin typeface="+mn-lt"/>
-                          <a:ea typeface="MS Mincho" panose="02020609040205080304" pitchFamily="49" charset="-128"/>
-                          <a:cs typeface="Calibri" panose="020F0502020204030204" pitchFamily="34" charset="0"/>
-                        </a:rPr>
-                        <a:t>100%</a:t>
-                      </a:r>
-                    </a:p>
-                  </a:txBody>
-                  <a:tcPr marL="24384" marR="24384" marT="24384" marB="24384"/>
-                </a:tc>
-                <a:tc>
-                  <a:txBody>
-                    <a:bodyPr/>
-                    <a:lstStyle/>
-                    <a:p>
-                      <a:endParaRPr lang="en-US" sz="1200" dirty="0">
-                        <a:latin typeface="+mn-lt"/>
-                      </a:endParaRPr>
-                    </a:p>
-                  </a:txBody>
-                  <a:tcPr marL="24384" marR="24384" marT="24384" marB="24384"/>
-                </a:tc>
-                <a:extLst>
-                  <a:ext uri="{0D108BD9-81ED-4DB2-BD59-A6C34878D82A}">
-                    <a16:rowId xmlns:a16="http://schemas.microsoft.com/office/drawing/2014/main" val="70177493"/>
-                  </a:ext>
-                </a:extLst>
-              </a:tr>
-              <a:tr h="882854">
-                <a:tc>
-                  <a:txBody>
-                    <a:bodyPr/>
-                    <a:lstStyle/>
-                    <a:p>
-                      <a:pPr marL="0" marR="0">
-                        <a:spcBef>
-                          <a:spcPts val="0"/>
-                        </a:spcBef>
-                        <a:spcAft>
-                          <a:spcPts val="600"/>
-                        </a:spcAft>
-                      </a:pPr>
-                      <a:r>
-                        <a:rPr lang="en-US" sz="1200" dirty="0">
-                          <a:solidFill>
-                            <a:srgbClr val="000000"/>
-                          </a:solidFill>
-                          <a:effectLst/>
-                          <a:latin typeface="+mn-lt"/>
-                          <a:ea typeface="MS Mincho" panose="02020609040205080304" pitchFamily="49" charset="-128"/>
-                          <a:cs typeface="Calibri" panose="020F0502020204030204" pitchFamily="34" charset="0"/>
-                        </a:rPr>
-                        <a:t>Make course content available</a:t>
-                      </a:r>
-                      <a:endParaRPr lang="en-US" sz="1200" dirty="0">
-                        <a:effectLst/>
-                        <a:latin typeface="+mn-lt"/>
-                        <a:ea typeface="MS Mincho" panose="02020609040205080304" pitchFamily="49" charset="-128"/>
-                        <a:cs typeface="Calibri" panose="020F0502020204030204" pitchFamily="34" charset="0"/>
-                      </a:endParaRPr>
-                    </a:p>
-                  </a:txBody>
-                  <a:tcPr marL="24384" marR="24384" marT="24384" marB="24384"/>
-                </a:tc>
-                <a:tc>
-                  <a:txBody>
-                    <a:bodyPr/>
-                    <a:lstStyle/>
-                    <a:p>
-                      <a:pPr marL="0" marR="0">
-                        <a:spcBef>
-                          <a:spcPts val="0"/>
-                        </a:spcBef>
-                        <a:spcAft>
-                          <a:spcPts val="600"/>
-                        </a:spcAft>
-                      </a:pPr>
-                      <a:r>
-                        <a:rPr lang="en-US" sz="1200" dirty="0">
-                          <a:solidFill>
-                            <a:srgbClr val="000000"/>
-                          </a:solidFill>
-                          <a:effectLst/>
-                          <a:latin typeface="+mn-lt"/>
-                          <a:ea typeface="MS Mincho" panose="02020609040205080304" pitchFamily="49" charset="-128"/>
-                          <a:cs typeface="Calibri" panose="020F0502020204030204" pitchFamily="34" charset="0"/>
-                        </a:rPr>
-                        <a:t>Web-accessible </a:t>
-                      </a:r>
-                      <a:r>
-                        <a:rPr lang="en-US" sz="1200" dirty="0" err="1">
-                          <a:solidFill>
-                            <a:srgbClr val="000000"/>
-                          </a:solidFill>
-                          <a:effectLst/>
-                          <a:latin typeface="+mn-lt"/>
-                          <a:ea typeface="MS Mincho" panose="02020609040205080304" pitchFamily="49" charset="-128"/>
-                          <a:cs typeface="Calibri" panose="020F0502020204030204" pitchFamily="34" charset="0"/>
-                        </a:rPr>
-                        <a:t>powerpoints</a:t>
-                      </a:r>
-                      <a:r>
-                        <a:rPr lang="en-US" sz="1200" dirty="0">
-                          <a:solidFill>
-                            <a:srgbClr val="000000"/>
-                          </a:solidFill>
-                          <a:effectLst/>
-                          <a:latin typeface="+mn-lt"/>
-                          <a:ea typeface="MS Mincho" panose="02020609040205080304" pitchFamily="49" charset="-128"/>
-                          <a:cs typeface="Calibri" panose="020F0502020204030204" pitchFamily="34" charset="0"/>
-                        </a:rPr>
-                        <a:t> and videos</a:t>
-                      </a:r>
-                      <a:endParaRPr lang="en-US" sz="1200" dirty="0">
-                        <a:effectLst/>
-                        <a:latin typeface="+mn-lt"/>
-                        <a:ea typeface="MS Mincho" panose="02020609040205080304" pitchFamily="49" charset="-128"/>
-                        <a:cs typeface="Calibri" panose="020F0502020204030204" pitchFamily="34" charset="0"/>
-                      </a:endParaRPr>
-                    </a:p>
-                  </a:txBody>
-                  <a:tcPr marL="24384" marR="24384" marT="24384" marB="24384"/>
-                </a:tc>
-                <a:tc>
-                  <a:txBody>
-                    <a:bodyPr/>
-                    <a:lstStyle/>
-                    <a:p>
-                      <a:pPr marL="0" marR="0">
-                        <a:spcBef>
-                          <a:spcPts val="0"/>
-                        </a:spcBef>
-                        <a:spcAft>
-                          <a:spcPts val="600"/>
-                        </a:spcAft>
-                      </a:pPr>
-                      <a:r>
-                        <a:rPr lang="en-US" sz="1200" dirty="0">
-                          <a:solidFill>
-                            <a:srgbClr val="000000"/>
-                          </a:solidFill>
-                          <a:effectLst/>
-                          <a:latin typeface="+mn-lt"/>
-                          <a:ea typeface="MS Mincho" panose="02020609040205080304" pitchFamily="49" charset="-128"/>
-                          <a:cs typeface="Calibri" panose="020F0502020204030204" pitchFamily="34" charset="0"/>
-                        </a:rPr>
-                        <a:t>Website</a:t>
-                      </a:r>
-                      <a:endParaRPr lang="en-US" sz="1200" dirty="0">
-                        <a:effectLst/>
-                        <a:latin typeface="+mn-lt"/>
-                        <a:ea typeface="MS Mincho" panose="02020609040205080304" pitchFamily="49" charset="-128"/>
-                        <a:cs typeface="Calibri" panose="020F0502020204030204" pitchFamily="34" charset="0"/>
-                      </a:endParaRPr>
-                    </a:p>
-                  </a:txBody>
-                  <a:tcPr marL="24384" marR="24384" marT="24384" marB="24384"/>
-                </a:tc>
-                <a:tc>
-                  <a:txBody>
-                    <a:bodyPr/>
-                    <a:lstStyle/>
-                    <a:p>
-                      <a:pPr marL="0" marR="0">
-                        <a:spcBef>
-                          <a:spcPts val="0"/>
-                        </a:spcBef>
-                        <a:spcAft>
-                          <a:spcPts val="600"/>
-                        </a:spcAft>
-                      </a:pPr>
-                      <a:r>
-                        <a:rPr lang="en-US" sz="1200">
-                          <a:solidFill>
-                            <a:srgbClr val="000000"/>
-                          </a:solidFill>
-                          <a:effectLst/>
-                          <a:latin typeface="+mn-lt"/>
-                          <a:ea typeface="MS Mincho" panose="02020609040205080304" pitchFamily="49" charset="-128"/>
-                          <a:cs typeface="Calibri" panose="020F0502020204030204" pitchFamily="34" charset="0"/>
-                        </a:rPr>
-                        <a:t>Lauth</a:t>
-                      </a:r>
-                      <a:endParaRPr lang="en-US" sz="1200">
-                        <a:effectLst/>
-                        <a:latin typeface="+mn-lt"/>
-                        <a:ea typeface="MS Mincho" panose="02020609040205080304" pitchFamily="49" charset="-128"/>
-                        <a:cs typeface="Calibri" panose="020F0502020204030204" pitchFamily="34" charset="0"/>
-                      </a:endParaRPr>
-                    </a:p>
-                  </a:txBody>
-                  <a:tcPr marL="24384" marR="24384" marT="24384" marB="24384"/>
-                </a:tc>
-                <a:tc>
-                  <a:txBody>
-                    <a:bodyPr/>
-                    <a:lstStyle/>
-                    <a:p>
-                      <a:pPr marL="0" marR="0">
-                        <a:spcBef>
-                          <a:spcPts val="0"/>
-                        </a:spcBef>
-                        <a:spcAft>
-                          <a:spcPts val="600"/>
-                        </a:spcAft>
-                      </a:pPr>
-                      <a:r>
-                        <a:rPr lang="en-US" sz="1200" dirty="0">
-                          <a:solidFill>
-                            <a:srgbClr val="000000"/>
-                          </a:solidFill>
-                          <a:effectLst/>
-                          <a:latin typeface="+mn-lt"/>
-                          <a:ea typeface="MS Mincho" panose="02020609040205080304" pitchFamily="49" charset="-128"/>
-                          <a:cs typeface="Calibri" panose="020F0502020204030204" pitchFamily="34" charset="0"/>
-                        </a:rPr>
-                        <a:t>07/2024</a:t>
-                      </a:r>
-                      <a:endParaRPr lang="en-US" sz="1200" dirty="0">
-                        <a:effectLst/>
-                        <a:latin typeface="+mn-lt"/>
-                        <a:ea typeface="MS Mincho" panose="02020609040205080304" pitchFamily="49" charset="-128"/>
-                        <a:cs typeface="Calibri" panose="020F0502020204030204" pitchFamily="34" charset="0"/>
-                      </a:endParaRPr>
-                    </a:p>
-                  </a:txBody>
-                  <a:tcPr marL="24384" marR="24384" marT="24384" marB="24384"/>
-                </a:tc>
-                <a:tc>
-                  <a:txBody>
-                    <a:bodyPr/>
-                    <a:lstStyle/>
-                    <a:p>
-                      <a:pPr marL="0" marR="0">
-                        <a:spcBef>
-                          <a:spcPts val="0"/>
-                        </a:spcBef>
-                        <a:spcAft>
-                          <a:spcPts val="600"/>
-                        </a:spcAft>
-                      </a:pPr>
-                      <a:endParaRPr lang="en-US" sz="1200" dirty="0">
-                        <a:effectLst/>
-                        <a:latin typeface="+mn-lt"/>
-                        <a:ea typeface="MS Mincho" panose="02020609040205080304" pitchFamily="49" charset="-128"/>
-                        <a:cs typeface="Calibri" panose="020F0502020204030204" pitchFamily="34" charset="0"/>
-                      </a:endParaRPr>
-                    </a:p>
-                  </a:txBody>
-                  <a:tcPr marL="24384" marR="24384" marT="24384" marB="24384"/>
-                </a:tc>
-                <a:tc>
-                  <a:txBody>
-                    <a:bodyPr/>
-                    <a:lstStyle/>
-                    <a:p>
-                      <a:pPr marL="0" marR="0">
-                        <a:spcBef>
-                          <a:spcPts val="0"/>
-                        </a:spcBef>
-                        <a:spcAft>
-                          <a:spcPts val="600"/>
-                        </a:spcAft>
-                      </a:pPr>
-                      <a:r>
-                        <a:rPr lang="en-US" sz="1200" dirty="0">
-                          <a:solidFill>
-                            <a:srgbClr val="000000"/>
-                          </a:solidFill>
-                          <a:effectLst/>
-                          <a:latin typeface="+mn-lt"/>
-                          <a:ea typeface="MS Mincho" panose="02020609040205080304" pitchFamily="49" charset="-128"/>
-                          <a:cs typeface="Calibri" panose="020F0502020204030204" pitchFamily="34" charset="0"/>
-                        </a:rPr>
-                        <a:t>08/2024</a:t>
-                      </a:r>
-                      <a:endParaRPr lang="en-US" sz="1200" dirty="0">
-                        <a:effectLst/>
-                        <a:latin typeface="+mn-lt"/>
-                        <a:ea typeface="MS Mincho" panose="02020609040205080304" pitchFamily="49" charset="-128"/>
-                        <a:cs typeface="Calibri" panose="020F0502020204030204" pitchFamily="34" charset="0"/>
-                      </a:endParaRPr>
-                    </a:p>
-                  </a:txBody>
-                  <a:tcPr marL="24384" marR="24384" marT="24384" marB="24384"/>
-                </a:tc>
-                <a:tc>
-                  <a:txBody>
-                    <a:bodyPr/>
-                    <a:lstStyle/>
-                    <a:p>
-                      <a:pPr marL="0" marR="0">
-                        <a:spcBef>
-                          <a:spcPts val="0"/>
-                        </a:spcBef>
-                        <a:spcAft>
-                          <a:spcPts val="600"/>
-                        </a:spcAft>
-                      </a:pPr>
-                      <a:endParaRPr lang="en-US" sz="1200" dirty="0">
-                        <a:effectLst/>
-                        <a:latin typeface="+mn-lt"/>
-                        <a:ea typeface="MS Mincho" panose="02020609040205080304" pitchFamily="49" charset="-128"/>
-                        <a:cs typeface="Calibri" panose="020F0502020204030204" pitchFamily="34" charset="0"/>
-                      </a:endParaRPr>
-                    </a:p>
-                  </a:txBody>
-                  <a:tcPr marL="24384" marR="24384" marT="24384" marB="24384"/>
-                </a:tc>
-                <a:tc>
-                  <a:txBody>
-                    <a:bodyPr/>
-                    <a:lstStyle/>
-                    <a:p>
-                      <a:pPr marL="0" marR="0">
-                        <a:spcBef>
-                          <a:spcPts val="0"/>
-                        </a:spcBef>
-                        <a:spcAft>
-                          <a:spcPts val="600"/>
-                        </a:spcAft>
-                      </a:pPr>
-                      <a:r>
-                        <a:rPr lang="en-US" sz="1200" dirty="0">
-                          <a:solidFill>
-                            <a:srgbClr val="000000"/>
-                          </a:solidFill>
-                          <a:effectLst/>
-                          <a:latin typeface="+mn-lt"/>
-                          <a:ea typeface="MS Mincho" panose="02020609040205080304" pitchFamily="49" charset="-128"/>
-                          <a:cs typeface="Calibri" panose="020F0502020204030204" pitchFamily="34" charset="0"/>
-                        </a:rPr>
-                        <a:t>$00K</a:t>
-                      </a:r>
-                      <a:endParaRPr lang="en-US" sz="1200" dirty="0">
-                        <a:effectLst/>
-                        <a:latin typeface="+mn-lt"/>
-                        <a:ea typeface="MS Mincho" panose="02020609040205080304" pitchFamily="49" charset="-128"/>
-                        <a:cs typeface="Calibri" panose="020F0502020204030204" pitchFamily="34" charset="0"/>
-                      </a:endParaRPr>
-                    </a:p>
-                  </a:txBody>
-                  <a:tcPr marL="24384" marR="24384" marT="24384" marB="24384"/>
-                </a:tc>
-                <a:tc>
-                  <a:txBody>
-                    <a:bodyPr/>
-                    <a:lstStyle/>
-                    <a:p>
-                      <a:pPr marL="0" marR="0">
-                        <a:spcBef>
-                          <a:spcPts val="0"/>
-                        </a:spcBef>
-                        <a:spcAft>
-                          <a:spcPts val="600"/>
-                        </a:spcAft>
-                      </a:pPr>
-                      <a:r>
-                        <a:rPr lang="en-US" sz="1200" dirty="0">
-                          <a:solidFill>
-                            <a:srgbClr val="000000"/>
-                          </a:solidFill>
-                          <a:effectLst/>
-                          <a:latin typeface="+mn-lt"/>
-                          <a:ea typeface="MS Mincho" panose="02020609040205080304" pitchFamily="49" charset="-128"/>
-                          <a:cs typeface="Calibri" panose="020F0502020204030204" pitchFamily="34" charset="0"/>
-                        </a:rPr>
-                        <a:t>0%</a:t>
-                      </a:r>
-                      <a:endParaRPr lang="en-US" sz="1200" dirty="0">
-                        <a:effectLst/>
-                        <a:latin typeface="+mn-lt"/>
-                        <a:ea typeface="MS Mincho" panose="02020609040205080304" pitchFamily="49" charset="-128"/>
-                        <a:cs typeface="Calibri" panose="020F0502020204030204" pitchFamily="34" charset="0"/>
-                      </a:endParaRPr>
-                    </a:p>
-                  </a:txBody>
-                  <a:tcPr marL="24384" marR="24384" marT="24384" marB="24384"/>
-                </a:tc>
-                <a:tc>
-                  <a:txBody>
-                    <a:bodyPr/>
-                    <a:lstStyle/>
-                    <a:p>
-                      <a:endParaRPr lang="en-US" sz="1200" dirty="0">
-                        <a:latin typeface="+mn-lt"/>
-                      </a:endParaRPr>
-                    </a:p>
-                  </a:txBody>
-                  <a:tcPr marL="24384" marR="24384" marT="24384" marB="24384"/>
-                </a:tc>
-                <a:extLst>
-                  <a:ext uri="{0D108BD9-81ED-4DB2-BD59-A6C34878D82A}">
-                    <a16:rowId xmlns:a16="http://schemas.microsoft.com/office/drawing/2014/main" val="3695423954"/>
-                  </a:ext>
-                </a:extLst>
-              </a:tr>
-              <a:tr h="882854">
-                <a:tc>
-                  <a:txBody>
-                    <a:bodyPr/>
-                    <a:lstStyle/>
-                    <a:p>
-                      <a:pPr marL="0" marR="0">
-                        <a:spcBef>
-                          <a:spcPts val="0"/>
-                        </a:spcBef>
-                        <a:spcAft>
-                          <a:spcPts val="600"/>
-                        </a:spcAft>
-                      </a:pPr>
-                      <a:r>
-                        <a:rPr lang="en-US" sz="1200" dirty="0">
-                          <a:effectLst/>
-                          <a:latin typeface="+mn-lt"/>
-                          <a:ea typeface="MS Mincho" panose="02020609040205080304" pitchFamily="49" charset="-128"/>
-                          <a:cs typeface="Calibri" panose="020F0502020204030204" pitchFamily="34" charset="0"/>
-                        </a:rPr>
-                        <a:t>Publicize that content</a:t>
-                      </a:r>
-                    </a:p>
-                  </a:txBody>
-                  <a:tcPr marL="24384" marR="24384" marT="24384" marB="24384"/>
-                </a:tc>
-                <a:tc>
-                  <a:txBody>
-                    <a:bodyPr/>
-                    <a:lstStyle/>
-                    <a:p>
-                      <a:pPr marL="0" marR="0">
-                        <a:spcBef>
-                          <a:spcPts val="0"/>
-                        </a:spcBef>
-                        <a:spcAft>
-                          <a:spcPts val="600"/>
-                        </a:spcAft>
-                      </a:pPr>
-                      <a:r>
-                        <a:rPr lang="en-US" sz="1200">
-                          <a:effectLst/>
-                          <a:latin typeface="+mn-lt"/>
-                          <a:ea typeface="MS Mincho" panose="02020609040205080304" pitchFamily="49" charset="-128"/>
-                          <a:cs typeface="Calibri" panose="020F0502020204030204" pitchFamily="34" charset="0"/>
-                        </a:rPr>
-                        <a:t>Emails / recorded webinars</a:t>
-                      </a:r>
-                    </a:p>
-                  </a:txBody>
-                  <a:tcPr marL="24384" marR="24384" marT="24384" marB="24384"/>
-                </a:tc>
-                <a:tc>
-                  <a:txBody>
-                    <a:bodyPr/>
-                    <a:lstStyle/>
-                    <a:p>
-                      <a:pPr marL="0" marR="0">
-                        <a:spcBef>
-                          <a:spcPts val="0"/>
-                        </a:spcBef>
-                        <a:spcAft>
-                          <a:spcPts val="600"/>
-                        </a:spcAft>
-                      </a:pPr>
-                      <a:r>
-                        <a:rPr lang="en-US" sz="1200">
-                          <a:effectLst/>
-                          <a:latin typeface="+mn-lt"/>
-                          <a:ea typeface="MS Mincho" panose="02020609040205080304" pitchFamily="49" charset="-128"/>
-                          <a:cs typeface="Calibri" panose="020F0502020204030204" pitchFamily="34" charset="0"/>
-                        </a:rPr>
-                        <a:t>Emails / webinars / in-person discussion</a:t>
-                      </a:r>
-                    </a:p>
-                  </a:txBody>
-                  <a:tcPr marL="24384" marR="24384" marT="24384" marB="24384"/>
-                </a:tc>
-                <a:tc>
-                  <a:txBody>
-                    <a:bodyPr/>
-                    <a:lstStyle/>
-                    <a:p>
-                      <a:pPr marL="0" marR="0">
-                        <a:spcBef>
-                          <a:spcPts val="0"/>
-                        </a:spcBef>
-                        <a:spcAft>
-                          <a:spcPts val="600"/>
-                        </a:spcAft>
-                      </a:pPr>
-                      <a:r>
-                        <a:rPr lang="en-US" sz="1200" dirty="0">
-                          <a:effectLst/>
-                          <a:latin typeface="+mn-lt"/>
-                          <a:ea typeface="MS Mincho" panose="02020609040205080304" pitchFamily="49" charset="-128"/>
-                          <a:cs typeface="Calibri" panose="020F0502020204030204" pitchFamily="34" charset="0"/>
-                        </a:rPr>
-                        <a:t>Brauer / Lauth</a:t>
-                      </a:r>
-                    </a:p>
-                  </a:txBody>
-                  <a:tcPr marL="24384" marR="24384" marT="24384" marB="24384"/>
-                </a:tc>
-                <a:tc>
-                  <a:txBody>
-                    <a:bodyPr/>
-                    <a:lstStyle/>
-                    <a:p>
-                      <a:pPr marL="0" marR="0">
-                        <a:spcBef>
-                          <a:spcPts val="0"/>
-                        </a:spcBef>
-                        <a:spcAft>
-                          <a:spcPts val="600"/>
-                        </a:spcAft>
-                      </a:pPr>
-                      <a:r>
-                        <a:rPr lang="en-US" sz="1200" dirty="0">
-                          <a:effectLst/>
-                          <a:latin typeface="+mn-lt"/>
-                          <a:ea typeface="MS Mincho" panose="02020609040205080304" pitchFamily="49" charset="-128"/>
-                          <a:cs typeface="Calibri" panose="020F0502020204030204" pitchFamily="34" charset="0"/>
-                        </a:rPr>
-                        <a:t>08/2024</a:t>
-                      </a:r>
-                    </a:p>
-                  </a:txBody>
-                  <a:tcPr marL="24384" marR="24384" marT="24384" marB="24384"/>
-                </a:tc>
-                <a:tc>
-                  <a:txBody>
-                    <a:bodyPr/>
-                    <a:lstStyle/>
-                    <a:p>
-                      <a:pPr marL="0" marR="0">
-                        <a:spcBef>
-                          <a:spcPts val="0"/>
-                        </a:spcBef>
-                        <a:spcAft>
-                          <a:spcPts val="600"/>
-                        </a:spcAft>
-                      </a:pPr>
-                      <a:endParaRPr lang="en-US" sz="1200">
-                        <a:effectLst/>
-                        <a:latin typeface="+mn-lt"/>
-                        <a:ea typeface="MS Mincho" panose="02020609040205080304" pitchFamily="49" charset="-128"/>
-                        <a:cs typeface="Calibri" panose="020F0502020204030204" pitchFamily="34" charset="0"/>
-                      </a:endParaRPr>
-                    </a:p>
-                  </a:txBody>
-                  <a:tcPr marL="24384" marR="24384" marT="24384" marB="24384"/>
-                </a:tc>
-                <a:tc>
-                  <a:txBody>
-                    <a:bodyPr/>
-                    <a:lstStyle/>
-                    <a:p>
-                      <a:pPr marL="0" marR="0">
-                        <a:spcBef>
-                          <a:spcPts val="0"/>
-                        </a:spcBef>
-                        <a:spcAft>
-                          <a:spcPts val="600"/>
-                        </a:spcAft>
-                      </a:pPr>
-                      <a:r>
-                        <a:rPr lang="en-US" sz="1200" dirty="0">
-                          <a:effectLst/>
-                          <a:latin typeface="+mn-lt"/>
-                          <a:ea typeface="MS Mincho" panose="02020609040205080304" pitchFamily="49" charset="-128"/>
-                          <a:cs typeface="Calibri" panose="020F0502020204030204" pitchFamily="34" charset="0"/>
-                        </a:rPr>
-                        <a:t>09/2024</a:t>
-                      </a:r>
-                    </a:p>
-                  </a:txBody>
-                  <a:tcPr marL="24384" marR="24384" marT="24384" marB="24384"/>
-                </a:tc>
-                <a:tc>
-                  <a:txBody>
-                    <a:bodyPr/>
-                    <a:lstStyle/>
-                    <a:p>
-                      <a:pPr marL="0" marR="0">
-                        <a:spcBef>
-                          <a:spcPts val="0"/>
-                        </a:spcBef>
-                        <a:spcAft>
-                          <a:spcPts val="600"/>
-                        </a:spcAft>
-                      </a:pPr>
-                      <a:endParaRPr lang="en-US" sz="1200" dirty="0">
-                        <a:effectLst/>
-                        <a:latin typeface="+mn-lt"/>
-                        <a:ea typeface="MS Mincho" panose="02020609040205080304" pitchFamily="49" charset="-128"/>
-                        <a:cs typeface="Calibri" panose="020F0502020204030204" pitchFamily="34" charset="0"/>
-                      </a:endParaRPr>
-                    </a:p>
-                  </a:txBody>
-                  <a:tcPr marL="24384" marR="24384" marT="24384" marB="24384"/>
-                </a:tc>
-                <a:tc>
-                  <a:txBody>
-                    <a:bodyPr/>
-                    <a:lstStyle/>
-                    <a:p>
-                      <a:pPr marL="0" marR="0">
-                        <a:spcBef>
-                          <a:spcPts val="0"/>
-                        </a:spcBef>
-                        <a:spcAft>
-                          <a:spcPts val="600"/>
-                        </a:spcAft>
-                      </a:pPr>
-                      <a:r>
-                        <a:rPr lang="en-US" sz="1200" dirty="0">
-                          <a:effectLst/>
-                          <a:latin typeface="+mn-lt"/>
-                          <a:ea typeface="MS Mincho" panose="02020609040205080304" pitchFamily="49" charset="-128"/>
-                          <a:cs typeface="Calibri" panose="020F0502020204030204" pitchFamily="34" charset="0"/>
-                        </a:rPr>
-                        <a:t>$00K</a:t>
-                      </a:r>
-                    </a:p>
-                  </a:txBody>
-                  <a:tcPr marL="24384" marR="24384" marT="24384" marB="24384"/>
-                </a:tc>
-                <a:tc>
-                  <a:txBody>
-                    <a:bodyPr/>
-                    <a:lstStyle/>
-                    <a:p>
-                      <a:pPr marL="0" marR="0">
-                        <a:spcBef>
-                          <a:spcPts val="0"/>
-                        </a:spcBef>
-                        <a:spcAft>
-                          <a:spcPts val="600"/>
-                        </a:spcAft>
-                      </a:pPr>
-                      <a:r>
-                        <a:rPr lang="en-US" sz="1200" dirty="0">
-                          <a:effectLst/>
-                          <a:latin typeface="+mn-lt"/>
-                          <a:ea typeface="MS Mincho" panose="02020609040205080304" pitchFamily="49" charset="-128"/>
-                          <a:cs typeface="Calibri" panose="020F0502020204030204" pitchFamily="34" charset="0"/>
-                        </a:rPr>
-                        <a:t>0%</a:t>
-                      </a:r>
-                    </a:p>
-                  </a:txBody>
-                  <a:tcPr marL="24384" marR="24384" marT="24384" marB="24384"/>
-                </a:tc>
-                <a:tc>
-                  <a:txBody>
-                    <a:bodyPr/>
-                    <a:lstStyle/>
-                    <a:p>
-                      <a:endParaRPr lang="en-US" sz="1200" dirty="0">
-                        <a:latin typeface="+mn-lt"/>
-                      </a:endParaRPr>
-                    </a:p>
-                  </a:txBody>
-                  <a:tcPr marL="24384" marR="24384" marT="24384" marB="24384"/>
-                </a:tc>
-                <a:extLst>
-                  <a:ext uri="{0D108BD9-81ED-4DB2-BD59-A6C34878D82A}">
-                    <a16:rowId xmlns:a16="http://schemas.microsoft.com/office/drawing/2014/main" val="1347859302"/>
-                  </a:ext>
-                </a:extLst>
-              </a:tr>
-              <a:tr h="335433">
-                <a:tc>
-                  <a:txBody>
-                    <a:bodyPr/>
-                    <a:lstStyle/>
-                    <a:p>
-                      <a:endParaRPr lang="en-US" sz="1200" dirty="0">
-                        <a:latin typeface="+mn-lt"/>
-                      </a:endParaRPr>
-                    </a:p>
-                  </a:txBody>
-                  <a:tcPr marL="24384" marR="24384" marT="24384" marB="24384"/>
-                </a:tc>
-                <a:tc>
-                  <a:txBody>
-                    <a:bodyPr/>
-                    <a:lstStyle/>
-                    <a:p>
-                      <a:endParaRPr lang="en-US" sz="1200" dirty="0">
-                        <a:latin typeface="+mn-lt"/>
-                      </a:endParaRPr>
-                    </a:p>
-                  </a:txBody>
-                  <a:tcPr marL="24384" marR="24384" marT="24384" marB="24384"/>
-                </a:tc>
-                <a:tc>
-                  <a:txBody>
-                    <a:bodyPr/>
-                    <a:lstStyle/>
-                    <a:p>
-                      <a:endParaRPr lang="en-US" sz="1200" dirty="0">
-                        <a:latin typeface="+mn-lt"/>
-                      </a:endParaRPr>
-                    </a:p>
-                  </a:txBody>
-                  <a:tcPr marL="24384" marR="24384" marT="24384" marB="24384"/>
-                </a:tc>
-                <a:tc>
-                  <a:txBody>
-                    <a:bodyPr/>
-                    <a:lstStyle/>
-                    <a:p>
-                      <a:endParaRPr lang="en-US" sz="1200" dirty="0">
-                        <a:latin typeface="+mn-lt"/>
-                      </a:endParaRPr>
-                    </a:p>
-                  </a:txBody>
-                  <a:tcPr marL="24384" marR="24384" marT="24384" marB="24384"/>
-                </a:tc>
-                <a:tc>
-                  <a:txBody>
-                    <a:bodyPr/>
-                    <a:lstStyle/>
-                    <a:p>
-                      <a:endParaRPr lang="en-US" sz="1200" dirty="0">
-                        <a:latin typeface="+mn-lt"/>
-                      </a:endParaRPr>
-                    </a:p>
-                  </a:txBody>
-                  <a:tcPr marL="24384" marR="24384" marT="24384" marB="24384"/>
-                </a:tc>
-                <a:tc>
-                  <a:txBody>
-                    <a:bodyPr/>
-                    <a:lstStyle/>
-                    <a:p>
-                      <a:endParaRPr lang="en-US" sz="1200" dirty="0">
-                        <a:latin typeface="+mn-lt"/>
-                      </a:endParaRPr>
-                    </a:p>
-                  </a:txBody>
-                  <a:tcPr marL="24384" marR="24384" marT="24384" marB="24384"/>
-                </a:tc>
-                <a:tc>
-                  <a:txBody>
-                    <a:bodyPr/>
-                    <a:lstStyle/>
-                    <a:p>
-                      <a:endParaRPr lang="en-US" sz="1200" dirty="0">
-                        <a:latin typeface="+mn-lt"/>
-                      </a:endParaRPr>
-                    </a:p>
-                  </a:txBody>
-                  <a:tcPr marL="24384" marR="24384" marT="24384" marB="24384"/>
-                </a:tc>
-                <a:tc>
-                  <a:txBody>
-                    <a:bodyPr/>
-                    <a:lstStyle/>
-                    <a:p>
-                      <a:endParaRPr lang="en-US" sz="1200" dirty="0">
-                        <a:latin typeface="+mn-lt"/>
-                      </a:endParaRPr>
-                    </a:p>
-                  </a:txBody>
-                  <a:tcPr marL="24384" marR="24384" marT="24384" marB="24384"/>
-                </a:tc>
-                <a:tc>
-                  <a:txBody>
-                    <a:bodyPr/>
-                    <a:lstStyle/>
-                    <a:p>
-                      <a:endParaRPr lang="en-US" sz="1200" dirty="0">
-                        <a:latin typeface="+mn-lt"/>
-                      </a:endParaRPr>
-                    </a:p>
-                  </a:txBody>
-                  <a:tcPr marL="24384" marR="24384" marT="24384" marB="24384"/>
-                </a:tc>
-                <a:tc>
-                  <a:txBody>
-                    <a:bodyPr/>
-                    <a:lstStyle/>
-                    <a:p>
-                      <a:endParaRPr lang="en-US" sz="1200" dirty="0">
-                        <a:latin typeface="+mn-lt"/>
-                      </a:endParaRPr>
-                    </a:p>
-                  </a:txBody>
-                  <a:tcPr marL="24384" marR="24384" marT="24384" marB="24384"/>
-                </a:tc>
-                <a:tc>
-                  <a:txBody>
-                    <a:bodyPr/>
-                    <a:lstStyle/>
-                    <a:p>
-                      <a:endParaRPr lang="en-US" sz="1200" dirty="0">
-                        <a:latin typeface="+mn-lt"/>
-                      </a:endParaRPr>
-                    </a:p>
-                  </a:txBody>
-                  <a:tcPr marL="24384" marR="24384" marT="24384" marB="24384"/>
-                </a:tc>
-                <a:extLst>
-                  <a:ext uri="{0D108BD9-81ED-4DB2-BD59-A6C34878D82A}">
-                    <a16:rowId xmlns:a16="http://schemas.microsoft.com/office/drawing/2014/main" val="1174907569"/>
-                  </a:ext>
-                </a:extLst>
-              </a:tr>
-              <a:tr h="335433">
-                <a:tc>
-                  <a:txBody>
-                    <a:bodyPr/>
-                    <a:lstStyle/>
-                    <a:p>
-                      <a:endParaRPr lang="en-US" sz="1200" dirty="0">
-                        <a:latin typeface="+mn-lt"/>
-                      </a:endParaRPr>
-                    </a:p>
-                  </a:txBody>
-                  <a:tcPr marL="24384" marR="24384" marT="24384" marB="24384"/>
-                </a:tc>
-                <a:tc>
-                  <a:txBody>
-                    <a:bodyPr/>
-                    <a:lstStyle/>
-                    <a:p>
-                      <a:endParaRPr lang="en-US" sz="1200" dirty="0">
-                        <a:latin typeface="+mn-lt"/>
-                      </a:endParaRPr>
-                    </a:p>
-                  </a:txBody>
-                  <a:tcPr marL="24384" marR="24384" marT="24384" marB="24384"/>
-                </a:tc>
-                <a:tc>
-                  <a:txBody>
-                    <a:bodyPr/>
-                    <a:lstStyle/>
-                    <a:p>
-                      <a:endParaRPr lang="en-US" sz="1200" dirty="0">
-                        <a:latin typeface="+mn-lt"/>
-                      </a:endParaRPr>
-                    </a:p>
-                  </a:txBody>
-                  <a:tcPr marL="24384" marR="24384" marT="24384" marB="24384"/>
-                </a:tc>
-                <a:tc>
-                  <a:txBody>
-                    <a:bodyPr/>
-                    <a:lstStyle/>
-                    <a:p>
-                      <a:endParaRPr lang="en-US" sz="1200" dirty="0">
-                        <a:latin typeface="+mn-lt"/>
-                      </a:endParaRPr>
-                    </a:p>
-                  </a:txBody>
-                  <a:tcPr marL="24384" marR="24384" marT="24384" marB="24384"/>
-                </a:tc>
-                <a:tc>
-                  <a:txBody>
-                    <a:bodyPr/>
-                    <a:lstStyle/>
-                    <a:p>
-                      <a:endParaRPr lang="en-US" sz="1200" dirty="0">
-                        <a:latin typeface="+mn-lt"/>
-                      </a:endParaRPr>
-                    </a:p>
-                  </a:txBody>
-                  <a:tcPr marL="24384" marR="24384" marT="24384" marB="24384"/>
-                </a:tc>
-                <a:tc>
-                  <a:txBody>
-                    <a:bodyPr/>
-                    <a:lstStyle/>
-                    <a:p>
-                      <a:endParaRPr lang="en-US" sz="1200" dirty="0">
-                        <a:latin typeface="+mn-lt"/>
-                      </a:endParaRPr>
-                    </a:p>
-                  </a:txBody>
-                  <a:tcPr marL="24384" marR="24384" marT="24384" marB="24384"/>
-                </a:tc>
-                <a:tc>
-                  <a:txBody>
-                    <a:bodyPr/>
-                    <a:lstStyle/>
-                    <a:p>
-                      <a:endParaRPr lang="en-US" sz="1200" dirty="0">
-                        <a:latin typeface="+mn-lt"/>
-                      </a:endParaRPr>
-                    </a:p>
-                  </a:txBody>
-                  <a:tcPr marL="24384" marR="24384" marT="24384" marB="24384"/>
-                </a:tc>
-                <a:tc>
-                  <a:txBody>
-                    <a:bodyPr/>
-                    <a:lstStyle/>
-                    <a:p>
-                      <a:endParaRPr lang="en-US" sz="1200" dirty="0">
-                        <a:latin typeface="+mn-lt"/>
-                      </a:endParaRPr>
-                    </a:p>
-                  </a:txBody>
-                  <a:tcPr marL="24384" marR="24384" marT="24384" marB="24384"/>
-                </a:tc>
-                <a:tc>
-                  <a:txBody>
-                    <a:bodyPr/>
-                    <a:lstStyle/>
-                    <a:p>
-                      <a:endParaRPr lang="en-US" sz="1200" dirty="0">
-                        <a:latin typeface="+mn-lt"/>
-                      </a:endParaRPr>
-                    </a:p>
-                  </a:txBody>
-                  <a:tcPr marL="24384" marR="24384" marT="24384" marB="24384"/>
-                </a:tc>
-                <a:tc>
-                  <a:txBody>
-                    <a:bodyPr/>
-                    <a:lstStyle/>
-                    <a:p>
-                      <a:endParaRPr lang="en-US" sz="1200" dirty="0">
-                        <a:latin typeface="+mn-lt"/>
-                      </a:endParaRPr>
-                    </a:p>
-                  </a:txBody>
-                  <a:tcPr marL="24384" marR="24384" marT="24384" marB="24384"/>
-                </a:tc>
-                <a:tc>
-                  <a:txBody>
-                    <a:bodyPr/>
-                    <a:lstStyle/>
-                    <a:p>
-                      <a:endParaRPr lang="en-US" sz="1200" dirty="0">
-                        <a:latin typeface="+mn-lt"/>
-                      </a:endParaRPr>
-                    </a:p>
-                  </a:txBody>
-                  <a:tcPr marL="24384" marR="24384" marT="24384" marB="24384"/>
-                </a:tc>
-                <a:extLst>
-                  <a:ext uri="{0D108BD9-81ED-4DB2-BD59-A6C34878D82A}">
-                    <a16:rowId xmlns:a16="http://schemas.microsoft.com/office/drawing/2014/main" val="2940974936"/>
-                  </a:ext>
-                </a:extLst>
-              </a:tr>
-              <a:tr h="335433">
-                <a:tc>
-                  <a:txBody>
-                    <a:bodyPr/>
-                    <a:lstStyle/>
-                    <a:p>
-                      <a:endParaRPr lang="en-US" sz="1200" dirty="0">
-                        <a:latin typeface="+mn-lt"/>
-                      </a:endParaRPr>
-                    </a:p>
-                  </a:txBody>
-                  <a:tcPr marL="24384" marR="24384" marT="24384" marB="24384"/>
-                </a:tc>
-                <a:tc>
-                  <a:txBody>
-                    <a:bodyPr/>
-                    <a:lstStyle/>
-                    <a:p>
-                      <a:endParaRPr lang="en-US" sz="1200" dirty="0">
-                        <a:latin typeface="+mn-lt"/>
-                      </a:endParaRPr>
-                    </a:p>
-                  </a:txBody>
-                  <a:tcPr marL="24384" marR="24384" marT="24384" marB="24384"/>
-                </a:tc>
-                <a:tc>
-                  <a:txBody>
-                    <a:bodyPr/>
-                    <a:lstStyle/>
-                    <a:p>
-                      <a:endParaRPr lang="en-US" sz="1200" dirty="0">
-                        <a:latin typeface="+mn-lt"/>
-                      </a:endParaRPr>
-                    </a:p>
-                  </a:txBody>
-                  <a:tcPr marL="24384" marR="24384" marT="24384" marB="24384"/>
-                </a:tc>
-                <a:tc>
-                  <a:txBody>
-                    <a:bodyPr/>
-                    <a:lstStyle/>
-                    <a:p>
-                      <a:endParaRPr lang="en-US" sz="1200" dirty="0">
-                        <a:latin typeface="+mn-lt"/>
-                      </a:endParaRPr>
-                    </a:p>
-                  </a:txBody>
-                  <a:tcPr marL="24384" marR="24384" marT="24384" marB="24384"/>
-                </a:tc>
-                <a:tc>
-                  <a:txBody>
-                    <a:bodyPr/>
-                    <a:lstStyle/>
-                    <a:p>
-                      <a:endParaRPr lang="en-US" sz="1200" dirty="0">
-                        <a:latin typeface="+mn-lt"/>
-                      </a:endParaRPr>
-                    </a:p>
-                  </a:txBody>
-                  <a:tcPr marL="24384" marR="24384" marT="24384" marB="24384"/>
-                </a:tc>
-                <a:tc>
-                  <a:txBody>
-                    <a:bodyPr/>
-                    <a:lstStyle/>
-                    <a:p>
-                      <a:endParaRPr lang="en-US" sz="1200" dirty="0">
-                        <a:latin typeface="+mn-lt"/>
-                      </a:endParaRPr>
-                    </a:p>
-                  </a:txBody>
-                  <a:tcPr marL="24384" marR="24384" marT="24384" marB="24384"/>
-                </a:tc>
-                <a:tc>
-                  <a:txBody>
-                    <a:bodyPr/>
-                    <a:lstStyle/>
-                    <a:p>
-                      <a:endParaRPr lang="en-US" sz="1200" dirty="0">
-                        <a:latin typeface="+mn-lt"/>
-                      </a:endParaRPr>
-                    </a:p>
-                  </a:txBody>
-                  <a:tcPr marL="24384" marR="24384" marT="24384" marB="24384"/>
-                </a:tc>
-                <a:tc>
-                  <a:txBody>
-                    <a:bodyPr/>
-                    <a:lstStyle/>
-                    <a:p>
-                      <a:endParaRPr lang="en-US" sz="1200" dirty="0">
-                        <a:latin typeface="+mn-lt"/>
-                      </a:endParaRPr>
-                    </a:p>
-                  </a:txBody>
-                  <a:tcPr marL="24384" marR="24384" marT="24384" marB="24384"/>
-                </a:tc>
-                <a:tc>
-                  <a:txBody>
-                    <a:bodyPr/>
-                    <a:lstStyle/>
-                    <a:p>
-                      <a:endParaRPr lang="en-US" sz="1200" dirty="0">
-                        <a:latin typeface="+mn-lt"/>
-                      </a:endParaRPr>
-                    </a:p>
-                  </a:txBody>
-                  <a:tcPr marL="24384" marR="24384" marT="24384" marB="24384"/>
-                </a:tc>
-                <a:tc>
-                  <a:txBody>
-                    <a:bodyPr/>
-                    <a:lstStyle/>
-                    <a:p>
-                      <a:endParaRPr lang="en-US" sz="1200" dirty="0">
-                        <a:latin typeface="+mn-lt"/>
-                      </a:endParaRPr>
-                    </a:p>
-                  </a:txBody>
-                  <a:tcPr marL="24384" marR="24384" marT="24384" marB="24384"/>
-                </a:tc>
-                <a:tc>
-                  <a:txBody>
-                    <a:bodyPr/>
-                    <a:lstStyle/>
-                    <a:p>
-                      <a:endParaRPr lang="en-US" sz="1200" dirty="0">
-                        <a:latin typeface="+mn-lt"/>
-                      </a:endParaRPr>
-                    </a:p>
-                  </a:txBody>
-                  <a:tcPr marL="24384" marR="24384" marT="24384" marB="24384"/>
-                </a:tc>
-                <a:extLst>
-                  <a:ext uri="{0D108BD9-81ED-4DB2-BD59-A6C34878D82A}">
-                    <a16:rowId xmlns:a16="http://schemas.microsoft.com/office/drawing/2014/main" val="3836763699"/>
-                  </a:ext>
-                </a:extLst>
-              </a:tr>
-              <a:tr h="335433">
-                <a:tc>
-                  <a:txBody>
-                    <a:bodyPr/>
-                    <a:lstStyle/>
-                    <a:p>
-                      <a:endParaRPr lang="en-US" sz="1200" dirty="0">
-                        <a:latin typeface="+mn-lt"/>
-                      </a:endParaRPr>
-                    </a:p>
-                  </a:txBody>
-                  <a:tcPr marL="24384" marR="24384" marT="24384" marB="24384"/>
-                </a:tc>
-                <a:tc>
-                  <a:txBody>
-                    <a:bodyPr/>
-                    <a:lstStyle/>
-                    <a:p>
-                      <a:endParaRPr lang="en-US" sz="1200" dirty="0">
-                        <a:latin typeface="+mn-lt"/>
-                      </a:endParaRPr>
-                    </a:p>
-                  </a:txBody>
-                  <a:tcPr marL="24384" marR="24384" marT="24384" marB="24384"/>
-                </a:tc>
-                <a:tc>
-                  <a:txBody>
-                    <a:bodyPr/>
-                    <a:lstStyle/>
-                    <a:p>
-                      <a:endParaRPr lang="en-US" sz="1200" dirty="0">
-                        <a:latin typeface="+mn-lt"/>
-                      </a:endParaRPr>
-                    </a:p>
-                  </a:txBody>
-                  <a:tcPr marL="24384" marR="24384" marT="24384" marB="24384"/>
-                </a:tc>
-                <a:tc>
-                  <a:txBody>
-                    <a:bodyPr/>
-                    <a:lstStyle/>
-                    <a:p>
-                      <a:endParaRPr lang="en-US" sz="1200" dirty="0">
-                        <a:latin typeface="+mn-lt"/>
-                      </a:endParaRPr>
-                    </a:p>
-                  </a:txBody>
-                  <a:tcPr marL="24384" marR="24384" marT="24384" marB="24384"/>
-                </a:tc>
-                <a:tc>
-                  <a:txBody>
-                    <a:bodyPr/>
-                    <a:lstStyle/>
-                    <a:p>
-                      <a:endParaRPr lang="en-US" sz="1200" dirty="0">
-                        <a:latin typeface="+mn-lt"/>
-                      </a:endParaRPr>
-                    </a:p>
-                  </a:txBody>
-                  <a:tcPr marL="24384" marR="24384" marT="24384" marB="24384"/>
-                </a:tc>
-                <a:tc>
-                  <a:txBody>
-                    <a:bodyPr/>
-                    <a:lstStyle/>
-                    <a:p>
-                      <a:endParaRPr lang="en-US" sz="1200" dirty="0">
-                        <a:latin typeface="+mn-lt"/>
-                      </a:endParaRPr>
-                    </a:p>
-                  </a:txBody>
-                  <a:tcPr marL="24384" marR="24384" marT="24384" marB="24384"/>
-                </a:tc>
-                <a:tc>
-                  <a:txBody>
-                    <a:bodyPr/>
-                    <a:lstStyle/>
-                    <a:p>
-                      <a:endParaRPr lang="en-US" sz="1200" dirty="0">
-                        <a:latin typeface="+mn-lt"/>
-                      </a:endParaRPr>
-                    </a:p>
-                  </a:txBody>
-                  <a:tcPr marL="24384" marR="24384" marT="24384" marB="24384"/>
-                </a:tc>
-                <a:tc>
-                  <a:txBody>
-                    <a:bodyPr/>
-                    <a:lstStyle/>
-                    <a:p>
-                      <a:endParaRPr lang="en-US" sz="1200" dirty="0">
-                        <a:latin typeface="+mn-lt"/>
-                      </a:endParaRPr>
-                    </a:p>
-                  </a:txBody>
-                  <a:tcPr marL="24384" marR="24384" marT="24384" marB="24384"/>
-                </a:tc>
-                <a:tc>
-                  <a:txBody>
-                    <a:bodyPr/>
-                    <a:lstStyle/>
-                    <a:p>
-                      <a:endParaRPr lang="en-US" sz="1200" dirty="0">
-                        <a:latin typeface="+mn-lt"/>
-                      </a:endParaRPr>
-                    </a:p>
-                  </a:txBody>
-                  <a:tcPr marL="24384" marR="24384" marT="24384" marB="24384"/>
-                </a:tc>
-                <a:tc>
-                  <a:txBody>
-                    <a:bodyPr/>
-                    <a:lstStyle/>
-                    <a:p>
-                      <a:endParaRPr lang="en-US" sz="1200" dirty="0">
-                        <a:latin typeface="+mn-lt"/>
-                      </a:endParaRPr>
-                    </a:p>
-                  </a:txBody>
-                  <a:tcPr marL="24384" marR="24384" marT="24384" marB="24384"/>
-                </a:tc>
-                <a:tc>
-                  <a:txBody>
-                    <a:bodyPr/>
-                    <a:lstStyle/>
-                    <a:p>
-                      <a:endParaRPr lang="en-US" sz="1200" dirty="0">
-                        <a:latin typeface="+mn-lt"/>
-                      </a:endParaRPr>
-                    </a:p>
-                  </a:txBody>
-                  <a:tcPr marL="24384" marR="24384" marT="24384" marB="24384"/>
-                </a:tc>
-                <a:extLst>
-                  <a:ext uri="{0D108BD9-81ED-4DB2-BD59-A6C34878D82A}">
-                    <a16:rowId xmlns:a16="http://schemas.microsoft.com/office/drawing/2014/main" val="3123629609"/>
-                  </a:ext>
-                </a:extLst>
-              </a:tr>
-              <a:tr h="262097">
-                <a:tc>
-                  <a:txBody>
-                    <a:bodyPr/>
-                    <a:lstStyle/>
-                    <a:p>
-                      <a:pPr marL="0" marR="0" lvl="0" indent="0" algn="l" defTabSz="914400" rtl="0" eaLnBrk="1" fontAlgn="auto" latinLnBrk="0" hangingPunct="1">
-                        <a:lnSpc>
-                          <a:spcPct val="100000"/>
-                        </a:lnSpc>
-                        <a:spcBef>
-                          <a:spcPts val="0"/>
-                        </a:spcBef>
-                        <a:spcAft>
-                          <a:spcPts val="0"/>
-                        </a:spcAft>
-                        <a:buClrTx/>
-                        <a:buSzTx/>
-                        <a:buFontTx/>
-                        <a:buNone/>
-                        <a:tabLst/>
-                        <a:defRPr/>
-                      </a:pPr>
-                      <a:endParaRPr lang="en-US" sz="1200" dirty="0">
-                        <a:latin typeface="+mn-lt"/>
-                      </a:endParaRPr>
-                    </a:p>
-                  </a:txBody>
-                  <a:tcPr marL="24384" marR="24384" marT="24384" marB="24384"/>
-                </a:tc>
-                <a:tc>
-                  <a:txBody>
-                    <a:bodyPr/>
-                    <a:lstStyle/>
-                    <a:p>
-                      <a:endParaRPr lang="en-US" sz="1200" dirty="0">
-                        <a:latin typeface="+mn-lt"/>
-                      </a:endParaRPr>
-                    </a:p>
-                  </a:txBody>
-                  <a:tcPr marL="24384" marR="24384" marT="24384" marB="24384"/>
-                </a:tc>
-                <a:tc>
-                  <a:txBody>
-                    <a:bodyPr/>
-                    <a:lstStyle/>
-                    <a:p>
-                      <a:endParaRPr lang="en-US" sz="1200" dirty="0">
-                        <a:latin typeface="+mn-lt"/>
-                      </a:endParaRPr>
-                    </a:p>
-                  </a:txBody>
-                  <a:tcPr marL="24384" marR="24384" marT="24384" marB="24384"/>
-                </a:tc>
-                <a:tc>
-                  <a:txBody>
-                    <a:bodyPr/>
-                    <a:lstStyle/>
-                    <a:p>
-                      <a:endParaRPr lang="en-US" sz="1200" dirty="0">
-                        <a:latin typeface="+mn-lt"/>
-                      </a:endParaRPr>
-                    </a:p>
-                  </a:txBody>
-                  <a:tcPr marL="24384" marR="24384" marT="24384" marB="24384"/>
-                </a:tc>
-                <a:tc>
-                  <a:txBody>
-                    <a:bodyPr/>
-                    <a:lstStyle/>
-                    <a:p>
-                      <a:endParaRPr lang="en-US" sz="1200" dirty="0">
-                        <a:latin typeface="+mn-lt"/>
-                      </a:endParaRPr>
-                    </a:p>
-                  </a:txBody>
-                  <a:tcPr marL="24384" marR="24384" marT="24384" marB="24384"/>
-                </a:tc>
-                <a:tc>
-                  <a:txBody>
-                    <a:bodyPr/>
-                    <a:lstStyle/>
-                    <a:p>
-                      <a:endParaRPr lang="en-US" sz="1200" dirty="0">
-                        <a:latin typeface="+mn-lt"/>
-                      </a:endParaRPr>
-                    </a:p>
-                  </a:txBody>
-                  <a:tcPr marL="24384" marR="24384" marT="24384" marB="24384"/>
-                </a:tc>
-                <a:tc>
-                  <a:txBody>
-                    <a:bodyPr/>
-                    <a:lstStyle/>
-                    <a:p>
-                      <a:endParaRPr lang="en-US" sz="1200" dirty="0">
-                        <a:latin typeface="+mn-lt"/>
-                      </a:endParaRPr>
-                    </a:p>
-                  </a:txBody>
-                  <a:tcPr marL="24384" marR="24384" marT="24384" marB="24384"/>
-                </a:tc>
-                <a:tc>
-                  <a:txBody>
-                    <a:bodyPr/>
-                    <a:lstStyle/>
-                    <a:p>
-                      <a:endParaRPr lang="en-US" sz="1200" dirty="0">
-                        <a:latin typeface="+mn-lt"/>
-                      </a:endParaRPr>
-                    </a:p>
-                  </a:txBody>
-                  <a:tcPr marL="24384" marR="24384" marT="24384" marB="24384"/>
-                </a:tc>
-                <a:tc>
-                  <a:txBody>
-                    <a:bodyPr/>
-                    <a:lstStyle/>
-                    <a:p>
-                      <a:endParaRPr lang="en-US" sz="1200" dirty="0">
-                        <a:latin typeface="+mn-lt"/>
-                      </a:endParaRPr>
-                    </a:p>
-                  </a:txBody>
-                  <a:tcPr marL="24384" marR="24384" marT="24384" marB="24384"/>
-                </a:tc>
-                <a:tc>
-                  <a:txBody>
-                    <a:bodyPr/>
-                    <a:lstStyle/>
-                    <a:p>
-                      <a:endParaRPr lang="en-US" sz="1200" dirty="0">
-                        <a:latin typeface="+mn-lt"/>
-                      </a:endParaRPr>
-                    </a:p>
-                  </a:txBody>
-                  <a:tcPr marL="24384" marR="24384" marT="24384" marB="24384"/>
-                </a:tc>
-                <a:tc>
-                  <a:txBody>
-                    <a:bodyPr/>
-                    <a:lstStyle/>
-                    <a:p>
-                      <a:endParaRPr lang="en-US" sz="1200" dirty="0">
-                        <a:latin typeface="+mn-lt"/>
-                      </a:endParaRPr>
-                    </a:p>
-                  </a:txBody>
-                  <a:tcPr marL="24384" marR="24384" marT="24384" marB="24384"/>
-                </a:tc>
-                <a:extLst>
-                  <a:ext uri="{0D108BD9-81ED-4DB2-BD59-A6C34878D82A}">
-                    <a16:rowId xmlns:a16="http://schemas.microsoft.com/office/drawing/2014/main" val="1360859117"/>
-                  </a:ext>
-                </a:extLst>
-              </a:tr>
-              <a:tr h="335433">
-                <a:tc gridSpan="8">
-                  <a:txBody>
-                    <a:bodyPr/>
-                    <a:lstStyle/>
-                    <a:p>
-                      <a:pPr algn="r"/>
-                      <a:r>
-                        <a:rPr lang="en-US" sz="1200" b="1" dirty="0">
-                          <a:latin typeface="+mn-lt"/>
-                        </a:rPr>
-                        <a:t>Total</a:t>
-                      </a:r>
-                    </a:p>
-                  </a:txBody>
-                  <a:tcPr marL="24384" marR="24384" marT="24384" marB="24384"/>
-                </a:tc>
-                <a:tc hMerge="1">
-                  <a:txBody>
-                    <a:bodyPr/>
-                    <a:lstStyle/>
-                    <a:p>
-                      <a:endParaRPr lang="en-US" sz="1400" dirty="0"/>
-                    </a:p>
-                  </a:txBody>
-                  <a:tcPr/>
-                </a:tc>
-                <a:tc hMerge="1">
-                  <a:txBody>
-                    <a:bodyPr/>
-                    <a:lstStyle/>
-                    <a:p>
-                      <a:endParaRPr lang="en-US" sz="1400" dirty="0"/>
-                    </a:p>
-                  </a:txBody>
-                  <a:tcPr/>
-                </a:tc>
-                <a:tc hMerge="1">
-                  <a:txBody>
-                    <a:bodyPr/>
-                    <a:lstStyle/>
-                    <a:p>
-                      <a:endParaRPr lang="en-US" sz="1400" dirty="0"/>
-                    </a:p>
-                  </a:txBody>
-                  <a:tcPr/>
-                </a:tc>
-                <a:tc hMerge="1">
-                  <a:txBody>
-                    <a:bodyPr/>
-                    <a:lstStyle/>
-                    <a:p>
-                      <a:endParaRPr lang="en-US" sz="1400" dirty="0"/>
-                    </a:p>
-                  </a:txBody>
-                  <a:tcPr/>
-                </a:tc>
-                <a:tc hMerge="1">
-                  <a:txBody>
-                    <a:bodyPr/>
-                    <a:lstStyle/>
-                    <a:p>
-                      <a:endParaRPr lang="en-US" sz="1400" dirty="0"/>
-                    </a:p>
-                  </a:txBody>
-                  <a:tcPr/>
-                </a:tc>
-                <a:tc hMerge="1">
-                  <a:txBody>
-                    <a:bodyPr/>
-                    <a:lstStyle/>
-                    <a:p>
-                      <a:endParaRPr lang="en-US" sz="1400" dirty="0"/>
-                    </a:p>
-                  </a:txBody>
-                  <a:tcPr/>
-                </a:tc>
-                <a:tc hMerge="1">
-                  <a:txBody>
-                    <a:bodyPr/>
-                    <a:lstStyle/>
-                    <a:p>
-                      <a:endParaRPr lang="en-US" sz="1400" dirty="0"/>
-                    </a:p>
-                  </a:txBody>
-                  <a:tcPr/>
-                </a:tc>
-                <a:tc>
-                  <a:txBody>
-                    <a:bodyPr/>
-                    <a:lstStyle/>
-                    <a:p>
-                      <a:r>
-                        <a:rPr lang="en-US" sz="1200" b="1" dirty="0">
-                          <a:latin typeface="+mn-lt"/>
-                        </a:rPr>
-                        <a:t>$00K</a:t>
-                      </a:r>
-                    </a:p>
-                  </a:txBody>
-                  <a:tcPr marL="24384" marR="24384" marT="24384" marB="24384"/>
-                </a:tc>
-                <a:tc>
-                  <a:txBody>
-                    <a:bodyPr/>
-                    <a:lstStyle/>
-                    <a:p>
-                      <a:r>
-                        <a:rPr lang="en-US" sz="1200" b="1" dirty="0">
-                          <a:latin typeface="+mn-lt"/>
-                        </a:rPr>
-                        <a:t>50%</a:t>
-                      </a:r>
-                    </a:p>
-                  </a:txBody>
-                  <a:tcPr marL="24384" marR="24384" marT="24384" marB="24384"/>
-                </a:tc>
-                <a:tc>
-                  <a:txBody>
-                    <a:bodyPr/>
-                    <a:lstStyle/>
-                    <a:p>
-                      <a:endParaRPr lang="en-US" sz="1200" b="1" dirty="0">
-                        <a:latin typeface="+mn-lt"/>
-                      </a:endParaRPr>
-                    </a:p>
-                  </a:txBody>
-                  <a:tcPr marL="24384" marR="24384" marT="24384" marB="24384"/>
-                </a:tc>
-                <a:extLst>
-                  <a:ext uri="{0D108BD9-81ED-4DB2-BD59-A6C34878D82A}">
-                    <a16:rowId xmlns:a16="http://schemas.microsoft.com/office/drawing/2014/main" val="2058594788"/>
-                  </a:ext>
-                </a:extLst>
-              </a:tr>
-            </a:tbl>
-          </a:graphicData>
-        </a:graphic>
-      </p:graphicFrame>
-    </p:spTree>
-    <p:extLst>
-      <p:ext uri="{BB962C8B-B14F-4D97-AF65-F5344CB8AC3E}">
-        <p14:creationId xmlns:p14="http://schemas.microsoft.com/office/powerpoint/2010/main" val="1809089855"/>
-      </p:ext>
-    </p:extLst>
-  </p:cSld>
-  <p:clrMapOvr>
-    <a:masterClrMapping/>
-  </p:clrMapOvr>
-</p:sld>
-</file>
-
-<file path=ppt/slides/slide8.xml><?xml version="1.0" encoding="utf-8"?>
-<p:sld xmlns:a="http://schemas.openxmlformats.org/drawingml/2006/main" xmlns:r="http://schemas.openxmlformats.org/officeDocument/2006/relationships" xmlns:p="http://schemas.openxmlformats.org/presentationml/2006/main">
-  <p:cSld>
-    <p:spTree>
-      <p:nvGrpSpPr>
-        <p:cNvPr id="1" name=""/>
-        <p:cNvGrpSpPr/>
-        <p:nvPr/>
-      </p:nvGrpSpPr>
-      <p:grpSpPr>
-        <a:xfrm>
-          <a:off x="0" y="0"/>
-          <a:ext cx="0" cy="0"/>
-          <a:chOff x="0" y="0"/>
-          <a:chExt cx="0" cy="0"/>
-        </a:xfrm>
-      </p:grpSpPr>
-      <p:sp>
-        <p:nvSpPr>
           <p:cNvPr id="8" name="Content Placeholder 7">
             <a:extLst>
               <a:ext uri="{FF2B5EF4-FFF2-40B4-BE49-F238E27FC236}">
@@ -18029,7 +15758,7 @@
         </p:nvSpPr>
         <p:spPr>
           <a:xfrm>
-            <a:off x="932783" y="1184342"/>
+            <a:off x="932783" y="1072832"/>
             <a:ext cx="10991445" cy="5600700"/>
           </a:xfrm>
         </p:spPr>
@@ -18049,7 +15778,57 @@
                 <a:effectLst/>
                 <a:latin typeface="Calibri" panose="020F0502020204030204" pitchFamily="34" charset="0"/>
               </a:rPr>
-              <a:t>Include a list of delays and/or difficulties related to project activities or deliverables. Indicate how delays/difficulties are being addressed and managed, and the anticipated dates for getting back on track. </a:t>
+              <a:t>Case study development was paused to focus on BMI development to link GSSHA with NSM and PHREEQC</a:t>
+            </a:r>
+          </a:p>
+          <a:p>
+            <a:pPr marL="342900" indent="-342900">
+              <a:buFont typeface="Arial" panose="020B0604020202020204" pitchFamily="34" charset="0"/>
+              <a:buChar char="•"/>
+            </a:pPr>
+            <a:r>
+              <a:rPr lang="en-US" sz="2400" dirty="0">
+                <a:solidFill>
+                  <a:schemeClr val="tx1"/>
+                </a:solidFill>
+                <a:effectLst/>
+                <a:latin typeface="Calibri" panose="020F0502020204030204" pitchFamily="34" charset="0"/>
+              </a:rPr>
+              <a:t>FY24 tasks were paused due to budget cuts. LimnoTech continued to make progress on </a:t>
+            </a:r>
+            <a:r>
+              <a:rPr lang="en-US" sz="2400" dirty="0">
+                <a:solidFill>
+                  <a:schemeClr val="tx1"/>
+                </a:solidFill>
+              </a:rPr>
+              <a:t>model capability and case study development </a:t>
+            </a:r>
+            <a:r>
+              <a:rPr lang="en-US" sz="2400" dirty="0">
+                <a:solidFill>
+                  <a:schemeClr val="tx1"/>
+                </a:solidFill>
+                <a:effectLst/>
+                <a:latin typeface="Calibri" panose="020F0502020204030204" pitchFamily="34" charset="0"/>
+              </a:rPr>
+              <a:t>under a task order funded in FY23.</a:t>
+            </a:r>
+          </a:p>
+          <a:p>
+            <a:pPr marL="342900" indent="-342900">
+              <a:buFont typeface="Arial" panose="020B0604020202020204" pitchFamily="34" charset="0"/>
+              <a:buChar char="•"/>
+            </a:pPr>
+            <a:r>
+              <a:rPr lang="en-US" sz="2400" dirty="0">
+                <a:solidFill>
+                  <a:schemeClr val="tx1"/>
+                </a:solidFill>
+                <a:effectLst/>
+                <a:latin typeface="Calibri" panose="020F0502020204030204" pitchFamily="34" charset="0"/>
+              </a:rPr>
+              <a:t>If funding is available in FY25, ERDC plans to continue development as planned in the PMP. </a:t>
             </a:r>
           </a:p>
           <a:p>
@@ -18095,7 +15874,7 @@
                   <a:schemeClr val="tx1"/>
                 </a:solidFill>
               </a:rPr>
-              <a:t>ERT-XX-XX: Delays and difficulties</a:t>
+              <a:t>ERT-23-12: Delays and difficulties</a:t>
             </a:r>
           </a:p>
         </p:txBody>
@@ -18104,111 +15883,6 @@
     <p:extLst>
       <p:ext uri="{BB962C8B-B14F-4D97-AF65-F5344CB8AC3E}">
         <p14:creationId xmlns:p14="http://schemas.microsoft.com/office/powerpoint/2010/main" val="1743304089"/>
-      </p:ext>
-    </p:extLst>
-  </p:cSld>
-  <p:clrMapOvr>
-    <a:masterClrMapping/>
-  </p:clrMapOvr>
-</p:sld>
-</file>
-
-<file path=ppt/slides/slide9.xml><?xml version="1.0" encoding="utf-8"?>
-<p:sld xmlns:a="http://schemas.openxmlformats.org/drawingml/2006/main" xmlns:r="http://schemas.openxmlformats.org/officeDocument/2006/relationships" xmlns:p="http://schemas.openxmlformats.org/presentationml/2006/main">
-  <p:cSld>
-    <p:spTree>
-      <p:nvGrpSpPr>
-        <p:cNvPr id="1" name=""/>
-        <p:cNvGrpSpPr/>
-        <p:nvPr/>
-      </p:nvGrpSpPr>
-      <p:grpSpPr>
-        <a:xfrm>
-          <a:off x="0" y="0"/>
-          <a:ext cx="0" cy="0"/>
-          <a:chOff x="0" y="0"/>
-          <a:chExt cx="0" cy="0"/>
-        </a:xfrm>
-      </p:grpSpPr>
-      <p:sp>
-        <p:nvSpPr>
-          <p:cNvPr id="8" name="Content Placeholder 7">
-            <a:extLst>
-              <a:ext uri="{FF2B5EF4-FFF2-40B4-BE49-F238E27FC236}">
-                <a16:creationId xmlns:a16="http://schemas.microsoft.com/office/drawing/2014/main" id="{98395AD3-01A2-113B-8C4F-725BCAD5294C}"/>
-              </a:ext>
-            </a:extLst>
-          </p:cNvPr>
-          <p:cNvSpPr>
-            <a:spLocks noGrp="1"/>
-          </p:cNvSpPr>
-          <p:nvPr>
-            <p:ph sz="quarter" idx="10"/>
-          </p:nvPr>
-        </p:nvSpPr>
-        <p:spPr/>
-        <p:txBody>
-          <a:bodyPr/>
-          <a:lstStyle/>
-          <a:p>
-            <a:pPr marL="342900" indent="-342900">
-              <a:buFont typeface="Arial" panose="020B0604020202020204" pitchFamily="34" charset="0"/>
-              <a:buChar char="•"/>
-            </a:pPr>
-            <a:r>
-              <a:rPr lang="en-US" sz="2400" dirty="0">
-                <a:solidFill>
-                  <a:schemeClr val="tx1"/>
-                </a:solidFill>
-                <a:effectLst/>
-                <a:latin typeface="Calibri" panose="020F0502020204030204" pitchFamily="34" charset="0"/>
-              </a:rPr>
-              <a:t>Please use this slide to add any other updates or notes about your project. You can also use this slide to share more photos. Thank you!</a:t>
-            </a:r>
-          </a:p>
-        </p:txBody>
-      </p:sp>
-      <p:sp>
-        <p:nvSpPr>
-          <p:cNvPr id="7" name="Title 6">
-            <a:extLst>
-              <a:ext uri="{FF2B5EF4-FFF2-40B4-BE49-F238E27FC236}">
-                <a16:creationId xmlns:a16="http://schemas.microsoft.com/office/drawing/2014/main" id="{7235E168-CD9B-CF75-2B74-3124823D5274}"/>
-              </a:ext>
-            </a:extLst>
-          </p:cNvPr>
-          <p:cNvSpPr>
-            <a:spLocks noGrp="1"/>
-          </p:cNvSpPr>
-          <p:nvPr>
-            <p:ph type="title"/>
-          </p:nvPr>
-        </p:nvSpPr>
-        <p:spPr>
-          <a:xfrm>
-            <a:off x="1785879" y="228600"/>
-            <a:ext cx="9821108" cy="755509"/>
-          </a:xfrm>
-        </p:spPr>
-        <p:txBody>
-          <a:bodyPr/>
-          <a:lstStyle/>
-          <a:p>
-            <a:r>
-              <a:rPr lang="en-US" dirty="0">
-                <a:solidFill>
-                  <a:schemeClr val="tx1"/>
-                </a:solidFill>
-              </a:rPr>
-              <a:t>ERT-XX-XX: Anything else you’d like to add?</a:t>
-            </a:r>
-          </a:p>
-        </p:txBody>
-      </p:sp>
-    </p:spTree>
-    <p:extLst>
-      <p:ext uri="{BB962C8B-B14F-4D97-AF65-F5344CB8AC3E}">
-        <p14:creationId xmlns:p14="http://schemas.microsoft.com/office/powerpoint/2010/main" val="3049711875"/>
       </p:ext>
     </p:extLst>
   </p:cSld>
@@ -19005,9 +16679,12 @@
 </file>
 
 <file path=customXml/item1.xml><?xml version="1.0" encoding="utf-8"?>
-<p:properties xmlns:p="http://schemas.microsoft.com/office/2006/metadata/properties" xmlns:xsi="http://www.w3.org/2001/XMLSchema-instance" xmlns:pc="http://schemas.microsoft.com/office/infopath/2007/PartnerControls">
-  <documentManagement/>
-</p:properties>
+<?mso-contentType ?>
+<FormTemplates xmlns="http://schemas.microsoft.com/sharepoint/v3/contenttype/forms">
+  <Display>DocumentLibraryForm</Display>
+  <Edit>DocumentLibraryForm</Edit>
+  <New>DocumentLibraryForm</New>
+</FormTemplates>
 </file>
 
 <file path=customXml/item2.xml><?xml version="1.0" encoding="utf-8"?>
@@ -19143,26 +16820,15 @@
 </file>
 
 <file path=customXml/item3.xml><?xml version="1.0" encoding="utf-8"?>
-<?mso-contentType ?>
-<FormTemplates xmlns="http://schemas.microsoft.com/sharepoint/v3/contenttype/forms">
-  <Display>DocumentLibraryForm</Display>
-  <Edit>DocumentLibraryForm</Edit>
-  <New>DocumentLibraryForm</New>
-</FormTemplates>
+<p:properties xmlns:p="http://schemas.microsoft.com/office/2006/metadata/properties" xmlns:xsi="http://www.w3.org/2001/XMLSchema-instance" xmlns:pc="http://schemas.microsoft.com/office/infopath/2007/PartnerControls">
+  <documentManagement/>
+</p:properties>
 </file>
 
 <file path=customXml/itemProps1.xml><?xml version="1.0" encoding="utf-8"?>
-<ds:datastoreItem xmlns:ds="http://schemas.openxmlformats.org/officeDocument/2006/customXml" ds:itemID="{0B8C2CD5-50C2-4A7C-996A-3D6312B83669}">
+<ds:datastoreItem xmlns:ds="http://schemas.openxmlformats.org/officeDocument/2006/customXml" ds:itemID="{57CAE72E-856B-4DF4-A9F6-93C41667E9A0}">
   <ds:schemaRefs>
-    <ds:schemaRef ds:uri="http://schemas.openxmlformats.org/package/2006/metadata/core-properties"/>
-    <ds:schemaRef ds:uri="http://purl.org/dc/terms/"/>
-    <ds:schemaRef ds:uri="http://schemas.microsoft.com/office/2006/documentManagement/types"/>
-    <ds:schemaRef ds:uri="http://purl.org/dc/elements/1.1/"/>
-    <ds:schemaRef ds:uri="http://schemas.microsoft.com/office/2006/metadata/properties"/>
-    <ds:schemaRef ds:uri="1c1d9cf8-8fbb-4cb0-bc90-ffce08f888e0"/>
-    <ds:schemaRef ds:uri="http://www.w3.org/XML/1998/namespace"/>
-    <ds:schemaRef ds:uri="http://purl.org/dc/dcmitype/"/>
-    <ds:schemaRef ds:uri="http://schemas.microsoft.com/office/infopath/2007/PartnerControls"/>
+    <ds:schemaRef ds:uri="http://schemas.microsoft.com/sharepoint/v3/contenttype/forms"/>
   </ds:schemaRefs>
 </ds:datastoreItem>
 </file>
@@ -19186,9 +16852,17 @@
 </file>
 
 <file path=customXml/itemProps3.xml><?xml version="1.0" encoding="utf-8"?>
-<ds:datastoreItem xmlns:ds="http://schemas.openxmlformats.org/officeDocument/2006/customXml" ds:itemID="{57CAE72E-856B-4DF4-A9F6-93C41667E9A0}">
+<ds:datastoreItem xmlns:ds="http://schemas.openxmlformats.org/officeDocument/2006/customXml" ds:itemID="{0B8C2CD5-50C2-4A7C-996A-3D6312B83669}">
   <ds:schemaRefs>
-    <ds:schemaRef ds:uri="http://schemas.microsoft.com/sharepoint/v3/contenttype/forms"/>
+    <ds:schemaRef ds:uri="http://schemas.openxmlformats.org/package/2006/metadata/core-properties"/>
+    <ds:schemaRef ds:uri="http://purl.org/dc/terms/"/>
+    <ds:schemaRef ds:uri="http://schemas.microsoft.com/office/2006/documentManagement/types"/>
+    <ds:schemaRef ds:uri="http://purl.org/dc/elements/1.1/"/>
+    <ds:schemaRef ds:uri="http://schemas.microsoft.com/office/2006/metadata/properties"/>
+    <ds:schemaRef ds:uri="1c1d9cf8-8fbb-4cb0-bc90-ffce08f888e0"/>
+    <ds:schemaRef ds:uri="http://www.w3.org/XML/1998/namespace"/>
+    <ds:schemaRef ds:uri="http://purl.org/dc/dcmitype/"/>
+    <ds:schemaRef ds:uri="http://schemas.microsoft.com/office/infopath/2007/PartnerControls"/>
   </ds:schemaRefs>
 </ds:datastoreItem>
 </file>